--- a/MentorShip Program/Exam 2/Exam 2.pptx
+++ b/MentorShip Program/Exam 2/Exam 2.pptx
@@ -5,7 +5,7 @@
     <p:sldMasterId id="2147483711" r:id="rId1"/>
   </p:sldMasterIdLst>
   <p:notesMasterIdLst>
-    <p:notesMasterId r:id="rId8"/>
+    <p:notesMasterId r:id="rId14"/>
   </p:notesMasterIdLst>
   <p:sldIdLst>
     <p:sldId id="256" r:id="rId2"/>
@@ -14,6 +14,12 @@
     <p:sldId id="259" r:id="rId5"/>
     <p:sldId id="260" r:id="rId6"/>
     <p:sldId id="261" r:id="rId7"/>
+    <p:sldId id="262" r:id="rId8"/>
+    <p:sldId id="263" r:id="rId9"/>
+    <p:sldId id="264" r:id="rId10"/>
+    <p:sldId id="265" r:id="rId11"/>
+    <p:sldId id="266" r:id="rId12"/>
+    <p:sldId id="267" r:id="rId13"/>
   </p:sldIdLst>
   <p:sldSz cx="12192000" cy="6858000"/>
   <p:notesSz cx="6858000" cy="9144000"/>
@@ -112,7 +118,20 @@
       </a:defRPr>
     </a:lvl9pPr>
   </p:defaultTextStyle>
+  <p:extLst>
+    <p:ext uri="{EFAFB233-063F-42B5-8137-9DF3F51BA10A}">
+      <p15:sldGuideLst xmlns:p15="http://schemas.microsoft.com/office/powerpoint/2012/main"/>
+    </p:ext>
+  </p:extLst>
 </p:presentation>
+</file>
+
+<file path=ppt/revisionInfo.xml><?xml version="1.0" encoding="utf-8"?>
+<p1510:revInfo xmlns:a="http://schemas.openxmlformats.org/drawingml/2006/main" xmlns:r="http://schemas.openxmlformats.org/officeDocument/2006/relationships" xmlns:p1510="http://schemas.microsoft.com/office/powerpoint/2015/10/main">
+  <p1510:revLst>
+    <p1510:client id="{72DB9BDB-93D6-2D47-9D2E-2FEA6AB388C3}" v="18" dt="2024-05-09T13:37:49.702"/>
+  </p1510:revLst>
+</p1510:revInfo>
 </file>
 
 <file path=ppt/notesMasters/notesMaster1.xml><?xml version="1.0" encoding="utf-8"?>
@@ -3928,10 +3947,10 @@
       </p:grpSpPr>
       <p:sp useBgFill="1">
         <p:nvSpPr>
-          <p:cNvPr id="134" name="Rectangle 133">
+          <p:cNvPr id="145" name="Rectangle 144">
             <a:extLst>
               <a:ext uri="{FF2B5EF4-FFF2-40B4-BE49-F238E27FC236}">
-                <a16:creationId xmlns:a16="http://schemas.microsoft.com/office/drawing/2014/main" id="{A8384FB5-9ADC-4DDC-881B-597D56F5B15D}"/>
+                <a16:creationId xmlns:a16="http://schemas.microsoft.com/office/drawing/2014/main" id="{207CE0ED-670A-44ED-9267-236A77A51399}"/>
               </a:ext>
               <a:ext uri="{C183D7F6-B498-43B3-948B-1728B52AA6E4}">
                 <adec:decorative xmlns:adec="http://schemas.microsoft.com/office/drawing/2017/decorative" val="1"/>
@@ -4004,10 +4023,237 @@
       </p:sp>
       <p:sp>
         <p:nvSpPr>
-          <p:cNvPr id="136" name="Rectangle 135">
+          <p:cNvPr id="147" name="Rectangle 146">
             <a:extLst>
               <a:ext uri="{FF2B5EF4-FFF2-40B4-BE49-F238E27FC236}">
-                <a16:creationId xmlns:a16="http://schemas.microsoft.com/office/drawing/2014/main" id="{0AF57B88-1D4C-41FA-A761-EC1DD10C35CB}"/>
+                <a16:creationId xmlns:a16="http://schemas.microsoft.com/office/drawing/2014/main" id="{B7055566-9B78-4577-BB88-C1E139BA119A}"/>
+              </a:ext>
+              <a:ext uri="{C183D7F6-B498-43B3-948B-1728B52AA6E4}">
+                <adec:decorative xmlns:adec="http://schemas.microsoft.com/office/drawing/2017/decorative" val="1"/>
+              </a:ext>
+            </a:extLst>
+          </p:cNvPr>
+          <p:cNvSpPr>
+            <a:spLocks noGrp="1" noRot="1" noChangeAspect="1" noMove="1" noResize="1" noEditPoints="1" noAdjustHandles="1" noChangeArrowheads="1" noChangeShapeType="1" noTextEdit="1"/>
+          </p:cNvSpPr>
+          <p:nvPr>
+            <p:extLst>
+              <p:ext uri="{386F3935-93C4-4BCD-93E2-E3B085C9AB24}">
+                <p16:designElem xmlns:p16="http://schemas.microsoft.com/office/powerpoint/2015/main" val="1"/>
+              </p:ext>
+            </p:extLst>
+          </p:nvPr>
+        </p:nvSpPr>
+        <p:spPr>
+          <a:xfrm flipH="1">
+            <a:off x="-7" y="1"/>
+            <a:ext cx="12192003" cy="6858000"/>
+          </a:xfrm>
+          <a:prstGeom prst="rect">
+            <a:avLst/>
+          </a:prstGeom>
+          <a:gradFill>
+            <a:gsLst>
+              <a:gs pos="0">
+                <a:schemeClr val="accent6"/>
+              </a:gs>
+              <a:gs pos="100000">
+                <a:schemeClr val="accent5">
+                  <a:alpha val="83000"/>
+                </a:schemeClr>
+              </a:gs>
+            </a:gsLst>
+            <a:lin ang="3600000" scaled="0"/>
+          </a:gradFill>
+          <a:ln>
+            <a:noFill/>
+          </a:ln>
+        </p:spPr>
+        <p:style>
+          <a:lnRef idx="2">
+            <a:schemeClr val="accent1">
+              <a:shade val="50000"/>
+            </a:schemeClr>
+          </a:lnRef>
+          <a:fillRef idx="1">
+            <a:schemeClr val="accent1"/>
+          </a:fillRef>
+          <a:effectRef idx="0">
+            <a:schemeClr val="accent1"/>
+          </a:effectRef>
+          <a:fontRef idx="minor">
+            <a:schemeClr val="lt1"/>
+          </a:fontRef>
+        </p:style>
+        <p:txBody>
+          <a:bodyPr rtlCol="0" anchor="ctr"/>
+          <a:lstStyle/>
+          <a:p>
+            <a:pPr algn="ctr"/>
+            <a:endParaRPr lang="en-US"/>
+          </a:p>
+        </p:txBody>
+      </p:sp>
+      <p:sp>
+        <p:nvSpPr>
+          <p:cNvPr id="149" name="Rectangle 148">
+            <a:extLst>
+              <a:ext uri="{FF2B5EF4-FFF2-40B4-BE49-F238E27FC236}">
+                <a16:creationId xmlns:a16="http://schemas.microsoft.com/office/drawing/2014/main" id="{79456B12-3135-4942-BC5C-B111CAEFE6F5}"/>
+              </a:ext>
+              <a:ext uri="{C183D7F6-B498-43B3-948B-1728B52AA6E4}">
+                <adec:decorative xmlns:adec="http://schemas.microsoft.com/office/drawing/2017/decorative" val="1"/>
+              </a:ext>
+            </a:extLst>
+          </p:cNvPr>
+          <p:cNvSpPr>
+            <a:spLocks noGrp="1" noRot="1" noChangeAspect="1" noMove="1" noResize="1" noEditPoints="1" noAdjustHandles="1" noChangeArrowheads="1" noChangeShapeType="1" noTextEdit="1"/>
+          </p:cNvSpPr>
+          <p:nvPr>
+            <p:extLst>
+              <p:ext uri="{386F3935-93C4-4BCD-93E2-E3B085C9AB24}">
+                <p16:designElem xmlns:p16="http://schemas.microsoft.com/office/powerpoint/2015/main" val="1"/>
+              </p:ext>
+            </p:extLst>
+          </p:nvPr>
+        </p:nvSpPr>
+        <p:spPr>
+          <a:xfrm rot="10800000" flipH="1">
+            <a:off x="457200" y="-2"/>
+            <a:ext cx="11733692" cy="6869065"/>
+          </a:xfrm>
+          <a:prstGeom prst="rect">
+            <a:avLst/>
+          </a:prstGeom>
+          <a:gradFill>
+            <a:gsLst>
+              <a:gs pos="0">
+                <a:schemeClr val="accent2">
+                  <a:lumMod val="60000"/>
+                  <a:lumOff val="40000"/>
+                  <a:alpha val="48000"/>
+                </a:schemeClr>
+              </a:gs>
+              <a:gs pos="99000">
+                <a:schemeClr val="accent2">
+                  <a:alpha val="57000"/>
+                </a:schemeClr>
+              </a:gs>
+            </a:gsLst>
+            <a:lin ang="16800000" scaled="0"/>
+          </a:gradFill>
+          <a:ln>
+            <a:noFill/>
+          </a:ln>
+        </p:spPr>
+        <p:style>
+          <a:lnRef idx="2">
+            <a:schemeClr val="accent1">
+              <a:shade val="50000"/>
+            </a:schemeClr>
+          </a:lnRef>
+          <a:fillRef idx="1">
+            <a:schemeClr val="accent1"/>
+          </a:fillRef>
+          <a:effectRef idx="0">
+            <a:schemeClr val="accent1"/>
+          </a:effectRef>
+          <a:fontRef idx="minor">
+            <a:schemeClr val="lt1"/>
+          </a:fontRef>
+        </p:style>
+        <p:txBody>
+          <a:bodyPr rtlCol="0" anchor="ctr"/>
+          <a:lstStyle/>
+          <a:p>
+            <a:pPr algn="ctr"/>
+            <a:endParaRPr lang="en-US"/>
+          </a:p>
+        </p:txBody>
+      </p:sp>
+      <p:sp>
+        <p:nvSpPr>
+          <p:cNvPr id="151" name="Rectangle 150">
+            <a:extLst>
+              <a:ext uri="{FF2B5EF4-FFF2-40B4-BE49-F238E27FC236}">
+                <a16:creationId xmlns:a16="http://schemas.microsoft.com/office/drawing/2014/main" id="{44EA8068-5C49-4225-8B62-3E3C30BF7C46}"/>
+              </a:ext>
+              <a:ext uri="{C183D7F6-B498-43B3-948B-1728B52AA6E4}">
+                <adec:decorative xmlns:adec="http://schemas.microsoft.com/office/drawing/2017/decorative" val="1"/>
+              </a:ext>
+            </a:extLst>
+          </p:cNvPr>
+          <p:cNvSpPr>
+            <a:spLocks noGrp="1" noRot="1" noChangeAspect="1" noMove="1" noResize="1" noEditPoints="1" noAdjustHandles="1" noChangeArrowheads="1" noChangeShapeType="1" noTextEdit="1"/>
+          </p:cNvSpPr>
+          <p:nvPr>
+            <p:extLst>
+              <p:ext uri="{386F3935-93C4-4BCD-93E2-E3B085C9AB24}">
+                <p16:designElem xmlns:p16="http://schemas.microsoft.com/office/powerpoint/2015/main" val="1"/>
+              </p:ext>
+            </p:extLst>
+          </p:nvPr>
+        </p:nvSpPr>
+        <p:spPr>
+          <a:xfrm>
+            <a:off x="0" y="0"/>
+            <a:ext cx="12190886" cy="6880604"/>
+          </a:xfrm>
+          <a:prstGeom prst="rect">
+            <a:avLst/>
+          </a:prstGeom>
+          <a:gradFill>
+            <a:gsLst>
+              <a:gs pos="0">
+                <a:schemeClr val="accent2">
+                  <a:lumMod val="60000"/>
+                  <a:lumOff val="40000"/>
+                  <a:alpha val="19000"/>
+                </a:schemeClr>
+              </a:gs>
+              <a:gs pos="99000">
+                <a:schemeClr val="accent2">
+                  <a:alpha val="21000"/>
+                </a:schemeClr>
+              </a:gs>
+            </a:gsLst>
+            <a:lin ang="19800000" scaled="0"/>
+          </a:gradFill>
+          <a:ln>
+            <a:noFill/>
+          </a:ln>
+        </p:spPr>
+        <p:style>
+          <a:lnRef idx="2">
+            <a:schemeClr val="accent1">
+              <a:shade val="50000"/>
+            </a:schemeClr>
+          </a:lnRef>
+          <a:fillRef idx="1">
+            <a:schemeClr val="accent1"/>
+          </a:fillRef>
+          <a:effectRef idx="0">
+            <a:schemeClr val="accent1"/>
+          </a:effectRef>
+          <a:fontRef idx="minor">
+            <a:schemeClr val="lt1"/>
+          </a:fontRef>
+        </p:style>
+        <p:txBody>
+          <a:bodyPr rtlCol="0" anchor="ctr"/>
+          <a:lstStyle/>
+          <a:p>
+            <a:pPr algn="ctr"/>
+            <a:endParaRPr lang="en-US"/>
+          </a:p>
+        </p:txBody>
+      </p:sp>
+      <p:sp>
+        <p:nvSpPr>
+          <p:cNvPr id="153" name="Rectangle 152">
+            <a:extLst>
+              <a:ext uri="{FF2B5EF4-FFF2-40B4-BE49-F238E27FC236}">
+                <a16:creationId xmlns:a16="http://schemas.microsoft.com/office/drawing/2014/main" id="{70EE5648-70CA-4800-81EE-40F5CD1A38B9}"/>
               </a:ext>
               <a:ext uri="{C183D7F6-B498-43B3-948B-1728B52AA6E4}">
                 <adec:decorative xmlns:adec="http://schemas.microsoft.com/office/drawing/2017/decorative" val="1"/>
@@ -4027,21 +4273,195 @@
         </p:nvSpPr>
         <p:spPr>
           <a:xfrm rot="5400000" flipH="1">
-            <a:off x="-1417539" y="1417538"/>
-            <a:ext cx="6875818" cy="4040744"/>
+            <a:off x="2895039" y="-2895044"/>
+            <a:ext cx="6400799" cy="12190885"/>
           </a:xfrm>
           <a:prstGeom prst="rect">
             <a:avLst/>
           </a:prstGeom>
           <a:gradFill>
             <a:gsLst>
-              <a:gs pos="11000">
-                <a:schemeClr val="accent2"/>
+              <a:gs pos="8000">
+                <a:schemeClr val="accent5">
+                  <a:alpha val="38000"/>
+                </a:schemeClr>
               </a:gs>
               <a:gs pos="100000">
                 <a:schemeClr val="accent6">
                   <a:lumMod val="75000"/>
-                  <a:alpha val="85000"/>
+                  <a:alpha val="0"/>
+                </a:schemeClr>
+              </a:gs>
+            </a:gsLst>
+            <a:lin ang="3000000" scaled="0"/>
+          </a:gradFill>
+          <a:ln>
+            <a:noFill/>
+          </a:ln>
+        </p:spPr>
+        <p:style>
+          <a:lnRef idx="2">
+            <a:schemeClr val="accent1">
+              <a:shade val="50000"/>
+            </a:schemeClr>
+          </a:lnRef>
+          <a:fillRef idx="1">
+            <a:schemeClr val="accent1"/>
+          </a:fillRef>
+          <a:effectRef idx="0">
+            <a:schemeClr val="accent1"/>
+          </a:effectRef>
+          <a:fontRef idx="minor">
+            <a:schemeClr val="lt1"/>
+          </a:fontRef>
+        </p:style>
+        <p:txBody>
+          <a:bodyPr rtlCol="0" anchor="ctr"/>
+          <a:lstStyle/>
+          <a:p>
+            <a:pPr algn="ctr"/>
+            <a:endParaRPr lang="en-US"/>
+          </a:p>
+        </p:txBody>
+      </p:sp>
+      <p:sp>
+        <p:nvSpPr>
+          <p:cNvPr id="2" name="Title 1">
+            <a:extLst>
+              <a:ext uri="{FF2B5EF4-FFF2-40B4-BE49-F238E27FC236}">
+                <a16:creationId xmlns:a16="http://schemas.microsoft.com/office/drawing/2014/main" id="{15CEBE35-37E9-D028-72C9-68138E0B5D8E}"/>
+              </a:ext>
+            </a:extLst>
+          </p:cNvPr>
+          <p:cNvSpPr>
+            <a:spLocks noGrp="1"/>
+          </p:cNvSpPr>
+          <p:nvPr>
+            <p:ph type="ctrTitle"/>
+          </p:nvPr>
+        </p:nvSpPr>
+        <p:spPr>
+          <a:xfrm>
+            <a:off x="4538341" y="2224846"/>
+            <a:ext cx="6498525" cy="3102528"/>
+          </a:xfrm>
+        </p:spPr>
+        <p:txBody>
+          <a:bodyPr>
+            <a:normAutofit/>
+          </a:bodyPr>
+          <a:lstStyle/>
+          <a:p>
+            <a:pPr algn="l"/>
+            <a:r>
+              <a:rPr lang="en-US" sz="4400">
+                <a:solidFill>
+                  <a:schemeClr val="bg1"/>
+                </a:solidFill>
+              </a:rPr>
+              <a:t>Exam 2</a:t>
+            </a:r>
+            <a:br>
+              <a:rPr lang="en-US" sz="4400">
+                <a:solidFill>
+                  <a:schemeClr val="bg1"/>
+                </a:solidFill>
+              </a:rPr>
+            </a:br>
+            <a:r>
+              <a:rPr lang="en-US" sz="4400">
+                <a:solidFill>
+                  <a:schemeClr val="bg1"/>
+                </a:solidFill>
+              </a:rPr>
+              <a:t>Database</a:t>
+            </a:r>
+          </a:p>
+        </p:txBody>
+      </p:sp>
+      <p:sp>
+        <p:nvSpPr>
+          <p:cNvPr id="3" name="Subtitle 2">
+            <a:extLst>
+              <a:ext uri="{FF2B5EF4-FFF2-40B4-BE49-F238E27FC236}">
+                <a16:creationId xmlns:a16="http://schemas.microsoft.com/office/drawing/2014/main" id="{C238A604-88E0-9E22-C31F-116B56720922}"/>
+              </a:ext>
+            </a:extLst>
+          </p:cNvPr>
+          <p:cNvSpPr>
+            <a:spLocks noGrp="1"/>
+          </p:cNvSpPr>
+          <p:nvPr>
+            <p:ph type="subTitle" idx="1"/>
+          </p:nvPr>
+        </p:nvSpPr>
+        <p:spPr>
+          <a:xfrm>
+            <a:off x="4538337" y="1028699"/>
+            <a:ext cx="6498525" cy="1079663"/>
+          </a:xfrm>
+        </p:spPr>
+        <p:txBody>
+          <a:bodyPr anchor="ctr">
+            <a:normAutofit/>
+          </a:bodyPr>
+          <a:lstStyle/>
+          <a:p>
+            <a:pPr algn="l"/>
+            <a:r>
+              <a:rPr lang="en-US" sz="1400">
+                <a:solidFill>
+                  <a:schemeClr val="bg1"/>
+                </a:solidFill>
+              </a:rPr>
+              <a:t>MentorShip</a:t>
+            </a:r>
+          </a:p>
+        </p:txBody>
+      </p:sp>
+      <p:sp>
+        <p:nvSpPr>
+          <p:cNvPr id="155" name="Rectangle 154">
+            <a:extLst>
+              <a:ext uri="{FF2B5EF4-FFF2-40B4-BE49-F238E27FC236}">
+                <a16:creationId xmlns:a16="http://schemas.microsoft.com/office/drawing/2014/main" id="{5C865637-A524-441B-A1B6-6D38BF9B17CE}"/>
+              </a:ext>
+              <a:ext uri="{C183D7F6-B498-43B3-948B-1728B52AA6E4}">
+                <adec:decorative xmlns:adec="http://schemas.microsoft.com/office/drawing/2017/decorative" val="1"/>
+              </a:ext>
+            </a:extLst>
+          </p:cNvPr>
+          <p:cNvSpPr>
+            <a:spLocks noGrp="1" noRot="1" noChangeAspect="1" noMove="1" noResize="1" noEditPoints="1" noAdjustHandles="1" noChangeArrowheads="1" noChangeShapeType="1" noTextEdit="1"/>
+          </p:cNvSpPr>
+          <p:nvPr>
+            <p:extLst>
+              <p:ext uri="{386F3935-93C4-4BCD-93E2-E3B085C9AB24}">
+                <p16:designElem xmlns:p16="http://schemas.microsoft.com/office/powerpoint/2015/main" val="1"/>
+              </p:ext>
+            </p:extLst>
+          </p:nvPr>
+        </p:nvSpPr>
+        <p:spPr>
+          <a:xfrm rot="5400000" flipH="1">
+            <a:off x="-1409708" y="1420764"/>
+            <a:ext cx="6857999" cy="4038605"/>
+          </a:xfrm>
+          <a:prstGeom prst="rect">
+            <a:avLst/>
+          </a:prstGeom>
+          <a:gradFill>
+            <a:gsLst>
+              <a:gs pos="0">
+                <a:schemeClr val="accent5">
+                  <a:alpha val="0"/>
+                </a:schemeClr>
+              </a:gs>
+              <a:gs pos="99000">
+                <a:schemeClr val="accent4">
+                  <a:lumMod val="60000"/>
+                  <a:lumOff val="40000"/>
+                  <a:alpha val="60000"/>
                 </a:schemeClr>
               </a:gs>
             </a:gsLst>
@@ -4072,16 +4492,16 @@
           <a:lstStyle/>
           <a:p>
             <a:pPr algn="ctr"/>
-            <a:endParaRPr lang="en-US" dirty="0"/>
+            <a:endParaRPr lang="en-US"/>
           </a:p>
         </p:txBody>
       </p:sp>
       <p:sp>
         <p:nvSpPr>
-          <p:cNvPr id="138" name="Rectangle 137">
+          <p:cNvPr id="157" name="Oval 156">
             <a:extLst>
               <a:ext uri="{FF2B5EF4-FFF2-40B4-BE49-F238E27FC236}">
-                <a16:creationId xmlns:a16="http://schemas.microsoft.com/office/drawing/2014/main" id="{D2548F45-5164-4ABB-8212-7F293FDED8D4}"/>
+                <a16:creationId xmlns:a16="http://schemas.microsoft.com/office/drawing/2014/main" id="{7559A662-54F5-47C0-8F66-AEA2B861C012}"/>
               </a:ext>
               <a:ext uri="{C183D7F6-B498-43B3-948B-1728B52AA6E4}">
                 <adec:decorative xmlns:adec="http://schemas.microsoft.com/office/drawing/2017/decorative" val="1"/>
@@ -4100,23 +4520,25 @@
           </p:nvPr>
         </p:nvSpPr>
         <p:spPr>
-          <a:xfrm rot="16200000">
-            <a:off x="-159565" y="2659404"/>
-            <a:ext cx="4355594" cy="4040742"/>
+          <a:xfrm rot="13168948">
+            <a:off x="1535724" y="1053996"/>
+            <a:ext cx="5005754" cy="5005754"/>
           </a:xfrm>
-          <a:prstGeom prst="rect">
+          <a:prstGeom prst="ellipse">
             <a:avLst/>
           </a:prstGeom>
           <a:gradFill>
             <a:gsLst>
-              <a:gs pos="0">
-                <a:schemeClr val="accent5">
-                  <a:alpha val="35000"/>
+              <a:gs pos="31000">
+                <a:schemeClr val="accent6">
+                  <a:alpha val="0"/>
                 </a:schemeClr>
               </a:gs>
-              <a:gs pos="100000">
+              <a:gs pos="85000">
                 <a:schemeClr val="accent6">
-                  <a:alpha val="0"/>
+                  <a:lumMod val="60000"/>
+                  <a:lumOff val="40000"/>
+                  <a:alpha val="21000"/>
                 </a:schemeClr>
               </a:gs>
             </a:gsLst>
@@ -4147,303 +4569,7 @@
           <a:lstStyle/>
           <a:p>
             <a:pPr algn="ctr"/>
-            <a:endParaRPr lang="en-US"/>
-          </a:p>
-        </p:txBody>
-      </p:sp>
-      <p:pic>
-        <p:nvPicPr>
-          <p:cNvPr id="4" name="Picture 3">
-            <a:extLst>
-              <a:ext uri="{FF2B5EF4-FFF2-40B4-BE49-F238E27FC236}">
-                <a16:creationId xmlns:a16="http://schemas.microsoft.com/office/drawing/2014/main" id="{ACE14C25-4C74-7B09-A0E7-0912CCE6C9C8}"/>
-              </a:ext>
-            </a:extLst>
-          </p:cNvPr>
-          <p:cNvPicPr>
-            <a:picLocks noChangeAspect="1"/>
-          </p:cNvPicPr>
-          <p:nvPr/>
-        </p:nvPicPr>
-        <p:blipFill rotWithShape="1">
-          <a:blip r:embed="rId2"/>
-          <a:srcRect l="10311" r="18185" b="-1"/>
-          <a:stretch/>
-        </p:blipFill>
-        <p:spPr>
-          <a:xfrm>
-            <a:off x="4038599" y="10"/>
-            <a:ext cx="8160026" cy="6875809"/>
-          </a:xfrm>
-          <a:prstGeom prst="rect">
-            <a:avLst/>
-          </a:prstGeom>
-        </p:spPr>
-      </p:pic>
-      <p:sp>
-        <p:nvSpPr>
-          <p:cNvPr id="140" name="Freeform: Shape 139">
-            <a:extLst>
-              <a:ext uri="{FF2B5EF4-FFF2-40B4-BE49-F238E27FC236}">
-                <a16:creationId xmlns:a16="http://schemas.microsoft.com/office/drawing/2014/main" id="{5E81CCFB-7BEF-4186-86FB-D09450B4D02D}"/>
-              </a:ext>
-              <a:ext uri="{C183D7F6-B498-43B3-948B-1728B52AA6E4}">
-                <adec:decorative xmlns:adec="http://schemas.microsoft.com/office/drawing/2017/decorative" val="1"/>
-              </a:ext>
-            </a:extLst>
-          </p:cNvPr>
-          <p:cNvSpPr>
-            <a:spLocks noGrp="1" noRot="1" noChangeAspect="1" noMove="1" noResize="1" noEditPoints="1" noAdjustHandles="1" noChangeArrowheads="1" noChangeShapeType="1" noTextEdit="1"/>
-          </p:cNvSpPr>
-          <p:nvPr>
-            <p:extLst>
-              <p:ext uri="{386F3935-93C4-4BCD-93E2-E3B085C9AB24}">
-                <p16:designElem xmlns:p16="http://schemas.microsoft.com/office/powerpoint/2015/main" val="1"/>
-              </p:ext>
-            </p:extLst>
-          </p:nvPr>
-        </p:nvSpPr>
-        <p:spPr>
-          <a:xfrm rot="6097846">
-            <a:off x="-747355" y="1201312"/>
-            <a:ext cx="4808302" cy="4088666"/>
-          </a:xfrm>
-          <a:custGeom>
-            <a:avLst/>
-            <a:gdLst>
-              <a:gd name="connsiteX0" fmla="*/ 48844 w 4808302"/>
-              <a:gd name="connsiteY0" fmla="*/ 2888671 h 4088666"/>
-              <a:gd name="connsiteX1" fmla="*/ 0 w 4808302"/>
-              <a:gd name="connsiteY1" fmla="*/ 2404151 h 4088666"/>
-              <a:gd name="connsiteX2" fmla="*/ 2404151 w 4808302"/>
-              <a:gd name="connsiteY2" fmla="*/ 0 h 4088666"/>
-              <a:gd name="connsiteX3" fmla="*/ 4808302 w 4808302"/>
-              <a:gd name="connsiteY3" fmla="*/ 2404151 h 4088666"/>
-              <a:gd name="connsiteX4" fmla="*/ 4700216 w 4808302"/>
-              <a:gd name="connsiteY4" fmla="*/ 3119072 h 4088666"/>
-              <a:gd name="connsiteX5" fmla="*/ 4643143 w 4808302"/>
-              <a:gd name="connsiteY5" fmla="*/ 3275009 h 4088666"/>
-              <a:gd name="connsiteX6" fmla="*/ 690093 w 4808302"/>
-              <a:gd name="connsiteY6" fmla="*/ 4088666 h 4088666"/>
-              <a:gd name="connsiteX7" fmla="*/ 548991 w 4808302"/>
-              <a:gd name="connsiteY7" fmla="*/ 3933414 h 4088666"/>
-              <a:gd name="connsiteX8" fmla="*/ 48844 w 4808302"/>
-              <a:gd name="connsiteY8" fmla="*/ 2888671 h 4088666"/>
-            </a:gdLst>
-            <a:ahLst/>
-            <a:cxnLst>
-              <a:cxn ang="0">
-                <a:pos x="connsiteX0" y="connsiteY0"/>
-              </a:cxn>
-              <a:cxn ang="0">
-                <a:pos x="connsiteX1" y="connsiteY1"/>
-              </a:cxn>
-              <a:cxn ang="0">
-                <a:pos x="connsiteX2" y="connsiteY2"/>
-              </a:cxn>
-              <a:cxn ang="0">
-                <a:pos x="connsiteX3" y="connsiteY3"/>
-              </a:cxn>
-              <a:cxn ang="0">
-                <a:pos x="connsiteX4" y="connsiteY4"/>
-              </a:cxn>
-              <a:cxn ang="0">
-                <a:pos x="connsiteX5" y="connsiteY5"/>
-              </a:cxn>
-              <a:cxn ang="0">
-                <a:pos x="connsiteX6" y="connsiteY6"/>
-              </a:cxn>
-              <a:cxn ang="0">
-                <a:pos x="connsiteX7" y="connsiteY7"/>
-              </a:cxn>
-              <a:cxn ang="0">
-                <a:pos x="connsiteX8" y="connsiteY8"/>
-              </a:cxn>
-            </a:cxnLst>
-            <a:rect l="l" t="t" r="r" b="b"/>
-            <a:pathLst>
-              <a:path w="4808302" h="4088666">
-                <a:moveTo>
-                  <a:pt x="48844" y="2888671"/>
-                </a:moveTo>
-                <a:cubicBezTo>
-                  <a:pt x="16818" y="2732167"/>
-                  <a:pt x="0" y="2570123"/>
-                  <a:pt x="0" y="2404151"/>
-                </a:cubicBezTo>
-                <a:cubicBezTo>
-                  <a:pt x="0" y="1076375"/>
-                  <a:pt x="1076375" y="0"/>
-                  <a:pt x="2404151" y="0"/>
-                </a:cubicBezTo>
-                <a:cubicBezTo>
-                  <a:pt x="3731927" y="0"/>
-                  <a:pt x="4808302" y="1076375"/>
-                  <a:pt x="4808302" y="2404151"/>
-                </a:cubicBezTo>
-                <a:cubicBezTo>
-                  <a:pt x="4808302" y="2653109"/>
-                  <a:pt x="4770461" y="2893229"/>
-                  <a:pt x="4700216" y="3119072"/>
-                </a:cubicBezTo>
-                <a:lnTo>
-                  <a:pt x="4643143" y="3275009"/>
-                </a:lnTo>
-                <a:lnTo>
-                  <a:pt x="690093" y="4088666"/>
-                </a:lnTo>
-                <a:lnTo>
-                  <a:pt x="548991" y="3933414"/>
-                </a:lnTo>
-                <a:cubicBezTo>
-                  <a:pt x="304015" y="3636572"/>
-                  <a:pt x="128908" y="3279932"/>
-                  <a:pt x="48844" y="2888671"/>
-                </a:cubicBezTo>
-                <a:close/>
-              </a:path>
-            </a:pathLst>
-          </a:custGeom>
-          <a:gradFill>
-            <a:gsLst>
-              <a:gs pos="39000">
-                <a:schemeClr val="accent4">
-                  <a:lumMod val="20000"/>
-                  <a:lumOff val="80000"/>
-                  <a:alpha val="0"/>
-                </a:schemeClr>
-              </a:gs>
-              <a:gs pos="100000">
-                <a:schemeClr val="accent6">
-                  <a:alpha val="29000"/>
-                </a:schemeClr>
-              </a:gs>
-            </a:gsLst>
-            <a:lin ang="16800000" scaled="0"/>
-          </a:gradFill>
-          <a:ln>
-            <a:noFill/>
-          </a:ln>
-        </p:spPr>
-        <p:style>
-          <a:lnRef idx="2">
-            <a:schemeClr val="accent1">
-              <a:shade val="50000"/>
-            </a:schemeClr>
-          </a:lnRef>
-          <a:fillRef idx="1">
-            <a:schemeClr val="accent1"/>
-          </a:fillRef>
-          <a:effectRef idx="0">
-            <a:schemeClr val="accent1"/>
-          </a:effectRef>
-          <a:fontRef idx="minor">
-            <a:schemeClr val="lt1"/>
-          </a:fontRef>
-        </p:style>
-        <p:txBody>
-          <a:bodyPr wrap="square" rtlCol="0" anchor="ctr">
-            <a:noAutofit/>
-          </a:bodyPr>
-          <a:lstStyle/>
-          <a:p>
-            <a:pPr algn="ctr"/>
             <a:endParaRPr lang="en-US" dirty="0"/>
-          </a:p>
-        </p:txBody>
-      </p:sp>
-      <p:sp>
-        <p:nvSpPr>
-          <p:cNvPr id="2" name="Title 1">
-            <a:extLst>
-              <a:ext uri="{FF2B5EF4-FFF2-40B4-BE49-F238E27FC236}">
-                <a16:creationId xmlns:a16="http://schemas.microsoft.com/office/drawing/2014/main" id="{15CEBE35-37E9-D028-72C9-68138E0B5D8E}"/>
-              </a:ext>
-            </a:extLst>
-          </p:cNvPr>
-          <p:cNvSpPr>
-            <a:spLocks noGrp="1"/>
-          </p:cNvSpPr>
-          <p:nvPr>
-            <p:ph type="ctrTitle"/>
-          </p:nvPr>
-        </p:nvSpPr>
-        <p:spPr>
-          <a:xfrm>
-            <a:off x="463825" y="2950387"/>
-            <a:ext cx="3077044" cy="3531403"/>
-          </a:xfrm>
-        </p:spPr>
-        <p:txBody>
-          <a:bodyPr anchor="t">
-            <a:normAutofit/>
-          </a:bodyPr>
-          <a:lstStyle/>
-          <a:p>
-            <a:pPr algn="r"/>
-            <a:r>
-              <a:rPr lang="en-US" sz="3200">
-                <a:solidFill>
-                  <a:schemeClr val="bg1"/>
-                </a:solidFill>
-              </a:rPr>
-              <a:t>Exam 2</a:t>
-            </a:r>
-            <a:br>
-              <a:rPr lang="en-US" sz="3200">
-                <a:solidFill>
-                  <a:schemeClr val="bg1"/>
-                </a:solidFill>
-              </a:rPr>
-            </a:br>
-            <a:r>
-              <a:rPr lang="en-US" sz="3200">
-                <a:solidFill>
-                  <a:schemeClr val="bg1"/>
-                </a:solidFill>
-              </a:rPr>
-              <a:t>Database</a:t>
-            </a:r>
-          </a:p>
-        </p:txBody>
-      </p:sp>
-      <p:sp>
-        <p:nvSpPr>
-          <p:cNvPr id="3" name="Subtitle 2">
-            <a:extLst>
-              <a:ext uri="{FF2B5EF4-FFF2-40B4-BE49-F238E27FC236}">
-                <a16:creationId xmlns:a16="http://schemas.microsoft.com/office/drawing/2014/main" id="{C238A604-88E0-9E22-C31F-116B56720922}"/>
-              </a:ext>
-            </a:extLst>
-          </p:cNvPr>
-          <p:cNvSpPr>
-            <a:spLocks noGrp="1"/>
-          </p:cNvSpPr>
-          <p:nvPr>
-            <p:ph type="subTitle" idx="1"/>
-          </p:nvPr>
-        </p:nvSpPr>
-        <p:spPr>
-          <a:xfrm>
-            <a:off x="642026" y="525970"/>
-            <a:ext cx="2937753" cy="1600225"/>
-          </a:xfrm>
-        </p:spPr>
-        <p:txBody>
-          <a:bodyPr anchor="b">
-            <a:normAutofit/>
-          </a:bodyPr>
-          <a:lstStyle/>
-          <a:p>
-            <a:pPr algn="r"/>
-            <a:r>
-              <a:rPr lang="en-US" sz="1200">
-                <a:solidFill>
-                  <a:schemeClr val="bg1"/>
-                </a:solidFill>
-              </a:rPr>
-              <a:t>MentorShip</a:t>
-            </a:r>
           </a:p>
         </p:txBody>
       </p:sp>
@@ -4599,7 +4725,7 @@
 </p:sld>
 </file>
 
-<file path=ppt/slides/slide2.xml><?xml version="1.0" encoding="utf-8"?>
+<file path=ppt/slides/slide10.xml><?xml version="1.0" encoding="utf-8"?>
 <p:sld xmlns:a="http://schemas.openxmlformats.org/drawingml/2006/main" xmlns:r="http://schemas.openxmlformats.org/officeDocument/2006/relationships" xmlns:p="http://schemas.openxmlformats.org/presentationml/2006/main">
   <p:cSld>
     <p:spTree>
@@ -4618,10 +4744,10 @@
       </p:grpSpPr>
       <p:sp>
         <p:nvSpPr>
-          <p:cNvPr id="4" name="Title 3">
+          <p:cNvPr id="2" name="Title 1">
             <a:extLst>
               <a:ext uri="{FF2B5EF4-FFF2-40B4-BE49-F238E27FC236}">
-                <a16:creationId xmlns:a16="http://schemas.microsoft.com/office/drawing/2014/main" id="{D4390559-875C-7978-EE8E-8416D4E1CFE9}"/>
+                <a16:creationId xmlns:a16="http://schemas.microsoft.com/office/drawing/2014/main" id="{DB4C97C5-E2B7-6790-9BE2-87DF395206EB}"/>
               </a:ext>
             </a:extLst>
           </p:cNvPr>
@@ -4634,6 +4760,36 @@
         </p:nvSpPr>
         <p:spPr/>
         <p:txBody>
+          <a:bodyPr anchor="t">
+            <a:normAutofit/>
+          </a:bodyPr>
+          <a:lstStyle/>
+          <a:p>
+            <a:r>
+              <a:rPr lang="en-US"/>
+              <a:t>3. Query</a:t>
+            </a:r>
+          </a:p>
+        </p:txBody>
+      </p:sp>
+      <p:sp>
+        <p:nvSpPr>
+          <p:cNvPr id="4" name="Content Placeholder 3">
+            <a:extLst>
+              <a:ext uri="{FF2B5EF4-FFF2-40B4-BE49-F238E27FC236}">
+                <a16:creationId xmlns:a16="http://schemas.microsoft.com/office/drawing/2014/main" id="{EF5A82F3-73AF-E1B0-38F1-28CECF1C8FA1}"/>
+              </a:ext>
+            </a:extLst>
+          </p:cNvPr>
+          <p:cNvSpPr>
+            <a:spLocks noGrp="1"/>
+          </p:cNvSpPr>
+          <p:nvPr>
+            <p:ph idx="1"/>
+          </p:nvPr>
+        </p:nvSpPr>
+        <p:spPr/>
+        <p:txBody>
           <a:bodyPr>
             <a:normAutofit/>
           </a:bodyPr>
@@ -4641,22 +4797,3792 @@
           <a:p>
             <a:r>
               <a:rPr lang="en-US"/>
-              <a:t>1. Topic</a:t>
+              <a:t>Female %</a:t>
+            </a:r>
+          </a:p>
+          <a:p>
+            <a:pPr marL="457200" lvl="1" indent="0">
+              <a:buNone/>
+            </a:pPr>
+            <a:r>
+              <a:rPr lang="en-GB" b="0" i="0">
+                <a:effectLst/>
+                <a:latin typeface="Courier New" panose="02070309020205020404" pitchFamily="49" charset="0"/>
+              </a:rPr>
+              <a:t>SELECT</a:t>
+            </a:r>
+            <a:r>
+              <a:rPr lang="en-GB" b="0" i="0">
+                <a:solidFill>
+                  <a:srgbClr val="000000"/>
+                </a:solidFill>
+                <a:effectLst/>
+                <a:latin typeface="Courier New" panose="02070309020205020404" pitchFamily="49" charset="0"/>
+              </a:rPr>
+              <a:t> </a:t>
+            </a:r>
+            <a:r>
+              <a:rPr lang="en-GB" b="1" i="0">
+                <a:effectLst/>
+                <a:latin typeface="Courier New" panose="02070309020205020404" pitchFamily="49" charset="0"/>
+              </a:rPr>
+              <a:t>COUNT</a:t>
+            </a:r>
+            <a:r>
+              <a:rPr lang="en-GB" b="0" i="0">
+                <a:effectLst/>
+                <a:latin typeface="Courier New" panose="02070309020205020404" pitchFamily="49" charset="0"/>
+              </a:rPr>
+              <a:t>(e.employee_id)</a:t>
+            </a:r>
+            <a:r>
+              <a:rPr lang="en-GB" b="0" i="0">
+                <a:solidFill>
+                  <a:srgbClr val="000000"/>
+                </a:solidFill>
+                <a:effectLst/>
+                <a:latin typeface="Courier New" panose="02070309020205020404" pitchFamily="49" charset="0"/>
+              </a:rPr>
+              <a:t> </a:t>
+            </a:r>
+            <a:r>
+              <a:rPr lang="en-GB" b="0" i="0">
+                <a:effectLst/>
+                <a:latin typeface="Courier New" panose="02070309020205020404" pitchFamily="49" charset="0"/>
+              </a:rPr>
+              <a:t>AS</a:t>
+            </a:r>
+            <a:r>
+              <a:rPr lang="en-GB" b="0" i="0">
+                <a:solidFill>
+                  <a:srgbClr val="000000"/>
+                </a:solidFill>
+                <a:effectLst/>
+                <a:latin typeface="Courier New" panose="02070309020205020404" pitchFamily="49" charset="0"/>
+              </a:rPr>
+              <a:t> </a:t>
+            </a:r>
+            <a:r>
+              <a:rPr lang="en-GB" b="0" i="0">
+                <a:effectLst/>
+                <a:latin typeface="Courier New" panose="02070309020205020404" pitchFamily="49" charset="0"/>
+              </a:rPr>
+              <a:t>total_employees_Female</a:t>
             </a:r>
             <a:br>
-              <a:rPr lang="en-US"/>
+              <a:rPr lang="en-GB"/>
             </a:br>
             <a:r>
-              <a:rPr lang="en-US"/>
-              <a:t>2. Database</a:t>
+              <a:rPr lang="en-GB" b="0" i="0">
+                <a:effectLst/>
+                <a:latin typeface="Courier New" panose="02070309020205020404" pitchFamily="49" charset="0"/>
+              </a:rPr>
+              <a:t>FROM</a:t>
+            </a:r>
+            <a:r>
+              <a:rPr lang="en-GB" b="0" i="0">
+                <a:solidFill>
+                  <a:srgbClr val="000000"/>
+                </a:solidFill>
+                <a:effectLst/>
+                <a:latin typeface="Courier New" panose="02070309020205020404" pitchFamily="49" charset="0"/>
+              </a:rPr>
+              <a:t>   </a:t>
+            </a:r>
+            <a:r>
+              <a:rPr lang="en-GB" b="0" i="0">
+                <a:effectLst/>
+                <a:latin typeface="Courier New" panose="02070309020205020404" pitchFamily="49" charset="0"/>
+              </a:rPr>
+              <a:t>employee</a:t>
+            </a:r>
+            <a:r>
+              <a:rPr lang="en-GB" b="0" i="0">
+                <a:solidFill>
+                  <a:srgbClr val="000000"/>
+                </a:solidFill>
+                <a:effectLst/>
+                <a:latin typeface="Courier New" panose="02070309020205020404" pitchFamily="49" charset="0"/>
+              </a:rPr>
+              <a:t> </a:t>
+            </a:r>
+            <a:r>
+              <a:rPr lang="en-GB" b="0" i="0">
+                <a:effectLst/>
+                <a:latin typeface="Courier New" panose="02070309020205020404" pitchFamily="49" charset="0"/>
+              </a:rPr>
+              <a:t>e</a:t>
             </a:r>
             <a:br>
-              <a:rPr lang="en-US"/>
+              <a:rPr lang="en-GB"/>
             </a:br>
+            <a:r>
+              <a:rPr lang="en-GB" b="0" i="0">
+                <a:solidFill>
+                  <a:srgbClr val="000000"/>
+                </a:solidFill>
+                <a:effectLst/>
+                <a:latin typeface="Courier New" panose="02070309020205020404" pitchFamily="49" charset="0"/>
+              </a:rPr>
+              <a:t>       </a:t>
+            </a:r>
+            <a:r>
+              <a:rPr lang="en-GB" b="0" i="0">
+                <a:effectLst/>
+                <a:latin typeface="Courier New" panose="02070309020205020404" pitchFamily="49" charset="0"/>
+              </a:rPr>
+              <a:t>LEFT</a:t>
+            </a:r>
+            <a:r>
+              <a:rPr lang="en-GB" b="0" i="0">
+                <a:solidFill>
+                  <a:srgbClr val="000000"/>
+                </a:solidFill>
+                <a:effectLst/>
+                <a:latin typeface="Courier New" panose="02070309020205020404" pitchFamily="49" charset="0"/>
+              </a:rPr>
+              <a:t> </a:t>
+            </a:r>
+            <a:r>
+              <a:rPr lang="en-GB" b="0" i="0">
+                <a:effectLst/>
+                <a:latin typeface="Courier New" panose="02070309020205020404" pitchFamily="49" charset="0"/>
+              </a:rPr>
+              <a:t>JOIN</a:t>
+            </a:r>
+            <a:r>
+              <a:rPr lang="en-GB" b="0" i="0">
+                <a:solidFill>
+                  <a:srgbClr val="000000"/>
+                </a:solidFill>
+                <a:effectLst/>
+                <a:latin typeface="Courier New" panose="02070309020205020404" pitchFamily="49" charset="0"/>
+              </a:rPr>
+              <a:t> </a:t>
+            </a:r>
+            <a:r>
+              <a:rPr lang="en-GB" b="0" i="0">
+                <a:effectLst/>
+                <a:latin typeface="Courier New" panose="02070309020205020404" pitchFamily="49" charset="0"/>
+              </a:rPr>
+              <a:t>contract</a:t>
+            </a:r>
+            <a:r>
+              <a:rPr lang="en-GB" b="0" i="0">
+                <a:solidFill>
+                  <a:srgbClr val="000000"/>
+                </a:solidFill>
+                <a:effectLst/>
+                <a:latin typeface="Courier New" panose="02070309020205020404" pitchFamily="49" charset="0"/>
+              </a:rPr>
+              <a:t> </a:t>
+            </a:r>
+            <a:r>
+              <a:rPr lang="en-GB" b="0" i="0">
+                <a:effectLst/>
+                <a:latin typeface="Courier New" panose="02070309020205020404" pitchFamily="49" charset="0"/>
+              </a:rPr>
+              <a:t>c</a:t>
+            </a:r>
+            <a:br>
+              <a:rPr lang="en-GB"/>
+            </a:br>
+            <a:r>
+              <a:rPr lang="en-GB" b="0" i="0">
+                <a:solidFill>
+                  <a:srgbClr val="000000"/>
+                </a:solidFill>
+                <a:effectLst/>
+                <a:latin typeface="Courier New" panose="02070309020205020404" pitchFamily="49" charset="0"/>
+              </a:rPr>
+              <a:t>              </a:t>
+            </a:r>
+            <a:r>
+              <a:rPr lang="en-GB" b="0" i="0">
+                <a:effectLst/>
+                <a:latin typeface="Courier New" panose="02070309020205020404" pitchFamily="49" charset="0"/>
+              </a:rPr>
+              <a:t>ON</a:t>
+            </a:r>
+            <a:r>
+              <a:rPr lang="en-GB" b="0" i="0">
+                <a:solidFill>
+                  <a:srgbClr val="000000"/>
+                </a:solidFill>
+                <a:effectLst/>
+                <a:latin typeface="Courier New" panose="02070309020205020404" pitchFamily="49" charset="0"/>
+              </a:rPr>
+              <a:t> </a:t>
+            </a:r>
+            <a:r>
+              <a:rPr lang="en-GB" b="0" i="0">
+                <a:effectLst/>
+                <a:latin typeface="Courier New" panose="02070309020205020404" pitchFamily="49" charset="0"/>
+              </a:rPr>
+              <a:t>e.employee_id</a:t>
+            </a:r>
+            <a:r>
+              <a:rPr lang="en-GB" b="0" i="0">
+                <a:solidFill>
+                  <a:srgbClr val="000000"/>
+                </a:solidFill>
+                <a:effectLst/>
+                <a:latin typeface="Courier New" panose="02070309020205020404" pitchFamily="49" charset="0"/>
+              </a:rPr>
+              <a:t> </a:t>
+            </a:r>
+            <a:r>
+              <a:rPr lang="en-GB" b="0" i="0">
+                <a:effectLst/>
+                <a:latin typeface="Courier New" panose="02070309020205020404" pitchFamily="49" charset="0"/>
+              </a:rPr>
+              <a:t>=</a:t>
+            </a:r>
+            <a:r>
+              <a:rPr lang="en-GB" b="0" i="0">
+                <a:solidFill>
+                  <a:srgbClr val="000000"/>
+                </a:solidFill>
+                <a:effectLst/>
+                <a:latin typeface="Courier New" panose="02070309020205020404" pitchFamily="49" charset="0"/>
+              </a:rPr>
+              <a:t> </a:t>
+            </a:r>
+            <a:r>
+              <a:rPr lang="en-GB" b="0" i="0">
+                <a:effectLst/>
+                <a:latin typeface="Courier New" panose="02070309020205020404" pitchFamily="49" charset="0"/>
+              </a:rPr>
+              <a:t>c.employee_id</a:t>
+            </a:r>
+            <a:br>
+              <a:rPr lang="en-GB"/>
+            </a:br>
+            <a:r>
+              <a:rPr lang="en-GB" b="0" i="0">
+                <a:effectLst/>
+                <a:latin typeface="Courier New" panose="02070309020205020404" pitchFamily="49" charset="0"/>
+              </a:rPr>
+              <a:t>WHERE</a:t>
+            </a:r>
+            <a:r>
+              <a:rPr lang="en-GB" b="0" i="0">
+                <a:solidFill>
+                  <a:srgbClr val="000000"/>
+                </a:solidFill>
+                <a:effectLst/>
+                <a:latin typeface="Courier New" panose="02070309020205020404" pitchFamily="49" charset="0"/>
+              </a:rPr>
+              <a:t>   &lt;Date_Filter&gt; </a:t>
+            </a:r>
+            <a:r>
+              <a:rPr lang="en-GB" b="0" i="0">
+                <a:effectLst/>
+                <a:latin typeface="Courier New" panose="02070309020205020404" pitchFamily="49" charset="0"/>
+              </a:rPr>
+              <a:t>BETWEEN</a:t>
+            </a:r>
+            <a:r>
+              <a:rPr lang="en-GB" b="0" i="0">
+                <a:solidFill>
+                  <a:srgbClr val="000000"/>
+                </a:solidFill>
+                <a:effectLst/>
+                <a:latin typeface="Courier New" panose="02070309020205020404" pitchFamily="49" charset="0"/>
+              </a:rPr>
+              <a:t> </a:t>
+            </a:r>
+            <a:r>
+              <a:rPr lang="en-GB" b="0" i="0">
+                <a:effectLst/>
+                <a:latin typeface="Courier New" panose="02070309020205020404" pitchFamily="49" charset="0"/>
+              </a:rPr>
+              <a:t>c.start_date</a:t>
+            </a:r>
+            <a:r>
+              <a:rPr lang="en-GB" b="0" i="0">
+                <a:solidFill>
+                  <a:srgbClr val="000000"/>
+                </a:solidFill>
+                <a:effectLst/>
+                <a:latin typeface="Courier New" panose="02070309020205020404" pitchFamily="49" charset="0"/>
+              </a:rPr>
+              <a:t> </a:t>
+            </a:r>
+            <a:r>
+              <a:rPr lang="en-GB" b="0" i="0">
+                <a:effectLst/>
+                <a:latin typeface="Courier New" panose="02070309020205020404" pitchFamily="49" charset="0"/>
+              </a:rPr>
+              <a:t>AND</a:t>
+            </a:r>
+            <a:r>
+              <a:rPr lang="en-GB" b="0" i="0">
+                <a:solidFill>
+                  <a:srgbClr val="000000"/>
+                </a:solidFill>
+                <a:effectLst/>
+                <a:latin typeface="Courier New" panose="02070309020205020404" pitchFamily="49" charset="0"/>
+              </a:rPr>
+              <a:t> </a:t>
+            </a:r>
+            <a:r>
+              <a:rPr lang="en-GB" b="1" i="0">
+                <a:effectLst/>
+                <a:latin typeface="Courier New" panose="02070309020205020404" pitchFamily="49" charset="0"/>
+              </a:rPr>
+              <a:t>IF</a:t>
+            </a:r>
+            <a:r>
+              <a:rPr lang="en-GB" b="0" i="0">
+                <a:effectLst/>
+                <a:latin typeface="Courier New" panose="02070309020205020404" pitchFamily="49" charset="0"/>
+              </a:rPr>
+              <a:t>(c.end_date</a:t>
+            </a:r>
+            <a:r>
+              <a:rPr lang="en-GB" b="0" i="0">
+                <a:solidFill>
+                  <a:srgbClr val="000000"/>
+                </a:solidFill>
+                <a:effectLst/>
+                <a:latin typeface="Courier New" panose="02070309020205020404" pitchFamily="49" charset="0"/>
+              </a:rPr>
+              <a:t> </a:t>
+            </a:r>
+            <a:r>
+              <a:rPr lang="en-GB" b="0" i="0">
+                <a:effectLst/>
+                <a:latin typeface="Courier New" panose="02070309020205020404" pitchFamily="49" charset="0"/>
+              </a:rPr>
+              <a:t>!=</a:t>
+            </a:r>
+            <a:r>
+              <a:rPr lang="en-GB" b="0" i="0">
+                <a:solidFill>
+                  <a:srgbClr val="000000"/>
+                </a:solidFill>
+                <a:effectLst/>
+                <a:latin typeface="Courier New" panose="02070309020205020404" pitchFamily="49" charset="0"/>
+              </a:rPr>
+              <a:t> </a:t>
+            </a:r>
+            <a:r>
+              <a:rPr lang="en-GB" b="0" i="0">
+                <a:effectLst/>
+                <a:latin typeface="Courier New" panose="02070309020205020404" pitchFamily="49" charset="0"/>
+              </a:rPr>
+              <a:t>NULL,c.end_date,</a:t>
+            </a:r>
+            <a:r>
+              <a:rPr lang="en-GB" b="1" i="0">
+                <a:effectLst/>
+                <a:latin typeface="Courier New" panose="02070309020205020404" pitchFamily="49" charset="0"/>
+              </a:rPr>
+              <a:t>Curdate</a:t>
+            </a:r>
+            <a:r>
+              <a:rPr lang="en-GB" b="0" i="0">
+                <a:effectLst/>
+                <a:latin typeface="Courier New" panose="02070309020205020404" pitchFamily="49" charset="0"/>
+              </a:rPr>
+              <a:t>())</a:t>
+            </a:r>
+            <a:r>
+              <a:rPr lang="en-GB"/>
+              <a:t> </a:t>
+            </a:r>
+            <a:r>
+              <a:rPr lang="en-GB" b="1">
+                <a:latin typeface="Courier New" panose="02070309020205020404" pitchFamily="49" charset="0"/>
+              </a:rPr>
+              <a:t>AND</a:t>
+            </a:r>
+            <a:r>
+              <a:rPr lang="en-GB"/>
+              <a:t> </a:t>
+            </a:r>
+            <a:r>
+              <a:rPr lang="en-GB">
+                <a:latin typeface="Courier New" panose="02070309020205020404" pitchFamily="49" charset="0"/>
+              </a:rPr>
+              <a:t>e.Gender = 'Female'</a:t>
+            </a:r>
+            <a:endParaRPr lang="en-US">
+              <a:latin typeface="Courier New" panose="02070309020205020404" pitchFamily="49" charset="0"/>
+            </a:endParaRPr>
+          </a:p>
+        </p:txBody>
+      </p:sp>
+      <p:pic>
+        <p:nvPicPr>
+          <p:cNvPr id="5" name="Picture 2" descr="HR Analytics - Summary">
+            <a:extLst>
+              <a:ext uri="{FF2B5EF4-FFF2-40B4-BE49-F238E27FC236}">
+                <a16:creationId xmlns:a16="http://schemas.microsoft.com/office/drawing/2014/main" id="{1AC3E1B8-A6B4-963D-09EA-37EEC6993A49}"/>
+              </a:ext>
+            </a:extLst>
+          </p:cNvPr>
+          <p:cNvPicPr>
+            <a:picLocks noChangeAspect="1" noChangeArrowheads="1"/>
+          </p:cNvPicPr>
+          <p:nvPr/>
+        </p:nvPicPr>
+        <p:blipFill rotWithShape="1">
+          <a:blip r:embed="rId2">
+            <a:extLst>
+              <a:ext uri="{28A0092B-C50C-407E-A947-70E740481C1C}">
+                <a14:useLocalDpi xmlns:a14="http://schemas.microsoft.com/office/drawing/2010/main" val="0"/>
+              </a:ext>
+            </a:extLst>
+          </a:blip>
+          <a:srcRect l="1689" t="29932" r="2540" b="55966"/>
+          <a:stretch/>
+        </p:blipFill>
+        <p:spPr bwMode="auto">
+          <a:xfrm>
+            <a:off x="2646402" y="1445642"/>
+            <a:ext cx="7099541" cy="584326"/>
+          </a:xfrm>
+          <a:prstGeom prst="rect">
+            <a:avLst/>
+          </a:prstGeom>
+          <a:noFill/>
+          <a:extLst>
+            <a:ext uri="{909E8E84-426E-40DD-AFC4-6F175D3DCCD1}">
+              <a14:hiddenFill xmlns:a14="http://schemas.microsoft.com/office/drawing/2010/main">
+                <a:solidFill>
+                  <a:srgbClr val="FFFFFF"/>
+                </a:solidFill>
+              </a14:hiddenFill>
+            </a:ext>
+          </a:extLst>
+        </p:spPr>
+      </p:pic>
+    </p:spTree>
+    <p:extLst>
+      <p:ext uri="{BB962C8B-B14F-4D97-AF65-F5344CB8AC3E}">
+        <p14:creationId xmlns:p14="http://schemas.microsoft.com/office/powerpoint/2010/main" val="2467322710"/>
+      </p:ext>
+    </p:extLst>
+  </p:cSld>
+  <p:clrMapOvr>
+    <a:masterClrMapping/>
+  </p:clrMapOvr>
+</p:sld>
+</file>
+
+<file path=ppt/slides/slide11.xml><?xml version="1.0" encoding="utf-8"?>
+<p:sld xmlns:a="http://schemas.openxmlformats.org/drawingml/2006/main" xmlns:r="http://schemas.openxmlformats.org/officeDocument/2006/relationships" xmlns:p="http://schemas.openxmlformats.org/presentationml/2006/main">
+  <p:cSld>
+    <p:spTree>
+      <p:nvGrpSpPr>
+        <p:cNvPr id="1" name=""/>
+        <p:cNvGrpSpPr/>
+        <p:nvPr/>
+      </p:nvGrpSpPr>
+      <p:grpSpPr>
+        <a:xfrm>
+          <a:off x="0" y="0"/>
+          <a:ext cx="0" cy="0"/>
+          <a:chOff x="0" y="0"/>
+          <a:chExt cx="0" cy="0"/>
+        </a:xfrm>
+      </p:grpSpPr>
+      <p:sp>
+        <p:nvSpPr>
+          <p:cNvPr id="2" name="Title 1">
+            <a:extLst>
+              <a:ext uri="{FF2B5EF4-FFF2-40B4-BE49-F238E27FC236}">
+                <a16:creationId xmlns:a16="http://schemas.microsoft.com/office/drawing/2014/main" id="{DB4C97C5-E2B7-6790-9BE2-87DF395206EB}"/>
+              </a:ext>
+            </a:extLst>
+          </p:cNvPr>
+          <p:cNvSpPr>
+            <a:spLocks noGrp="1"/>
+          </p:cNvSpPr>
+          <p:nvPr>
+            <p:ph type="title"/>
+          </p:nvPr>
+        </p:nvSpPr>
+        <p:spPr/>
+        <p:txBody>
+          <a:bodyPr anchor="t">
+            <a:normAutofit/>
+          </a:bodyPr>
+          <a:lstStyle/>
+          <a:p>
             <a:r>
               <a:rPr lang="en-US"/>
               <a:t>3. Query</a:t>
             </a:r>
+          </a:p>
+        </p:txBody>
+      </p:sp>
+      <p:sp>
+        <p:nvSpPr>
+          <p:cNvPr id="4" name="Content Placeholder 3">
+            <a:extLst>
+              <a:ext uri="{FF2B5EF4-FFF2-40B4-BE49-F238E27FC236}">
+                <a16:creationId xmlns:a16="http://schemas.microsoft.com/office/drawing/2014/main" id="{EF5A82F3-73AF-E1B0-38F1-28CECF1C8FA1}"/>
+              </a:ext>
+            </a:extLst>
+          </p:cNvPr>
+          <p:cNvSpPr>
+            <a:spLocks noGrp="1"/>
+          </p:cNvSpPr>
+          <p:nvPr>
+            <p:ph idx="1"/>
+          </p:nvPr>
+        </p:nvSpPr>
+        <p:spPr/>
+        <p:txBody>
+          <a:bodyPr>
+            <a:normAutofit/>
+          </a:bodyPr>
+          <a:lstStyle/>
+          <a:p>
+            <a:r>
+              <a:rPr lang="en-US"/>
+              <a:t>Headcount by Gender</a:t>
+            </a:r>
+          </a:p>
+          <a:p>
+            <a:pPr marL="457200" lvl="1" indent="0">
+              <a:buNone/>
+            </a:pPr>
+            <a:r>
+              <a:rPr lang="en-GB" b="0" i="0">
+                <a:effectLst/>
+                <a:latin typeface="Courier New" panose="02070309020205020404" pitchFamily="49" charset="0"/>
+              </a:rPr>
+              <a:t>SELECT</a:t>
+            </a:r>
+            <a:r>
+              <a:rPr lang="en-GB" b="0" i="0">
+                <a:solidFill>
+                  <a:srgbClr val="000000"/>
+                </a:solidFill>
+                <a:effectLst/>
+                <a:latin typeface="Courier New" panose="02070309020205020404" pitchFamily="49" charset="0"/>
+              </a:rPr>
+              <a:t> e.Gender, </a:t>
+            </a:r>
+            <a:r>
+              <a:rPr lang="en-GB" b="1" i="0">
+                <a:effectLst/>
+                <a:latin typeface="Courier New" panose="02070309020205020404" pitchFamily="49" charset="0"/>
+              </a:rPr>
+              <a:t>COUNT</a:t>
+            </a:r>
+            <a:r>
+              <a:rPr lang="en-GB" b="0" i="0">
+                <a:effectLst/>
+                <a:latin typeface="Courier New" panose="02070309020205020404" pitchFamily="49" charset="0"/>
+              </a:rPr>
+              <a:t>(e.employee_id)</a:t>
+            </a:r>
+            <a:r>
+              <a:rPr lang="en-GB" b="0" i="0">
+                <a:solidFill>
+                  <a:srgbClr val="000000"/>
+                </a:solidFill>
+                <a:effectLst/>
+                <a:latin typeface="Courier New" panose="02070309020205020404" pitchFamily="49" charset="0"/>
+              </a:rPr>
+              <a:t> </a:t>
+            </a:r>
+            <a:r>
+              <a:rPr lang="en-GB" b="0" i="0">
+                <a:effectLst/>
+                <a:latin typeface="Courier New" panose="02070309020205020404" pitchFamily="49" charset="0"/>
+              </a:rPr>
+              <a:t>AS</a:t>
+            </a:r>
+            <a:r>
+              <a:rPr lang="en-GB" b="0" i="0">
+                <a:solidFill>
+                  <a:srgbClr val="000000"/>
+                </a:solidFill>
+                <a:effectLst/>
+                <a:latin typeface="Courier New" panose="02070309020205020404" pitchFamily="49" charset="0"/>
+              </a:rPr>
+              <a:t> </a:t>
+            </a:r>
+            <a:r>
+              <a:rPr lang="en-GB" b="0" i="0">
+                <a:effectLst/>
+                <a:latin typeface="Courier New" panose="02070309020205020404" pitchFamily="49" charset="0"/>
+              </a:rPr>
+              <a:t>total_employees_Female</a:t>
+            </a:r>
+            <a:br>
+              <a:rPr lang="en-GB"/>
+            </a:br>
+            <a:r>
+              <a:rPr lang="en-GB" b="0" i="0">
+                <a:effectLst/>
+                <a:latin typeface="Courier New" panose="02070309020205020404" pitchFamily="49" charset="0"/>
+              </a:rPr>
+              <a:t>FROM</a:t>
+            </a:r>
+            <a:r>
+              <a:rPr lang="en-GB" b="0" i="0">
+                <a:solidFill>
+                  <a:srgbClr val="000000"/>
+                </a:solidFill>
+                <a:effectLst/>
+                <a:latin typeface="Courier New" panose="02070309020205020404" pitchFamily="49" charset="0"/>
+              </a:rPr>
+              <a:t>   </a:t>
+            </a:r>
+            <a:r>
+              <a:rPr lang="en-GB" b="0" i="0">
+                <a:effectLst/>
+                <a:latin typeface="Courier New" panose="02070309020205020404" pitchFamily="49" charset="0"/>
+              </a:rPr>
+              <a:t>employee</a:t>
+            </a:r>
+            <a:r>
+              <a:rPr lang="en-GB" b="0" i="0">
+                <a:solidFill>
+                  <a:srgbClr val="000000"/>
+                </a:solidFill>
+                <a:effectLst/>
+                <a:latin typeface="Courier New" panose="02070309020205020404" pitchFamily="49" charset="0"/>
+              </a:rPr>
+              <a:t> </a:t>
+            </a:r>
+            <a:r>
+              <a:rPr lang="en-GB" b="0" i="0">
+                <a:effectLst/>
+                <a:latin typeface="Courier New" panose="02070309020205020404" pitchFamily="49" charset="0"/>
+              </a:rPr>
+              <a:t>e</a:t>
+            </a:r>
+            <a:br>
+              <a:rPr lang="en-GB"/>
+            </a:br>
+            <a:r>
+              <a:rPr lang="en-GB" b="0" i="0">
+                <a:solidFill>
+                  <a:srgbClr val="000000"/>
+                </a:solidFill>
+                <a:effectLst/>
+                <a:latin typeface="Courier New" panose="02070309020205020404" pitchFamily="49" charset="0"/>
+              </a:rPr>
+              <a:t>       </a:t>
+            </a:r>
+            <a:r>
+              <a:rPr lang="en-GB" b="0" i="0">
+                <a:effectLst/>
+                <a:latin typeface="Courier New" panose="02070309020205020404" pitchFamily="49" charset="0"/>
+              </a:rPr>
+              <a:t>LEFT</a:t>
+            </a:r>
+            <a:r>
+              <a:rPr lang="en-GB" b="0" i="0">
+                <a:solidFill>
+                  <a:srgbClr val="000000"/>
+                </a:solidFill>
+                <a:effectLst/>
+                <a:latin typeface="Courier New" panose="02070309020205020404" pitchFamily="49" charset="0"/>
+              </a:rPr>
+              <a:t> </a:t>
+            </a:r>
+            <a:r>
+              <a:rPr lang="en-GB" b="0" i="0">
+                <a:effectLst/>
+                <a:latin typeface="Courier New" panose="02070309020205020404" pitchFamily="49" charset="0"/>
+              </a:rPr>
+              <a:t>JOIN</a:t>
+            </a:r>
+            <a:r>
+              <a:rPr lang="en-GB" b="0" i="0">
+                <a:solidFill>
+                  <a:srgbClr val="000000"/>
+                </a:solidFill>
+                <a:effectLst/>
+                <a:latin typeface="Courier New" panose="02070309020205020404" pitchFamily="49" charset="0"/>
+              </a:rPr>
+              <a:t> </a:t>
+            </a:r>
+            <a:r>
+              <a:rPr lang="en-GB" b="0" i="0">
+                <a:effectLst/>
+                <a:latin typeface="Courier New" panose="02070309020205020404" pitchFamily="49" charset="0"/>
+              </a:rPr>
+              <a:t>contract</a:t>
+            </a:r>
+            <a:r>
+              <a:rPr lang="en-GB" b="0" i="0">
+                <a:solidFill>
+                  <a:srgbClr val="000000"/>
+                </a:solidFill>
+                <a:effectLst/>
+                <a:latin typeface="Courier New" panose="02070309020205020404" pitchFamily="49" charset="0"/>
+              </a:rPr>
+              <a:t> </a:t>
+            </a:r>
+            <a:r>
+              <a:rPr lang="en-GB" b="0" i="0">
+                <a:effectLst/>
+                <a:latin typeface="Courier New" panose="02070309020205020404" pitchFamily="49" charset="0"/>
+              </a:rPr>
+              <a:t>c</a:t>
+            </a:r>
+            <a:br>
+              <a:rPr lang="en-GB"/>
+            </a:br>
+            <a:r>
+              <a:rPr lang="en-GB" b="0" i="0">
+                <a:solidFill>
+                  <a:srgbClr val="000000"/>
+                </a:solidFill>
+                <a:effectLst/>
+                <a:latin typeface="Courier New" panose="02070309020205020404" pitchFamily="49" charset="0"/>
+              </a:rPr>
+              <a:t>              </a:t>
+            </a:r>
+            <a:r>
+              <a:rPr lang="en-GB" b="0" i="0">
+                <a:effectLst/>
+                <a:latin typeface="Courier New" panose="02070309020205020404" pitchFamily="49" charset="0"/>
+              </a:rPr>
+              <a:t>ON</a:t>
+            </a:r>
+            <a:r>
+              <a:rPr lang="en-GB" b="0" i="0">
+                <a:solidFill>
+                  <a:srgbClr val="000000"/>
+                </a:solidFill>
+                <a:effectLst/>
+                <a:latin typeface="Courier New" panose="02070309020205020404" pitchFamily="49" charset="0"/>
+              </a:rPr>
+              <a:t> </a:t>
+            </a:r>
+            <a:r>
+              <a:rPr lang="en-GB" b="0" i="0">
+                <a:effectLst/>
+                <a:latin typeface="Courier New" panose="02070309020205020404" pitchFamily="49" charset="0"/>
+              </a:rPr>
+              <a:t>e.employee_id</a:t>
+            </a:r>
+            <a:r>
+              <a:rPr lang="en-GB" b="0" i="0">
+                <a:solidFill>
+                  <a:srgbClr val="000000"/>
+                </a:solidFill>
+                <a:effectLst/>
+                <a:latin typeface="Courier New" panose="02070309020205020404" pitchFamily="49" charset="0"/>
+              </a:rPr>
+              <a:t> </a:t>
+            </a:r>
+            <a:r>
+              <a:rPr lang="en-GB" b="0" i="0">
+                <a:effectLst/>
+                <a:latin typeface="Courier New" panose="02070309020205020404" pitchFamily="49" charset="0"/>
+              </a:rPr>
+              <a:t>=</a:t>
+            </a:r>
+            <a:r>
+              <a:rPr lang="en-GB" b="0" i="0">
+                <a:solidFill>
+                  <a:srgbClr val="000000"/>
+                </a:solidFill>
+                <a:effectLst/>
+                <a:latin typeface="Courier New" panose="02070309020205020404" pitchFamily="49" charset="0"/>
+              </a:rPr>
+              <a:t> </a:t>
+            </a:r>
+            <a:r>
+              <a:rPr lang="en-GB" b="0" i="0">
+                <a:effectLst/>
+                <a:latin typeface="Courier New" panose="02070309020205020404" pitchFamily="49" charset="0"/>
+              </a:rPr>
+              <a:t>c.employee_id</a:t>
+            </a:r>
+            <a:br>
+              <a:rPr lang="en-GB"/>
+            </a:br>
+            <a:r>
+              <a:rPr lang="en-GB" b="0" i="0">
+                <a:effectLst/>
+                <a:latin typeface="Courier New" panose="02070309020205020404" pitchFamily="49" charset="0"/>
+              </a:rPr>
+              <a:t>WHERE</a:t>
+            </a:r>
+            <a:r>
+              <a:rPr lang="en-GB" b="0" i="0">
+                <a:solidFill>
+                  <a:srgbClr val="000000"/>
+                </a:solidFill>
+                <a:effectLst/>
+                <a:latin typeface="Courier New" panose="02070309020205020404" pitchFamily="49" charset="0"/>
+              </a:rPr>
+              <a:t>   &lt;Date_Filter&gt; </a:t>
+            </a:r>
+            <a:r>
+              <a:rPr lang="en-GB" b="0" i="0">
+                <a:effectLst/>
+                <a:latin typeface="Courier New" panose="02070309020205020404" pitchFamily="49" charset="0"/>
+              </a:rPr>
+              <a:t>BETWEEN</a:t>
+            </a:r>
+            <a:r>
+              <a:rPr lang="en-GB" b="0" i="0">
+                <a:solidFill>
+                  <a:srgbClr val="000000"/>
+                </a:solidFill>
+                <a:effectLst/>
+                <a:latin typeface="Courier New" panose="02070309020205020404" pitchFamily="49" charset="0"/>
+              </a:rPr>
+              <a:t> </a:t>
+            </a:r>
+            <a:r>
+              <a:rPr lang="en-GB" b="0" i="0">
+                <a:effectLst/>
+                <a:latin typeface="Courier New" panose="02070309020205020404" pitchFamily="49" charset="0"/>
+              </a:rPr>
+              <a:t>c.start_date</a:t>
+            </a:r>
+            <a:r>
+              <a:rPr lang="en-GB" b="0" i="0">
+                <a:solidFill>
+                  <a:srgbClr val="000000"/>
+                </a:solidFill>
+                <a:effectLst/>
+                <a:latin typeface="Courier New" panose="02070309020205020404" pitchFamily="49" charset="0"/>
+              </a:rPr>
+              <a:t> </a:t>
+            </a:r>
+            <a:r>
+              <a:rPr lang="en-GB" b="0" i="0">
+                <a:effectLst/>
+                <a:latin typeface="Courier New" panose="02070309020205020404" pitchFamily="49" charset="0"/>
+              </a:rPr>
+              <a:t>AND</a:t>
+            </a:r>
+            <a:r>
+              <a:rPr lang="en-GB" b="0" i="0">
+                <a:solidFill>
+                  <a:srgbClr val="000000"/>
+                </a:solidFill>
+                <a:effectLst/>
+                <a:latin typeface="Courier New" panose="02070309020205020404" pitchFamily="49" charset="0"/>
+              </a:rPr>
+              <a:t> </a:t>
+            </a:r>
+            <a:r>
+              <a:rPr lang="en-GB" b="1" i="0">
+                <a:effectLst/>
+                <a:latin typeface="Courier New" panose="02070309020205020404" pitchFamily="49" charset="0"/>
+              </a:rPr>
+              <a:t>IF</a:t>
+            </a:r>
+            <a:r>
+              <a:rPr lang="en-GB" b="0" i="0">
+                <a:effectLst/>
+                <a:latin typeface="Courier New" panose="02070309020205020404" pitchFamily="49" charset="0"/>
+              </a:rPr>
+              <a:t>(c.end_date</a:t>
+            </a:r>
+            <a:r>
+              <a:rPr lang="en-GB" b="0" i="0">
+                <a:solidFill>
+                  <a:srgbClr val="000000"/>
+                </a:solidFill>
+                <a:effectLst/>
+                <a:latin typeface="Courier New" panose="02070309020205020404" pitchFamily="49" charset="0"/>
+              </a:rPr>
+              <a:t> </a:t>
+            </a:r>
+            <a:r>
+              <a:rPr lang="en-GB" b="0" i="0">
+                <a:effectLst/>
+                <a:latin typeface="Courier New" panose="02070309020205020404" pitchFamily="49" charset="0"/>
+              </a:rPr>
+              <a:t>!=</a:t>
+            </a:r>
+            <a:r>
+              <a:rPr lang="en-GB" b="0" i="0">
+                <a:solidFill>
+                  <a:srgbClr val="000000"/>
+                </a:solidFill>
+                <a:effectLst/>
+                <a:latin typeface="Courier New" panose="02070309020205020404" pitchFamily="49" charset="0"/>
+              </a:rPr>
+              <a:t> </a:t>
+            </a:r>
+            <a:r>
+              <a:rPr lang="en-GB" b="0" i="0">
+                <a:effectLst/>
+                <a:latin typeface="Courier New" panose="02070309020205020404" pitchFamily="49" charset="0"/>
+              </a:rPr>
+              <a:t>NULL,c.end_date,</a:t>
+            </a:r>
+            <a:r>
+              <a:rPr lang="en-GB" b="1" i="0">
+                <a:effectLst/>
+                <a:latin typeface="Courier New" panose="02070309020205020404" pitchFamily="49" charset="0"/>
+              </a:rPr>
+              <a:t>Curdate</a:t>
+            </a:r>
+            <a:r>
+              <a:rPr lang="en-GB" b="0" i="0">
+                <a:effectLst/>
+                <a:latin typeface="Courier New" panose="02070309020205020404" pitchFamily="49" charset="0"/>
+              </a:rPr>
+              <a:t>())</a:t>
+            </a:r>
+            <a:br>
+              <a:rPr lang="en-GB" b="0" i="0">
+                <a:effectLst/>
+                <a:latin typeface="Courier New" panose="02070309020205020404" pitchFamily="49" charset="0"/>
+              </a:rPr>
+            </a:br>
+            <a:r>
+              <a:rPr lang="en-GB" b="0" i="0">
+                <a:effectLst/>
+                <a:latin typeface="Courier New" panose="02070309020205020404" pitchFamily="49" charset="0"/>
+              </a:rPr>
+              <a:t>GROUP BY e.Gender</a:t>
+            </a:r>
+            <a:endParaRPr lang="en-US">
+              <a:latin typeface="Courier New" panose="02070309020205020404" pitchFamily="49" charset="0"/>
+            </a:endParaRPr>
+          </a:p>
+        </p:txBody>
+      </p:sp>
+      <p:pic>
+        <p:nvPicPr>
+          <p:cNvPr id="5" name="Picture 2" descr="HR Analytics - Summary">
+            <a:extLst>
+              <a:ext uri="{FF2B5EF4-FFF2-40B4-BE49-F238E27FC236}">
+                <a16:creationId xmlns:a16="http://schemas.microsoft.com/office/drawing/2014/main" id="{1AC3E1B8-A6B4-963D-09EA-37EEC6993A49}"/>
+              </a:ext>
+            </a:extLst>
+          </p:cNvPr>
+          <p:cNvPicPr>
+            <a:picLocks noChangeAspect="1" noChangeArrowheads="1"/>
+          </p:cNvPicPr>
+          <p:nvPr/>
+        </p:nvPicPr>
+        <p:blipFill rotWithShape="1">
+          <a:blip r:embed="rId2">
+            <a:extLst>
+              <a:ext uri="{28A0092B-C50C-407E-A947-70E740481C1C}">
+                <a14:useLocalDpi xmlns:a14="http://schemas.microsoft.com/office/drawing/2010/main" val="0"/>
+              </a:ext>
+            </a:extLst>
+          </a:blip>
+          <a:srcRect l="1689" t="29932" r="2540" b="55966"/>
+          <a:stretch/>
+        </p:blipFill>
+        <p:spPr bwMode="auto">
+          <a:xfrm>
+            <a:off x="2646402" y="1445642"/>
+            <a:ext cx="7099541" cy="584326"/>
+          </a:xfrm>
+          <a:prstGeom prst="rect">
+            <a:avLst/>
+          </a:prstGeom>
+          <a:noFill/>
+          <a:extLst>
+            <a:ext uri="{909E8E84-426E-40DD-AFC4-6F175D3DCCD1}">
+              <a14:hiddenFill xmlns:a14="http://schemas.microsoft.com/office/drawing/2010/main">
+                <a:solidFill>
+                  <a:srgbClr val="FFFFFF"/>
+                </a:solidFill>
+              </a14:hiddenFill>
+            </a:ext>
+          </a:extLst>
+        </p:spPr>
+      </p:pic>
+    </p:spTree>
+    <p:extLst>
+      <p:ext uri="{BB962C8B-B14F-4D97-AF65-F5344CB8AC3E}">
+        <p14:creationId xmlns:p14="http://schemas.microsoft.com/office/powerpoint/2010/main" val="526290074"/>
+      </p:ext>
+    </p:extLst>
+  </p:cSld>
+  <p:clrMapOvr>
+    <a:masterClrMapping/>
+  </p:clrMapOvr>
+</p:sld>
+</file>
+
+<file path=ppt/slides/slide12.xml><?xml version="1.0" encoding="utf-8"?>
+<p:sld xmlns:a="http://schemas.openxmlformats.org/drawingml/2006/main" xmlns:r="http://schemas.openxmlformats.org/officeDocument/2006/relationships" xmlns:p="http://schemas.openxmlformats.org/presentationml/2006/main">
+  <p:cSld>
+    <p:spTree>
+      <p:nvGrpSpPr>
+        <p:cNvPr id="1" name=""/>
+        <p:cNvGrpSpPr/>
+        <p:nvPr/>
+      </p:nvGrpSpPr>
+      <p:grpSpPr>
+        <a:xfrm>
+          <a:off x="0" y="0"/>
+          <a:ext cx="0" cy="0"/>
+          <a:chOff x="0" y="0"/>
+          <a:chExt cx="0" cy="0"/>
+        </a:xfrm>
+      </p:grpSpPr>
+      <p:sp>
+        <p:nvSpPr>
+          <p:cNvPr id="2" name="Title 1">
+            <a:extLst>
+              <a:ext uri="{FF2B5EF4-FFF2-40B4-BE49-F238E27FC236}">
+                <a16:creationId xmlns:a16="http://schemas.microsoft.com/office/drawing/2014/main" id="{DB4C97C5-E2B7-6790-9BE2-87DF395206EB}"/>
+              </a:ext>
+            </a:extLst>
+          </p:cNvPr>
+          <p:cNvSpPr>
+            <a:spLocks noGrp="1"/>
+          </p:cNvSpPr>
+          <p:nvPr>
+            <p:ph type="title"/>
+          </p:nvPr>
+        </p:nvSpPr>
+        <p:spPr/>
+        <p:txBody>
+          <a:bodyPr anchor="t">
+            <a:normAutofit/>
+          </a:bodyPr>
+          <a:lstStyle/>
+          <a:p>
+            <a:r>
+              <a:rPr lang="en-US"/>
+              <a:t>3. Query</a:t>
+            </a:r>
+          </a:p>
+        </p:txBody>
+      </p:sp>
+      <p:sp>
+        <p:nvSpPr>
+          <p:cNvPr id="4" name="Content Placeholder 3">
+            <a:extLst>
+              <a:ext uri="{FF2B5EF4-FFF2-40B4-BE49-F238E27FC236}">
+                <a16:creationId xmlns:a16="http://schemas.microsoft.com/office/drawing/2014/main" id="{EF5A82F3-73AF-E1B0-38F1-28CECF1C8FA1}"/>
+              </a:ext>
+            </a:extLst>
+          </p:cNvPr>
+          <p:cNvSpPr>
+            <a:spLocks noGrp="1"/>
+          </p:cNvSpPr>
+          <p:nvPr>
+            <p:ph idx="1"/>
+          </p:nvPr>
+        </p:nvSpPr>
+        <p:spPr/>
+        <p:txBody>
+          <a:bodyPr>
+            <a:normAutofit fontScale="40000" lnSpcReduction="20000"/>
+          </a:bodyPr>
+          <a:lstStyle/>
+          <a:p>
+            <a:r>
+              <a:rPr lang="en-US"/>
+              <a:t>Headcount by Age Range</a:t>
+            </a:r>
+          </a:p>
+          <a:p>
+            <a:pPr marL="457200" lvl="1" indent="0">
+              <a:buNone/>
+            </a:pPr>
+            <a:r>
+              <a:rPr lang="en-GB" b="0" i="0">
+                <a:effectLst/>
+                <a:latin typeface="Courier New" panose="02070309020205020404" pitchFamily="49" charset="0"/>
+              </a:rPr>
+              <a:t>SELECT</a:t>
+            </a:r>
+            <a:r>
+              <a:rPr lang="en-GB" b="0" i="0">
+                <a:solidFill>
+                  <a:srgbClr val="000000"/>
+                </a:solidFill>
+                <a:effectLst/>
+                <a:latin typeface="Courier New" panose="02070309020205020404" pitchFamily="49" charset="0"/>
+              </a:rPr>
+              <a:t> </a:t>
+            </a:r>
+            <a:r>
+              <a:rPr lang="en-GB" b="1" i="0">
+                <a:effectLst/>
+                <a:latin typeface="Courier New" panose="02070309020205020404" pitchFamily="49" charset="0"/>
+              </a:rPr>
+              <a:t>SUM</a:t>
+            </a:r>
+            <a:r>
+              <a:rPr lang="en-GB" b="0" i="0">
+                <a:effectLst/>
+                <a:latin typeface="Courier New" panose="02070309020205020404" pitchFamily="49" charset="0"/>
+              </a:rPr>
+              <a:t>(CASE</a:t>
+            </a:r>
+            <a:br>
+              <a:rPr lang="en-GB"/>
+            </a:br>
+            <a:r>
+              <a:rPr lang="en-GB" b="0" i="0">
+                <a:solidFill>
+                  <a:srgbClr val="000000"/>
+                </a:solidFill>
+                <a:effectLst/>
+                <a:latin typeface="Courier New" panose="02070309020205020404" pitchFamily="49" charset="0"/>
+              </a:rPr>
+              <a:t>               </a:t>
+            </a:r>
+            <a:r>
+              <a:rPr lang="en-GB" b="0" i="0">
+                <a:effectLst/>
+                <a:latin typeface="Courier New" panose="02070309020205020404" pitchFamily="49" charset="0"/>
+              </a:rPr>
+              <a:t>WHEN</a:t>
+            </a:r>
+            <a:r>
+              <a:rPr lang="en-GB" b="0" i="0">
+                <a:solidFill>
+                  <a:srgbClr val="000000"/>
+                </a:solidFill>
+                <a:effectLst/>
+                <a:latin typeface="Courier New" panose="02070309020205020404" pitchFamily="49" charset="0"/>
+              </a:rPr>
+              <a:t> </a:t>
+            </a:r>
+            <a:r>
+              <a:rPr lang="en-GB" b="1" i="0">
+                <a:effectLst/>
+                <a:latin typeface="Courier New" panose="02070309020205020404" pitchFamily="49" charset="0"/>
+              </a:rPr>
+              <a:t>TIMESTAMPDIFF</a:t>
+            </a:r>
+            <a:r>
+              <a:rPr lang="en-GB" b="0" i="0">
+                <a:effectLst/>
+                <a:latin typeface="Courier New" panose="02070309020205020404" pitchFamily="49" charset="0"/>
+              </a:rPr>
+              <a:t>(YEAR,</a:t>
+            </a:r>
+            <a:r>
+              <a:rPr lang="en-GB" b="0" i="0">
+                <a:solidFill>
+                  <a:srgbClr val="000000"/>
+                </a:solidFill>
+                <a:effectLst/>
+                <a:latin typeface="Courier New" panose="02070309020205020404" pitchFamily="49" charset="0"/>
+              </a:rPr>
+              <a:t> </a:t>
+            </a:r>
+            <a:r>
+              <a:rPr lang="en-GB" b="0" i="0">
+                <a:effectLst/>
+                <a:latin typeface="Courier New" panose="02070309020205020404" pitchFamily="49" charset="0"/>
+              </a:rPr>
+              <a:t>Age_Range,</a:t>
+            </a:r>
+            <a:r>
+              <a:rPr lang="en-GB" b="0" i="0">
+                <a:solidFill>
+                  <a:srgbClr val="000000"/>
+                </a:solidFill>
+                <a:effectLst/>
+                <a:latin typeface="Courier New" panose="02070309020205020404" pitchFamily="49" charset="0"/>
+              </a:rPr>
+              <a:t> </a:t>
+            </a:r>
+            <a:r>
+              <a:rPr lang="en-GB" b="1" i="0">
+                <a:effectLst/>
+                <a:latin typeface="Courier New" panose="02070309020205020404" pitchFamily="49" charset="0"/>
+              </a:rPr>
+              <a:t>CURDATE</a:t>
+            </a:r>
+            <a:r>
+              <a:rPr lang="en-GB" b="0" i="0">
+                <a:effectLst/>
+                <a:latin typeface="Courier New" panose="02070309020205020404" pitchFamily="49" charset="0"/>
+              </a:rPr>
+              <a:t>())</a:t>
+            </a:r>
+            <a:r>
+              <a:rPr lang="en-GB" b="0" i="0">
+                <a:solidFill>
+                  <a:srgbClr val="000000"/>
+                </a:solidFill>
+                <a:effectLst/>
+                <a:latin typeface="Courier New" panose="02070309020205020404" pitchFamily="49" charset="0"/>
+              </a:rPr>
+              <a:t> </a:t>
+            </a:r>
+            <a:r>
+              <a:rPr lang="en-GB" b="0" i="0">
+                <a:effectLst/>
+                <a:latin typeface="Courier New" panose="02070309020205020404" pitchFamily="49" charset="0"/>
+              </a:rPr>
+              <a:t>&lt;</a:t>
+            </a:r>
+            <a:r>
+              <a:rPr lang="en-GB" b="0" i="0">
+                <a:solidFill>
+                  <a:srgbClr val="000000"/>
+                </a:solidFill>
+                <a:effectLst/>
+                <a:latin typeface="Courier New" panose="02070309020205020404" pitchFamily="49" charset="0"/>
+              </a:rPr>
+              <a:t> 20 </a:t>
+            </a:r>
+            <a:r>
+              <a:rPr lang="en-GB" b="0" i="0">
+                <a:effectLst/>
+                <a:latin typeface="Courier New" panose="02070309020205020404" pitchFamily="49" charset="0"/>
+              </a:rPr>
+              <a:t>THEN</a:t>
+            </a:r>
+            <a:r>
+              <a:rPr lang="en-GB" b="0" i="0">
+                <a:solidFill>
+                  <a:srgbClr val="000000"/>
+                </a:solidFill>
+                <a:effectLst/>
+                <a:latin typeface="Courier New" panose="02070309020205020404" pitchFamily="49" charset="0"/>
+              </a:rPr>
+              <a:t> 1</a:t>
+            </a:r>
+            <a:br>
+              <a:rPr lang="en-GB"/>
+            </a:br>
+            <a:r>
+              <a:rPr lang="en-GB" b="0" i="0">
+                <a:solidFill>
+                  <a:srgbClr val="000000"/>
+                </a:solidFill>
+                <a:effectLst/>
+                <a:latin typeface="Courier New" panose="02070309020205020404" pitchFamily="49" charset="0"/>
+              </a:rPr>
+              <a:t>               </a:t>
+            </a:r>
+            <a:r>
+              <a:rPr lang="en-GB" b="0" i="0">
+                <a:effectLst/>
+                <a:latin typeface="Courier New" panose="02070309020205020404" pitchFamily="49" charset="0"/>
+              </a:rPr>
+              <a:t>ELSE</a:t>
+            </a:r>
+            <a:r>
+              <a:rPr lang="en-GB" b="0" i="0">
+                <a:solidFill>
+                  <a:srgbClr val="000000"/>
+                </a:solidFill>
+                <a:effectLst/>
+                <a:latin typeface="Courier New" panose="02070309020205020404" pitchFamily="49" charset="0"/>
+              </a:rPr>
+              <a:t> 0</a:t>
+            </a:r>
+            <a:br>
+              <a:rPr lang="en-GB"/>
+            </a:br>
+            <a:r>
+              <a:rPr lang="en-GB" b="0" i="0">
+                <a:solidFill>
+                  <a:srgbClr val="000000"/>
+                </a:solidFill>
+                <a:effectLst/>
+                <a:latin typeface="Courier New" panose="02070309020205020404" pitchFamily="49" charset="0"/>
+              </a:rPr>
+              <a:t>           </a:t>
+            </a:r>
+            <a:r>
+              <a:rPr lang="en-GB" b="0" i="0">
+                <a:effectLst/>
+                <a:latin typeface="Courier New" panose="02070309020205020404" pitchFamily="49" charset="0"/>
+              </a:rPr>
+              <a:t>END)</a:t>
+            </a:r>
+            <a:r>
+              <a:rPr lang="en-GB" b="0" i="0">
+                <a:solidFill>
+                  <a:srgbClr val="000000"/>
+                </a:solidFill>
+                <a:effectLst/>
+                <a:latin typeface="Courier New" panose="02070309020205020404" pitchFamily="49" charset="0"/>
+              </a:rPr>
+              <a:t> </a:t>
+            </a:r>
+            <a:r>
+              <a:rPr lang="en-GB" b="0" i="0">
+                <a:effectLst/>
+                <a:latin typeface="Courier New" panose="02070309020205020404" pitchFamily="49" charset="0"/>
+              </a:rPr>
+              <a:t>AS</a:t>
+            </a:r>
+            <a:r>
+              <a:rPr lang="en-GB" b="0" i="0">
+                <a:solidFill>
+                  <a:srgbClr val="000000"/>
+                </a:solidFill>
+                <a:effectLst/>
+                <a:latin typeface="Courier New" panose="02070309020205020404" pitchFamily="49" charset="0"/>
+              </a:rPr>
+              <a:t> </a:t>
+            </a:r>
+            <a:r>
+              <a:rPr lang="en-GB" b="0" i="0">
+                <a:effectLst/>
+                <a:latin typeface="Courier New" panose="02070309020205020404" pitchFamily="49" charset="0"/>
+              </a:rPr>
+              <a:t>total_employees_20,</a:t>
+            </a:r>
+            <a:br>
+              <a:rPr lang="en-GB"/>
+            </a:br>
+            <a:r>
+              <a:rPr lang="en-GB" b="0" i="0">
+                <a:solidFill>
+                  <a:srgbClr val="000000"/>
+                </a:solidFill>
+                <a:effectLst/>
+                <a:latin typeface="Courier New" panose="02070309020205020404" pitchFamily="49" charset="0"/>
+              </a:rPr>
+              <a:t>       </a:t>
+            </a:r>
+            <a:r>
+              <a:rPr lang="en-GB" b="1" i="0">
+                <a:effectLst/>
+                <a:latin typeface="Courier New" panose="02070309020205020404" pitchFamily="49" charset="0"/>
+              </a:rPr>
+              <a:t>SUM</a:t>
+            </a:r>
+            <a:r>
+              <a:rPr lang="en-GB" b="0" i="0">
+                <a:effectLst/>
+                <a:latin typeface="Courier New" panose="02070309020205020404" pitchFamily="49" charset="0"/>
+              </a:rPr>
+              <a:t>(CASE</a:t>
+            </a:r>
+            <a:br>
+              <a:rPr lang="en-GB"/>
+            </a:br>
+            <a:r>
+              <a:rPr lang="en-GB" b="0" i="0">
+                <a:solidFill>
+                  <a:srgbClr val="000000"/>
+                </a:solidFill>
+                <a:effectLst/>
+                <a:latin typeface="Courier New" panose="02070309020205020404" pitchFamily="49" charset="0"/>
+              </a:rPr>
+              <a:t>               </a:t>
+            </a:r>
+            <a:r>
+              <a:rPr lang="en-GB" b="0" i="0">
+                <a:effectLst/>
+                <a:latin typeface="Courier New" panose="02070309020205020404" pitchFamily="49" charset="0"/>
+              </a:rPr>
+              <a:t>WHEN</a:t>
+            </a:r>
+            <a:r>
+              <a:rPr lang="en-GB" b="0" i="0">
+                <a:solidFill>
+                  <a:srgbClr val="000000"/>
+                </a:solidFill>
+                <a:effectLst/>
+                <a:latin typeface="Courier New" panose="02070309020205020404" pitchFamily="49" charset="0"/>
+              </a:rPr>
+              <a:t> </a:t>
+            </a:r>
+            <a:r>
+              <a:rPr lang="en-GB" b="1" i="0">
+                <a:effectLst/>
+                <a:latin typeface="Courier New" panose="02070309020205020404" pitchFamily="49" charset="0"/>
+              </a:rPr>
+              <a:t>TIMESTAMPDIFF</a:t>
+            </a:r>
+            <a:r>
+              <a:rPr lang="en-GB" b="0" i="0">
+                <a:effectLst/>
+                <a:latin typeface="Courier New" panose="02070309020205020404" pitchFamily="49" charset="0"/>
+              </a:rPr>
+              <a:t>(YEAR,</a:t>
+            </a:r>
+            <a:r>
+              <a:rPr lang="en-GB" b="0" i="0">
+                <a:solidFill>
+                  <a:srgbClr val="000000"/>
+                </a:solidFill>
+                <a:effectLst/>
+                <a:latin typeface="Courier New" panose="02070309020205020404" pitchFamily="49" charset="0"/>
+              </a:rPr>
+              <a:t> </a:t>
+            </a:r>
+            <a:r>
+              <a:rPr lang="en-GB" b="0" i="0">
+                <a:effectLst/>
+                <a:latin typeface="Courier New" panose="02070309020205020404" pitchFamily="49" charset="0"/>
+              </a:rPr>
+              <a:t>Age_Range,</a:t>
+            </a:r>
+            <a:r>
+              <a:rPr lang="en-GB" b="0" i="0">
+                <a:solidFill>
+                  <a:srgbClr val="000000"/>
+                </a:solidFill>
+                <a:effectLst/>
+                <a:latin typeface="Courier New" panose="02070309020205020404" pitchFamily="49" charset="0"/>
+              </a:rPr>
+              <a:t> </a:t>
+            </a:r>
+            <a:r>
+              <a:rPr lang="en-GB" b="1" i="0">
+                <a:effectLst/>
+                <a:latin typeface="Courier New" panose="02070309020205020404" pitchFamily="49" charset="0"/>
+              </a:rPr>
+              <a:t>CURDATE</a:t>
+            </a:r>
+            <a:r>
+              <a:rPr lang="en-GB" b="0" i="0">
+                <a:effectLst/>
+                <a:latin typeface="Courier New" panose="02070309020205020404" pitchFamily="49" charset="0"/>
+              </a:rPr>
+              <a:t>())</a:t>
+            </a:r>
+            <a:r>
+              <a:rPr lang="en-GB" b="0" i="0">
+                <a:solidFill>
+                  <a:srgbClr val="000000"/>
+                </a:solidFill>
+                <a:effectLst/>
+                <a:latin typeface="Courier New" panose="02070309020205020404" pitchFamily="49" charset="0"/>
+              </a:rPr>
+              <a:t> </a:t>
+            </a:r>
+            <a:r>
+              <a:rPr lang="en-GB" b="0" i="0">
+                <a:effectLst/>
+                <a:latin typeface="Courier New" panose="02070309020205020404" pitchFamily="49" charset="0"/>
+              </a:rPr>
+              <a:t>BETWEEN</a:t>
+            </a:r>
+            <a:r>
+              <a:rPr lang="en-GB" b="0" i="0">
+                <a:solidFill>
+                  <a:srgbClr val="000000"/>
+                </a:solidFill>
+                <a:effectLst/>
+                <a:latin typeface="Courier New" panose="02070309020205020404" pitchFamily="49" charset="0"/>
+              </a:rPr>
+              <a:t> 20 </a:t>
+            </a:r>
+            <a:r>
+              <a:rPr lang="en-GB" b="0" i="0">
+                <a:effectLst/>
+                <a:latin typeface="Courier New" panose="02070309020205020404" pitchFamily="49" charset="0"/>
+              </a:rPr>
+              <a:t>AND</a:t>
+            </a:r>
+            <a:r>
+              <a:rPr lang="en-GB" b="0" i="0">
+                <a:solidFill>
+                  <a:srgbClr val="000000"/>
+                </a:solidFill>
+                <a:effectLst/>
+                <a:latin typeface="Courier New" panose="02070309020205020404" pitchFamily="49" charset="0"/>
+              </a:rPr>
+              <a:t> 29 </a:t>
+            </a:r>
+            <a:r>
+              <a:rPr lang="en-GB" b="0" i="0">
+                <a:effectLst/>
+                <a:latin typeface="Courier New" panose="02070309020205020404" pitchFamily="49" charset="0"/>
+              </a:rPr>
+              <a:t>THEN</a:t>
+            </a:r>
+            <a:r>
+              <a:rPr lang="en-GB" b="0" i="0">
+                <a:solidFill>
+                  <a:srgbClr val="000000"/>
+                </a:solidFill>
+                <a:effectLst/>
+                <a:latin typeface="Courier New" panose="02070309020205020404" pitchFamily="49" charset="0"/>
+              </a:rPr>
+              <a:t> 1</a:t>
+            </a:r>
+            <a:br>
+              <a:rPr lang="en-GB"/>
+            </a:br>
+            <a:r>
+              <a:rPr lang="en-GB" b="0" i="0">
+                <a:solidFill>
+                  <a:srgbClr val="000000"/>
+                </a:solidFill>
+                <a:effectLst/>
+                <a:latin typeface="Courier New" panose="02070309020205020404" pitchFamily="49" charset="0"/>
+              </a:rPr>
+              <a:t>               </a:t>
+            </a:r>
+            <a:r>
+              <a:rPr lang="en-GB" b="0" i="0">
+                <a:effectLst/>
+                <a:latin typeface="Courier New" panose="02070309020205020404" pitchFamily="49" charset="0"/>
+              </a:rPr>
+              <a:t>ELSE</a:t>
+            </a:r>
+            <a:r>
+              <a:rPr lang="en-GB" b="0" i="0">
+                <a:solidFill>
+                  <a:srgbClr val="000000"/>
+                </a:solidFill>
+                <a:effectLst/>
+                <a:latin typeface="Courier New" panose="02070309020205020404" pitchFamily="49" charset="0"/>
+              </a:rPr>
+              <a:t> 0</a:t>
+            </a:r>
+            <a:br>
+              <a:rPr lang="en-GB"/>
+            </a:br>
+            <a:r>
+              <a:rPr lang="en-GB" b="0" i="0">
+                <a:solidFill>
+                  <a:srgbClr val="000000"/>
+                </a:solidFill>
+                <a:effectLst/>
+                <a:latin typeface="Courier New" panose="02070309020205020404" pitchFamily="49" charset="0"/>
+              </a:rPr>
+              <a:t>           </a:t>
+            </a:r>
+            <a:r>
+              <a:rPr lang="en-GB" b="0" i="0">
+                <a:effectLst/>
+                <a:latin typeface="Courier New" panose="02070309020205020404" pitchFamily="49" charset="0"/>
+              </a:rPr>
+              <a:t>END)</a:t>
+            </a:r>
+            <a:r>
+              <a:rPr lang="en-GB" b="0" i="0">
+                <a:solidFill>
+                  <a:srgbClr val="000000"/>
+                </a:solidFill>
+                <a:effectLst/>
+                <a:latin typeface="Courier New" panose="02070309020205020404" pitchFamily="49" charset="0"/>
+              </a:rPr>
+              <a:t> </a:t>
+            </a:r>
+            <a:r>
+              <a:rPr lang="en-GB" b="0" i="0">
+                <a:effectLst/>
+                <a:latin typeface="Courier New" panose="02070309020205020404" pitchFamily="49" charset="0"/>
+              </a:rPr>
+              <a:t>AS</a:t>
+            </a:r>
+            <a:r>
+              <a:rPr lang="en-GB" b="0" i="0">
+                <a:solidFill>
+                  <a:srgbClr val="000000"/>
+                </a:solidFill>
+                <a:effectLst/>
+                <a:latin typeface="Courier New" panose="02070309020205020404" pitchFamily="49" charset="0"/>
+              </a:rPr>
+              <a:t> </a:t>
+            </a:r>
+            <a:r>
+              <a:rPr lang="en-GB" b="0" i="0">
+                <a:effectLst/>
+                <a:latin typeface="Courier New" panose="02070309020205020404" pitchFamily="49" charset="0"/>
+              </a:rPr>
+              <a:t>total_employees_20_30,</a:t>
+            </a:r>
+            <a:br>
+              <a:rPr lang="en-GB"/>
+            </a:br>
+            <a:r>
+              <a:rPr lang="en-GB" b="0" i="0">
+                <a:solidFill>
+                  <a:srgbClr val="000000"/>
+                </a:solidFill>
+                <a:effectLst/>
+                <a:latin typeface="Courier New" panose="02070309020205020404" pitchFamily="49" charset="0"/>
+              </a:rPr>
+              <a:t>       </a:t>
+            </a:r>
+            <a:r>
+              <a:rPr lang="en-GB" b="1" i="0">
+                <a:effectLst/>
+                <a:latin typeface="Courier New" panose="02070309020205020404" pitchFamily="49" charset="0"/>
+              </a:rPr>
+              <a:t>SUM</a:t>
+            </a:r>
+            <a:r>
+              <a:rPr lang="en-GB" b="0" i="0">
+                <a:effectLst/>
+                <a:latin typeface="Courier New" panose="02070309020205020404" pitchFamily="49" charset="0"/>
+              </a:rPr>
+              <a:t>(CASE</a:t>
+            </a:r>
+            <a:br>
+              <a:rPr lang="en-GB"/>
+            </a:br>
+            <a:r>
+              <a:rPr lang="en-GB" b="0" i="0">
+                <a:solidFill>
+                  <a:srgbClr val="000000"/>
+                </a:solidFill>
+                <a:effectLst/>
+                <a:latin typeface="Courier New" panose="02070309020205020404" pitchFamily="49" charset="0"/>
+              </a:rPr>
+              <a:t>               </a:t>
+            </a:r>
+            <a:r>
+              <a:rPr lang="en-GB" b="0" i="0">
+                <a:effectLst/>
+                <a:latin typeface="Courier New" panose="02070309020205020404" pitchFamily="49" charset="0"/>
+              </a:rPr>
+              <a:t>WHEN</a:t>
+            </a:r>
+            <a:r>
+              <a:rPr lang="en-GB" b="0" i="0">
+                <a:solidFill>
+                  <a:srgbClr val="000000"/>
+                </a:solidFill>
+                <a:effectLst/>
+                <a:latin typeface="Courier New" panose="02070309020205020404" pitchFamily="49" charset="0"/>
+              </a:rPr>
+              <a:t> </a:t>
+            </a:r>
+            <a:r>
+              <a:rPr lang="en-GB" b="1" i="0">
+                <a:effectLst/>
+                <a:latin typeface="Courier New" panose="02070309020205020404" pitchFamily="49" charset="0"/>
+              </a:rPr>
+              <a:t>TIMESTAMPDIFF</a:t>
+            </a:r>
+            <a:r>
+              <a:rPr lang="en-GB" b="0" i="0">
+                <a:effectLst/>
+                <a:latin typeface="Courier New" panose="02070309020205020404" pitchFamily="49" charset="0"/>
+              </a:rPr>
+              <a:t>(YEAR,</a:t>
+            </a:r>
+            <a:r>
+              <a:rPr lang="en-GB" b="0" i="0">
+                <a:solidFill>
+                  <a:srgbClr val="000000"/>
+                </a:solidFill>
+                <a:effectLst/>
+                <a:latin typeface="Courier New" panose="02070309020205020404" pitchFamily="49" charset="0"/>
+              </a:rPr>
+              <a:t> </a:t>
+            </a:r>
+            <a:r>
+              <a:rPr lang="en-GB" b="0" i="0">
+                <a:effectLst/>
+                <a:latin typeface="Courier New" panose="02070309020205020404" pitchFamily="49" charset="0"/>
+              </a:rPr>
+              <a:t>Age_Range,</a:t>
+            </a:r>
+            <a:r>
+              <a:rPr lang="en-GB" b="0" i="0">
+                <a:solidFill>
+                  <a:srgbClr val="000000"/>
+                </a:solidFill>
+                <a:effectLst/>
+                <a:latin typeface="Courier New" panose="02070309020205020404" pitchFamily="49" charset="0"/>
+              </a:rPr>
+              <a:t> </a:t>
+            </a:r>
+            <a:r>
+              <a:rPr lang="en-GB" b="1" i="0">
+                <a:effectLst/>
+                <a:latin typeface="Courier New" panose="02070309020205020404" pitchFamily="49" charset="0"/>
+              </a:rPr>
+              <a:t>CURDATE</a:t>
+            </a:r>
+            <a:r>
+              <a:rPr lang="en-GB" b="0" i="0">
+                <a:effectLst/>
+                <a:latin typeface="Courier New" panose="02070309020205020404" pitchFamily="49" charset="0"/>
+              </a:rPr>
+              <a:t>())</a:t>
+            </a:r>
+            <a:r>
+              <a:rPr lang="en-GB" b="0" i="0">
+                <a:solidFill>
+                  <a:srgbClr val="000000"/>
+                </a:solidFill>
+                <a:effectLst/>
+                <a:latin typeface="Courier New" panose="02070309020205020404" pitchFamily="49" charset="0"/>
+              </a:rPr>
+              <a:t> </a:t>
+            </a:r>
+            <a:r>
+              <a:rPr lang="en-GB" b="0" i="0">
+                <a:effectLst/>
+                <a:latin typeface="Courier New" panose="02070309020205020404" pitchFamily="49" charset="0"/>
+              </a:rPr>
+              <a:t>BETWEEN</a:t>
+            </a:r>
+            <a:r>
+              <a:rPr lang="en-GB" b="0" i="0">
+                <a:solidFill>
+                  <a:srgbClr val="000000"/>
+                </a:solidFill>
+                <a:effectLst/>
+                <a:latin typeface="Courier New" panose="02070309020205020404" pitchFamily="49" charset="0"/>
+              </a:rPr>
+              <a:t> 30 </a:t>
+            </a:r>
+            <a:r>
+              <a:rPr lang="en-GB" b="0" i="0">
+                <a:effectLst/>
+                <a:latin typeface="Courier New" panose="02070309020205020404" pitchFamily="49" charset="0"/>
+              </a:rPr>
+              <a:t>AND</a:t>
+            </a:r>
+            <a:r>
+              <a:rPr lang="en-GB" b="0" i="0">
+                <a:solidFill>
+                  <a:srgbClr val="000000"/>
+                </a:solidFill>
+                <a:effectLst/>
+                <a:latin typeface="Courier New" panose="02070309020205020404" pitchFamily="49" charset="0"/>
+              </a:rPr>
+              <a:t> 39 </a:t>
+            </a:r>
+            <a:r>
+              <a:rPr lang="en-GB" b="0" i="0">
+                <a:effectLst/>
+                <a:latin typeface="Courier New" panose="02070309020205020404" pitchFamily="49" charset="0"/>
+              </a:rPr>
+              <a:t>THEN</a:t>
+            </a:r>
+            <a:r>
+              <a:rPr lang="en-GB" b="0" i="0">
+                <a:solidFill>
+                  <a:srgbClr val="000000"/>
+                </a:solidFill>
+                <a:effectLst/>
+                <a:latin typeface="Courier New" panose="02070309020205020404" pitchFamily="49" charset="0"/>
+              </a:rPr>
+              <a:t> 1</a:t>
+            </a:r>
+            <a:br>
+              <a:rPr lang="en-GB"/>
+            </a:br>
+            <a:r>
+              <a:rPr lang="en-GB" b="0" i="0">
+                <a:solidFill>
+                  <a:srgbClr val="000000"/>
+                </a:solidFill>
+                <a:effectLst/>
+                <a:latin typeface="Courier New" panose="02070309020205020404" pitchFamily="49" charset="0"/>
+              </a:rPr>
+              <a:t>               </a:t>
+            </a:r>
+            <a:r>
+              <a:rPr lang="en-GB" b="0" i="0">
+                <a:effectLst/>
+                <a:latin typeface="Courier New" panose="02070309020205020404" pitchFamily="49" charset="0"/>
+              </a:rPr>
+              <a:t>ELSE</a:t>
+            </a:r>
+            <a:r>
+              <a:rPr lang="en-GB" b="0" i="0">
+                <a:solidFill>
+                  <a:srgbClr val="000000"/>
+                </a:solidFill>
+                <a:effectLst/>
+                <a:latin typeface="Courier New" panose="02070309020205020404" pitchFamily="49" charset="0"/>
+              </a:rPr>
+              <a:t> 0</a:t>
+            </a:r>
+            <a:br>
+              <a:rPr lang="en-GB"/>
+            </a:br>
+            <a:r>
+              <a:rPr lang="en-GB" b="0" i="0">
+                <a:solidFill>
+                  <a:srgbClr val="000000"/>
+                </a:solidFill>
+                <a:effectLst/>
+                <a:latin typeface="Courier New" panose="02070309020205020404" pitchFamily="49" charset="0"/>
+              </a:rPr>
+              <a:t>           </a:t>
+            </a:r>
+            <a:r>
+              <a:rPr lang="en-GB" b="0" i="0">
+                <a:effectLst/>
+                <a:latin typeface="Courier New" panose="02070309020205020404" pitchFamily="49" charset="0"/>
+              </a:rPr>
+              <a:t>END)</a:t>
+            </a:r>
+            <a:r>
+              <a:rPr lang="en-GB" b="0" i="0">
+                <a:solidFill>
+                  <a:srgbClr val="000000"/>
+                </a:solidFill>
+                <a:effectLst/>
+                <a:latin typeface="Courier New" panose="02070309020205020404" pitchFamily="49" charset="0"/>
+              </a:rPr>
+              <a:t> </a:t>
+            </a:r>
+            <a:r>
+              <a:rPr lang="en-GB" b="0" i="0">
+                <a:effectLst/>
+                <a:latin typeface="Courier New" panose="02070309020205020404" pitchFamily="49" charset="0"/>
+              </a:rPr>
+              <a:t>AS</a:t>
+            </a:r>
+            <a:r>
+              <a:rPr lang="en-GB" b="0" i="0">
+                <a:solidFill>
+                  <a:srgbClr val="000000"/>
+                </a:solidFill>
+                <a:effectLst/>
+                <a:latin typeface="Courier New" panose="02070309020205020404" pitchFamily="49" charset="0"/>
+              </a:rPr>
+              <a:t> </a:t>
+            </a:r>
+            <a:r>
+              <a:rPr lang="en-GB" b="0" i="0">
+                <a:effectLst/>
+                <a:latin typeface="Courier New" panose="02070309020205020404" pitchFamily="49" charset="0"/>
+              </a:rPr>
+              <a:t>total_employees_30_40,</a:t>
+            </a:r>
+            <a:br>
+              <a:rPr lang="en-GB"/>
+            </a:br>
+            <a:r>
+              <a:rPr lang="en-GB" b="0" i="0">
+                <a:solidFill>
+                  <a:srgbClr val="000000"/>
+                </a:solidFill>
+                <a:effectLst/>
+                <a:latin typeface="Courier New" panose="02070309020205020404" pitchFamily="49" charset="0"/>
+              </a:rPr>
+              <a:t>       </a:t>
+            </a:r>
+            <a:r>
+              <a:rPr lang="en-GB" b="1" i="0">
+                <a:effectLst/>
+                <a:latin typeface="Courier New" panose="02070309020205020404" pitchFamily="49" charset="0"/>
+              </a:rPr>
+              <a:t>SUM</a:t>
+            </a:r>
+            <a:r>
+              <a:rPr lang="en-GB" b="0" i="0">
+                <a:effectLst/>
+                <a:latin typeface="Courier New" panose="02070309020205020404" pitchFamily="49" charset="0"/>
+              </a:rPr>
+              <a:t>(CASE</a:t>
+            </a:r>
+            <a:br>
+              <a:rPr lang="en-GB"/>
+            </a:br>
+            <a:r>
+              <a:rPr lang="en-GB" b="0" i="0">
+                <a:solidFill>
+                  <a:srgbClr val="000000"/>
+                </a:solidFill>
+                <a:effectLst/>
+                <a:latin typeface="Courier New" panose="02070309020205020404" pitchFamily="49" charset="0"/>
+              </a:rPr>
+              <a:t>               </a:t>
+            </a:r>
+            <a:r>
+              <a:rPr lang="en-GB" b="0" i="0">
+                <a:effectLst/>
+                <a:latin typeface="Courier New" panose="02070309020205020404" pitchFamily="49" charset="0"/>
+              </a:rPr>
+              <a:t>WHEN</a:t>
+            </a:r>
+            <a:r>
+              <a:rPr lang="en-GB" b="0" i="0">
+                <a:solidFill>
+                  <a:srgbClr val="000000"/>
+                </a:solidFill>
+                <a:effectLst/>
+                <a:latin typeface="Courier New" panose="02070309020205020404" pitchFamily="49" charset="0"/>
+              </a:rPr>
+              <a:t> </a:t>
+            </a:r>
+            <a:r>
+              <a:rPr lang="en-GB" b="1" i="0">
+                <a:effectLst/>
+                <a:latin typeface="Courier New" panose="02070309020205020404" pitchFamily="49" charset="0"/>
+              </a:rPr>
+              <a:t>TIMESTAMPDIFF</a:t>
+            </a:r>
+            <a:r>
+              <a:rPr lang="en-GB" b="0" i="0">
+                <a:effectLst/>
+                <a:latin typeface="Courier New" panose="02070309020205020404" pitchFamily="49" charset="0"/>
+              </a:rPr>
+              <a:t>(YEAR,</a:t>
+            </a:r>
+            <a:r>
+              <a:rPr lang="en-GB" b="0" i="0">
+                <a:solidFill>
+                  <a:srgbClr val="000000"/>
+                </a:solidFill>
+                <a:effectLst/>
+                <a:latin typeface="Courier New" panose="02070309020205020404" pitchFamily="49" charset="0"/>
+              </a:rPr>
+              <a:t> </a:t>
+            </a:r>
+            <a:r>
+              <a:rPr lang="en-GB" b="0" i="0">
+                <a:effectLst/>
+                <a:latin typeface="Courier New" panose="02070309020205020404" pitchFamily="49" charset="0"/>
+              </a:rPr>
+              <a:t>Age_Range,</a:t>
+            </a:r>
+            <a:r>
+              <a:rPr lang="en-GB" b="0" i="0">
+                <a:solidFill>
+                  <a:srgbClr val="000000"/>
+                </a:solidFill>
+                <a:effectLst/>
+                <a:latin typeface="Courier New" panose="02070309020205020404" pitchFamily="49" charset="0"/>
+              </a:rPr>
+              <a:t> </a:t>
+            </a:r>
+            <a:r>
+              <a:rPr lang="en-GB" b="1" i="0">
+                <a:effectLst/>
+                <a:latin typeface="Courier New" panose="02070309020205020404" pitchFamily="49" charset="0"/>
+              </a:rPr>
+              <a:t>CURDATE</a:t>
+            </a:r>
+            <a:r>
+              <a:rPr lang="en-GB" b="0" i="0">
+                <a:effectLst/>
+                <a:latin typeface="Courier New" panose="02070309020205020404" pitchFamily="49" charset="0"/>
+              </a:rPr>
+              <a:t>())</a:t>
+            </a:r>
+            <a:r>
+              <a:rPr lang="en-GB" b="0" i="0">
+                <a:solidFill>
+                  <a:srgbClr val="000000"/>
+                </a:solidFill>
+                <a:effectLst/>
+                <a:latin typeface="Courier New" panose="02070309020205020404" pitchFamily="49" charset="0"/>
+              </a:rPr>
+              <a:t> </a:t>
+            </a:r>
+            <a:r>
+              <a:rPr lang="en-GB" b="0" i="0">
+                <a:effectLst/>
+                <a:latin typeface="Courier New" panose="02070309020205020404" pitchFamily="49" charset="0"/>
+              </a:rPr>
+              <a:t>BETWEEN</a:t>
+            </a:r>
+            <a:r>
+              <a:rPr lang="en-GB" b="0" i="0">
+                <a:solidFill>
+                  <a:srgbClr val="000000"/>
+                </a:solidFill>
+                <a:effectLst/>
+                <a:latin typeface="Courier New" panose="02070309020205020404" pitchFamily="49" charset="0"/>
+              </a:rPr>
+              <a:t> 40 </a:t>
+            </a:r>
+            <a:r>
+              <a:rPr lang="en-GB" b="0" i="0">
+                <a:effectLst/>
+                <a:latin typeface="Courier New" panose="02070309020205020404" pitchFamily="49" charset="0"/>
+              </a:rPr>
+              <a:t>AND</a:t>
+            </a:r>
+            <a:r>
+              <a:rPr lang="en-GB" b="0" i="0">
+                <a:solidFill>
+                  <a:srgbClr val="000000"/>
+                </a:solidFill>
+                <a:effectLst/>
+                <a:latin typeface="Courier New" panose="02070309020205020404" pitchFamily="49" charset="0"/>
+              </a:rPr>
+              <a:t> 49 </a:t>
+            </a:r>
+            <a:r>
+              <a:rPr lang="en-GB" b="0" i="0">
+                <a:effectLst/>
+                <a:latin typeface="Courier New" panose="02070309020205020404" pitchFamily="49" charset="0"/>
+              </a:rPr>
+              <a:t>THEN</a:t>
+            </a:r>
+            <a:r>
+              <a:rPr lang="en-GB" b="0" i="0">
+                <a:solidFill>
+                  <a:srgbClr val="000000"/>
+                </a:solidFill>
+                <a:effectLst/>
+                <a:latin typeface="Courier New" panose="02070309020205020404" pitchFamily="49" charset="0"/>
+              </a:rPr>
+              <a:t> 1</a:t>
+            </a:r>
+            <a:br>
+              <a:rPr lang="en-GB"/>
+            </a:br>
+            <a:r>
+              <a:rPr lang="en-GB" b="0" i="0">
+                <a:solidFill>
+                  <a:srgbClr val="000000"/>
+                </a:solidFill>
+                <a:effectLst/>
+                <a:latin typeface="Courier New" panose="02070309020205020404" pitchFamily="49" charset="0"/>
+              </a:rPr>
+              <a:t>               </a:t>
+            </a:r>
+            <a:r>
+              <a:rPr lang="en-GB" b="0" i="0">
+                <a:effectLst/>
+                <a:latin typeface="Courier New" panose="02070309020205020404" pitchFamily="49" charset="0"/>
+              </a:rPr>
+              <a:t>ELSE</a:t>
+            </a:r>
+            <a:r>
+              <a:rPr lang="en-GB" b="0" i="0">
+                <a:solidFill>
+                  <a:srgbClr val="000000"/>
+                </a:solidFill>
+                <a:effectLst/>
+                <a:latin typeface="Courier New" panose="02070309020205020404" pitchFamily="49" charset="0"/>
+              </a:rPr>
+              <a:t> 0</a:t>
+            </a:r>
+            <a:br>
+              <a:rPr lang="en-GB"/>
+            </a:br>
+            <a:r>
+              <a:rPr lang="en-GB" b="0" i="0">
+                <a:solidFill>
+                  <a:srgbClr val="000000"/>
+                </a:solidFill>
+                <a:effectLst/>
+                <a:latin typeface="Courier New" panose="02070309020205020404" pitchFamily="49" charset="0"/>
+              </a:rPr>
+              <a:t>           </a:t>
+            </a:r>
+            <a:r>
+              <a:rPr lang="en-GB" b="0" i="0">
+                <a:effectLst/>
+                <a:latin typeface="Courier New" panose="02070309020205020404" pitchFamily="49" charset="0"/>
+              </a:rPr>
+              <a:t>END)</a:t>
+            </a:r>
+            <a:r>
+              <a:rPr lang="en-GB" b="0" i="0">
+                <a:solidFill>
+                  <a:srgbClr val="000000"/>
+                </a:solidFill>
+                <a:effectLst/>
+                <a:latin typeface="Courier New" panose="02070309020205020404" pitchFamily="49" charset="0"/>
+              </a:rPr>
+              <a:t> </a:t>
+            </a:r>
+            <a:r>
+              <a:rPr lang="en-GB" b="0" i="0">
+                <a:effectLst/>
+                <a:latin typeface="Courier New" panose="02070309020205020404" pitchFamily="49" charset="0"/>
+              </a:rPr>
+              <a:t>AS</a:t>
+            </a:r>
+            <a:r>
+              <a:rPr lang="en-GB" b="0" i="0">
+                <a:solidFill>
+                  <a:srgbClr val="000000"/>
+                </a:solidFill>
+                <a:effectLst/>
+                <a:latin typeface="Courier New" panose="02070309020205020404" pitchFamily="49" charset="0"/>
+              </a:rPr>
+              <a:t> </a:t>
+            </a:r>
+            <a:r>
+              <a:rPr lang="en-GB" b="0" i="0">
+                <a:effectLst/>
+                <a:latin typeface="Courier New" panose="02070309020205020404" pitchFamily="49" charset="0"/>
+              </a:rPr>
+              <a:t>total_employees_40_50,</a:t>
+            </a:r>
+            <a:br>
+              <a:rPr lang="en-GB"/>
+            </a:br>
+            <a:r>
+              <a:rPr lang="en-GB" b="0" i="0">
+                <a:solidFill>
+                  <a:srgbClr val="000000"/>
+                </a:solidFill>
+                <a:effectLst/>
+                <a:latin typeface="Courier New" panose="02070309020205020404" pitchFamily="49" charset="0"/>
+              </a:rPr>
+              <a:t>       </a:t>
+            </a:r>
+            <a:r>
+              <a:rPr lang="en-GB" b="1" i="0">
+                <a:effectLst/>
+                <a:latin typeface="Courier New" panose="02070309020205020404" pitchFamily="49" charset="0"/>
+              </a:rPr>
+              <a:t>SUM</a:t>
+            </a:r>
+            <a:r>
+              <a:rPr lang="en-GB" b="0" i="0">
+                <a:effectLst/>
+                <a:latin typeface="Courier New" panose="02070309020205020404" pitchFamily="49" charset="0"/>
+              </a:rPr>
+              <a:t>(CASE</a:t>
+            </a:r>
+            <a:br>
+              <a:rPr lang="en-GB"/>
+            </a:br>
+            <a:r>
+              <a:rPr lang="en-GB" b="0" i="0">
+                <a:solidFill>
+                  <a:srgbClr val="000000"/>
+                </a:solidFill>
+                <a:effectLst/>
+                <a:latin typeface="Courier New" panose="02070309020205020404" pitchFamily="49" charset="0"/>
+              </a:rPr>
+              <a:t>               </a:t>
+            </a:r>
+            <a:r>
+              <a:rPr lang="en-GB" b="0" i="0">
+                <a:effectLst/>
+                <a:latin typeface="Courier New" panose="02070309020205020404" pitchFamily="49" charset="0"/>
+              </a:rPr>
+              <a:t>WHEN</a:t>
+            </a:r>
+            <a:r>
+              <a:rPr lang="en-GB" b="0" i="0">
+                <a:solidFill>
+                  <a:srgbClr val="000000"/>
+                </a:solidFill>
+                <a:effectLst/>
+                <a:latin typeface="Courier New" panose="02070309020205020404" pitchFamily="49" charset="0"/>
+              </a:rPr>
+              <a:t> </a:t>
+            </a:r>
+            <a:r>
+              <a:rPr lang="en-GB" b="1" i="0">
+                <a:effectLst/>
+                <a:latin typeface="Courier New" panose="02070309020205020404" pitchFamily="49" charset="0"/>
+              </a:rPr>
+              <a:t>TIMESTAMPDIFF</a:t>
+            </a:r>
+            <a:r>
+              <a:rPr lang="en-GB" b="0" i="0">
+                <a:effectLst/>
+                <a:latin typeface="Courier New" panose="02070309020205020404" pitchFamily="49" charset="0"/>
+              </a:rPr>
+              <a:t>(YEAR,</a:t>
+            </a:r>
+            <a:r>
+              <a:rPr lang="en-GB" b="0" i="0">
+                <a:solidFill>
+                  <a:srgbClr val="000000"/>
+                </a:solidFill>
+                <a:effectLst/>
+                <a:latin typeface="Courier New" panose="02070309020205020404" pitchFamily="49" charset="0"/>
+              </a:rPr>
+              <a:t> </a:t>
+            </a:r>
+            <a:r>
+              <a:rPr lang="en-GB" b="0" i="0">
+                <a:effectLst/>
+                <a:latin typeface="Courier New" panose="02070309020205020404" pitchFamily="49" charset="0"/>
+              </a:rPr>
+              <a:t>Age_Range,</a:t>
+            </a:r>
+            <a:r>
+              <a:rPr lang="en-GB" b="0" i="0">
+                <a:solidFill>
+                  <a:srgbClr val="000000"/>
+                </a:solidFill>
+                <a:effectLst/>
+                <a:latin typeface="Courier New" panose="02070309020205020404" pitchFamily="49" charset="0"/>
+              </a:rPr>
+              <a:t> </a:t>
+            </a:r>
+            <a:r>
+              <a:rPr lang="en-GB" b="1" i="0">
+                <a:effectLst/>
+                <a:latin typeface="Courier New" panose="02070309020205020404" pitchFamily="49" charset="0"/>
+              </a:rPr>
+              <a:t>CURDATE</a:t>
+            </a:r>
+            <a:r>
+              <a:rPr lang="en-GB" b="0" i="0">
+                <a:effectLst/>
+                <a:latin typeface="Courier New" panose="02070309020205020404" pitchFamily="49" charset="0"/>
+              </a:rPr>
+              <a:t>())</a:t>
+            </a:r>
+            <a:r>
+              <a:rPr lang="en-GB" b="0" i="0">
+                <a:solidFill>
+                  <a:srgbClr val="000000"/>
+                </a:solidFill>
+                <a:effectLst/>
+                <a:latin typeface="Courier New" panose="02070309020205020404" pitchFamily="49" charset="0"/>
+              </a:rPr>
+              <a:t> </a:t>
+            </a:r>
+            <a:r>
+              <a:rPr lang="en-GB" b="0" i="0">
+                <a:effectLst/>
+                <a:latin typeface="Courier New" panose="02070309020205020404" pitchFamily="49" charset="0"/>
+              </a:rPr>
+              <a:t>BETWEEN</a:t>
+            </a:r>
+            <a:r>
+              <a:rPr lang="en-GB" b="0" i="0">
+                <a:solidFill>
+                  <a:srgbClr val="000000"/>
+                </a:solidFill>
+                <a:effectLst/>
+                <a:latin typeface="Courier New" panose="02070309020205020404" pitchFamily="49" charset="0"/>
+              </a:rPr>
+              <a:t> 50 </a:t>
+            </a:r>
+            <a:r>
+              <a:rPr lang="en-GB" b="0" i="0">
+                <a:effectLst/>
+                <a:latin typeface="Courier New" panose="02070309020205020404" pitchFamily="49" charset="0"/>
+              </a:rPr>
+              <a:t>AND</a:t>
+            </a:r>
+            <a:r>
+              <a:rPr lang="en-GB" b="0" i="0">
+                <a:solidFill>
+                  <a:srgbClr val="000000"/>
+                </a:solidFill>
+                <a:effectLst/>
+                <a:latin typeface="Courier New" panose="02070309020205020404" pitchFamily="49" charset="0"/>
+              </a:rPr>
+              <a:t> 59 </a:t>
+            </a:r>
+            <a:r>
+              <a:rPr lang="en-GB" b="0" i="0">
+                <a:effectLst/>
+                <a:latin typeface="Courier New" panose="02070309020205020404" pitchFamily="49" charset="0"/>
+              </a:rPr>
+              <a:t>THEN</a:t>
+            </a:r>
+            <a:r>
+              <a:rPr lang="en-GB" b="0" i="0">
+                <a:solidFill>
+                  <a:srgbClr val="000000"/>
+                </a:solidFill>
+                <a:effectLst/>
+                <a:latin typeface="Courier New" panose="02070309020205020404" pitchFamily="49" charset="0"/>
+              </a:rPr>
+              <a:t> 1</a:t>
+            </a:r>
+            <a:br>
+              <a:rPr lang="en-GB"/>
+            </a:br>
+            <a:r>
+              <a:rPr lang="en-GB" b="0" i="0">
+                <a:solidFill>
+                  <a:srgbClr val="000000"/>
+                </a:solidFill>
+                <a:effectLst/>
+                <a:latin typeface="Courier New" panose="02070309020205020404" pitchFamily="49" charset="0"/>
+              </a:rPr>
+              <a:t>               </a:t>
+            </a:r>
+            <a:r>
+              <a:rPr lang="en-GB" b="0" i="0">
+                <a:effectLst/>
+                <a:latin typeface="Courier New" panose="02070309020205020404" pitchFamily="49" charset="0"/>
+              </a:rPr>
+              <a:t>ELSE</a:t>
+            </a:r>
+            <a:r>
+              <a:rPr lang="en-GB" b="0" i="0">
+                <a:solidFill>
+                  <a:srgbClr val="000000"/>
+                </a:solidFill>
+                <a:effectLst/>
+                <a:latin typeface="Courier New" panose="02070309020205020404" pitchFamily="49" charset="0"/>
+              </a:rPr>
+              <a:t> 0</a:t>
+            </a:r>
+            <a:br>
+              <a:rPr lang="en-GB"/>
+            </a:br>
+            <a:r>
+              <a:rPr lang="en-GB" b="0" i="0">
+                <a:solidFill>
+                  <a:srgbClr val="000000"/>
+                </a:solidFill>
+                <a:effectLst/>
+                <a:latin typeface="Courier New" panose="02070309020205020404" pitchFamily="49" charset="0"/>
+              </a:rPr>
+              <a:t>           </a:t>
+            </a:r>
+            <a:r>
+              <a:rPr lang="en-GB" b="0" i="0">
+                <a:effectLst/>
+                <a:latin typeface="Courier New" panose="02070309020205020404" pitchFamily="49" charset="0"/>
+              </a:rPr>
+              <a:t>END)</a:t>
+            </a:r>
+            <a:r>
+              <a:rPr lang="en-GB" b="0" i="0">
+                <a:solidFill>
+                  <a:srgbClr val="000000"/>
+                </a:solidFill>
+                <a:effectLst/>
+                <a:latin typeface="Courier New" panose="02070309020205020404" pitchFamily="49" charset="0"/>
+              </a:rPr>
+              <a:t> </a:t>
+            </a:r>
+            <a:r>
+              <a:rPr lang="en-GB" b="0" i="0">
+                <a:effectLst/>
+                <a:latin typeface="Courier New" panose="02070309020205020404" pitchFamily="49" charset="0"/>
+              </a:rPr>
+              <a:t>AS</a:t>
+            </a:r>
+            <a:r>
+              <a:rPr lang="en-GB" b="0" i="0">
+                <a:solidFill>
+                  <a:srgbClr val="000000"/>
+                </a:solidFill>
+                <a:effectLst/>
+                <a:latin typeface="Courier New" panose="02070309020205020404" pitchFamily="49" charset="0"/>
+              </a:rPr>
+              <a:t> </a:t>
+            </a:r>
+            <a:r>
+              <a:rPr lang="en-GB" b="0" i="0">
+                <a:effectLst/>
+                <a:latin typeface="Courier New" panose="02070309020205020404" pitchFamily="49" charset="0"/>
+              </a:rPr>
+              <a:t>total_employees_50_6,</a:t>
+            </a:r>
+            <a:br>
+              <a:rPr lang="en-GB"/>
+            </a:br>
+            <a:r>
+              <a:rPr lang="en-GB" b="0" i="0">
+                <a:solidFill>
+                  <a:srgbClr val="000000"/>
+                </a:solidFill>
+                <a:effectLst/>
+                <a:latin typeface="Courier New" panose="02070309020205020404" pitchFamily="49" charset="0"/>
+              </a:rPr>
+              <a:t>       </a:t>
+            </a:r>
+            <a:r>
+              <a:rPr lang="en-GB" b="1" i="0">
+                <a:effectLst/>
+                <a:latin typeface="Courier New" panose="02070309020205020404" pitchFamily="49" charset="0"/>
+              </a:rPr>
+              <a:t>SUM</a:t>
+            </a:r>
+            <a:r>
+              <a:rPr lang="en-GB" b="0" i="0">
+                <a:effectLst/>
+                <a:latin typeface="Courier New" panose="02070309020205020404" pitchFamily="49" charset="0"/>
+              </a:rPr>
+              <a:t>(CASE</a:t>
+            </a:r>
+            <a:br>
+              <a:rPr lang="en-GB"/>
+            </a:br>
+            <a:r>
+              <a:rPr lang="en-GB" b="0" i="0">
+                <a:solidFill>
+                  <a:srgbClr val="000000"/>
+                </a:solidFill>
+                <a:effectLst/>
+                <a:latin typeface="Courier New" panose="02070309020205020404" pitchFamily="49" charset="0"/>
+              </a:rPr>
+              <a:t>               </a:t>
+            </a:r>
+            <a:r>
+              <a:rPr lang="en-GB" b="0" i="0">
+                <a:effectLst/>
+                <a:latin typeface="Courier New" panose="02070309020205020404" pitchFamily="49" charset="0"/>
+              </a:rPr>
+              <a:t>WHEN</a:t>
+            </a:r>
+            <a:r>
+              <a:rPr lang="en-GB" b="0" i="0">
+                <a:solidFill>
+                  <a:srgbClr val="000000"/>
+                </a:solidFill>
+                <a:effectLst/>
+                <a:latin typeface="Courier New" panose="02070309020205020404" pitchFamily="49" charset="0"/>
+              </a:rPr>
+              <a:t> </a:t>
+            </a:r>
+            <a:r>
+              <a:rPr lang="en-GB" b="1" i="0">
+                <a:effectLst/>
+                <a:latin typeface="Courier New" panose="02070309020205020404" pitchFamily="49" charset="0"/>
+              </a:rPr>
+              <a:t>TIMESTAMPDIFF</a:t>
+            </a:r>
+            <a:r>
+              <a:rPr lang="en-GB" b="0" i="0">
+                <a:effectLst/>
+                <a:latin typeface="Courier New" panose="02070309020205020404" pitchFamily="49" charset="0"/>
+              </a:rPr>
+              <a:t>(YEAR,</a:t>
+            </a:r>
+            <a:r>
+              <a:rPr lang="en-GB" b="0" i="0">
+                <a:solidFill>
+                  <a:srgbClr val="000000"/>
+                </a:solidFill>
+                <a:effectLst/>
+                <a:latin typeface="Courier New" panose="02070309020205020404" pitchFamily="49" charset="0"/>
+              </a:rPr>
+              <a:t> </a:t>
+            </a:r>
+            <a:r>
+              <a:rPr lang="en-GB" b="0" i="0">
+                <a:effectLst/>
+                <a:latin typeface="Courier New" panose="02070309020205020404" pitchFamily="49" charset="0"/>
+              </a:rPr>
+              <a:t>Age_Range,</a:t>
+            </a:r>
+            <a:r>
+              <a:rPr lang="en-GB" b="0" i="0">
+                <a:solidFill>
+                  <a:srgbClr val="000000"/>
+                </a:solidFill>
+                <a:effectLst/>
+                <a:latin typeface="Courier New" panose="02070309020205020404" pitchFamily="49" charset="0"/>
+              </a:rPr>
+              <a:t> </a:t>
+            </a:r>
+            <a:r>
+              <a:rPr lang="en-GB" b="1" i="0">
+                <a:effectLst/>
+                <a:latin typeface="Courier New" panose="02070309020205020404" pitchFamily="49" charset="0"/>
+              </a:rPr>
+              <a:t>CURDATE</a:t>
+            </a:r>
+            <a:r>
+              <a:rPr lang="en-GB" b="0" i="0">
+                <a:effectLst/>
+                <a:latin typeface="Courier New" panose="02070309020205020404" pitchFamily="49" charset="0"/>
+              </a:rPr>
+              <a:t>())</a:t>
+            </a:r>
+            <a:r>
+              <a:rPr lang="en-GB" b="0" i="0">
+                <a:solidFill>
+                  <a:srgbClr val="000000"/>
+                </a:solidFill>
+                <a:effectLst/>
+                <a:latin typeface="Courier New" panose="02070309020205020404" pitchFamily="49" charset="0"/>
+              </a:rPr>
+              <a:t> </a:t>
+            </a:r>
+            <a:r>
+              <a:rPr lang="en-GB" b="0" i="0">
+                <a:effectLst/>
+                <a:latin typeface="Courier New" panose="02070309020205020404" pitchFamily="49" charset="0"/>
+              </a:rPr>
+              <a:t>&gt;</a:t>
+            </a:r>
+            <a:r>
+              <a:rPr lang="en-GB" b="0" i="0">
+                <a:solidFill>
+                  <a:srgbClr val="000000"/>
+                </a:solidFill>
+                <a:effectLst/>
+                <a:latin typeface="Courier New" panose="02070309020205020404" pitchFamily="49" charset="0"/>
+              </a:rPr>
+              <a:t> 60 </a:t>
+            </a:r>
+            <a:r>
+              <a:rPr lang="en-GB" b="0" i="0">
+                <a:effectLst/>
+                <a:latin typeface="Courier New" panose="02070309020205020404" pitchFamily="49" charset="0"/>
+              </a:rPr>
+              <a:t>THEN</a:t>
+            </a:r>
+            <a:r>
+              <a:rPr lang="en-GB" b="0" i="0">
+                <a:solidFill>
+                  <a:srgbClr val="000000"/>
+                </a:solidFill>
+                <a:effectLst/>
+                <a:latin typeface="Courier New" panose="02070309020205020404" pitchFamily="49" charset="0"/>
+              </a:rPr>
+              <a:t> 1</a:t>
+            </a:r>
+            <a:br>
+              <a:rPr lang="en-GB"/>
+            </a:br>
+            <a:r>
+              <a:rPr lang="en-GB" b="0" i="0">
+                <a:solidFill>
+                  <a:srgbClr val="000000"/>
+                </a:solidFill>
+                <a:effectLst/>
+                <a:latin typeface="Courier New" panose="02070309020205020404" pitchFamily="49" charset="0"/>
+              </a:rPr>
+              <a:t>               </a:t>
+            </a:r>
+            <a:r>
+              <a:rPr lang="en-GB" b="0" i="0">
+                <a:effectLst/>
+                <a:latin typeface="Courier New" panose="02070309020205020404" pitchFamily="49" charset="0"/>
+              </a:rPr>
+              <a:t>ELSE</a:t>
+            </a:r>
+            <a:r>
+              <a:rPr lang="en-GB" b="0" i="0">
+                <a:solidFill>
+                  <a:srgbClr val="000000"/>
+                </a:solidFill>
+                <a:effectLst/>
+                <a:latin typeface="Courier New" panose="02070309020205020404" pitchFamily="49" charset="0"/>
+              </a:rPr>
+              <a:t> 0</a:t>
+            </a:r>
+            <a:br>
+              <a:rPr lang="en-GB"/>
+            </a:br>
+            <a:r>
+              <a:rPr lang="en-GB" b="0" i="0">
+                <a:solidFill>
+                  <a:srgbClr val="000000"/>
+                </a:solidFill>
+                <a:effectLst/>
+                <a:latin typeface="Courier New" panose="02070309020205020404" pitchFamily="49" charset="0"/>
+              </a:rPr>
+              <a:t>           </a:t>
+            </a:r>
+            <a:r>
+              <a:rPr lang="en-GB" b="0" i="0">
+                <a:effectLst/>
+                <a:latin typeface="Courier New" panose="02070309020205020404" pitchFamily="49" charset="0"/>
+              </a:rPr>
+              <a:t>END)</a:t>
+            </a:r>
+            <a:r>
+              <a:rPr lang="en-GB" b="0" i="0">
+                <a:solidFill>
+                  <a:srgbClr val="000000"/>
+                </a:solidFill>
+                <a:effectLst/>
+                <a:latin typeface="Courier New" panose="02070309020205020404" pitchFamily="49" charset="0"/>
+              </a:rPr>
+              <a:t> </a:t>
+            </a:r>
+            <a:r>
+              <a:rPr lang="en-GB" b="0" i="0">
+                <a:effectLst/>
+                <a:latin typeface="Courier New" panose="02070309020205020404" pitchFamily="49" charset="0"/>
+              </a:rPr>
+              <a:t>AS</a:t>
+            </a:r>
+            <a:r>
+              <a:rPr lang="en-GB" b="0" i="0">
+                <a:solidFill>
+                  <a:srgbClr val="000000"/>
+                </a:solidFill>
+                <a:effectLst/>
+                <a:latin typeface="Courier New" panose="02070309020205020404" pitchFamily="49" charset="0"/>
+              </a:rPr>
+              <a:t> </a:t>
+            </a:r>
+            <a:r>
+              <a:rPr lang="en-GB" b="0" i="0">
+                <a:effectLst/>
+                <a:latin typeface="Courier New" panose="02070309020205020404" pitchFamily="49" charset="0"/>
+              </a:rPr>
+              <a:t>total_employees_50_60</a:t>
+            </a:r>
+            <a:br>
+              <a:rPr lang="en-GB"/>
+            </a:br>
+            <a:r>
+              <a:rPr lang="en-GB" b="0" i="0">
+                <a:effectLst/>
+                <a:latin typeface="Courier New" panose="02070309020205020404" pitchFamily="49" charset="0"/>
+              </a:rPr>
+              <a:t>FROM</a:t>
+            </a:r>
+            <a:r>
+              <a:rPr lang="en-GB" b="0" i="0">
+                <a:solidFill>
+                  <a:srgbClr val="000000"/>
+                </a:solidFill>
+                <a:effectLst/>
+                <a:latin typeface="Courier New" panose="02070309020205020404" pitchFamily="49" charset="0"/>
+              </a:rPr>
+              <a:t> </a:t>
+            </a:r>
+            <a:r>
+              <a:rPr lang="en-GB" b="0" i="0">
+                <a:effectLst/>
+                <a:latin typeface="Courier New" panose="02070309020205020404" pitchFamily="49" charset="0"/>
+              </a:rPr>
+              <a:t>Employee</a:t>
+            </a:r>
+            <a:r>
+              <a:rPr lang="en-GB" b="0" i="0">
+                <a:solidFill>
+                  <a:srgbClr val="000000"/>
+                </a:solidFill>
+                <a:effectLst/>
+                <a:latin typeface="Courier New" panose="02070309020205020404" pitchFamily="49" charset="0"/>
+              </a:rPr>
+              <a:t> </a:t>
+            </a:r>
+            <a:r>
+              <a:rPr lang="en-GB" b="0" i="0">
+                <a:effectLst/>
+                <a:latin typeface="Courier New" panose="02070309020205020404" pitchFamily="49" charset="0"/>
+              </a:rPr>
+              <a:t>e</a:t>
+            </a:r>
+            <a:br>
+              <a:rPr lang="en-GB"/>
+            </a:br>
+            <a:r>
+              <a:rPr lang="en-GB" b="0" i="0">
+                <a:effectLst/>
+                <a:latin typeface="Courier New" panose="02070309020205020404" pitchFamily="49" charset="0"/>
+              </a:rPr>
+              <a:t>LEFT</a:t>
+            </a:r>
+            <a:r>
+              <a:rPr lang="en-GB" b="0" i="0">
+                <a:solidFill>
+                  <a:srgbClr val="000000"/>
+                </a:solidFill>
+                <a:effectLst/>
+                <a:latin typeface="Courier New" panose="02070309020205020404" pitchFamily="49" charset="0"/>
+              </a:rPr>
+              <a:t> </a:t>
+            </a:r>
+            <a:r>
+              <a:rPr lang="en-GB" b="0" i="0">
+                <a:effectLst/>
+                <a:latin typeface="Courier New" panose="02070309020205020404" pitchFamily="49" charset="0"/>
+              </a:rPr>
+              <a:t>JOIN</a:t>
+            </a:r>
+            <a:r>
+              <a:rPr lang="en-GB" b="0" i="0">
+                <a:solidFill>
+                  <a:srgbClr val="000000"/>
+                </a:solidFill>
+                <a:effectLst/>
+                <a:latin typeface="Courier New" panose="02070309020205020404" pitchFamily="49" charset="0"/>
+              </a:rPr>
+              <a:t> </a:t>
+            </a:r>
+            <a:r>
+              <a:rPr lang="en-GB" b="0" i="0">
+                <a:effectLst/>
+                <a:latin typeface="Courier New" panose="02070309020205020404" pitchFamily="49" charset="0"/>
+              </a:rPr>
+              <a:t>Contract</a:t>
+            </a:r>
+            <a:r>
+              <a:rPr lang="en-GB" b="0" i="0">
+                <a:solidFill>
+                  <a:srgbClr val="000000"/>
+                </a:solidFill>
+                <a:effectLst/>
+                <a:latin typeface="Courier New" panose="02070309020205020404" pitchFamily="49" charset="0"/>
+              </a:rPr>
+              <a:t> </a:t>
+            </a:r>
+            <a:r>
+              <a:rPr lang="en-GB" b="0" i="0">
+                <a:effectLst/>
+                <a:latin typeface="Courier New" panose="02070309020205020404" pitchFamily="49" charset="0"/>
+              </a:rPr>
+              <a:t>c</a:t>
+            </a:r>
+            <a:r>
+              <a:rPr lang="en-GB" b="0" i="0">
+                <a:solidFill>
+                  <a:srgbClr val="000000"/>
+                </a:solidFill>
+                <a:effectLst/>
+                <a:latin typeface="Courier New" panose="02070309020205020404" pitchFamily="49" charset="0"/>
+              </a:rPr>
+              <a:t> </a:t>
+            </a:r>
+            <a:r>
+              <a:rPr lang="en-GB" b="0" i="0">
+                <a:effectLst/>
+                <a:latin typeface="Courier New" panose="02070309020205020404" pitchFamily="49" charset="0"/>
+              </a:rPr>
+              <a:t>ON</a:t>
+            </a:r>
+            <a:r>
+              <a:rPr lang="en-GB" b="0" i="0">
+                <a:solidFill>
+                  <a:srgbClr val="000000"/>
+                </a:solidFill>
+                <a:effectLst/>
+                <a:latin typeface="Courier New" panose="02070309020205020404" pitchFamily="49" charset="0"/>
+              </a:rPr>
+              <a:t> </a:t>
+            </a:r>
+            <a:r>
+              <a:rPr lang="en-GB" b="0" i="0">
+                <a:effectLst/>
+                <a:latin typeface="Courier New" panose="02070309020205020404" pitchFamily="49" charset="0"/>
+              </a:rPr>
+              <a:t>e.Employee_ID</a:t>
+            </a:r>
+            <a:r>
+              <a:rPr lang="en-GB" b="0" i="0">
+                <a:solidFill>
+                  <a:srgbClr val="000000"/>
+                </a:solidFill>
+                <a:effectLst/>
+                <a:latin typeface="Courier New" panose="02070309020205020404" pitchFamily="49" charset="0"/>
+              </a:rPr>
+              <a:t> </a:t>
+            </a:r>
+            <a:r>
+              <a:rPr lang="en-GB" b="0" i="0">
+                <a:effectLst/>
+                <a:latin typeface="Courier New" panose="02070309020205020404" pitchFamily="49" charset="0"/>
+              </a:rPr>
+              <a:t>=</a:t>
+            </a:r>
+            <a:r>
+              <a:rPr lang="en-GB" b="0" i="0">
+                <a:solidFill>
+                  <a:srgbClr val="000000"/>
+                </a:solidFill>
+                <a:effectLst/>
+                <a:latin typeface="Courier New" panose="02070309020205020404" pitchFamily="49" charset="0"/>
+              </a:rPr>
+              <a:t> </a:t>
+            </a:r>
+            <a:r>
+              <a:rPr lang="en-GB" b="0" i="0">
+                <a:effectLst/>
+                <a:latin typeface="Courier New" panose="02070309020205020404" pitchFamily="49" charset="0"/>
+              </a:rPr>
+              <a:t>c.Employee_ID</a:t>
+            </a:r>
+            <a:br>
+              <a:rPr lang="en-GB"/>
+            </a:br>
+            <a:r>
+              <a:rPr lang="en-GB" b="0" i="0">
+                <a:effectLst/>
+                <a:latin typeface="Courier New" panose="02070309020205020404" pitchFamily="49" charset="0"/>
+              </a:rPr>
+              <a:t>WHERE</a:t>
+            </a:r>
+            <a:r>
+              <a:rPr lang="en-GB" b="0" i="0">
+                <a:solidFill>
+                  <a:srgbClr val="000000"/>
+                </a:solidFill>
+                <a:effectLst/>
+                <a:latin typeface="Courier New" panose="02070309020205020404" pitchFamily="49" charset="0"/>
+              </a:rPr>
+              <a:t> </a:t>
+            </a:r>
+            <a:r>
+              <a:rPr lang="en-GB" b="1">
+                <a:solidFill>
+                  <a:srgbClr val="000000"/>
+                </a:solidFill>
+                <a:latin typeface="Courier New" panose="02070309020205020404" pitchFamily="49" charset="0"/>
+              </a:rPr>
+              <a:t>&lt;date_filter&gt; </a:t>
+            </a:r>
+            <a:r>
+              <a:rPr lang="en-GB" b="0" i="0">
+                <a:effectLst/>
+                <a:latin typeface="Courier New" panose="02070309020205020404" pitchFamily="49" charset="0"/>
+              </a:rPr>
+              <a:t>BETWEEN</a:t>
+            </a:r>
+            <a:r>
+              <a:rPr lang="en-GB" b="0" i="0">
+                <a:solidFill>
+                  <a:srgbClr val="000000"/>
+                </a:solidFill>
+                <a:effectLst/>
+                <a:latin typeface="Courier New" panose="02070309020205020404" pitchFamily="49" charset="0"/>
+              </a:rPr>
+              <a:t> </a:t>
+            </a:r>
+            <a:r>
+              <a:rPr lang="en-GB" b="0" i="0">
+                <a:effectLst/>
+                <a:latin typeface="Courier New" panose="02070309020205020404" pitchFamily="49" charset="0"/>
+              </a:rPr>
+              <a:t>c.Start_Date</a:t>
+            </a:r>
+            <a:r>
+              <a:rPr lang="en-GB" b="0" i="0">
+                <a:solidFill>
+                  <a:srgbClr val="000000"/>
+                </a:solidFill>
+                <a:effectLst/>
+                <a:latin typeface="Courier New" panose="02070309020205020404" pitchFamily="49" charset="0"/>
+              </a:rPr>
+              <a:t> </a:t>
+            </a:r>
+            <a:r>
+              <a:rPr lang="en-GB" b="0" i="0">
+                <a:effectLst/>
+                <a:latin typeface="Courier New" panose="02070309020205020404" pitchFamily="49" charset="0"/>
+              </a:rPr>
+              <a:t>AND</a:t>
+            </a:r>
+            <a:r>
+              <a:rPr lang="en-GB" b="0" i="0">
+                <a:solidFill>
+                  <a:srgbClr val="000000"/>
+                </a:solidFill>
+                <a:effectLst/>
+                <a:latin typeface="Courier New" panose="02070309020205020404" pitchFamily="49" charset="0"/>
+              </a:rPr>
+              <a:t> </a:t>
+            </a:r>
+            <a:r>
+              <a:rPr lang="en-GB" b="1" i="0">
+                <a:effectLst/>
+                <a:latin typeface="Courier New" panose="02070309020205020404" pitchFamily="49" charset="0"/>
+              </a:rPr>
+              <a:t>IF</a:t>
+            </a:r>
+            <a:r>
+              <a:rPr lang="en-GB" b="0" i="0">
+                <a:effectLst/>
+                <a:latin typeface="Courier New" panose="02070309020205020404" pitchFamily="49" charset="0"/>
+              </a:rPr>
+              <a:t>(c.End_Date</a:t>
+            </a:r>
+            <a:r>
+              <a:rPr lang="en-GB" b="0" i="0">
+                <a:solidFill>
+                  <a:srgbClr val="000000"/>
+                </a:solidFill>
+                <a:effectLst/>
+                <a:latin typeface="Courier New" panose="02070309020205020404" pitchFamily="49" charset="0"/>
+              </a:rPr>
+              <a:t> </a:t>
+            </a:r>
+            <a:r>
+              <a:rPr lang="en-GB" b="0" i="0">
+                <a:effectLst/>
+                <a:latin typeface="Courier New" panose="02070309020205020404" pitchFamily="49" charset="0"/>
+              </a:rPr>
+              <a:t>!=</a:t>
+            </a:r>
+            <a:r>
+              <a:rPr lang="en-GB" b="0" i="0">
+                <a:solidFill>
+                  <a:srgbClr val="000000"/>
+                </a:solidFill>
+                <a:effectLst/>
+                <a:latin typeface="Courier New" panose="02070309020205020404" pitchFamily="49" charset="0"/>
+              </a:rPr>
+              <a:t> </a:t>
+            </a:r>
+            <a:r>
+              <a:rPr lang="en-GB" b="0" i="0">
+                <a:effectLst/>
+                <a:latin typeface="Courier New" panose="02070309020205020404" pitchFamily="49" charset="0"/>
+              </a:rPr>
+              <a:t>NULL,</a:t>
+            </a:r>
+            <a:r>
+              <a:rPr lang="en-GB" b="0" i="0">
+                <a:solidFill>
+                  <a:srgbClr val="000000"/>
+                </a:solidFill>
+                <a:effectLst/>
+                <a:latin typeface="Courier New" panose="02070309020205020404" pitchFamily="49" charset="0"/>
+              </a:rPr>
+              <a:t> </a:t>
+            </a:r>
+            <a:r>
+              <a:rPr lang="en-GB" b="0" i="0">
+                <a:effectLst/>
+                <a:latin typeface="Courier New" panose="02070309020205020404" pitchFamily="49" charset="0"/>
+              </a:rPr>
+              <a:t>c.End_Date,</a:t>
+            </a:r>
+            <a:r>
+              <a:rPr lang="en-GB" b="0" i="0">
+                <a:solidFill>
+                  <a:srgbClr val="000000"/>
+                </a:solidFill>
+                <a:effectLst/>
+                <a:latin typeface="Courier New" panose="02070309020205020404" pitchFamily="49" charset="0"/>
+              </a:rPr>
+              <a:t> </a:t>
+            </a:r>
+            <a:r>
+              <a:rPr lang="en-GB" b="1" i="0">
+                <a:effectLst/>
+                <a:latin typeface="Courier New" panose="02070309020205020404" pitchFamily="49" charset="0"/>
+              </a:rPr>
+              <a:t>CURDATE</a:t>
+            </a:r>
+            <a:r>
+              <a:rPr lang="en-GB" b="0" i="0">
+                <a:effectLst/>
+                <a:latin typeface="Courier New" panose="02070309020205020404" pitchFamily="49" charset="0"/>
+              </a:rPr>
+              <a:t>())</a:t>
+            </a:r>
+            <a:endParaRPr lang="en-US">
+              <a:latin typeface="Courier New" panose="02070309020205020404" pitchFamily="49" charset="0"/>
+            </a:endParaRPr>
+          </a:p>
+        </p:txBody>
+      </p:sp>
+      <p:pic>
+        <p:nvPicPr>
+          <p:cNvPr id="5" name="Picture 2" descr="HR Analytics - Summary">
+            <a:extLst>
+              <a:ext uri="{FF2B5EF4-FFF2-40B4-BE49-F238E27FC236}">
+                <a16:creationId xmlns:a16="http://schemas.microsoft.com/office/drawing/2014/main" id="{1AC3E1B8-A6B4-963D-09EA-37EEC6993A49}"/>
+              </a:ext>
+            </a:extLst>
+          </p:cNvPr>
+          <p:cNvPicPr>
+            <a:picLocks noChangeAspect="1" noChangeArrowheads="1"/>
+          </p:cNvPicPr>
+          <p:nvPr/>
+        </p:nvPicPr>
+        <p:blipFill rotWithShape="1">
+          <a:blip r:embed="rId2">
+            <a:extLst>
+              <a:ext uri="{28A0092B-C50C-407E-A947-70E740481C1C}">
+                <a14:useLocalDpi xmlns:a14="http://schemas.microsoft.com/office/drawing/2010/main" val="0"/>
+              </a:ext>
+            </a:extLst>
+          </a:blip>
+          <a:srcRect l="1689" t="29932" r="2540" b="55966"/>
+          <a:stretch/>
+        </p:blipFill>
+        <p:spPr bwMode="auto">
+          <a:xfrm>
+            <a:off x="2646402" y="1445642"/>
+            <a:ext cx="7099541" cy="584326"/>
+          </a:xfrm>
+          <a:prstGeom prst="rect">
+            <a:avLst/>
+          </a:prstGeom>
+          <a:noFill/>
+          <a:extLst>
+            <a:ext uri="{909E8E84-426E-40DD-AFC4-6F175D3DCCD1}">
+              <a14:hiddenFill xmlns:a14="http://schemas.microsoft.com/office/drawing/2010/main">
+                <a:solidFill>
+                  <a:srgbClr val="FFFFFF"/>
+                </a:solidFill>
+              </a14:hiddenFill>
+            </a:ext>
+          </a:extLst>
+        </p:spPr>
+      </p:pic>
+    </p:spTree>
+    <p:extLst>
+      <p:ext uri="{BB962C8B-B14F-4D97-AF65-F5344CB8AC3E}">
+        <p14:creationId xmlns:p14="http://schemas.microsoft.com/office/powerpoint/2010/main" val="1811837949"/>
+      </p:ext>
+    </p:extLst>
+  </p:cSld>
+  <p:clrMapOvr>
+    <a:masterClrMapping/>
+  </p:clrMapOvr>
+</p:sld>
+</file>
+
+<file path=ppt/slides/slide2.xml><?xml version="1.0" encoding="utf-8"?>
+<p:sld xmlns:a="http://schemas.openxmlformats.org/drawingml/2006/main" xmlns:r="http://schemas.openxmlformats.org/officeDocument/2006/relationships" xmlns:p="http://schemas.openxmlformats.org/presentationml/2006/main">
+  <p:cSld>
+    <p:bg>
+      <p:bgPr>
+        <a:solidFill>
+          <a:schemeClr val="bg1"/>
+        </a:solidFill>
+        <a:effectLst/>
+      </p:bgPr>
+    </p:bg>
+    <p:spTree>
+      <p:nvGrpSpPr>
+        <p:cNvPr id="1" name=""/>
+        <p:cNvGrpSpPr/>
+        <p:nvPr/>
+      </p:nvGrpSpPr>
+      <p:grpSpPr>
+        <a:xfrm>
+          <a:off x="0" y="0"/>
+          <a:ext cx="0" cy="0"/>
+          <a:chOff x="0" y="0"/>
+          <a:chExt cx="0" cy="0"/>
+        </a:xfrm>
+      </p:grpSpPr>
+      <p:sp>
+        <p:nvSpPr>
+          <p:cNvPr id="9" name="Rectangle 8">
+            <a:extLst>
+              <a:ext uri="{FF2B5EF4-FFF2-40B4-BE49-F238E27FC236}">
+                <a16:creationId xmlns:a16="http://schemas.microsoft.com/office/drawing/2014/main" id="{BD4C0BBB-0042-4603-A226-6117F3FD5B3C}"/>
+              </a:ext>
+              <a:ext uri="{C183D7F6-B498-43B3-948B-1728B52AA6E4}">
+                <adec:decorative xmlns:adec="http://schemas.microsoft.com/office/drawing/2017/decorative" val="1"/>
+              </a:ext>
+            </a:extLst>
+          </p:cNvPr>
+          <p:cNvSpPr>
+            <a:spLocks noGrp="1" noRot="1" noChangeAspect="1" noMove="1" noResize="1" noEditPoints="1" noAdjustHandles="1" noChangeArrowheads="1" noChangeShapeType="1" noTextEdit="1"/>
+          </p:cNvSpPr>
+          <p:nvPr>
+            <p:extLst>
+              <p:ext uri="{386F3935-93C4-4BCD-93E2-E3B085C9AB24}">
+                <p16:designElem xmlns:p16="http://schemas.microsoft.com/office/powerpoint/2015/main" val="1"/>
+              </p:ext>
+            </p:extLst>
+          </p:nvPr>
+        </p:nvSpPr>
+        <p:spPr>
+          <a:xfrm rot="10800000" flipH="1">
+            <a:off x="0" y="6400799"/>
+            <a:ext cx="12192000" cy="456773"/>
+          </a:xfrm>
+          <a:prstGeom prst="rect">
+            <a:avLst/>
+          </a:prstGeom>
+          <a:gradFill>
+            <a:gsLst>
+              <a:gs pos="14000">
+                <a:schemeClr val="accent4">
+                  <a:alpha val="28000"/>
+                </a:schemeClr>
+              </a:gs>
+              <a:gs pos="100000">
+                <a:schemeClr val="accent5">
+                  <a:alpha val="85000"/>
+                </a:schemeClr>
+              </a:gs>
+            </a:gsLst>
+            <a:lin ang="6000000" scaled="0"/>
+          </a:gradFill>
+          <a:ln>
+            <a:noFill/>
+          </a:ln>
+        </p:spPr>
+        <p:style>
+          <a:lnRef idx="2">
+            <a:schemeClr val="accent1">
+              <a:shade val="50000"/>
+            </a:schemeClr>
+          </a:lnRef>
+          <a:fillRef idx="1">
+            <a:schemeClr val="accent1"/>
+          </a:fillRef>
+          <a:effectRef idx="0">
+            <a:schemeClr val="accent1"/>
+          </a:effectRef>
+          <a:fontRef idx="minor">
+            <a:schemeClr val="lt1"/>
+          </a:fontRef>
+        </p:style>
+        <p:txBody>
+          <a:bodyPr rtlCol="0" anchor="ctr"/>
+          <a:lstStyle/>
+          <a:p>
+            <a:pPr algn="ctr"/>
+            <a:endParaRPr lang="en-US"/>
+          </a:p>
+        </p:txBody>
+      </p:sp>
+      <p:sp>
+        <p:nvSpPr>
+          <p:cNvPr id="11" name="Rectangle 10">
+            <a:extLst>
+              <a:ext uri="{FF2B5EF4-FFF2-40B4-BE49-F238E27FC236}">
+                <a16:creationId xmlns:a16="http://schemas.microsoft.com/office/drawing/2014/main" id="{EC44F520-2598-460E-9F91-B02F60830CA2}"/>
+              </a:ext>
+              <a:ext uri="{C183D7F6-B498-43B3-948B-1728B52AA6E4}">
+                <adec:decorative xmlns:adec="http://schemas.microsoft.com/office/drawing/2017/decorative" val="1"/>
+              </a:ext>
+            </a:extLst>
+          </p:cNvPr>
+          <p:cNvSpPr>
+            <a:spLocks noGrp="1" noRot="1" noChangeAspect="1" noMove="1" noResize="1" noEditPoints="1" noAdjustHandles="1" noChangeArrowheads="1" noChangeShapeType="1" noTextEdit="1"/>
+          </p:cNvSpPr>
+          <p:nvPr>
+            <p:extLst>
+              <p:ext uri="{386F3935-93C4-4BCD-93E2-E3B085C9AB24}">
+                <p16:designElem xmlns:p16="http://schemas.microsoft.com/office/powerpoint/2015/main" val="1"/>
+              </p:ext>
+            </p:extLst>
+          </p:nvPr>
+        </p:nvSpPr>
+        <p:spPr>
+          <a:xfrm flipH="1">
+            <a:off x="4038600" y="6400799"/>
+            <a:ext cx="8153398" cy="456772"/>
+          </a:xfrm>
+          <a:prstGeom prst="rect">
+            <a:avLst/>
+          </a:prstGeom>
+          <a:gradFill>
+            <a:gsLst>
+              <a:gs pos="9000">
+                <a:schemeClr val="accent2">
+                  <a:lumMod val="60000"/>
+                  <a:lumOff val="40000"/>
+                  <a:alpha val="55000"/>
+                </a:schemeClr>
+              </a:gs>
+              <a:gs pos="99000">
+                <a:schemeClr val="accent2"/>
+              </a:gs>
+            </a:gsLst>
+            <a:lin ang="14400000" scaled="0"/>
+          </a:gradFill>
+          <a:ln>
+            <a:noFill/>
+          </a:ln>
+        </p:spPr>
+        <p:style>
+          <a:lnRef idx="2">
+            <a:schemeClr val="accent1">
+              <a:shade val="50000"/>
+            </a:schemeClr>
+          </a:lnRef>
+          <a:fillRef idx="1">
+            <a:schemeClr val="accent1"/>
+          </a:fillRef>
+          <a:effectRef idx="0">
+            <a:schemeClr val="accent1"/>
+          </a:effectRef>
+          <a:fontRef idx="minor">
+            <a:schemeClr val="lt1"/>
+          </a:fontRef>
+        </p:style>
+        <p:txBody>
+          <a:bodyPr rtlCol="0" anchor="ctr"/>
+          <a:lstStyle/>
+          <a:p>
+            <a:pPr algn="ctr"/>
+            <a:endParaRPr lang="en-US"/>
+          </a:p>
+        </p:txBody>
+      </p:sp>
+      <p:sp useBgFill="1">
+        <p:nvSpPr>
+          <p:cNvPr id="13" name="Rectangle 12">
+            <a:extLst>
+              <a:ext uri="{FF2B5EF4-FFF2-40B4-BE49-F238E27FC236}">
+                <a16:creationId xmlns:a16="http://schemas.microsoft.com/office/drawing/2014/main" id="{207CE0ED-670A-44ED-9267-236A77A51399}"/>
+              </a:ext>
+              <a:ext uri="{C183D7F6-B498-43B3-948B-1728B52AA6E4}">
+                <adec:decorative xmlns:adec="http://schemas.microsoft.com/office/drawing/2017/decorative" val="1"/>
+              </a:ext>
+            </a:extLst>
+          </p:cNvPr>
+          <p:cNvSpPr>
+            <a:spLocks noGrp="1" noRot="1" noChangeAspect="1" noMove="1" noResize="1" noEditPoints="1" noAdjustHandles="1" noChangeArrowheads="1" noChangeShapeType="1" noTextEdit="1"/>
+          </p:cNvSpPr>
+          <p:nvPr>
+            <p:extLst>
+              <p:ext uri="{386F3935-93C4-4BCD-93E2-E3B085C9AB24}">
+                <p16:designElem xmlns:p16="http://schemas.microsoft.com/office/powerpoint/2015/main" val="1"/>
+              </p:ext>
+            </p:extLst>
+          </p:nvPr>
+        </p:nvSpPr>
+        <p:spPr>
+          <a:xfrm>
+            <a:off x="0" y="0"/>
+            <a:ext cx="12192000" cy="6858000"/>
+          </a:xfrm>
+          <a:prstGeom prst="rect">
+            <a:avLst/>
+          </a:prstGeom>
+          <a:ln w="12700" cap="flat" cmpd="sng" algn="ctr">
+            <a:noFill/>
+            <a:prstDash val="solid"/>
+            <a:miter lim="800000"/>
+          </a:ln>
+          <a:effectLst/>
+          <a:extLst>
+            <a:ext uri="{91240B29-F687-4F45-9708-019B960494DF}">
+              <a14:hiddenLine xmlns:a14="http://schemas.microsoft.com/office/drawing/2010/main" w="12700" cap="flat" cmpd="sng" algn="ctr">
+                <a:solidFill>
+                  <a:schemeClr val="accent1">
+                    <a:shade val="50000"/>
+                  </a:schemeClr>
+                </a:solidFill>
+                <a:prstDash val="solid"/>
+                <a:miter lim="800000"/>
+              </a14:hiddenLine>
+            </a:ext>
+          </a:extLst>
+        </p:spPr>
+        <p:style>
+          <a:lnRef idx="2">
+            <a:schemeClr val="accent1">
+              <a:shade val="50000"/>
+            </a:schemeClr>
+          </a:lnRef>
+          <a:fillRef idx="1">
+            <a:schemeClr val="accent1"/>
+          </a:fillRef>
+          <a:effectRef idx="0">
+            <a:schemeClr val="accent1"/>
+          </a:effectRef>
+          <a:fontRef idx="minor">
+            <a:schemeClr val="lt1"/>
+          </a:fontRef>
+        </p:style>
+        <p:txBody>
+          <a:bodyPr rtlCol="0" anchor="ctr"/>
+          <a:lstStyle/>
+          <a:p>
+            <a:pPr algn="ctr"/>
+            <a:endParaRPr lang="en-US"/>
+          </a:p>
+        </p:txBody>
+      </p:sp>
+      <p:sp>
+        <p:nvSpPr>
+          <p:cNvPr id="15" name="Rectangle 14">
+            <a:extLst>
+              <a:ext uri="{FF2B5EF4-FFF2-40B4-BE49-F238E27FC236}">
+                <a16:creationId xmlns:a16="http://schemas.microsoft.com/office/drawing/2014/main" id="{B7055566-9B78-4577-BB88-C1E139BA119A}"/>
+              </a:ext>
+              <a:ext uri="{C183D7F6-B498-43B3-948B-1728B52AA6E4}">
+                <adec:decorative xmlns:adec="http://schemas.microsoft.com/office/drawing/2017/decorative" val="1"/>
+              </a:ext>
+            </a:extLst>
+          </p:cNvPr>
+          <p:cNvSpPr>
+            <a:spLocks noGrp="1" noRot="1" noChangeAspect="1" noMove="1" noResize="1" noEditPoints="1" noAdjustHandles="1" noChangeArrowheads="1" noChangeShapeType="1" noTextEdit="1"/>
+          </p:cNvSpPr>
+          <p:nvPr>
+            <p:extLst>
+              <p:ext uri="{386F3935-93C4-4BCD-93E2-E3B085C9AB24}">
+                <p16:designElem xmlns:p16="http://schemas.microsoft.com/office/powerpoint/2015/main" val="1"/>
+              </p:ext>
+            </p:extLst>
+          </p:nvPr>
+        </p:nvSpPr>
+        <p:spPr>
+          <a:xfrm flipH="1">
+            <a:off x="-7" y="1"/>
+            <a:ext cx="12192003" cy="6858000"/>
+          </a:xfrm>
+          <a:prstGeom prst="rect">
+            <a:avLst/>
+          </a:prstGeom>
+          <a:gradFill>
+            <a:gsLst>
+              <a:gs pos="0">
+                <a:schemeClr val="accent6"/>
+              </a:gs>
+              <a:gs pos="100000">
+                <a:schemeClr val="accent5">
+                  <a:alpha val="83000"/>
+                </a:schemeClr>
+              </a:gs>
+            </a:gsLst>
+            <a:lin ang="3600000" scaled="0"/>
+          </a:gradFill>
+          <a:ln>
+            <a:noFill/>
+          </a:ln>
+        </p:spPr>
+        <p:style>
+          <a:lnRef idx="2">
+            <a:schemeClr val="accent1">
+              <a:shade val="50000"/>
+            </a:schemeClr>
+          </a:lnRef>
+          <a:fillRef idx="1">
+            <a:schemeClr val="accent1"/>
+          </a:fillRef>
+          <a:effectRef idx="0">
+            <a:schemeClr val="accent1"/>
+          </a:effectRef>
+          <a:fontRef idx="minor">
+            <a:schemeClr val="lt1"/>
+          </a:fontRef>
+        </p:style>
+        <p:txBody>
+          <a:bodyPr rtlCol="0" anchor="ctr"/>
+          <a:lstStyle/>
+          <a:p>
+            <a:pPr algn="ctr"/>
+            <a:endParaRPr lang="en-US"/>
+          </a:p>
+        </p:txBody>
+      </p:sp>
+      <p:sp>
+        <p:nvSpPr>
+          <p:cNvPr id="17" name="Rectangle 16">
+            <a:extLst>
+              <a:ext uri="{FF2B5EF4-FFF2-40B4-BE49-F238E27FC236}">
+                <a16:creationId xmlns:a16="http://schemas.microsoft.com/office/drawing/2014/main" id="{79456B12-3135-4942-BC5C-B111CAEFE6F5}"/>
+              </a:ext>
+              <a:ext uri="{C183D7F6-B498-43B3-948B-1728B52AA6E4}">
+                <adec:decorative xmlns:adec="http://schemas.microsoft.com/office/drawing/2017/decorative" val="1"/>
+              </a:ext>
+            </a:extLst>
+          </p:cNvPr>
+          <p:cNvSpPr>
+            <a:spLocks noGrp="1" noRot="1" noChangeAspect="1" noMove="1" noResize="1" noEditPoints="1" noAdjustHandles="1" noChangeArrowheads="1" noChangeShapeType="1" noTextEdit="1"/>
+          </p:cNvSpPr>
+          <p:nvPr>
+            <p:extLst>
+              <p:ext uri="{386F3935-93C4-4BCD-93E2-E3B085C9AB24}">
+                <p16:designElem xmlns:p16="http://schemas.microsoft.com/office/powerpoint/2015/main" val="1"/>
+              </p:ext>
+            </p:extLst>
+          </p:nvPr>
+        </p:nvSpPr>
+        <p:spPr>
+          <a:xfrm rot="10800000" flipH="1">
+            <a:off x="457200" y="-2"/>
+            <a:ext cx="11733692" cy="6869065"/>
+          </a:xfrm>
+          <a:prstGeom prst="rect">
+            <a:avLst/>
+          </a:prstGeom>
+          <a:gradFill>
+            <a:gsLst>
+              <a:gs pos="0">
+                <a:schemeClr val="accent2">
+                  <a:lumMod val="60000"/>
+                  <a:lumOff val="40000"/>
+                  <a:alpha val="48000"/>
+                </a:schemeClr>
+              </a:gs>
+              <a:gs pos="99000">
+                <a:schemeClr val="accent2">
+                  <a:alpha val="57000"/>
+                </a:schemeClr>
+              </a:gs>
+            </a:gsLst>
+            <a:lin ang="16800000" scaled="0"/>
+          </a:gradFill>
+          <a:ln>
+            <a:noFill/>
+          </a:ln>
+        </p:spPr>
+        <p:style>
+          <a:lnRef idx="2">
+            <a:schemeClr val="accent1">
+              <a:shade val="50000"/>
+            </a:schemeClr>
+          </a:lnRef>
+          <a:fillRef idx="1">
+            <a:schemeClr val="accent1"/>
+          </a:fillRef>
+          <a:effectRef idx="0">
+            <a:schemeClr val="accent1"/>
+          </a:effectRef>
+          <a:fontRef idx="minor">
+            <a:schemeClr val="lt1"/>
+          </a:fontRef>
+        </p:style>
+        <p:txBody>
+          <a:bodyPr rtlCol="0" anchor="ctr"/>
+          <a:lstStyle/>
+          <a:p>
+            <a:pPr algn="ctr"/>
+            <a:endParaRPr lang="en-US"/>
+          </a:p>
+        </p:txBody>
+      </p:sp>
+      <p:sp>
+        <p:nvSpPr>
+          <p:cNvPr id="19" name="Rectangle 18">
+            <a:extLst>
+              <a:ext uri="{FF2B5EF4-FFF2-40B4-BE49-F238E27FC236}">
+                <a16:creationId xmlns:a16="http://schemas.microsoft.com/office/drawing/2014/main" id="{44EA8068-5C49-4225-8B62-3E3C30BF7C46}"/>
+              </a:ext>
+              <a:ext uri="{C183D7F6-B498-43B3-948B-1728B52AA6E4}">
+                <adec:decorative xmlns:adec="http://schemas.microsoft.com/office/drawing/2017/decorative" val="1"/>
+              </a:ext>
+            </a:extLst>
+          </p:cNvPr>
+          <p:cNvSpPr>
+            <a:spLocks noGrp="1" noRot="1" noChangeAspect="1" noMove="1" noResize="1" noEditPoints="1" noAdjustHandles="1" noChangeArrowheads="1" noChangeShapeType="1" noTextEdit="1"/>
+          </p:cNvSpPr>
+          <p:nvPr>
+            <p:extLst>
+              <p:ext uri="{386F3935-93C4-4BCD-93E2-E3B085C9AB24}">
+                <p16:designElem xmlns:p16="http://schemas.microsoft.com/office/powerpoint/2015/main" val="1"/>
+              </p:ext>
+            </p:extLst>
+          </p:nvPr>
+        </p:nvSpPr>
+        <p:spPr>
+          <a:xfrm>
+            <a:off x="0" y="0"/>
+            <a:ext cx="12190886" cy="6880604"/>
+          </a:xfrm>
+          <a:prstGeom prst="rect">
+            <a:avLst/>
+          </a:prstGeom>
+          <a:gradFill>
+            <a:gsLst>
+              <a:gs pos="0">
+                <a:schemeClr val="accent2">
+                  <a:lumMod val="60000"/>
+                  <a:lumOff val="40000"/>
+                  <a:alpha val="19000"/>
+                </a:schemeClr>
+              </a:gs>
+              <a:gs pos="99000">
+                <a:schemeClr val="accent2">
+                  <a:alpha val="21000"/>
+                </a:schemeClr>
+              </a:gs>
+            </a:gsLst>
+            <a:lin ang="19800000" scaled="0"/>
+          </a:gradFill>
+          <a:ln>
+            <a:noFill/>
+          </a:ln>
+        </p:spPr>
+        <p:style>
+          <a:lnRef idx="2">
+            <a:schemeClr val="accent1">
+              <a:shade val="50000"/>
+            </a:schemeClr>
+          </a:lnRef>
+          <a:fillRef idx="1">
+            <a:schemeClr val="accent1"/>
+          </a:fillRef>
+          <a:effectRef idx="0">
+            <a:schemeClr val="accent1"/>
+          </a:effectRef>
+          <a:fontRef idx="minor">
+            <a:schemeClr val="lt1"/>
+          </a:fontRef>
+        </p:style>
+        <p:txBody>
+          <a:bodyPr rtlCol="0" anchor="ctr"/>
+          <a:lstStyle/>
+          <a:p>
+            <a:pPr algn="ctr"/>
+            <a:endParaRPr lang="en-US"/>
+          </a:p>
+        </p:txBody>
+      </p:sp>
+      <p:sp>
+        <p:nvSpPr>
+          <p:cNvPr id="21" name="Rectangle 20">
+            <a:extLst>
+              <a:ext uri="{FF2B5EF4-FFF2-40B4-BE49-F238E27FC236}">
+                <a16:creationId xmlns:a16="http://schemas.microsoft.com/office/drawing/2014/main" id="{70EE5648-70CA-4800-81EE-40F5CD1A38B9}"/>
+              </a:ext>
+              <a:ext uri="{C183D7F6-B498-43B3-948B-1728B52AA6E4}">
+                <adec:decorative xmlns:adec="http://schemas.microsoft.com/office/drawing/2017/decorative" val="1"/>
+              </a:ext>
+            </a:extLst>
+          </p:cNvPr>
+          <p:cNvSpPr>
+            <a:spLocks noGrp="1" noRot="1" noChangeAspect="1" noMove="1" noResize="1" noEditPoints="1" noAdjustHandles="1" noChangeArrowheads="1" noChangeShapeType="1" noTextEdit="1"/>
+          </p:cNvSpPr>
+          <p:nvPr>
+            <p:extLst>
+              <p:ext uri="{386F3935-93C4-4BCD-93E2-E3B085C9AB24}">
+                <p16:designElem xmlns:p16="http://schemas.microsoft.com/office/powerpoint/2015/main" val="1"/>
+              </p:ext>
+            </p:extLst>
+          </p:nvPr>
+        </p:nvSpPr>
+        <p:spPr>
+          <a:xfrm rot="5400000" flipH="1">
+            <a:off x="2895039" y="-2895044"/>
+            <a:ext cx="6400799" cy="12190885"/>
+          </a:xfrm>
+          <a:prstGeom prst="rect">
+            <a:avLst/>
+          </a:prstGeom>
+          <a:gradFill>
+            <a:gsLst>
+              <a:gs pos="8000">
+                <a:schemeClr val="accent5">
+                  <a:alpha val="38000"/>
+                </a:schemeClr>
+              </a:gs>
+              <a:gs pos="100000">
+                <a:schemeClr val="accent6">
+                  <a:lumMod val="75000"/>
+                  <a:alpha val="0"/>
+                </a:schemeClr>
+              </a:gs>
+            </a:gsLst>
+            <a:lin ang="3000000" scaled="0"/>
+          </a:gradFill>
+          <a:ln>
+            <a:noFill/>
+          </a:ln>
+        </p:spPr>
+        <p:style>
+          <a:lnRef idx="2">
+            <a:schemeClr val="accent1">
+              <a:shade val="50000"/>
+            </a:schemeClr>
+          </a:lnRef>
+          <a:fillRef idx="1">
+            <a:schemeClr val="accent1"/>
+          </a:fillRef>
+          <a:effectRef idx="0">
+            <a:schemeClr val="accent1"/>
+          </a:effectRef>
+          <a:fontRef idx="minor">
+            <a:schemeClr val="lt1"/>
+          </a:fontRef>
+        </p:style>
+        <p:txBody>
+          <a:bodyPr rtlCol="0" anchor="ctr"/>
+          <a:lstStyle/>
+          <a:p>
+            <a:pPr algn="ctr"/>
+            <a:endParaRPr lang="en-US"/>
+          </a:p>
+        </p:txBody>
+      </p:sp>
+      <p:sp>
+        <p:nvSpPr>
+          <p:cNvPr id="4" name="Title 3">
+            <a:extLst>
+              <a:ext uri="{FF2B5EF4-FFF2-40B4-BE49-F238E27FC236}">
+                <a16:creationId xmlns:a16="http://schemas.microsoft.com/office/drawing/2014/main" id="{D4390559-875C-7978-EE8E-8416D4E1CFE9}"/>
+              </a:ext>
+            </a:extLst>
+          </p:cNvPr>
+          <p:cNvSpPr>
+            <a:spLocks noGrp="1"/>
+          </p:cNvSpPr>
+          <p:nvPr>
+            <p:ph type="title"/>
+          </p:nvPr>
+        </p:nvSpPr>
+        <p:spPr>
+          <a:xfrm>
+            <a:off x="4538341" y="2224846"/>
+            <a:ext cx="6498525" cy="3102528"/>
+          </a:xfrm>
+        </p:spPr>
+        <p:txBody>
+          <a:bodyPr vert="horz" lIns="0" tIns="0" rIns="0" bIns="0" rtlCol="0" anchor="b">
+            <a:normAutofit/>
+          </a:bodyPr>
+          <a:lstStyle/>
+          <a:p>
+            <a:r>
+              <a:rPr lang="en-US">
+                <a:solidFill>
+                  <a:schemeClr val="bg1"/>
+                </a:solidFill>
+              </a:rPr>
+              <a:t>1. Topic</a:t>
+            </a:r>
+            <a:br>
+              <a:rPr lang="en-US">
+                <a:solidFill>
+                  <a:schemeClr val="bg1"/>
+                </a:solidFill>
+              </a:rPr>
+            </a:br>
+            <a:r>
+              <a:rPr lang="en-US">
+                <a:solidFill>
+                  <a:schemeClr val="bg1"/>
+                </a:solidFill>
+              </a:rPr>
+              <a:t>2. Database</a:t>
+            </a:r>
+            <a:br>
+              <a:rPr lang="en-US">
+                <a:solidFill>
+                  <a:schemeClr val="bg1"/>
+                </a:solidFill>
+              </a:rPr>
+            </a:br>
+            <a:r>
+              <a:rPr lang="en-US">
+                <a:solidFill>
+                  <a:schemeClr val="bg1"/>
+                </a:solidFill>
+              </a:rPr>
+              <a:t>3. Query</a:t>
+            </a:r>
+          </a:p>
+        </p:txBody>
+      </p:sp>
+      <p:sp>
+        <p:nvSpPr>
+          <p:cNvPr id="23" name="Rectangle 22">
+            <a:extLst>
+              <a:ext uri="{FF2B5EF4-FFF2-40B4-BE49-F238E27FC236}">
+                <a16:creationId xmlns:a16="http://schemas.microsoft.com/office/drawing/2014/main" id="{5C865637-A524-441B-A1B6-6D38BF9B17CE}"/>
+              </a:ext>
+              <a:ext uri="{C183D7F6-B498-43B3-948B-1728B52AA6E4}">
+                <adec:decorative xmlns:adec="http://schemas.microsoft.com/office/drawing/2017/decorative" val="1"/>
+              </a:ext>
+            </a:extLst>
+          </p:cNvPr>
+          <p:cNvSpPr>
+            <a:spLocks noGrp="1" noRot="1" noChangeAspect="1" noMove="1" noResize="1" noEditPoints="1" noAdjustHandles="1" noChangeArrowheads="1" noChangeShapeType="1" noTextEdit="1"/>
+          </p:cNvSpPr>
+          <p:nvPr>
+            <p:extLst>
+              <p:ext uri="{386F3935-93C4-4BCD-93E2-E3B085C9AB24}">
+                <p16:designElem xmlns:p16="http://schemas.microsoft.com/office/powerpoint/2015/main" val="1"/>
+              </p:ext>
+            </p:extLst>
+          </p:nvPr>
+        </p:nvSpPr>
+        <p:spPr>
+          <a:xfrm rot="5400000" flipH="1">
+            <a:off x="-1409708" y="1420764"/>
+            <a:ext cx="6857999" cy="4038605"/>
+          </a:xfrm>
+          <a:prstGeom prst="rect">
+            <a:avLst/>
+          </a:prstGeom>
+          <a:gradFill>
+            <a:gsLst>
+              <a:gs pos="0">
+                <a:schemeClr val="accent5">
+                  <a:alpha val="0"/>
+                </a:schemeClr>
+              </a:gs>
+              <a:gs pos="99000">
+                <a:schemeClr val="accent4">
+                  <a:lumMod val="60000"/>
+                  <a:lumOff val="40000"/>
+                  <a:alpha val="60000"/>
+                </a:schemeClr>
+              </a:gs>
+            </a:gsLst>
+            <a:lin ang="18600000" scaled="0"/>
+          </a:gradFill>
+          <a:ln>
+            <a:noFill/>
+          </a:ln>
+        </p:spPr>
+        <p:style>
+          <a:lnRef idx="2">
+            <a:schemeClr val="accent1">
+              <a:shade val="50000"/>
+            </a:schemeClr>
+          </a:lnRef>
+          <a:fillRef idx="1">
+            <a:schemeClr val="accent1"/>
+          </a:fillRef>
+          <a:effectRef idx="0">
+            <a:schemeClr val="accent1"/>
+          </a:effectRef>
+          <a:fontRef idx="minor">
+            <a:schemeClr val="lt1"/>
+          </a:fontRef>
+        </p:style>
+        <p:txBody>
+          <a:bodyPr rtlCol="0" anchor="ctr"/>
+          <a:lstStyle/>
+          <a:p>
+            <a:pPr algn="ctr"/>
+            <a:endParaRPr lang="en-US"/>
+          </a:p>
+        </p:txBody>
+      </p:sp>
+      <p:sp>
+        <p:nvSpPr>
+          <p:cNvPr id="25" name="Oval 24">
+            <a:extLst>
+              <a:ext uri="{FF2B5EF4-FFF2-40B4-BE49-F238E27FC236}">
+                <a16:creationId xmlns:a16="http://schemas.microsoft.com/office/drawing/2014/main" id="{7559A662-54F5-47C0-8F66-AEA2B861C012}"/>
+              </a:ext>
+              <a:ext uri="{C183D7F6-B498-43B3-948B-1728B52AA6E4}">
+                <adec:decorative xmlns:adec="http://schemas.microsoft.com/office/drawing/2017/decorative" val="1"/>
+              </a:ext>
+            </a:extLst>
+          </p:cNvPr>
+          <p:cNvSpPr>
+            <a:spLocks noGrp="1" noRot="1" noChangeAspect="1" noMove="1" noResize="1" noEditPoints="1" noAdjustHandles="1" noChangeArrowheads="1" noChangeShapeType="1" noTextEdit="1"/>
+          </p:cNvSpPr>
+          <p:nvPr>
+            <p:extLst>
+              <p:ext uri="{386F3935-93C4-4BCD-93E2-E3B085C9AB24}">
+                <p16:designElem xmlns:p16="http://schemas.microsoft.com/office/powerpoint/2015/main" val="1"/>
+              </p:ext>
+            </p:extLst>
+          </p:nvPr>
+        </p:nvSpPr>
+        <p:spPr>
+          <a:xfrm rot="13168948">
+            <a:off x="1535724" y="1053996"/>
+            <a:ext cx="5005754" cy="5005754"/>
+          </a:xfrm>
+          <a:prstGeom prst="ellipse">
+            <a:avLst/>
+          </a:prstGeom>
+          <a:gradFill>
+            <a:gsLst>
+              <a:gs pos="31000">
+                <a:schemeClr val="accent6">
+                  <a:alpha val="0"/>
+                </a:schemeClr>
+              </a:gs>
+              <a:gs pos="85000">
+                <a:schemeClr val="accent6">
+                  <a:lumMod val="60000"/>
+                  <a:lumOff val="40000"/>
+                  <a:alpha val="21000"/>
+                </a:schemeClr>
+              </a:gs>
+            </a:gsLst>
+            <a:lin ang="11400000" scaled="0"/>
+          </a:gradFill>
+          <a:ln>
+            <a:noFill/>
+          </a:ln>
+        </p:spPr>
+        <p:style>
+          <a:lnRef idx="2">
+            <a:schemeClr val="accent1">
+              <a:shade val="50000"/>
+            </a:schemeClr>
+          </a:lnRef>
+          <a:fillRef idx="1">
+            <a:schemeClr val="accent1"/>
+          </a:fillRef>
+          <a:effectRef idx="0">
+            <a:schemeClr val="accent1"/>
+          </a:effectRef>
+          <a:fontRef idx="minor">
+            <a:schemeClr val="lt1"/>
+          </a:fontRef>
+        </p:style>
+        <p:txBody>
+          <a:bodyPr rtlCol="0" anchor="ctr"/>
+          <a:lstStyle/>
+          <a:p>
+            <a:pPr algn="ctr"/>
+            <a:endParaRPr lang="en-US" dirty="0"/>
           </a:p>
         </p:txBody>
       </p:sp>
@@ -4708,7 +8634,7 @@
         </p:nvSpPr>
         <p:spPr/>
         <p:txBody>
-          <a:bodyPr/>
+          <a:bodyPr anchor="t"/>
           <a:lstStyle/>
           <a:p>
             <a:r>
@@ -4838,7 +8764,9 @@
         </p:nvSpPr>
         <p:spPr/>
         <p:txBody>
-          <a:bodyPr/>
+          <a:bodyPr vert="horz" lIns="0" tIns="0" rIns="0" bIns="0" rtlCol="0" anchor="t">
+            <a:normAutofit/>
+          </a:bodyPr>
           <a:lstStyle/>
           <a:p>
             <a:r>
@@ -5398,7 +9326,9 @@
         </p:nvSpPr>
         <p:spPr/>
         <p:txBody>
-          <a:bodyPr/>
+          <a:bodyPr anchor="t">
+            <a:normAutofit/>
+          </a:bodyPr>
           <a:lstStyle/>
           <a:p>
             <a:r>
@@ -5492,7 +9422,7 @@
         </p:nvSpPr>
         <p:spPr/>
         <p:txBody>
-          <a:bodyPr/>
+          <a:bodyPr anchor="t"/>
           <a:lstStyle/>
           <a:p>
             <a:r>
@@ -5541,6 +9471,2271 @@
     <p:extLst>
       <p:ext uri="{BB962C8B-B14F-4D97-AF65-F5344CB8AC3E}">
         <p14:creationId xmlns:p14="http://schemas.microsoft.com/office/powerpoint/2010/main" val="1891551004"/>
+      </p:ext>
+    </p:extLst>
+  </p:cSld>
+  <p:clrMapOvr>
+    <a:masterClrMapping/>
+  </p:clrMapOvr>
+</p:sld>
+</file>
+
+<file path=ppt/slides/slide7.xml><?xml version="1.0" encoding="utf-8"?>
+<p:sld xmlns:a="http://schemas.openxmlformats.org/drawingml/2006/main" xmlns:r="http://schemas.openxmlformats.org/officeDocument/2006/relationships" xmlns:p="http://schemas.openxmlformats.org/presentationml/2006/main">
+  <p:cSld>
+    <p:spTree>
+      <p:nvGrpSpPr>
+        <p:cNvPr id="1" name=""/>
+        <p:cNvGrpSpPr/>
+        <p:nvPr/>
+      </p:nvGrpSpPr>
+      <p:grpSpPr>
+        <a:xfrm>
+          <a:off x="0" y="0"/>
+          <a:ext cx="0" cy="0"/>
+          <a:chOff x="0" y="0"/>
+          <a:chExt cx="0" cy="0"/>
+        </a:xfrm>
+      </p:grpSpPr>
+      <p:sp>
+        <p:nvSpPr>
+          <p:cNvPr id="2" name="Title 1">
+            <a:extLst>
+              <a:ext uri="{FF2B5EF4-FFF2-40B4-BE49-F238E27FC236}">
+                <a16:creationId xmlns:a16="http://schemas.microsoft.com/office/drawing/2014/main" id="{DB4C97C5-E2B7-6790-9BE2-87DF395206EB}"/>
+              </a:ext>
+            </a:extLst>
+          </p:cNvPr>
+          <p:cNvSpPr>
+            <a:spLocks noGrp="1"/>
+          </p:cNvSpPr>
+          <p:nvPr>
+            <p:ph type="title"/>
+          </p:nvPr>
+        </p:nvSpPr>
+        <p:spPr/>
+        <p:txBody>
+          <a:bodyPr anchor="t">
+            <a:normAutofit/>
+          </a:bodyPr>
+          <a:lstStyle/>
+          <a:p>
+            <a:r>
+              <a:rPr lang="en-US"/>
+              <a:t>3. Query</a:t>
+            </a:r>
+          </a:p>
+        </p:txBody>
+      </p:sp>
+      <p:sp>
+        <p:nvSpPr>
+          <p:cNvPr id="4" name="Content Placeholder 3">
+            <a:extLst>
+              <a:ext uri="{FF2B5EF4-FFF2-40B4-BE49-F238E27FC236}">
+                <a16:creationId xmlns:a16="http://schemas.microsoft.com/office/drawing/2014/main" id="{EF5A82F3-73AF-E1B0-38F1-28CECF1C8FA1}"/>
+              </a:ext>
+            </a:extLst>
+          </p:cNvPr>
+          <p:cNvSpPr>
+            <a:spLocks noGrp="1"/>
+          </p:cNvSpPr>
+          <p:nvPr>
+            <p:ph idx="1"/>
+          </p:nvPr>
+        </p:nvSpPr>
+        <p:spPr/>
+        <p:txBody>
+          <a:bodyPr>
+            <a:normAutofit fontScale="70000" lnSpcReduction="20000"/>
+          </a:bodyPr>
+          <a:lstStyle/>
+          <a:p>
+            <a:r>
+              <a:rPr lang="en-US"/>
+              <a:t>Headcount</a:t>
+            </a:r>
+          </a:p>
+          <a:p>
+            <a:pPr marL="457200" lvl="1" indent="0">
+              <a:buNone/>
+            </a:pPr>
+            <a:r>
+              <a:rPr lang="en-GB" b="0" i="0">
+                <a:effectLst/>
+                <a:latin typeface="Courier New" panose="02070309020205020404" pitchFamily="49" charset="0"/>
+              </a:rPr>
+              <a:t>SELECT</a:t>
+            </a:r>
+            <a:r>
+              <a:rPr lang="en-GB" b="0" i="0">
+                <a:solidFill>
+                  <a:srgbClr val="000000"/>
+                </a:solidFill>
+                <a:effectLst/>
+                <a:latin typeface="Courier New" panose="02070309020205020404" pitchFamily="49" charset="0"/>
+              </a:rPr>
+              <a:t> </a:t>
+            </a:r>
+            <a:r>
+              <a:rPr lang="en-GB" b="1" i="0">
+                <a:effectLst/>
+                <a:latin typeface="Courier New" panose="02070309020205020404" pitchFamily="49" charset="0"/>
+              </a:rPr>
+              <a:t>Count</a:t>
+            </a:r>
+            <a:r>
+              <a:rPr lang="en-GB" b="0" i="0">
+                <a:effectLst/>
+                <a:latin typeface="Courier New" panose="02070309020205020404" pitchFamily="49" charset="0"/>
+              </a:rPr>
+              <a:t>(e.employee_id)</a:t>
+            </a:r>
+            <a:r>
+              <a:rPr lang="en-GB" b="0" i="0">
+                <a:solidFill>
+                  <a:srgbClr val="000000"/>
+                </a:solidFill>
+                <a:effectLst/>
+                <a:latin typeface="Courier New" panose="02070309020205020404" pitchFamily="49" charset="0"/>
+              </a:rPr>
+              <a:t> </a:t>
+            </a:r>
+            <a:r>
+              <a:rPr lang="en-GB" b="0" i="0">
+                <a:effectLst/>
+                <a:latin typeface="Courier New" panose="02070309020205020404" pitchFamily="49" charset="0"/>
+              </a:rPr>
+              <a:t>AS</a:t>
+            </a:r>
+            <a:r>
+              <a:rPr lang="en-GB" b="0" i="0">
+                <a:solidFill>
+                  <a:srgbClr val="000000"/>
+                </a:solidFill>
+                <a:effectLst/>
+                <a:latin typeface="Courier New" panose="02070309020205020404" pitchFamily="49" charset="0"/>
+              </a:rPr>
+              <a:t> </a:t>
+            </a:r>
+            <a:r>
+              <a:rPr lang="en-GB" b="0" i="0">
+                <a:effectLst/>
+                <a:latin typeface="Courier New" panose="02070309020205020404" pitchFamily="49" charset="0"/>
+              </a:rPr>
+              <a:t>total_employees</a:t>
+            </a:r>
+            <a:br>
+              <a:rPr lang="en-GB"/>
+            </a:br>
+            <a:r>
+              <a:rPr lang="en-GB" b="0" i="0">
+                <a:effectLst/>
+                <a:latin typeface="Courier New" panose="02070309020205020404" pitchFamily="49" charset="0"/>
+              </a:rPr>
+              <a:t>FROM</a:t>
+            </a:r>
+            <a:r>
+              <a:rPr lang="en-GB" b="0" i="0">
+                <a:solidFill>
+                  <a:srgbClr val="000000"/>
+                </a:solidFill>
+                <a:effectLst/>
+                <a:latin typeface="Courier New" panose="02070309020205020404" pitchFamily="49" charset="0"/>
+              </a:rPr>
+              <a:t>   </a:t>
+            </a:r>
+            <a:r>
+              <a:rPr lang="en-GB" b="0" i="0">
+                <a:effectLst/>
+                <a:latin typeface="Courier New" panose="02070309020205020404" pitchFamily="49" charset="0"/>
+              </a:rPr>
+              <a:t>employee</a:t>
+            </a:r>
+            <a:r>
+              <a:rPr lang="en-GB" b="0" i="0">
+                <a:solidFill>
+                  <a:srgbClr val="000000"/>
+                </a:solidFill>
+                <a:effectLst/>
+                <a:latin typeface="Courier New" panose="02070309020205020404" pitchFamily="49" charset="0"/>
+              </a:rPr>
+              <a:t> </a:t>
+            </a:r>
+            <a:r>
+              <a:rPr lang="en-GB" b="0" i="0">
+                <a:effectLst/>
+                <a:latin typeface="Courier New" panose="02070309020205020404" pitchFamily="49" charset="0"/>
+              </a:rPr>
+              <a:t>e</a:t>
+            </a:r>
+            <a:br>
+              <a:rPr lang="en-GB"/>
+            </a:br>
+            <a:r>
+              <a:rPr lang="en-GB" b="0" i="0">
+                <a:solidFill>
+                  <a:srgbClr val="000000"/>
+                </a:solidFill>
+                <a:effectLst/>
+                <a:latin typeface="Courier New" panose="02070309020205020404" pitchFamily="49" charset="0"/>
+              </a:rPr>
+              <a:t>       </a:t>
+            </a:r>
+            <a:r>
+              <a:rPr lang="en-GB" b="0" i="0">
+                <a:effectLst/>
+                <a:latin typeface="Courier New" panose="02070309020205020404" pitchFamily="49" charset="0"/>
+              </a:rPr>
+              <a:t>left</a:t>
+            </a:r>
+            <a:r>
+              <a:rPr lang="en-GB" b="0" i="0">
+                <a:solidFill>
+                  <a:srgbClr val="000000"/>
+                </a:solidFill>
+                <a:effectLst/>
+                <a:latin typeface="Courier New" panose="02070309020205020404" pitchFamily="49" charset="0"/>
+              </a:rPr>
+              <a:t> </a:t>
+            </a:r>
+            <a:r>
+              <a:rPr lang="en-GB" b="0" i="0">
+                <a:effectLst/>
+                <a:latin typeface="Courier New" panose="02070309020205020404" pitchFamily="49" charset="0"/>
+              </a:rPr>
+              <a:t>join</a:t>
+            </a:r>
+            <a:r>
+              <a:rPr lang="en-GB" b="0" i="0">
+                <a:solidFill>
+                  <a:srgbClr val="000000"/>
+                </a:solidFill>
+                <a:effectLst/>
+                <a:latin typeface="Courier New" panose="02070309020205020404" pitchFamily="49" charset="0"/>
+              </a:rPr>
+              <a:t> </a:t>
+            </a:r>
+            <a:r>
+              <a:rPr lang="en-GB" b="0" i="0">
+                <a:effectLst/>
+                <a:latin typeface="Courier New" panose="02070309020205020404" pitchFamily="49" charset="0"/>
+              </a:rPr>
+              <a:t>contract</a:t>
+            </a:r>
+            <a:r>
+              <a:rPr lang="en-GB" b="0" i="0">
+                <a:solidFill>
+                  <a:srgbClr val="000000"/>
+                </a:solidFill>
+                <a:effectLst/>
+                <a:latin typeface="Courier New" panose="02070309020205020404" pitchFamily="49" charset="0"/>
+              </a:rPr>
+              <a:t> </a:t>
+            </a:r>
+            <a:r>
+              <a:rPr lang="en-GB" b="0" i="0">
+                <a:effectLst/>
+                <a:latin typeface="Courier New" panose="02070309020205020404" pitchFamily="49" charset="0"/>
+              </a:rPr>
+              <a:t>c</a:t>
+            </a:r>
+            <a:br>
+              <a:rPr lang="en-GB"/>
+            </a:br>
+            <a:r>
+              <a:rPr lang="en-GB" b="0" i="0">
+                <a:solidFill>
+                  <a:srgbClr val="000000"/>
+                </a:solidFill>
+                <a:effectLst/>
+                <a:latin typeface="Courier New" panose="02070309020205020404" pitchFamily="49" charset="0"/>
+              </a:rPr>
+              <a:t>              </a:t>
+            </a:r>
+            <a:r>
+              <a:rPr lang="en-GB" b="0" i="0">
+                <a:effectLst/>
+                <a:latin typeface="Courier New" panose="02070309020205020404" pitchFamily="49" charset="0"/>
+              </a:rPr>
+              <a:t>ON</a:t>
+            </a:r>
+            <a:r>
+              <a:rPr lang="en-GB" b="0" i="0">
+                <a:solidFill>
+                  <a:srgbClr val="000000"/>
+                </a:solidFill>
+                <a:effectLst/>
+                <a:latin typeface="Courier New" panose="02070309020205020404" pitchFamily="49" charset="0"/>
+              </a:rPr>
+              <a:t> </a:t>
+            </a:r>
+            <a:r>
+              <a:rPr lang="en-GB" b="0" i="0">
+                <a:effectLst/>
+                <a:latin typeface="Courier New" panose="02070309020205020404" pitchFamily="49" charset="0"/>
+              </a:rPr>
+              <a:t>e.employee_id</a:t>
+            </a:r>
+            <a:r>
+              <a:rPr lang="en-GB" b="0" i="0">
+                <a:solidFill>
+                  <a:srgbClr val="000000"/>
+                </a:solidFill>
+                <a:effectLst/>
+                <a:latin typeface="Courier New" panose="02070309020205020404" pitchFamily="49" charset="0"/>
+              </a:rPr>
+              <a:t> </a:t>
+            </a:r>
+            <a:r>
+              <a:rPr lang="en-GB" b="0" i="0">
+                <a:effectLst/>
+                <a:latin typeface="Courier New" panose="02070309020205020404" pitchFamily="49" charset="0"/>
+              </a:rPr>
+              <a:t>=</a:t>
+            </a:r>
+            <a:r>
+              <a:rPr lang="en-GB" b="0" i="0">
+                <a:solidFill>
+                  <a:srgbClr val="000000"/>
+                </a:solidFill>
+                <a:effectLst/>
+                <a:latin typeface="Courier New" panose="02070309020205020404" pitchFamily="49" charset="0"/>
+              </a:rPr>
+              <a:t> </a:t>
+            </a:r>
+            <a:r>
+              <a:rPr lang="en-GB" b="0" i="0">
+                <a:effectLst/>
+                <a:latin typeface="Courier New" panose="02070309020205020404" pitchFamily="49" charset="0"/>
+              </a:rPr>
+              <a:t>c.employee_id</a:t>
+            </a:r>
+            <a:br>
+              <a:rPr lang="en-GB"/>
+            </a:br>
+            <a:r>
+              <a:rPr lang="en-GB" b="0" i="0">
+                <a:effectLst/>
+                <a:latin typeface="Courier New" panose="02070309020205020404" pitchFamily="49" charset="0"/>
+              </a:rPr>
+              <a:t>WHERE</a:t>
+            </a:r>
+            <a:r>
+              <a:rPr lang="en-GB" b="0" i="0">
+                <a:solidFill>
+                  <a:srgbClr val="000000"/>
+                </a:solidFill>
+                <a:effectLst/>
+                <a:latin typeface="Courier New" panose="02070309020205020404" pitchFamily="49" charset="0"/>
+              </a:rPr>
+              <a:t>  &lt;Date_Filter&gt; </a:t>
+            </a:r>
+            <a:r>
+              <a:rPr lang="en-GB" b="0" i="0">
+                <a:effectLst/>
+                <a:latin typeface="Courier New" panose="02070309020205020404" pitchFamily="49" charset="0"/>
+              </a:rPr>
+              <a:t>BETWEEN</a:t>
+            </a:r>
+            <a:r>
+              <a:rPr lang="en-GB" b="0" i="0">
+                <a:solidFill>
+                  <a:srgbClr val="000000"/>
+                </a:solidFill>
+                <a:effectLst/>
+                <a:latin typeface="Courier New" panose="02070309020205020404" pitchFamily="49" charset="0"/>
+              </a:rPr>
+              <a:t> </a:t>
+            </a:r>
+            <a:r>
+              <a:rPr lang="en-GB" b="0" i="0">
+                <a:effectLst/>
+                <a:latin typeface="Courier New" panose="02070309020205020404" pitchFamily="49" charset="0"/>
+              </a:rPr>
+              <a:t>c.start_date</a:t>
+            </a:r>
+            <a:r>
+              <a:rPr lang="en-GB" b="0" i="0">
+                <a:solidFill>
+                  <a:srgbClr val="000000"/>
+                </a:solidFill>
+                <a:effectLst/>
+                <a:latin typeface="Courier New" panose="02070309020205020404" pitchFamily="49" charset="0"/>
+              </a:rPr>
+              <a:t> </a:t>
+            </a:r>
+            <a:r>
+              <a:rPr lang="en-GB" b="0" i="0">
+                <a:effectLst/>
+                <a:latin typeface="Courier New" panose="02070309020205020404" pitchFamily="49" charset="0"/>
+              </a:rPr>
+              <a:t>AND</a:t>
+            </a:r>
+            <a:br>
+              <a:rPr lang="en-GB"/>
+            </a:br>
+            <a:r>
+              <a:rPr lang="en-GB" b="0" i="0">
+                <a:solidFill>
+                  <a:srgbClr val="000000"/>
+                </a:solidFill>
+                <a:effectLst/>
+                <a:latin typeface="Courier New" panose="02070309020205020404" pitchFamily="49" charset="0"/>
+              </a:rPr>
+              <a:t>                         </a:t>
+            </a:r>
+            <a:r>
+              <a:rPr lang="en-GB" b="1" i="0">
+                <a:effectLst/>
+                <a:latin typeface="Courier New" panose="02070309020205020404" pitchFamily="49" charset="0"/>
+              </a:rPr>
+              <a:t>IF</a:t>
+            </a:r>
+            <a:r>
+              <a:rPr lang="en-GB" b="0" i="0">
+                <a:effectLst/>
+                <a:latin typeface="Courier New" panose="02070309020205020404" pitchFamily="49" charset="0"/>
+              </a:rPr>
+              <a:t>(c.end_date</a:t>
+            </a:r>
+            <a:r>
+              <a:rPr lang="en-GB" b="0" i="0">
+                <a:solidFill>
+                  <a:srgbClr val="000000"/>
+                </a:solidFill>
+                <a:effectLst/>
+                <a:latin typeface="Courier New" panose="02070309020205020404" pitchFamily="49" charset="0"/>
+              </a:rPr>
+              <a:t> </a:t>
+            </a:r>
+            <a:r>
+              <a:rPr lang="en-GB" b="0" i="0">
+                <a:effectLst/>
+                <a:latin typeface="Courier New" panose="02070309020205020404" pitchFamily="49" charset="0"/>
+              </a:rPr>
+              <a:t>!=</a:t>
+            </a:r>
+            <a:r>
+              <a:rPr lang="en-GB" b="0" i="0">
+                <a:solidFill>
+                  <a:srgbClr val="000000"/>
+                </a:solidFill>
+                <a:effectLst/>
+                <a:latin typeface="Courier New" panose="02070309020205020404" pitchFamily="49" charset="0"/>
+              </a:rPr>
+              <a:t> </a:t>
+            </a:r>
+            <a:r>
+              <a:rPr lang="en-GB" b="0" i="0">
+                <a:effectLst/>
+                <a:latin typeface="Courier New" panose="02070309020205020404" pitchFamily="49" charset="0"/>
+              </a:rPr>
+              <a:t>null,</a:t>
+            </a:r>
+            <a:r>
+              <a:rPr lang="en-GB" b="0" i="0">
+                <a:solidFill>
+                  <a:srgbClr val="000000"/>
+                </a:solidFill>
+                <a:effectLst/>
+                <a:latin typeface="Courier New" panose="02070309020205020404" pitchFamily="49" charset="0"/>
+              </a:rPr>
+              <a:t> </a:t>
+            </a:r>
+            <a:r>
+              <a:rPr lang="en-GB" b="0" i="0">
+                <a:effectLst/>
+                <a:latin typeface="Courier New" panose="02070309020205020404" pitchFamily="49" charset="0"/>
+              </a:rPr>
+              <a:t>c.end_date,</a:t>
+            </a:r>
+            <a:r>
+              <a:rPr lang="en-GB" b="0" i="0">
+                <a:solidFill>
+                  <a:srgbClr val="000000"/>
+                </a:solidFill>
+                <a:effectLst/>
+                <a:latin typeface="Courier New" panose="02070309020205020404" pitchFamily="49" charset="0"/>
+              </a:rPr>
+              <a:t> </a:t>
+            </a:r>
+            <a:r>
+              <a:rPr lang="en-GB" b="1" i="0">
+                <a:effectLst/>
+                <a:latin typeface="Courier New" panose="02070309020205020404" pitchFamily="49" charset="0"/>
+              </a:rPr>
+              <a:t>Curdate</a:t>
+            </a:r>
+            <a:r>
+              <a:rPr lang="en-GB" b="0" i="0">
+                <a:effectLst/>
+                <a:latin typeface="Courier New" panose="02070309020205020404" pitchFamily="49" charset="0"/>
+              </a:rPr>
+              <a:t>())</a:t>
+            </a:r>
+            <a:r>
+              <a:rPr lang="en-GB" b="0" i="0">
+                <a:solidFill>
+                  <a:srgbClr val="000000"/>
+                </a:solidFill>
+                <a:effectLst/>
+                <a:latin typeface="Courier New" panose="02070309020205020404" pitchFamily="49" charset="0"/>
+              </a:rPr>
+              <a:t> </a:t>
+            </a:r>
+          </a:p>
+          <a:p>
+            <a:r>
+              <a:rPr lang="en-US"/>
+              <a:t>Headcount by Contract Type</a:t>
+            </a:r>
+          </a:p>
+          <a:p>
+            <a:pPr marL="457200" lvl="1" indent="0">
+              <a:buNone/>
+            </a:pPr>
+            <a:r>
+              <a:rPr lang="en-GB" b="0" i="0">
+                <a:effectLst/>
+                <a:latin typeface="Courier New" panose="02070309020205020404" pitchFamily="49" charset="0"/>
+              </a:rPr>
+              <a:t>SELECT</a:t>
+            </a:r>
+            <a:r>
+              <a:rPr lang="en-GB" b="0" i="0">
+                <a:solidFill>
+                  <a:srgbClr val="000000"/>
+                </a:solidFill>
+                <a:effectLst/>
+                <a:latin typeface="Courier New" panose="02070309020205020404" pitchFamily="49" charset="0"/>
+              </a:rPr>
+              <a:t> </a:t>
+            </a:r>
+            <a:r>
+              <a:rPr lang="en-GB" b="0" i="0">
+                <a:effectLst/>
+                <a:latin typeface="Courier New" panose="02070309020205020404" pitchFamily="49" charset="0"/>
+              </a:rPr>
+              <a:t>c.contract_type,</a:t>
+            </a:r>
+            <a:br>
+              <a:rPr lang="en-GB"/>
+            </a:br>
+            <a:r>
+              <a:rPr lang="en-GB" b="0" i="0">
+                <a:solidFill>
+                  <a:srgbClr val="000000"/>
+                </a:solidFill>
+                <a:effectLst/>
+                <a:latin typeface="Courier New" panose="02070309020205020404" pitchFamily="49" charset="0"/>
+              </a:rPr>
+              <a:t>       </a:t>
+            </a:r>
+            <a:r>
+              <a:rPr lang="en-GB" b="1" i="0">
+                <a:effectLst/>
+                <a:latin typeface="Courier New" panose="02070309020205020404" pitchFamily="49" charset="0"/>
+              </a:rPr>
+              <a:t>COUNT</a:t>
+            </a:r>
+            <a:r>
+              <a:rPr lang="en-GB" b="0" i="0">
+                <a:effectLst/>
+                <a:latin typeface="Courier New" panose="02070309020205020404" pitchFamily="49" charset="0"/>
+              </a:rPr>
+              <a:t>(e.employee_id)</a:t>
+            </a:r>
+            <a:r>
+              <a:rPr lang="en-GB" b="0" i="0">
+                <a:solidFill>
+                  <a:srgbClr val="000000"/>
+                </a:solidFill>
+                <a:effectLst/>
+                <a:latin typeface="Courier New" panose="02070309020205020404" pitchFamily="49" charset="0"/>
+              </a:rPr>
+              <a:t> </a:t>
+            </a:r>
+            <a:r>
+              <a:rPr lang="en-GB" b="0" i="0">
+                <a:effectLst/>
+                <a:latin typeface="Courier New" panose="02070309020205020404" pitchFamily="49" charset="0"/>
+              </a:rPr>
+              <a:t>AS</a:t>
+            </a:r>
+            <a:r>
+              <a:rPr lang="en-GB" b="0" i="0">
+                <a:solidFill>
+                  <a:srgbClr val="000000"/>
+                </a:solidFill>
+                <a:effectLst/>
+                <a:latin typeface="Courier New" panose="02070309020205020404" pitchFamily="49" charset="0"/>
+              </a:rPr>
+              <a:t> </a:t>
+            </a:r>
+            <a:r>
+              <a:rPr lang="en-GB" b="0" i="0">
+                <a:effectLst/>
+                <a:latin typeface="Courier New" panose="02070309020205020404" pitchFamily="49" charset="0"/>
+              </a:rPr>
+              <a:t>total_employees</a:t>
+            </a:r>
+            <a:br>
+              <a:rPr lang="en-GB"/>
+            </a:br>
+            <a:r>
+              <a:rPr lang="en-GB" b="0" i="0">
+                <a:effectLst/>
+                <a:latin typeface="Courier New" panose="02070309020205020404" pitchFamily="49" charset="0"/>
+              </a:rPr>
+              <a:t>FROM</a:t>
+            </a:r>
+            <a:r>
+              <a:rPr lang="en-GB" b="0" i="0">
+                <a:solidFill>
+                  <a:srgbClr val="000000"/>
+                </a:solidFill>
+                <a:effectLst/>
+                <a:latin typeface="Courier New" panose="02070309020205020404" pitchFamily="49" charset="0"/>
+              </a:rPr>
+              <a:t>   </a:t>
+            </a:r>
+            <a:r>
+              <a:rPr lang="en-GB" b="0" i="0">
+                <a:effectLst/>
+                <a:latin typeface="Courier New" panose="02070309020205020404" pitchFamily="49" charset="0"/>
+              </a:rPr>
+              <a:t>employee</a:t>
+            </a:r>
+            <a:r>
+              <a:rPr lang="en-GB" b="0" i="0">
+                <a:solidFill>
+                  <a:srgbClr val="000000"/>
+                </a:solidFill>
+                <a:effectLst/>
+                <a:latin typeface="Courier New" panose="02070309020205020404" pitchFamily="49" charset="0"/>
+              </a:rPr>
+              <a:t> </a:t>
+            </a:r>
+            <a:r>
+              <a:rPr lang="en-GB" b="0" i="0">
+                <a:effectLst/>
+                <a:latin typeface="Courier New" panose="02070309020205020404" pitchFamily="49" charset="0"/>
+              </a:rPr>
+              <a:t>e</a:t>
+            </a:r>
+            <a:br>
+              <a:rPr lang="en-GB"/>
+            </a:br>
+            <a:r>
+              <a:rPr lang="en-GB" b="0" i="0">
+                <a:solidFill>
+                  <a:srgbClr val="000000"/>
+                </a:solidFill>
+                <a:effectLst/>
+                <a:latin typeface="Courier New" panose="02070309020205020404" pitchFamily="49" charset="0"/>
+              </a:rPr>
+              <a:t>       </a:t>
+            </a:r>
+            <a:r>
+              <a:rPr lang="en-GB" b="0" i="0">
+                <a:effectLst/>
+                <a:latin typeface="Courier New" panose="02070309020205020404" pitchFamily="49" charset="0"/>
+              </a:rPr>
+              <a:t>LEFT</a:t>
+            </a:r>
+            <a:r>
+              <a:rPr lang="en-GB" b="0" i="0">
+                <a:solidFill>
+                  <a:srgbClr val="000000"/>
+                </a:solidFill>
+                <a:effectLst/>
+                <a:latin typeface="Courier New" panose="02070309020205020404" pitchFamily="49" charset="0"/>
+              </a:rPr>
+              <a:t> </a:t>
+            </a:r>
+            <a:r>
+              <a:rPr lang="en-GB" b="0" i="0">
+                <a:effectLst/>
+                <a:latin typeface="Courier New" panose="02070309020205020404" pitchFamily="49" charset="0"/>
+              </a:rPr>
+              <a:t>JOIN</a:t>
+            </a:r>
+            <a:r>
+              <a:rPr lang="en-GB" b="0" i="0">
+                <a:solidFill>
+                  <a:srgbClr val="000000"/>
+                </a:solidFill>
+                <a:effectLst/>
+                <a:latin typeface="Courier New" panose="02070309020205020404" pitchFamily="49" charset="0"/>
+              </a:rPr>
+              <a:t> </a:t>
+            </a:r>
+            <a:r>
+              <a:rPr lang="en-GB" b="0" i="0">
+                <a:effectLst/>
+                <a:latin typeface="Courier New" panose="02070309020205020404" pitchFamily="49" charset="0"/>
+              </a:rPr>
+              <a:t>contract</a:t>
+            </a:r>
+            <a:r>
+              <a:rPr lang="en-GB" b="0" i="0">
+                <a:solidFill>
+                  <a:srgbClr val="000000"/>
+                </a:solidFill>
+                <a:effectLst/>
+                <a:latin typeface="Courier New" panose="02070309020205020404" pitchFamily="49" charset="0"/>
+              </a:rPr>
+              <a:t> </a:t>
+            </a:r>
+            <a:r>
+              <a:rPr lang="en-GB" b="0" i="0">
+                <a:effectLst/>
+                <a:latin typeface="Courier New" panose="02070309020205020404" pitchFamily="49" charset="0"/>
+              </a:rPr>
+              <a:t>c</a:t>
+            </a:r>
+            <a:br>
+              <a:rPr lang="en-GB"/>
+            </a:br>
+            <a:r>
+              <a:rPr lang="en-GB" b="0" i="0">
+                <a:solidFill>
+                  <a:srgbClr val="000000"/>
+                </a:solidFill>
+                <a:effectLst/>
+                <a:latin typeface="Courier New" panose="02070309020205020404" pitchFamily="49" charset="0"/>
+              </a:rPr>
+              <a:t>              </a:t>
+            </a:r>
+            <a:r>
+              <a:rPr lang="en-GB" b="0" i="0">
+                <a:effectLst/>
+                <a:latin typeface="Courier New" panose="02070309020205020404" pitchFamily="49" charset="0"/>
+              </a:rPr>
+              <a:t>ON</a:t>
+            </a:r>
+            <a:r>
+              <a:rPr lang="en-GB" b="0" i="0">
+                <a:solidFill>
+                  <a:srgbClr val="000000"/>
+                </a:solidFill>
+                <a:effectLst/>
+                <a:latin typeface="Courier New" panose="02070309020205020404" pitchFamily="49" charset="0"/>
+              </a:rPr>
+              <a:t> </a:t>
+            </a:r>
+            <a:r>
+              <a:rPr lang="en-GB" b="0" i="0">
+                <a:effectLst/>
+                <a:latin typeface="Courier New" panose="02070309020205020404" pitchFamily="49" charset="0"/>
+              </a:rPr>
+              <a:t>e.employee_id</a:t>
+            </a:r>
+            <a:r>
+              <a:rPr lang="en-GB" b="0" i="0">
+                <a:solidFill>
+                  <a:srgbClr val="000000"/>
+                </a:solidFill>
+                <a:effectLst/>
+                <a:latin typeface="Courier New" panose="02070309020205020404" pitchFamily="49" charset="0"/>
+              </a:rPr>
+              <a:t> </a:t>
+            </a:r>
+            <a:r>
+              <a:rPr lang="en-GB" b="0" i="0">
+                <a:effectLst/>
+                <a:latin typeface="Courier New" panose="02070309020205020404" pitchFamily="49" charset="0"/>
+              </a:rPr>
+              <a:t>=</a:t>
+            </a:r>
+            <a:r>
+              <a:rPr lang="en-GB" b="0" i="0">
+                <a:solidFill>
+                  <a:srgbClr val="000000"/>
+                </a:solidFill>
+                <a:effectLst/>
+                <a:latin typeface="Courier New" panose="02070309020205020404" pitchFamily="49" charset="0"/>
+              </a:rPr>
+              <a:t> </a:t>
+            </a:r>
+            <a:r>
+              <a:rPr lang="en-GB" b="0" i="0">
+                <a:effectLst/>
+                <a:latin typeface="Courier New" panose="02070309020205020404" pitchFamily="49" charset="0"/>
+              </a:rPr>
+              <a:t>c.employee_id</a:t>
+            </a:r>
+            <a:br>
+              <a:rPr lang="en-GB"/>
+            </a:br>
+            <a:r>
+              <a:rPr lang="en-GB" b="0" i="0">
+                <a:effectLst/>
+                <a:latin typeface="Courier New" panose="02070309020205020404" pitchFamily="49" charset="0"/>
+              </a:rPr>
+              <a:t>WHERE</a:t>
+            </a:r>
+            <a:r>
+              <a:rPr lang="en-GB" b="0" i="0">
+                <a:solidFill>
+                  <a:srgbClr val="000000"/>
+                </a:solidFill>
+                <a:effectLst/>
+                <a:latin typeface="Courier New" panose="02070309020205020404" pitchFamily="49" charset="0"/>
+              </a:rPr>
+              <a:t>   &lt;Date_Filter&gt; </a:t>
+            </a:r>
+            <a:r>
+              <a:rPr lang="en-GB" b="0" i="0">
+                <a:effectLst/>
+                <a:latin typeface="Courier New" panose="02070309020205020404" pitchFamily="49" charset="0"/>
+              </a:rPr>
+              <a:t>BETWEEN</a:t>
+            </a:r>
+            <a:r>
+              <a:rPr lang="en-GB" b="0" i="0">
+                <a:solidFill>
+                  <a:srgbClr val="000000"/>
+                </a:solidFill>
+                <a:effectLst/>
+                <a:latin typeface="Courier New" panose="02070309020205020404" pitchFamily="49" charset="0"/>
+              </a:rPr>
+              <a:t> </a:t>
+            </a:r>
+            <a:r>
+              <a:rPr lang="en-GB" b="0" i="0">
+                <a:effectLst/>
+                <a:latin typeface="Courier New" panose="02070309020205020404" pitchFamily="49" charset="0"/>
+              </a:rPr>
+              <a:t>c.start_date</a:t>
+            </a:r>
+            <a:r>
+              <a:rPr lang="en-GB" b="0" i="0">
+                <a:solidFill>
+                  <a:srgbClr val="000000"/>
+                </a:solidFill>
+                <a:effectLst/>
+                <a:latin typeface="Courier New" panose="02070309020205020404" pitchFamily="49" charset="0"/>
+              </a:rPr>
+              <a:t> </a:t>
+            </a:r>
+            <a:r>
+              <a:rPr lang="en-GB" b="0" i="0">
+                <a:effectLst/>
+                <a:latin typeface="Courier New" panose="02070309020205020404" pitchFamily="49" charset="0"/>
+              </a:rPr>
+              <a:t>AND</a:t>
+            </a:r>
+            <a:r>
+              <a:rPr lang="en-GB" b="0" i="0">
+                <a:solidFill>
+                  <a:srgbClr val="000000"/>
+                </a:solidFill>
+                <a:effectLst/>
+                <a:latin typeface="Courier New" panose="02070309020205020404" pitchFamily="49" charset="0"/>
+              </a:rPr>
+              <a:t> </a:t>
+            </a:r>
+            <a:r>
+              <a:rPr lang="en-GB" b="1" i="0">
+                <a:effectLst/>
+                <a:latin typeface="Courier New" panose="02070309020205020404" pitchFamily="49" charset="0"/>
+              </a:rPr>
+              <a:t>IF</a:t>
+            </a:r>
+            <a:r>
+              <a:rPr lang="en-GB" b="0" i="0">
+                <a:effectLst/>
+                <a:latin typeface="Courier New" panose="02070309020205020404" pitchFamily="49" charset="0"/>
+              </a:rPr>
+              <a:t>(c.end_date</a:t>
+            </a:r>
+            <a:r>
+              <a:rPr lang="en-GB" b="0" i="0">
+                <a:solidFill>
+                  <a:srgbClr val="000000"/>
+                </a:solidFill>
+                <a:effectLst/>
+                <a:latin typeface="Courier New" panose="02070309020205020404" pitchFamily="49" charset="0"/>
+              </a:rPr>
+              <a:t> </a:t>
+            </a:r>
+            <a:r>
+              <a:rPr lang="en-GB" b="0" i="0">
+                <a:effectLst/>
+                <a:latin typeface="Courier New" panose="02070309020205020404" pitchFamily="49" charset="0"/>
+              </a:rPr>
+              <a:t>!=</a:t>
+            </a:r>
+            <a:r>
+              <a:rPr lang="en-GB" b="0" i="0">
+                <a:solidFill>
+                  <a:srgbClr val="000000"/>
+                </a:solidFill>
+                <a:effectLst/>
+                <a:latin typeface="Courier New" panose="02070309020205020404" pitchFamily="49" charset="0"/>
+              </a:rPr>
+              <a:t> </a:t>
+            </a:r>
+            <a:r>
+              <a:rPr lang="en-GB" b="0" i="0">
+                <a:effectLst/>
+                <a:latin typeface="Courier New" panose="02070309020205020404" pitchFamily="49" charset="0"/>
+              </a:rPr>
+              <a:t>NULL,</a:t>
+            </a:r>
+            <a:br>
+              <a:rPr lang="en-GB"/>
+            </a:br>
+            <a:r>
+              <a:rPr lang="en-GB" b="0" i="0">
+                <a:solidFill>
+                  <a:srgbClr val="000000"/>
+                </a:solidFill>
+                <a:effectLst/>
+                <a:latin typeface="Courier New" panose="02070309020205020404" pitchFamily="49" charset="0"/>
+              </a:rPr>
+              <a:t>                                                   </a:t>
+            </a:r>
+            <a:r>
+              <a:rPr lang="en-GB" b="0" i="0">
+                <a:effectLst/>
+                <a:latin typeface="Courier New" panose="02070309020205020404" pitchFamily="49" charset="0"/>
+              </a:rPr>
+              <a:t>c.end_date,</a:t>
+            </a:r>
+            <a:br>
+              <a:rPr lang="en-GB"/>
+            </a:br>
+            <a:r>
+              <a:rPr lang="en-GB" b="0" i="0">
+                <a:solidFill>
+                  <a:srgbClr val="000000"/>
+                </a:solidFill>
+                <a:effectLst/>
+                <a:latin typeface="Courier New" panose="02070309020205020404" pitchFamily="49" charset="0"/>
+              </a:rPr>
+              <a:t>                                                   </a:t>
+            </a:r>
+            <a:r>
+              <a:rPr lang="en-GB" b="1" i="0">
+                <a:effectLst/>
+                <a:latin typeface="Courier New" panose="02070309020205020404" pitchFamily="49" charset="0"/>
+              </a:rPr>
+              <a:t>Curdate</a:t>
+            </a:r>
+            <a:r>
+              <a:rPr lang="en-GB" b="0" i="0">
+                <a:effectLst/>
+                <a:latin typeface="Courier New" panose="02070309020205020404" pitchFamily="49" charset="0"/>
+              </a:rPr>
+              <a:t>())</a:t>
+            </a:r>
+            <a:br>
+              <a:rPr lang="en-GB"/>
+            </a:br>
+            <a:r>
+              <a:rPr lang="en-GB" b="0" i="0">
+                <a:effectLst/>
+                <a:latin typeface="Courier New" panose="02070309020205020404" pitchFamily="49" charset="0"/>
+              </a:rPr>
+              <a:t>GROUP</a:t>
+            </a:r>
+            <a:r>
+              <a:rPr lang="en-GB" b="0" i="0">
+                <a:solidFill>
+                  <a:srgbClr val="000000"/>
+                </a:solidFill>
+                <a:effectLst/>
+                <a:latin typeface="Courier New" panose="02070309020205020404" pitchFamily="49" charset="0"/>
+              </a:rPr>
+              <a:t>  </a:t>
+            </a:r>
+            <a:r>
+              <a:rPr lang="en-GB" b="0" i="0">
+                <a:effectLst/>
+                <a:latin typeface="Courier New" panose="02070309020205020404" pitchFamily="49" charset="0"/>
+              </a:rPr>
+              <a:t>BY</a:t>
+            </a:r>
+            <a:r>
+              <a:rPr lang="en-GB" b="0" i="0">
+                <a:solidFill>
+                  <a:srgbClr val="000000"/>
+                </a:solidFill>
+                <a:effectLst/>
+                <a:latin typeface="Courier New" panose="02070309020205020404" pitchFamily="49" charset="0"/>
+              </a:rPr>
+              <a:t> </a:t>
+            </a:r>
+            <a:r>
+              <a:rPr lang="en-GB" b="0" i="0">
+                <a:effectLst/>
+                <a:latin typeface="Courier New" panose="02070309020205020404" pitchFamily="49" charset="0"/>
+              </a:rPr>
+              <a:t>c.contract_type;</a:t>
+            </a:r>
+            <a:endParaRPr lang="en-GB" b="1">
+              <a:solidFill>
+                <a:srgbClr val="008000"/>
+              </a:solidFill>
+              <a:effectLst/>
+            </a:endParaRPr>
+          </a:p>
+        </p:txBody>
+      </p:sp>
+      <p:pic>
+        <p:nvPicPr>
+          <p:cNvPr id="5" name="Picture 2" descr="HR Analytics - Summary">
+            <a:extLst>
+              <a:ext uri="{FF2B5EF4-FFF2-40B4-BE49-F238E27FC236}">
+                <a16:creationId xmlns:a16="http://schemas.microsoft.com/office/drawing/2014/main" id="{1AC3E1B8-A6B4-963D-09EA-37EEC6993A49}"/>
+              </a:ext>
+            </a:extLst>
+          </p:cNvPr>
+          <p:cNvPicPr>
+            <a:picLocks noChangeAspect="1" noChangeArrowheads="1"/>
+          </p:cNvPicPr>
+          <p:nvPr/>
+        </p:nvPicPr>
+        <p:blipFill rotWithShape="1">
+          <a:blip r:embed="rId2">
+            <a:extLst>
+              <a:ext uri="{28A0092B-C50C-407E-A947-70E740481C1C}">
+                <a14:useLocalDpi xmlns:a14="http://schemas.microsoft.com/office/drawing/2010/main" val="0"/>
+              </a:ext>
+            </a:extLst>
+          </a:blip>
+          <a:srcRect l="1172" t="13728" r="3057" b="72170"/>
+          <a:stretch/>
+        </p:blipFill>
+        <p:spPr bwMode="auto">
+          <a:xfrm>
+            <a:off x="2646402" y="1445642"/>
+            <a:ext cx="7099541" cy="584326"/>
+          </a:xfrm>
+          <a:prstGeom prst="rect">
+            <a:avLst/>
+          </a:prstGeom>
+          <a:noFill/>
+          <a:extLst>
+            <a:ext uri="{909E8E84-426E-40DD-AFC4-6F175D3DCCD1}">
+              <a14:hiddenFill xmlns:a14="http://schemas.microsoft.com/office/drawing/2010/main">
+                <a:solidFill>
+                  <a:srgbClr val="FFFFFF"/>
+                </a:solidFill>
+              </a14:hiddenFill>
+            </a:ext>
+          </a:extLst>
+        </p:spPr>
+      </p:pic>
+    </p:spTree>
+    <p:extLst>
+      <p:ext uri="{BB962C8B-B14F-4D97-AF65-F5344CB8AC3E}">
+        <p14:creationId xmlns:p14="http://schemas.microsoft.com/office/powerpoint/2010/main" val="462449629"/>
+      </p:ext>
+    </p:extLst>
+  </p:cSld>
+  <p:clrMapOvr>
+    <a:masterClrMapping/>
+  </p:clrMapOvr>
+</p:sld>
+</file>
+
+<file path=ppt/slides/slide8.xml><?xml version="1.0" encoding="utf-8"?>
+<p:sld xmlns:a="http://schemas.openxmlformats.org/drawingml/2006/main" xmlns:r="http://schemas.openxmlformats.org/officeDocument/2006/relationships" xmlns:p="http://schemas.openxmlformats.org/presentationml/2006/main">
+  <p:cSld>
+    <p:spTree>
+      <p:nvGrpSpPr>
+        <p:cNvPr id="1" name=""/>
+        <p:cNvGrpSpPr/>
+        <p:nvPr/>
+      </p:nvGrpSpPr>
+      <p:grpSpPr>
+        <a:xfrm>
+          <a:off x="0" y="0"/>
+          <a:ext cx="0" cy="0"/>
+          <a:chOff x="0" y="0"/>
+          <a:chExt cx="0" cy="0"/>
+        </a:xfrm>
+      </p:grpSpPr>
+      <p:sp>
+        <p:nvSpPr>
+          <p:cNvPr id="2" name="Title 1">
+            <a:extLst>
+              <a:ext uri="{FF2B5EF4-FFF2-40B4-BE49-F238E27FC236}">
+                <a16:creationId xmlns:a16="http://schemas.microsoft.com/office/drawing/2014/main" id="{DB4C97C5-E2B7-6790-9BE2-87DF395206EB}"/>
+              </a:ext>
+            </a:extLst>
+          </p:cNvPr>
+          <p:cNvSpPr>
+            <a:spLocks noGrp="1"/>
+          </p:cNvSpPr>
+          <p:nvPr>
+            <p:ph type="title"/>
+          </p:nvPr>
+        </p:nvSpPr>
+        <p:spPr/>
+        <p:txBody>
+          <a:bodyPr anchor="t">
+            <a:normAutofit/>
+          </a:bodyPr>
+          <a:lstStyle/>
+          <a:p>
+            <a:r>
+              <a:rPr lang="en-US"/>
+              <a:t>3. Query</a:t>
+            </a:r>
+          </a:p>
+        </p:txBody>
+      </p:sp>
+      <p:sp>
+        <p:nvSpPr>
+          <p:cNvPr id="4" name="Content Placeholder 3">
+            <a:extLst>
+              <a:ext uri="{FF2B5EF4-FFF2-40B4-BE49-F238E27FC236}">
+                <a16:creationId xmlns:a16="http://schemas.microsoft.com/office/drawing/2014/main" id="{EF5A82F3-73AF-E1B0-38F1-28CECF1C8FA1}"/>
+              </a:ext>
+            </a:extLst>
+          </p:cNvPr>
+          <p:cNvSpPr>
+            <a:spLocks noGrp="1"/>
+          </p:cNvSpPr>
+          <p:nvPr>
+            <p:ph idx="1"/>
+          </p:nvPr>
+        </p:nvSpPr>
+        <p:spPr/>
+        <p:txBody>
+          <a:bodyPr>
+            <a:normAutofit lnSpcReduction="10000"/>
+          </a:bodyPr>
+          <a:lstStyle/>
+          <a:p>
+            <a:r>
+              <a:rPr lang="en-US"/>
+              <a:t>Headcout by Seniority</a:t>
+            </a:r>
+          </a:p>
+          <a:p>
+            <a:r>
+              <a:rPr lang="en-GB" b="0" i="0">
+                <a:effectLst/>
+                <a:latin typeface="Courier New" panose="02070309020205020404" pitchFamily="49" charset="0"/>
+              </a:rPr>
+              <a:t>SELECT</a:t>
+            </a:r>
+            <a:r>
+              <a:rPr lang="en-GB" b="0" i="0">
+                <a:solidFill>
+                  <a:srgbClr val="000000"/>
+                </a:solidFill>
+                <a:effectLst/>
+                <a:latin typeface="Courier New" panose="02070309020205020404" pitchFamily="49" charset="0"/>
+              </a:rPr>
+              <a:t> </a:t>
+            </a:r>
+            <a:r>
+              <a:rPr lang="en-GB">
+                <a:solidFill>
+                  <a:srgbClr val="000000"/>
+                </a:solidFill>
+                <a:latin typeface="Courier New" panose="02070309020205020404" pitchFamily="49" charset="0"/>
+              </a:rPr>
+              <a:t>e</a:t>
+            </a:r>
+            <a:r>
+              <a:rPr lang="en-GB" b="0" i="0">
+                <a:effectLst/>
+                <a:latin typeface="Courier New" panose="02070309020205020404" pitchFamily="49" charset="0"/>
+              </a:rPr>
+              <a:t>.Seniority,</a:t>
+            </a:r>
+            <a:br>
+              <a:rPr lang="en-GB"/>
+            </a:br>
+            <a:r>
+              <a:rPr lang="en-GB" b="0" i="0">
+                <a:solidFill>
+                  <a:srgbClr val="000000"/>
+                </a:solidFill>
+                <a:effectLst/>
+                <a:latin typeface="Courier New" panose="02070309020205020404" pitchFamily="49" charset="0"/>
+              </a:rPr>
+              <a:t>       </a:t>
+            </a:r>
+            <a:r>
+              <a:rPr lang="en-GB" b="1" i="0">
+                <a:effectLst/>
+                <a:latin typeface="Courier New" panose="02070309020205020404" pitchFamily="49" charset="0"/>
+              </a:rPr>
+              <a:t>COUNT</a:t>
+            </a:r>
+            <a:r>
+              <a:rPr lang="en-GB" b="0" i="0">
+                <a:effectLst/>
+                <a:latin typeface="Courier New" panose="02070309020205020404" pitchFamily="49" charset="0"/>
+              </a:rPr>
+              <a:t>(e.employee_id)</a:t>
+            </a:r>
+            <a:r>
+              <a:rPr lang="en-GB" b="0" i="0">
+                <a:solidFill>
+                  <a:srgbClr val="000000"/>
+                </a:solidFill>
+                <a:effectLst/>
+                <a:latin typeface="Courier New" panose="02070309020205020404" pitchFamily="49" charset="0"/>
+              </a:rPr>
+              <a:t> </a:t>
+            </a:r>
+            <a:r>
+              <a:rPr lang="en-GB" b="0" i="0">
+                <a:effectLst/>
+                <a:latin typeface="Courier New" panose="02070309020205020404" pitchFamily="49" charset="0"/>
+              </a:rPr>
+              <a:t>AS</a:t>
+            </a:r>
+            <a:r>
+              <a:rPr lang="en-GB" b="0" i="0">
+                <a:solidFill>
+                  <a:srgbClr val="000000"/>
+                </a:solidFill>
+                <a:effectLst/>
+                <a:latin typeface="Courier New" panose="02070309020205020404" pitchFamily="49" charset="0"/>
+              </a:rPr>
+              <a:t> </a:t>
+            </a:r>
+            <a:r>
+              <a:rPr lang="en-GB" b="0" i="0">
+                <a:effectLst/>
+                <a:latin typeface="Courier New" panose="02070309020205020404" pitchFamily="49" charset="0"/>
+              </a:rPr>
+              <a:t>total_employees</a:t>
+            </a:r>
+            <a:br>
+              <a:rPr lang="en-GB"/>
+            </a:br>
+            <a:r>
+              <a:rPr lang="en-GB" b="0" i="0">
+                <a:effectLst/>
+                <a:latin typeface="Courier New" panose="02070309020205020404" pitchFamily="49" charset="0"/>
+              </a:rPr>
+              <a:t>FROM</a:t>
+            </a:r>
+            <a:r>
+              <a:rPr lang="en-GB" b="0" i="0">
+                <a:solidFill>
+                  <a:srgbClr val="000000"/>
+                </a:solidFill>
+                <a:effectLst/>
+                <a:latin typeface="Courier New" panose="02070309020205020404" pitchFamily="49" charset="0"/>
+              </a:rPr>
+              <a:t>   </a:t>
+            </a:r>
+            <a:r>
+              <a:rPr lang="en-GB" b="0" i="0">
+                <a:effectLst/>
+                <a:latin typeface="Courier New" panose="02070309020205020404" pitchFamily="49" charset="0"/>
+              </a:rPr>
+              <a:t>employee</a:t>
+            </a:r>
+            <a:r>
+              <a:rPr lang="en-GB" b="0" i="0">
+                <a:solidFill>
+                  <a:srgbClr val="000000"/>
+                </a:solidFill>
+                <a:effectLst/>
+                <a:latin typeface="Courier New" panose="02070309020205020404" pitchFamily="49" charset="0"/>
+              </a:rPr>
+              <a:t> </a:t>
+            </a:r>
+            <a:r>
+              <a:rPr lang="en-GB" b="0" i="0">
+                <a:effectLst/>
+                <a:latin typeface="Courier New" panose="02070309020205020404" pitchFamily="49" charset="0"/>
+              </a:rPr>
+              <a:t>e</a:t>
+            </a:r>
+            <a:br>
+              <a:rPr lang="en-GB"/>
+            </a:br>
+            <a:r>
+              <a:rPr lang="en-GB" b="0" i="0">
+                <a:solidFill>
+                  <a:srgbClr val="000000"/>
+                </a:solidFill>
+                <a:effectLst/>
+                <a:latin typeface="Courier New" panose="02070309020205020404" pitchFamily="49" charset="0"/>
+              </a:rPr>
+              <a:t>       </a:t>
+            </a:r>
+            <a:r>
+              <a:rPr lang="en-GB" b="0" i="0">
+                <a:effectLst/>
+                <a:latin typeface="Courier New" panose="02070309020205020404" pitchFamily="49" charset="0"/>
+              </a:rPr>
+              <a:t>LEFT</a:t>
+            </a:r>
+            <a:r>
+              <a:rPr lang="en-GB" b="0" i="0">
+                <a:solidFill>
+                  <a:srgbClr val="000000"/>
+                </a:solidFill>
+                <a:effectLst/>
+                <a:latin typeface="Courier New" panose="02070309020205020404" pitchFamily="49" charset="0"/>
+              </a:rPr>
+              <a:t> </a:t>
+            </a:r>
+            <a:r>
+              <a:rPr lang="en-GB" b="0" i="0">
+                <a:effectLst/>
+                <a:latin typeface="Courier New" panose="02070309020205020404" pitchFamily="49" charset="0"/>
+              </a:rPr>
+              <a:t>JOIN</a:t>
+            </a:r>
+            <a:r>
+              <a:rPr lang="en-GB" b="0" i="0">
+                <a:solidFill>
+                  <a:srgbClr val="000000"/>
+                </a:solidFill>
+                <a:effectLst/>
+                <a:latin typeface="Courier New" panose="02070309020205020404" pitchFamily="49" charset="0"/>
+              </a:rPr>
+              <a:t> </a:t>
+            </a:r>
+            <a:r>
+              <a:rPr lang="en-GB" b="0" i="0">
+                <a:effectLst/>
+                <a:latin typeface="Courier New" panose="02070309020205020404" pitchFamily="49" charset="0"/>
+              </a:rPr>
+              <a:t>contract</a:t>
+            </a:r>
+            <a:r>
+              <a:rPr lang="en-GB" b="0" i="0">
+                <a:solidFill>
+                  <a:srgbClr val="000000"/>
+                </a:solidFill>
+                <a:effectLst/>
+                <a:latin typeface="Courier New" panose="02070309020205020404" pitchFamily="49" charset="0"/>
+              </a:rPr>
+              <a:t> </a:t>
+            </a:r>
+            <a:r>
+              <a:rPr lang="en-GB" b="0" i="0">
+                <a:effectLst/>
+                <a:latin typeface="Courier New" panose="02070309020205020404" pitchFamily="49" charset="0"/>
+              </a:rPr>
+              <a:t>c</a:t>
+            </a:r>
+            <a:br>
+              <a:rPr lang="en-GB"/>
+            </a:br>
+            <a:r>
+              <a:rPr lang="en-GB" b="0" i="0">
+                <a:solidFill>
+                  <a:srgbClr val="000000"/>
+                </a:solidFill>
+                <a:effectLst/>
+                <a:latin typeface="Courier New" panose="02070309020205020404" pitchFamily="49" charset="0"/>
+              </a:rPr>
+              <a:t>              </a:t>
+            </a:r>
+            <a:r>
+              <a:rPr lang="en-GB" b="0" i="0">
+                <a:effectLst/>
+                <a:latin typeface="Courier New" panose="02070309020205020404" pitchFamily="49" charset="0"/>
+              </a:rPr>
+              <a:t>ON</a:t>
+            </a:r>
+            <a:r>
+              <a:rPr lang="en-GB" b="0" i="0">
+                <a:solidFill>
+                  <a:srgbClr val="000000"/>
+                </a:solidFill>
+                <a:effectLst/>
+                <a:latin typeface="Courier New" panose="02070309020205020404" pitchFamily="49" charset="0"/>
+              </a:rPr>
+              <a:t> </a:t>
+            </a:r>
+            <a:r>
+              <a:rPr lang="en-GB" b="0" i="0">
+                <a:effectLst/>
+                <a:latin typeface="Courier New" panose="02070309020205020404" pitchFamily="49" charset="0"/>
+              </a:rPr>
+              <a:t>e.employee_id</a:t>
+            </a:r>
+            <a:r>
+              <a:rPr lang="en-GB" b="0" i="0">
+                <a:solidFill>
+                  <a:srgbClr val="000000"/>
+                </a:solidFill>
+                <a:effectLst/>
+                <a:latin typeface="Courier New" panose="02070309020205020404" pitchFamily="49" charset="0"/>
+              </a:rPr>
+              <a:t> </a:t>
+            </a:r>
+            <a:r>
+              <a:rPr lang="en-GB" b="0" i="0">
+                <a:effectLst/>
+                <a:latin typeface="Courier New" panose="02070309020205020404" pitchFamily="49" charset="0"/>
+              </a:rPr>
+              <a:t>=</a:t>
+            </a:r>
+            <a:r>
+              <a:rPr lang="en-GB" b="0" i="0">
+                <a:solidFill>
+                  <a:srgbClr val="000000"/>
+                </a:solidFill>
+                <a:effectLst/>
+                <a:latin typeface="Courier New" panose="02070309020205020404" pitchFamily="49" charset="0"/>
+              </a:rPr>
+              <a:t> </a:t>
+            </a:r>
+            <a:r>
+              <a:rPr lang="en-GB" b="0" i="0">
+                <a:effectLst/>
+                <a:latin typeface="Courier New" panose="02070309020205020404" pitchFamily="49" charset="0"/>
+              </a:rPr>
+              <a:t>c.employee_id</a:t>
+            </a:r>
+            <a:br>
+              <a:rPr lang="en-GB"/>
+            </a:br>
+            <a:r>
+              <a:rPr lang="en-GB" b="0" i="0">
+                <a:effectLst/>
+                <a:latin typeface="Courier New" panose="02070309020205020404" pitchFamily="49" charset="0"/>
+              </a:rPr>
+              <a:t>WHERE</a:t>
+            </a:r>
+            <a:r>
+              <a:rPr lang="en-GB" b="0" i="0">
+                <a:solidFill>
+                  <a:srgbClr val="000000"/>
+                </a:solidFill>
+                <a:effectLst/>
+                <a:latin typeface="Courier New" panose="02070309020205020404" pitchFamily="49" charset="0"/>
+              </a:rPr>
+              <a:t>   &lt;Date_Filter&gt; </a:t>
+            </a:r>
+            <a:r>
+              <a:rPr lang="en-GB" b="0" i="0">
+                <a:effectLst/>
+                <a:latin typeface="Courier New" panose="02070309020205020404" pitchFamily="49" charset="0"/>
+              </a:rPr>
+              <a:t>BETWEEN</a:t>
+            </a:r>
+            <a:r>
+              <a:rPr lang="en-GB" b="0" i="0">
+                <a:solidFill>
+                  <a:srgbClr val="000000"/>
+                </a:solidFill>
+                <a:effectLst/>
+                <a:latin typeface="Courier New" panose="02070309020205020404" pitchFamily="49" charset="0"/>
+              </a:rPr>
+              <a:t> </a:t>
+            </a:r>
+            <a:r>
+              <a:rPr lang="en-GB" b="0" i="0">
+                <a:effectLst/>
+                <a:latin typeface="Courier New" panose="02070309020205020404" pitchFamily="49" charset="0"/>
+              </a:rPr>
+              <a:t>c.start_date</a:t>
+            </a:r>
+            <a:r>
+              <a:rPr lang="en-GB" b="0" i="0">
+                <a:solidFill>
+                  <a:srgbClr val="000000"/>
+                </a:solidFill>
+                <a:effectLst/>
+                <a:latin typeface="Courier New" panose="02070309020205020404" pitchFamily="49" charset="0"/>
+              </a:rPr>
+              <a:t> </a:t>
+            </a:r>
+            <a:r>
+              <a:rPr lang="en-GB" b="0" i="0">
+                <a:effectLst/>
+                <a:latin typeface="Courier New" panose="02070309020205020404" pitchFamily="49" charset="0"/>
+              </a:rPr>
+              <a:t>AND</a:t>
+            </a:r>
+            <a:r>
+              <a:rPr lang="en-GB" b="0" i="0">
+                <a:solidFill>
+                  <a:srgbClr val="000000"/>
+                </a:solidFill>
+                <a:effectLst/>
+                <a:latin typeface="Courier New" panose="02070309020205020404" pitchFamily="49" charset="0"/>
+              </a:rPr>
+              <a:t> </a:t>
+            </a:r>
+            <a:r>
+              <a:rPr lang="en-GB" b="1" i="0">
+                <a:effectLst/>
+                <a:latin typeface="Courier New" panose="02070309020205020404" pitchFamily="49" charset="0"/>
+              </a:rPr>
+              <a:t>IF</a:t>
+            </a:r>
+            <a:r>
+              <a:rPr lang="en-GB" b="0" i="0">
+                <a:effectLst/>
+                <a:latin typeface="Courier New" panose="02070309020205020404" pitchFamily="49" charset="0"/>
+              </a:rPr>
+              <a:t>(c.end_date</a:t>
+            </a:r>
+            <a:r>
+              <a:rPr lang="en-GB" b="0" i="0">
+                <a:solidFill>
+                  <a:srgbClr val="000000"/>
+                </a:solidFill>
+                <a:effectLst/>
+                <a:latin typeface="Courier New" panose="02070309020205020404" pitchFamily="49" charset="0"/>
+              </a:rPr>
+              <a:t> </a:t>
+            </a:r>
+            <a:r>
+              <a:rPr lang="en-GB" b="0" i="0">
+                <a:effectLst/>
+                <a:latin typeface="Courier New" panose="02070309020205020404" pitchFamily="49" charset="0"/>
+              </a:rPr>
+              <a:t>!=</a:t>
+            </a:r>
+            <a:r>
+              <a:rPr lang="en-GB" b="0" i="0">
+                <a:solidFill>
+                  <a:srgbClr val="000000"/>
+                </a:solidFill>
+                <a:effectLst/>
+                <a:latin typeface="Courier New" panose="02070309020205020404" pitchFamily="49" charset="0"/>
+              </a:rPr>
+              <a:t> </a:t>
+            </a:r>
+            <a:r>
+              <a:rPr lang="en-GB" b="0" i="0">
+                <a:effectLst/>
+                <a:latin typeface="Courier New" panose="02070309020205020404" pitchFamily="49" charset="0"/>
+              </a:rPr>
+              <a:t>NULL,</a:t>
+            </a:r>
+            <a:br>
+              <a:rPr lang="en-GB"/>
+            </a:br>
+            <a:r>
+              <a:rPr lang="en-GB" b="0" i="0">
+                <a:solidFill>
+                  <a:srgbClr val="000000"/>
+                </a:solidFill>
+                <a:effectLst/>
+                <a:latin typeface="Courier New" panose="02070309020205020404" pitchFamily="49" charset="0"/>
+              </a:rPr>
+              <a:t>                                                   </a:t>
+            </a:r>
+            <a:r>
+              <a:rPr lang="en-GB" b="0" i="0">
+                <a:effectLst/>
+                <a:latin typeface="Courier New" panose="02070309020205020404" pitchFamily="49" charset="0"/>
+              </a:rPr>
+              <a:t>c.end_date,</a:t>
+            </a:r>
+            <a:br>
+              <a:rPr lang="en-GB"/>
+            </a:br>
+            <a:r>
+              <a:rPr lang="en-GB" b="0" i="0">
+                <a:solidFill>
+                  <a:srgbClr val="000000"/>
+                </a:solidFill>
+                <a:effectLst/>
+                <a:latin typeface="Courier New" panose="02070309020205020404" pitchFamily="49" charset="0"/>
+              </a:rPr>
+              <a:t>                                                   </a:t>
+            </a:r>
+            <a:r>
+              <a:rPr lang="en-GB" b="1" i="0">
+                <a:effectLst/>
+                <a:latin typeface="Courier New" panose="02070309020205020404" pitchFamily="49" charset="0"/>
+              </a:rPr>
+              <a:t>Curdate</a:t>
+            </a:r>
+            <a:r>
+              <a:rPr lang="en-GB" b="0" i="0">
+                <a:effectLst/>
+                <a:latin typeface="Courier New" panose="02070309020205020404" pitchFamily="49" charset="0"/>
+              </a:rPr>
+              <a:t>())</a:t>
+            </a:r>
+            <a:br>
+              <a:rPr lang="en-GB"/>
+            </a:br>
+            <a:r>
+              <a:rPr lang="en-GB" b="0" i="0">
+                <a:effectLst/>
+                <a:latin typeface="Courier New" panose="02070309020205020404" pitchFamily="49" charset="0"/>
+              </a:rPr>
+              <a:t>GROUP</a:t>
+            </a:r>
+            <a:r>
+              <a:rPr lang="en-GB" b="0" i="0">
+                <a:solidFill>
+                  <a:srgbClr val="000000"/>
+                </a:solidFill>
+                <a:effectLst/>
+                <a:latin typeface="Courier New" panose="02070309020205020404" pitchFamily="49" charset="0"/>
+              </a:rPr>
+              <a:t>  </a:t>
+            </a:r>
+            <a:r>
+              <a:rPr lang="en-GB" b="0" i="0">
+                <a:effectLst/>
+                <a:latin typeface="Courier New" panose="02070309020205020404" pitchFamily="49" charset="0"/>
+              </a:rPr>
+              <a:t>BY</a:t>
+            </a:r>
+            <a:r>
+              <a:rPr lang="en-GB" b="0" i="0">
+                <a:solidFill>
+                  <a:srgbClr val="000000"/>
+                </a:solidFill>
+                <a:effectLst/>
+                <a:latin typeface="Courier New" panose="02070309020205020404" pitchFamily="49" charset="0"/>
+              </a:rPr>
+              <a:t> </a:t>
+            </a:r>
+            <a:r>
+              <a:rPr lang="en-GB">
+                <a:solidFill>
+                  <a:srgbClr val="000000"/>
+                </a:solidFill>
+                <a:latin typeface="Courier New" panose="02070309020205020404" pitchFamily="49" charset="0"/>
+              </a:rPr>
+              <a:t>e</a:t>
+            </a:r>
+            <a:r>
+              <a:rPr lang="en-GB" b="0" i="0">
+                <a:effectLst/>
+                <a:latin typeface="Courier New" panose="02070309020205020404" pitchFamily="49" charset="0"/>
+              </a:rPr>
+              <a:t>.Seniority;</a:t>
+            </a:r>
+            <a:endParaRPr lang="en-GB" b="1">
+              <a:solidFill>
+                <a:srgbClr val="008000"/>
+              </a:solidFill>
+              <a:effectLst/>
+            </a:endParaRPr>
+          </a:p>
+          <a:p>
+            <a:pPr marL="0" indent="0">
+              <a:buNone/>
+            </a:pPr>
+            <a:endParaRPr lang="en-US"/>
+          </a:p>
+        </p:txBody>
+      </p:sp>
+      <p:pic>
+        <p:nvPicPr>
+          <p:cNvPr id="5" name="Picture 2" descr="HR Analytics - Summary">
+            <a:extLst>
+              <a:ext uri="{FF2B5EF4-FFF2-40B4-BE49-F238E27FC236}">
+                <a16:creationId xmlns:a16="http://schemas.microsoft.com/office/drawing/2014/main" id="{1AC3E1B8-A6B4-963D-09EA-37EEC6993A49}"/>
+              </a:ext>
+            </a:extLst>
+          </p:cNvPr>
+          <p:cNvPicPr>
+            <a:picLocks noChangeAspect="1" noChangeArrowheads="1"/>
+          </p:cNvPicPr>
+          <p:nvPr/>
+        </p:nvPicPr>
+        <p:blipFill rotWithShape="1">
+          <a:blip r:embed="rId2">
+            <a:extLst>
+              <a:ext uri="{28A0092B-C50C-407E-A947-70E740481C1C}">
+                <a14:useLocalDpi xmlns:a14="http://schemas.microsoft.com/office/drawing/2010/main" val="0"/>
+              </a:ext>
+            </a:extLst>
+          </a:blip>
+          <a:srcRect l="1172" t="13728" r="3057" b="72170"/>
+          <a:stretch/>
+        </p:blipFill>
+        <p:spPr bwMode="auto">
+          <a:xfrm>
+            <a:off x="2646402" y="1445642"/>
+            <a:ext cx="7099541" cy="584326"/>
+          </a:xfrm>
+          <a:prstGeom prst="rect">
+            <a:avLst/>
+          </a:prstGeom>
+          <a:noFill/>
+          <a:extLst>
+            <a:ext uri="{909E8E84-426E-40DD-AFC4-6F175D3DCCD1}">
+              <a14:hiddenFill xmlns:a14="http://schemas.microsoft.com/office/drawing/2010/main">
+                <a:solidFill>
+                  <a:srgbClr val="FFFFFF"/>
+                </a:solidFill>
+              </a14:hiddenFill>
+            </a:ext>
+          </a:extLst>
+        </p:spPr>
+      </p:pic>
+    </p:spTree>
+    <p:extLst>
+      <p:ext uri="{BB962C8B-B14F-4D97-AF65-F5344CB8AC3E}">
+        <p14:creationId xmlns:p14="http://schemas.microsoft.com/office/powerpoint/2010/main" val="49287103"/>
+      </p:ext>
+    </p:extLst>
+  </p:cSld>
+  <p:clrMapOvr>
+    <a:masterClrMapping/>
+  </p:clrMapOvr>
+</p:sld>
+</file>
+
+<file path=ppt/slides/slide9.xml><?xml version="1.0" encoding="utf-8"?>
+<p:sld xmlns:a="http://schemas.openxmlformats.org/drawingml/2006/main" xmlns:r="http://schemas.openxmlformats.org/officeDocument/2006/relationships" xmlns:p="http://schemas.openxmlformats.org/presentationml/2006/main">
+  <p:cSld>
+    <p:spTree>
+      <p:nvGrpSpPr>
+        <p:cNvPr id="1" name=""/>
+        <p:cNvGrpSpPr/>
+        <p:nvPr/>
+      </p:nvGrpSpPr>
+      <p:grpSpPr>
+        <a:xfrm>
+          <a:off x="0" y="0"/>
+          <a:ext cx="0" cy="0"/>
+          <a:chOff x="0" y="0"/>
+          <a:chExt cx="0" cy="0"/>
+        </a:xfrm>
+      </p:grpSpPr>
+      <p:sp>
+        <p:nvSpPr>
+          <p:cNvPr id="2" name="Title 1">
+            <a:extLst>
+              <a:ext uri="{FF2B5EF4-FFF2-40B4-BE49-F238E27FC236}">
+                <a16:creationId xmlns:a16="http://schemas.microsoft.com/office/drawing/2014/main" id="{DB4C97C5-E2B7-6790-9BE2-87DF395206EB}"/>
+              </a:ext>
+            </a:extLst>
+          </p:cNvPr>
+          <p:cNvSpPr>
+            <a:spLocks noGrp="1"/>
+          </p:cNvSpPr>
+          <p:nvPr>
+            <p:ph type="title"/>
+          </p:nvPr>
+        </p:nvSpPr>
+        <p:spPr/>
+        <p:txBody>
+          <a:bodyPr anchor="t">
+            <a:normAutofit/>
+          </a:bodyPr>
+          <a:lstStyle/>
+          <a:p>
+            <a:r>
+              <a:rPr lang="en-US"/>
+              <a:t>3. Query</a:t>
+            </a:r>
+          </a:p>
+        </p:txBody>
+      </p:sp>
+      <p:sp>
+        <p:nvSpPr>
+          <p:cNvPr id="4" name="Content Placeholder 3">
+            <a:extLst>
+              <a:ext uri="{FF2B5EF4-FFF2-40B4-BE49-F238E27FC236}">
+                <a16:creationId xmlns:a16="http://schemas.microsoft.com/office/drawing/2014/main" id="{EF5A82F3-73AF-E1B0-38F1-28CECF1C8FA1}"/>
+              </a:ext>
+            </a:extLst>
+          </p:cNvPr>
+          <p:cNvSpPr>
+            <a:spLocks noGrp="1"/>
+          </p:cNvSpPr>
+          <p:nvPr>
+            <p:ph idx="1"/>
+          </p:nvPr>
+        </p:nvSpPr>
+        <p:spPr/>
+        <p:txBody>
+          <a:bodyPr>
+            <a:normAutofit/>
+          </a:bodyPr>
+          <a:lstStyle/>
+          <a:p>
+            <a:r>
+              <a:rPr lang="en-US"/>
+              <a:t>Average Tenure</a:t>
+            </a:r>
+          </a:p>
+          <a:p>
+            <a:r>
+              <a:rPr lang="en-GB" b="0" i="0">
+                <a:effectLst/>
+                <a:latin typeface="Courier New" panose="02070309020205020404" pitchFamily="49" charset="0"/>
+              </a:rPr>
+              <a:t>SELECT</a:t>
+            </a:r>
+            <a:r>
+              <a:rPr lang="en-GB" b="0" i="0">
+                <a:solidFill>
+                  <a:srgbClr val="000000"/>
+                </a:solidFill>
+                <a:effectLst/>
+                <a:latin typeface="Courier New" panose="02070309020205020404" pitchFamily="49" charset="0"/>
+              </a:rPr>
+              <a:t> </a:t>
+            </a:r>
+            <a:r>
+              <a:rPr lang="en-GB" b="1" i="0">
+                <a:effectLst/>
+                <a:latin typeface="Courier New" panose="02070309020205020404" pitchFamily="49" charset="0"/>
+              </a:rPr>
+              <a:t>AVG</a:t>
+            </a:r>
+            <a:r>
+              <a:rPr lang="en-GB" b="0" i="0">
+                <a:effectLst/>
+                <a:latin typeface="Courier New" panose="02070309020205020404" pitchFamily="49" charset="0"/>
+              </a:rPr>
+              <a:t>(e.employee_id)</a:t>
+            </a:r>
+            <a:r>
+              <a:rPr lang="en-GB" b="0" i="0">
+                <a:solidFill>
+                  <a:srgbClr val="000000"/>
+                </a:solidFill>
+                <a:effectLst/>
+                <a:latin typeface="Courier New" panose="02070309020205020404" pitchFamily="49" charset="0"/>
+              </a:rPr>
+              <a:t> </a:t>
+            </a:r>
+            <a:r>
+              <a:rPr lang="en-GB" b="0" i="0">
+                <a:effectLst/>
+                <a:latin typeface="Courier New" panose="02070309020205020404" pitchFamily="49" charset="0"/>
+              </a:rPr>
+              <a:t>AS</a:t>
+            </a:r>
+            <a:r>
+              <a:rPr lang="en-GB" b="0" i="0">
+                <a:solidFill>
+                  <a:srgbClr val="000000"/>
+                </a:solidFill>
+                <a:effectLst/>
+                <a:latin typeface="Courier New" panose="02070309020205020404" pitchFamily="49" charset="0"/>
+              </a:rPr>
+              <a:t> </a:t>
+            </a:r>
+            <a:r>
+              <a:rPr lang="en-GB" b="0" i="0">
+                <a:effectLst/>
+                <a:latin typeface="Courier New" panose="02070309020205020404" pitchFamily="49" charset="0"/>
+              </a:rPr>
+              <a:t>total_employees</a:t>
+            </a:r>
+            <a:br>
+              <a:rPr lang="en-GB"/>
+            </a:br>
+            <a:r>
+              <a:rPr lang="en-GB" b="0" i="0">
+                <a:effectLst/>
+                <a:latin typeface="Courier New" panose="02070309020205020404" pitchFamily="49" charset="0"/>
+              </a:rPr>
+              <a:t>FROM</a:t>
+            </a:r>
+            <a:r>
+              <a:rPr lang="en-GB" b="0" i="0">
+                <a:solidFill>
+                  <a:srgbClr val="000000"/>
+                </a:solidFill>
+                <a:effectLst/>
+                <a:latin typeface="Courier New" panose="02070309020205020404" pitchFamily="49" charset="0"/>
+              </a:rPr>
+              <a:t>   </a:t>
+            </a:r>
+            <a:r>
+              <a:rPr lang="en-GB" b="0" i="0">
+                <a:effectLst/>
+                <a:latin typeface="Courier New" panose="02070309020205020404" pitchFamily="49" charset="0"/>
+              </a:rPr>
+              <a:t>employee</a:t>
+            </a:r>
+            <a:r>
+              <a:rPr lang="en-GB" b="0" i="0">
+                <a:solidFill>
+                  <a:srgbClr val="000000"/>
+                </a:solidFill>
+                <a:effectLst/>
+                <a:latin typeface="Courier New" panose="02070309020205020404" pitchFamily="49" charset="0"/>
+              </a:rPr>
+              <a:t> </a:t>
+            </a:r>
+            <a:r>
+              <a:rPr lang="en-GB" b="0" i="0">
+                <a:effectLst/>
+                <a:latin typeface="Courier New" panose="02070309020205020404" pitchFamily="49" charset="0"/>
+              </a:rPr>
+              <a:t>e</a:t>
+            </a:r>
+            <a:br>
+              <a:rPr lang="en-GB"/>
+            </a:br>
+            <a:r>
+              <a:rPr lang="en-GB" b="0" i="0">
+                <a:solidFill>
+                  <a:srgbClr val="000000"/>
+                </a:solidFill>
+                <a:effectLst/>
+                <a:latin typeface="Courier New" panose="02070309020205020404" pitchFamily="49" charset="0"/>
+              </a:rPr>
+              <a:t>       </a:t>
+            </a:r>
+            <a:r>
+              <a:rPr lang="en-GB" b="0" i="0">
+                <a:effectLst/>
+                <a:latin typeface="Courier New" panose="02070309020205020404" pitchFamily="49" charset="0"/>
+              </a:rPr>
+              <a:t>LEFT</a:t>
+            </a:r>
+            <a:r>
+              <a:rPr lang="en-GB" b="0" i="0">
+                <a:solidFill>
+                  <a:srgbClr val="000000"/>
+                </a:solidFill>
+                <a:effectLst/>
+                <a:latin typeface="Courier New" panose="02070309020205020404" pitchFamily="49" charset="0"/>
+              </a:rPr>
+              <a:t> </a:t>
+            </a:r>
+            <a:r>
+              <a:rPr lang="en-GB" b="0" i="0">
+                <a:effectLst/>
+                <a:latin typeface="Courier New" panose="02070309020205020404" pitchFamily="49" charset="0"/>
+              </a:rPr>
+              <a:t>JOIN</a:t>
+            </a:r>
+            <a:r>
+              <a:rPr lang="en-GB" b="0" i="0">
+                <a:solidFill>
+                  <a:srgbClr val="000000"/>
+                </a:solidFill>
+                <a:effectLst/>
+                <a:latin typeface="Courier New" panose="02070309020205020404" pitchFamily="49" charset="0"/>
+              </a:rPr>
+              <a:t> </a:t>
+            </a:r>
+            <a:r>
+              <a:rPr lang="en-GB" b="0" i="0">
+                <a:effectLst/>
+                <a:latin typeface="Courier New" panose="02070309020205020404" pitchFamily="49" charset="0"/>
+              </a:rPr>
+              <a:t>contract</a:t>
+            </a:r>
+            <a:r>
+              <a:rPr lang="en-GB" b="0" i="0">
+                <a:solidFill>
+                  <a:srgbClr val="000000"/>
+                </a:solidFill>
+                <a:effectLst/>
+                <a:latin typeface="Courier New" panose="02070309020205020404" pitchFamily="49" charset="0"/>
+              </a:rPr>
+              <a:t> </a:t>
+            </a:r>
+            <a:r>
+              <a:rPr lang="en-GB" b="0" i="0">
+                <a:effectLst/>
+                <a:latin typeface="Courier New" panose="02070309020205020404" pitchFamily="49" charset="0"/>
+              </a:rPr>
+              <a:t>c</a:t>
+            </a:r>
+            <a:br>
+              <a:rPr lang="en-GB"/>
+            </a:br>
+            <a:r>
+              <a:rPr lang="en-GB" b="0" i="0">
+                <a:solidFill>
+                  <a:srgbClr val="000000"/>
+                </a:solidFill>
+                <a:effectLst/>
+                <a:latin typeface="Courier New" panose="02070309020205020404" pitchFamily="49" charset="0"/>
+              </a:rPr>
+              <a:t>              </a:t>
+            </a:r>
+            <a:r>
+              <a:rPr lang="en-GB" b="0" i="0">
+                <a:effectLst/>
+                <a:latin typeface="Courier New" panose="02070309020205020404" pitchFamily="49" charset="0"/>
+              </a:rPr>
+              <a:t>ON</a:t>
+            </a:r>
+            <a:r>
+              <a:rPr lang="en-GB" b="0" i="0">
+                <a:solidFill>
+                  <a:srgbClr val="000000"/>
+                </a:solidFill>
+                <a:effectLst/>
+                <a:latin typeface="Courier New" panose="02070309020205020404" pitchFamily="49" charset="0"/>
+              </a:rPr>
+              <a:t> </a:t>
+            </a:r>
+            <a:r>
+              <a:rPr lang="en-GB" b="0" i="0">
+                <a:effectLst/>
+                <a:latin typeface="Courier New" panose="02070309020205020404" pitchFamily="49" charset="0"/>
+              </a:rPr>
+              <a:t>e.employee_id</a:t>
+            </a:r>
+            <a:r>
+              <a:rPr lang="en-GB" b="0" i="0">
+                <a:solidFill>
+                  <a:srgbClr val="000000"/>
+                </a:solidFill>
+                <a:effectLst/>
+                <a:latin typeface="Courier New" panose="02070309020205020404" pitchFamily="49" charset="0"/>
+              </a:rPr>
+              <a:t> </a:t>
+            </a:r>
+            <a:r>
+              <a:rPr lang="en-GB" b="0" i="0">
+                <a:effectLst/>
+                <a:latin typeface="Courier New" panose="02070309020205020404" pitchFamily="49" charset="0"/>
+              </a:rPr>
+              <a:t>=</a:t>
+            </a:r>
+            <a:r>
+              <a:rPr lang="en-GB" b="0" i="0">
+                <a:solidFill>
+                  <a:srgbClr val="000000"/>
+                </a:solidFill>
+                <a:effectLst/>
+                <a:latin typeface="Courier New" panose="02070309020205020404" pitchFamily="49" charset="0"/>
+              </a:rPr>
+              <a:t> </a:t>
+            </a:r>
+            <a:r>
+              <a:rPr lang="en-GB" b="0" i="0">
+                <a:effectLst/>
+                <a:latin typeface="Courier New" panose="02070309020205020404" pitchFamily="49" charset="0"/>
+              </a:rPr>
+              <a:t>c.employee_id</a:t>
+            </a:r>
+            <a:br>
+              <a:rPr lang="en-GB"/>
+            </a:br>
+            <a:r>
+              <a:rPr lang="en-GB" b="0" i="0">
+                <a:effectLst/>
+                <a:latin typeface="Courier New" panose="02070309020205020404" pitchFamily="49" charset="0"/>
+              </a:rPr>
+              <a:t>WHERE</a:t>
+            </a:r>
+            <a:r>
+              <a:rPr lang="en-GB" b="0" i="0">
+                <a:solidFill>
+                  <a:srgbClr val="000000"/>
+                </a:solidFill>
+                <a:effectLst/>
+                <a:latin typeface="Courier New" panose="02070309020205020404" pitchFamily="49" charset="0"/>
+              </a:rPr>
+              <a:t>   &lt;Date_Filter&gt; </a:t>
+            </a:r>
+            <a:r>
+              <a:rPr lang="en-GB" b="0" i="0">
+                <a:effectLst/>
+                <a:latin typeface="Courier New" panose="02070309020205020404" pitchFamily="49" charset="0"/>
+              </a:rPr>
+              <a:t>BETWEEN</a:t>
+            </a:r>
+            <a:r>
+              <a:rPr lang="en-GB" b="0" i="0">
+                <a:solidFill>
+                  <a:srgbClr val="000000"/>
+                </a:solidFill>
+                <a:effectLst/>
+                <a:latin typeface="Courier New" panose="02070309020205020404" pitchFamily="49" charset="0"/>
+              </a:rPr>
+              <a:t> </a:t>
+            </a:r>
+            <a:r>
+              <a:rPr lang="en-GB" b="0" i="0">
+                <a:effectLst/>
+                <a:latin typeface="Courier New" panose="02070309020205020404" pitchFamily="49" charset="0"/>
+              </a:rPr>
+              <a:t>c.start_date</a:t>
+            </a:r>
+            <a:r>
+              <a:rPr lang="en-GB" b="0" i="0">
+                <a:solidFill>
+                  <a:srgbClr val="000000"/>
+                </a:solidFill>
+                <a:effectLst/>
+                <a:latin typeface="Courier New" panose="02070309020205020404" pitchFamily="49" charset="0"/>
+              </a:rPr>
+              <a:t> </a:t>
+            </a:r>
+            <a:r>
+              <a:rPr lang="en-GB" b="0" i="0">
+                <a:effectLst/>
+                <a:latin typeface="Courier New" panose="02070309020205020404" pitchFamily="49" charset="0"/>
+              </a:rPr>
+              <a:t>AND</a:t>
+            </a:r>
+            <a:r>
+              <a:rPr lang="en-GB" b="0" i="0">
+                <a:solidFill>
+                  <a:srgbClr val="000000"/>
+                </a:solidFill>
+                <a:effectLst/>
+                <a:latin typeface="Courier New" panose="02070309020205020404" pitchFamily="49" charset="0"/>
+              </a:rPr>
+              <a:t> </a:t>
+            </a:r>
+            <a:r>
+              <a:rPr lang="en-GB" b="1" i="0">
+                <a:effectLst/>
+                <a:latin typeface="Courier New" panose="02070309020205020404" pitchFamily="49" charset="0"/>
+              </a:rPr>
+              <a:t>IF</a:t>
+            </a:r>
+            <a:r>
+              <a:rPr lang="en-GB" b="0" i="0">
+                <a:effectLst/>
+                <a:latin typeface="Courier New" panose="02070309020205020404" pitchFamily="49" charset="0"/>
+              </a:rPr>
+              <a:t>(c.end_date</a:t>
+            </a:r>
+            <a:r>
+              <a:rPr lang="en-GB" b="0" i="0">
+                <a:solidFill>
+                  <a:srgbClr val="000000"/>
+                </a:solidFill>
+                <a:effectLst/>
+                <a:latin typeface="Courier New" panose="02070309020205020404" pitchFamily="49" charset="0"/>
+              </a:rPr>
+              <a:t> </a:t>
+            </a:r>
+            <a:r>
+              <a:rPr lang="en-GB" b="0" i="0">
+                <a:effectLst/>
+                <a:latin typeface="Courier New" panose="02070309020205020404" pitchFamily="49" charset="0"/>
+              </a:rPr>
+              <a:t>!=</a:t>
+            </a:r>
+            <a:r>
+              <a:rPr lang="en-GB" b="0" i="0">
+                <a:solidFill>
+                  <a:srgbClr val="000000"/>
+                </a:solidFill>
+                <a:effectLst/>
+                <a:latin typeface="Courier New" panose="02070309020205020404" pitchFamily="49" charset="0"/>
+              </a:rPr>
+              <a:t> </a:t>
+            </a:r>
+            <a:r>
+              <a:rPr lang="en-GB" b="0" i="0">
+                <a:effectLst/>
+                <a:latin typeface="Courier New" panose="02070309020205020404" pitchFamily="49" charset="0"/>
+              </a:rPr>
+              <a:t>NULL,</a:t>
+            </a:r>
+            <a:br>
+              <a:rPr lang="en-GB"/>
+            </a:br>
+            <a:r>
+              <a:rPr lang="en-GB" b="0" i="0">
+                <a:solidFill>
+                  <a:srgbClr val="000000"/>
+                </a:solidFill>
+                <a:effectLst/>
+                <a:latin typeface="Courier New" panose="02070309020205020404" pitchFamily="49" charset="0"/>
+              </a:rPr>
+              <a:t>                                                   </a:t>
+            </a:r>
+            <a:r>
+              <a:rPr lang="en-GB" b="0" i="0">
+                <a:effectLst/>
+                <a:latin typeface="Courier New" panose="02070309020205020404" pitchFamily="49" charset="0"/>
+              </a:rPr>
+              <a:t>c.end_date,</a:t>
+            </a:r>
+            <a:br>
+              <a:rPr lang="en-GB"/>
+            </a:br>
+            <a:r>
+              <a:rPr lang="en-GB" b="0" i="0">
+                <a:solidFill>
+                  <a:srgbClr val="000000"/>
+                </a:solidFill>
+                <a:effectLst/>
+                <a:latin typeface="Courier New" panose="02070309020205020404" pitchFamily="49" charset="0"/>
+              </a:rPr>
+              <a:t>                                                   </a:t>
+            </a:r>
+            <a:r>
+              <a:rPr lang="en-GB" b="1" i="0">
+                <a:effectLst/>
+                <a:latin typeface="Courier New" panose="02070309020205020404" pitchFamily="49" charset="0"/>
+              </a:rPr>
+              <a:t>Curdate</a:t>
+            </a:r>
+            <a:r>
+              <a:rPr lang="en-GB" b="0" i="0">
+                <a:effectLst/>
+                <a:latin typeface="Courier New" panose="02070309020205020404" pitchFamily="49" charset="0"/>
+              </a:rPr>
+              <a:t>())</a:t>
+            </a:r>
+            <a:endParaRPr lang="en-US"/>
+          </a:p>
+        </p:txBody>
+      </p:sp>
+      <p:pic>
+        <p:nvPicPr>
+          <p:cNvPr id="5" name="Picture 2" descr="HR Analytics - Summary">
+            <a:extLst>
+              <a:ext uri="{FF2B5EF4-FFF2-40B4-BE49-F238E27FC236}">
+                <a16:creationId xmlns:a16="http://schemas.microsoft.com/office/drawing/2014/main" id="{1AC3E1B8-A6B4-963D-09EA-37EEC6993A49}"/>
+              </a:ext>
+            </a:extLst>
+          </p:cNvPr>
+          <p:cNvPicPr>
+            <a:picLocks noChangeAspect="1" noChangeArrowheads="1"/>
+          </p:cNvPicPr>
+          <p:nvPr/>
+        </p:nvPicPr>
+        <p:blipFill rotWithShape="1">
+          <a:blip r:embed="rId2">
+            <a:extLst>
+              <a:ext uri="{28A0092B-C50C-407E-A947-70E740481C1C}">
+                <a14:useLocalDpi xmlns:a14="http://schemas.microsoft.com/office/drawing/2010/main" val="0"/>
+              </a:ext>
+            </a:extLst>
+          </a:blip>
+          <a:srcRect l="1172" t="13728" r="3057" b="72170"/>
+          <a:stretch/>
+        </p:blipFill>
+        <p:spPr bwMode="auto">
+          <a:xfrm>
+            <a:off x="2646402" y="1445642"/>
+            <a:ext cx="7099541" cy="584326"/>
+          </a:xfrm>
+          <a:prstGeom prst="rect">
+            <a:avLst/>
+          </a:prstGeom>
+          <a:noFill/>
+          <a:extLst>
+            <a:ext uri="{909E8E84-426E-40DD-AFC4-6F175D3DCCD1}">
+              <a14:hiddenFill xmlns:a14="http://schemas.microsoft.com/office/drawing/2010/main">
+                <a:solidFill>
+                  <a:srgbClr val="FFFFFF"/>
+                </a:solidFill>
+              </a14:hiddenFill>
+            </a:ext>
+          </a:extLst>
+        </p:spPr>
+      </p:pic>
+    </p:spTree>
+    <p:extLst>
+      <p:ext uri="{BB962C8B-B14F-4D97-AF65-F5344CB8AC3E}">
+        <p14:creationId xmlns:p14="http://schemas.microsoft.com/office/powerpoint/2010/main" val="200268799"/>
       </p:ext>
     </p:extLst>
   </p:cSld>

--- a/MentorShip Program/Exam 2/Exam 2.pptx
+++ b/MentorShip Program/Exam 2/Exam 2.pptx
@@ -13,7 +13,7 @@
     <p:sldId id="258" r:id="rId4"/>
     <p:sldId id="259" r:id="rId5"/>
     <p:sldId id="260" r:id="rId6"/>
-    <p:sldId id="261" r:id="rId7"/>
+    <p:sldId id="268" r:id="rId7"/>
     <p:sldId id="262" r:id="rId8"/>
     <p:sldId id="263" r:id="rId9"/>
     <p:sldId id="264" r:id="rId10"/>
@@ -129,7 +129,7 @@
 <file path=ppt/revisionInfo.xml><?xml version="1.0" encoding="utf-8"?>
 <p1510:revInfo xmlns:a="http://schemas.openxmlformats.org/drawingml/2006/main" xmlns:r="http://schemas.openxmlformats.org/officeDocument/2006/relationships" xmlns:p1510="http://schemas.microsoft.com/office/powerpoint/2015/10/main">
   <p1510:revLst>
-    <p1510:client id="{72DB9BDB-93D6-2D47-9D2E-2FEA6AB388C3}" v="18" dt="2024-05-09T13:37:49.702"/>
+    <p1510:client id="{B166F53B-E0A4-AA4F-BFDB-3845EE080560}" v="5" dt="2024-05-10T19:19:28.722"/>
   </p1510:revLst>
 </p1510:revInfo>
 </file>
@@ -215,7 +215,7 @@
           </a:lstStyle>
           <a:p>
             <a:fld id="{F5D70EA8-0689-0749-B86B-E63FB7311C7C}" type="datetimeFigureOut">
-              <a:t>5/9/24</a:t>
+              <a:t>5/11/24</a:t>
             </a:fld>
             <a:endParaRPr lang="en-US"/>
           </a:p>
@@ -723,7 +723,7 @@
           <a:p>
             <a:fld id="{655A5808-3B61-48CC-92EF-85AC2E0DFA56}" type="datetime2">
               <a:rPr lang="en-US" smtClean="0"/>
-              <a:t>Thursday, May 9, 2024</a:t>
+              <a:t>Saturday, May 11, 2024</a:t>
             </a:fld>
             <a:endParaRPr lang="en-US"/>
           </a:p>
@@ -921,7 +921,7 @@
           <a:p>
             <a:fld id="{735E98AF-4574-4509-BF7A-519ACD5BF826}" type="datetime2">
               <a:rPr lang="en-US" smtClean="0"/>
-              <a:t>Thursday, May 9, 2024</a:t>
+              <a:t>Saturday, May 11, 2024</a:t>
             </a:fld>
             <a:endParaRPr lang="en-US"/>
           </a:p>
@@ -1131,7 +1131,7 @@
           <a:p>
             <a:fld id="{93DD97D4-9636-490F-85D0-E926C2B6F3B1}" type="datetime2">
               <a:rPr lang="en-US" smtClean="0"/>
-              <a:t>Thursday, May 9, 2024</a:t>
+              <a:t>Saturday, May 11, 2024</a:t>
             </a:fld>
             <a:endParaRPr lang="en-US"/>
           </a:p>
@@ -1330,7 +1330,7 @@
           <a:p>
             <a:fld id="{2F3AF3C6-0FD4-4939-991C-00DDE5C56815}" type="datetime2">
               <a:rPr lang="en-US" smtClean="0"/>
-              <a:t>Thursday, May 9, 2024</a:t>
+              <a:t>Saturday, May 11, 2024</a:t>
             </a:fld>
             <a:endParaRPr lang="en-US"/>
           </a:p>
@@ -1611,7 +1611,7 @@
           <a:p>
             <a:fld id="{86807482-8128-47C6-A8DD-6452B0291CFF}" type="datetime2">
               <a:rPr lang="en-US" smtClean="0"/>
-              <a:t>Thursday, May 9, 2024</a:t>
+              <a:t>Saturday, May 11, 2024</a:t>
             </a:fld>
             <a:endParaRPr lang="en-US"/>
           </a:p>
@@ -1879,7 +1879,7 @@
           <a:p>
             <a:fld id="{37903F25-275E-41DE-BE3B-EBF0DB49F9B1}" type="datetime2">
               <a:rPr lang="en-US" smtClean="0"/>
-              <a:t>Thursday, May 9, 2024</a:t>
+              <a:t>Saturday, May 11, 2024</a:t>
             </a:fld>
             <a:endParaRPr lang="en-US"/>
           </a:p>
@@ -2260,7 +2260,7 @@
           <a:p>
             <a:fld id="{EE475572-4A44-4171-84AA-64D42C8050A6}" type="datetime2">
               <a:rPr lang="en-US" smtClean="0"/>
-              <a:t>Thursday, May 9, 2024</a:t>
+              <a:t>Saturday, May 11, 2024</a:t>
             </a:fld>
             <a:endParaRPr lang="en-US"/>
           </a:p>
@@ -2430,7 +2430,7 @@
           <a:p>
             <a:fld id="{C4C1612E-528E-4FD5-9E9E-E15F1108F171}" type="datetime2">
               <a:rPr lang="en-US" smtClean="0"/>
-              <a:t>Thursday, May 9, 2024</a:t>
+              <a:t>Saturday, May 11, 2024</a:t>
             </a:fld>
             <a:endParaRPr lang="en-US"/>
           </a:p>
@@ -2543,7 +2543,7 @@
           <a:p>
             <a:fld id="{D4F6D862-A06D-436F-A92E-EBAAD50B6E50}" type="datetime2">
               <a:rPr lang="en-US" smtClean="0"/>
-              <a:t>Thursday, May 9, 2024</a:t>
+              <a:t>Saturday, May 11, 2024</a:t>
             </a:fld>
             <a:endParaRPr lang="en-US"/>
           </a:p>
@@ -2860,7 +2860,7 @@
           <a:p>
             <a:fld id="{B73E0B7D-2260-4809-8F0A-9E5F3E24F169}" type="datetime2">
               <a:rPr lang="en-US" smtClean="0"/>
-              <a:t>Thursday, May 9, 2024</a:t>
+              <a:t>Saturday, May 11, 2024</a:t>
             </a:fld>
             <a:endParaRPr lang="en-US"/>
           </a:p>
@@ -3152,7 +3152,7 @@
           <a:p>
             <a:fld id="{3C8E4735-C637-46A3-94EB-AB3AC4188D2F}" type="datetime2">
               <a:rPr lang="en-US" smtClean="0"/>
-              <a:t>Thursday, May 9, 2024</a:t>
+              <a:t>Saturday, May 11, 2024</a:t>
             </a:fld>
             <a:endParaRPr lang="en-US"/>
           </a:p>
@@ -3520,7 +3520,7 @@
             <a:fld id="{AE0C963C-C1DB-4AFD-9DDC-0691666BF49B}" type="datetime2">
               <a:rPr lang="en-US" smtClean="0"/>
               <a:pPr/>
-              <a:t>Thursday, May 9, 2024</a:t>
+              <a:t>Saturday, May 11, 2024</a:t>
             </a:fld>
             <a:endParaRPr lang="en-US" cap="all" dirty="0"/>
           </a:p>
@@ -4726,7 +4726,7 @@
 </file>
 
 <file path=ppt/slides/slide10.xml><?xml version="1.0" encoding="utf-8"?>
-<p:sld xmlns:a="http://schemas.openxmlformats.org/drawingml/2006/main" xmlns:r="http://schemas.openxmlformats.org/officeDocument/2006/relationships" xmlns:p="http://schemas.openxmlformats.org/presentationml/2006/main">
+<p:sld xmlns:a="http://schemas.openxmlformats.org/drawingml/2006/main" xmlns:r="http://schemas.openxmlformats.org/officeDocument/2006/relationships" xmlns:p="http://schemas.openxmlformats.org/presentationml/2006/main" show="0">
   <p:cSld>
     <p:spTree>
       <p:nvGrpSpPr>
@@ -5273,7 +5273,7 @@
 </file>
 
 <file path=ppt/slides/slide11.xml><?xml version="1.0" encoding="utf-8"?>
-<p:sld xmlns:a="http://schemas.openxmlformats.org/drawingml/2006/main" xmlns:r="http://schemas.openxmlformats.org/officeDocument/2006/relationships" xmlns:p="http://schemas.openxmlformats.org/presentationml/2006/main">
+<p:sld xmlns:a="http://schemas.openxmlformats.org/drawingml/2006/main" xmlns:r="http://schemas.openxmlformats.org/officeDocument/2006/relationships" xmlns:p="http://schemas.openxmlformats.org/presentationml/2006/main" show="0">
   <p:cSld>
     <p:spTree>
       <p:nvGrpSpPr>
@@ -5813,7 +5813,7 @@
 </file>
 
 <file path=ppt/slides/slide12.xml><?xml version="1.0" encoding="utf-8"?>
-<p:sld xmlns:a="http://schemas.openxmlformats.org/drawingml/2006/main" xmlns:r="http://schemas.openxmlformats.org/officeDocument/2006/relationships" xmlns:p="http://schemas.openxmlformats.org/presentationml/2006/main">
+<p:sld xmlns:a="http://schemas.openxmlformats.org/drawingml/2006/main" xmlns:r="http://schemas.openxmlformats.org/officeDocument/2006/relationships" xmlns:p="http://schemas.openxmlformats.org/presentationml/2006/main" show="0">
   <p:cSld>
     <p:spTree>
       <p:nvGrpSpPr>
@@ -8414,21 +8414,6 @@
               </a:rPr>
               <a:t>2. Database</a:t>
             </a:r>
-            <a:br>
-              <a:rPr lang="en-US">
-                <a:solidFill>
-                  <a:schemeClr val="bg1"/>
-                </a:solidFill>
-              </a:rPr>
-            </a:br>
-            <a:r>
-              <a:rPr lang="en-US">
-                <a:solidFill>
-                  <a:schemeClr val="bg1"/>
-                </a:solidFill>
-              </a:rPr>
-              <a:t>3. Query</a:t>
-            </a:r>
           </a:p>
         </p:txBody>
       </p:sp>
@@ -9340,10 +9325,10 @@
       </p:sp>
       <p:pic>
         <p:nvPicPr>
-          <p:cNvPr id="7" name="Graphic 6">
+          <p:cNvPr id="4" name="Picture 3" descr="A diagram of fact&#10;&#10;Description automatically generated">
             <a:extLst>
               <a:ext uri="{FF2B5EF4-FFF2-40B4-BE49-F238E27FC236}">
-                <a16:creationId xmlns:a16="http://schemas.microsoft.com/office/drawing/2014/main" id="{17AB4CA4-C69C-8EF9-E75C-AA1B657E7153}"/>
+                <a16:creationId xmlns:a16="http://schemas.microsoft.com/office/drawing/2014/main" id="{5D190794-4C5C-01AE-820C-5E1B1600E92B}"/>
               </a:ext>
             </a:extLst>
           </p:cNvPr>
@@ -9353,27 +9338,123 @@
           <p:nvPr/>
         </p:nvPicPr>
         <p:blipFill>
-          <a:blip r:embed="rId2">
-            <a:extLst>
-              <a:ext uri="{96DAC541-7B7A-43D3-8B79-37D633B846F1}">
-                <asvg:svgBlip xmlns:asvg="http://schemas.microsoft.com/office/drawing/2016/SVG/main" r:embed="rId3"/>
-              </a:ext>
-            </a:extLst>
-          </a:blip>
+          <a:blip r:embed="rId2"/>
           <a:stretch>
             <a:fillRect/>
           </a:stretch>
         </p:blipFill>
         <p:spPr>
           <a:xfrm>
-            <a:off x="3282950" y="2037970"/>
-            <a:ext cx="4138267" cy="4343779"/>
+            <a:off x="960120" y="1320378"/>
+            <a:ext cx="4142378" cy="4953435"/>
           </a:xfrm>
           <a:prstGeom prst="rect">
             <a:avLst/>
           </a:prstGeom>
         </p:spPr>
       </p:pic>
+      <p:pic>
+        <p:nvPicPr>
+          <p:cNvPr id="6" name="Picture 5" descr="A diagram of a company&#10;&#10;Description automatically generated">
+            <a:extLst>
+              <a:ext uri="{FF2B5EF4-FFF2-40B4-BE49-F238E27FC236}">
+                <a16:creationId xmlns:a16="http://schemas.microsoft.com/office/drawing/2014/main" id="{CF1E91D9-D36C-7AD1-5381-8372044B7534}"/>
+              </a:ext>
+            </a:extLst>
+          </p:cNvPr>
+          <p:cNvPicPr>
+            <a:picLocks noChangeAspect="1"/>
+          </p:cNvPicPr>
+          <p:nvPr/>
+        </p:nvPicPr>
+        <p:blipFill>
+          <a:blip r:embed="rId3"/>
+          <a:stretch>
+            <a:fillRect/>
+          </a:stretch>
+        </p:blipFill>
+        <p:spPr>
+          <a:xfrm>
+            <a:off x="8238390" y="1320378"/>
+            <a:ext cx="2993490" cy="4930046"/>
+          </a:xfrm>
+          <a:prstGeom prst="rect">
+            <a:avLst/>
+          </a:prstGeom>
+        </p:spPr>
+      </p:pic>
+      <p:sp>
+        <p:nvSpPr>
+          <p:cNvPr id="9" name="TextBox 8">
+            <a:extLst>
+              <a:ext uri="{FF2B5EF4-FFF2-40B4-BE49-F238E27FC236}">
+                <a16:creationId xmlns:a16="http://schemas.microsoft.com/office/drawing/2014/main" id="{1C1D0F6F-4302-68B6-F186-8AE3349FBF7B}"/>
+              </a:ext>
+            </a:extLst>
+          </p:cNvPr>
+          <p:cNvSpPr txBox="1"/>
+          <p:nvPr/>
+        </p:nvSpPr>
+        <p:spPr>
+          <a:xfrm>
+            <a:off x="1502530" y="6065758"/>
+            <a:ext cx="3057558" cy="369332"/>
+          </a:xfrm>
+          <a:prstGeom prst="rect">
+            <a:avLst/>
+          </a:prstGeom>
+          <a:noFill/>
+        </p:spPr>
+        <p:txBody>
+          <a:bodyPr wrap="square">
+            <a:spAutoFit/>
+          </a:bodyPr>
+          <a:lstStyle/>
+          <a:p>
+            <a:pPr algn="ctr"/>
+            <a:r>
+              <a:rPr lang="en-US"/>
+              <a:t>https://xmind.app/m/wAK57Q</a:t>
+            </a:r>
+          </a:p>
+        </p:txBody>
+      </p:sp>
+      <p:sp>
+        <p:nvSpPr>
+          <p:cNvPr id="13" name="TextBox 12">
+            <a:extLst>
+              <a:ext uri="{FF2B5EF4-FFF2-40B4-BE49-F238E27FC236}">
+                <a16:creationId xmlns:a16="http://schemas.microsoft.com/office/drawing/2014/main" id="{41D95B72-8604-5581-FA31-9F4B699E9C8A}"/>
+              </a:ext>
+            </a:extLst>
+          </p:cNvPr>
+          <p:cNvSpPr txBox="1"/>
+          <p:nvPr/>
+        </p:nvSpPr>
+        <p:spPr>
+          <a:xfrm>
+            <a:off x="8224916" y="6039119"/>
+            <a:ext cx="3006964" cy="369332"/>
+          </a:xfrm>
+          <a:prstGeom prst="rect">
+            <a:avLst/>
+          </a:prstGeom>
+          <a:noFill/>
+        </p:spPr>
+        <p:txBody>
+          <a:bodyPr wrap="square">
+            <a:spAutoFit/>
+          </a:bodyPr>
+          <a:lstStyle/>
+          <a:p>
+            <a:pPr algn="ctr"/>
+            <a:r>
+              <a:rPr lang="en-US"/>
+              <a:t>https://xmind.app/m/wAK57Q</a:t>
+            </a:r>
+          </a:p>
+        </p:txBody>
+      </p:sp>
     </p:spTree>
     <p:extLst>
       <p:ext uri="{BB962C8B-B14F-4D97-AF65-F5344CB8AC3E}">
@@ -9434,10 +9515,10 @@
       </p:sp>
       <p:pic>
         <p:nvPicPr>
-          <p:cNvPr id="7" name="Content Placeholder 6">
+          <p:cNvPr id="6" name="Content Placeholder 5">
             <a:extLst>
               <a:ext uri="{FF2B5EF4-FFF2-40B4-BE49-F238E27FC236}">
-                <a16:creationId xmlns:a16="http://schemas.microsoft.com/office/drawing/2014/main" id="{808E28E4-DA69-F237-406A-0FC4C350A417}"/>
+                <a16:creationId xmlns:a16="http://schemas.microsoft.com/office/drawing/2014/main" id="{09FE093E-A307-A760-8645-61A0EC51498B}"/>
               </a:ext>
             </a:extLst>
           </p:cNvPr>
@@ -9462,15 +9543,15 @@
         </p:blipFill>
         <p:spPr>
           <a:xfrm>
-            <a:off x="1371600" y="2161218"/>
-            <a:ext cx="10240963" cy="3862714"/>
+            <a:off x="3957605" y="2112963"/>
+            <a:ext cx="5068953" cy="3959225"/>
           </a:xfrm>
         </p:spPr>
       </p:pic>
     </p:spTree>
     <p:extLst>
       <p:ext uri="{BB962C8B-B14F-4D97-AF65-F5344CB8AC3E}">
-        <p14:creationId xmlns:p14="http://schemas.microsoft.com/office/powerpoint/2010/main" val="1891551004"/>
+        <p14:creationId xmlns:p14="http://schemas.microsoft.com/office/powerpoint/2010/main" val="1590260977"/>
       </p:ext>
     </p:extLst>
   </p:cSld>
@@ -9481,7 +9562,7 @@
 </file>
 
 <file path=ppt/slides/slide7.xml><?xml version="1.0" encoding="utf-8"?>
-<p:sld xmlns:a="http://schemas.openxmlformats.org/drawingml/2006/main" xmlns:r="http://schemas.openxmlformats.org/officeDocument/2006/relationships" xmlns:p="http://schemas.openxmlformats.org/presentationml/2006/main">
+<p:sld xmlns:a="http://schemas.openxmlformats.org/drawingml/2006/main" xmlns:r="http://schemas.openxmlformats.org/officeDocument/2006/relationships" xmlns:p="http://schemas.openxmlformats.org/presentationml/2006/main" show="0">
   <p:cSld>
     <p:spTree>
       <p:nvGrpSpPr>
@@ -10543,7 +10624,7 @@
 </file>
 
 <file path=ppt/slides/slide8.xml><?xml version="1.0" encoding="utf-8"?>
-<p:sld xmlns:a="http://schemas.openxmlformats.org/drawingml/2006/main" xmlns:r="http://schemas.openxmlformats.org/officeDocument/2006/relationships" xmlns:p="http://schemas.openxmlformats.org/presentationml/2006/main">
+<p:sld xmlns:a="http://schemas.openxmlformats.org/drawingml/2006/main" xmlns:r="http://schemas.openxmlformats.org/officeDocument/2006/relationships" xmlns:p="http://schemas.openxmlformats.org/presentationml/2006/main" show="0">
   <p:cSld>
     <p:spTree>
       <p:nvGrpSpPr>
@@ -11191,7 +11272,7 @@
 </file>
 
 <file path=ppt/slides/slide9.xml><?xml version="1.0" encoding="utf-8"?>
-<p:sld xmlns:a="http://schemas.openxmlformats.org/drawingml/2006/main" xmlns:r="http://schemas.openxmlformats.org/officeDocument/2006/relationships" xmlns:p="http://schemas.openxmlformats.org/presentationml/2006/main">
+<p:sld xmlns:a="http://schemas.openxmlformats.org/drawingml/2006/main" xmlns:r="http://schemas.openxmlformats.org/officeDocument/2006/relationships" xmlns:p="http://schemas.openxmlformats.org/presentationml/2006/main" show="0">
   <p:cSld>
     <p:spTree>
       <p:nvGrpSpPr>

--- a/MentorShip Program/Exam 2/Exam 2.pptx
+++ b/MentorShip Program/Exam 2/Exam 2.pptx
@@ -5,7 +5,7 @@
     <p:sldMasterId id="2147483711" r:id="rId1"/>
   </p:sldMasterIdLst>
   <p:notesMasterIdLst>
-    <p:notesMasterId r:id="rId14"/>
+    <p:notesMasterId r:id="rId13"/>
   </p:notesMasterIdLst>
   <p:sldIdLst>
     <p:sldId id="256" r:id="rId2"/>
@@ -15,11 +15,10 @@
     <p:sldId id="260" r:id="rId6"/>
     <p:sldId id="268" r:id="rId7"/>
     <p:sldId id="262" r:id="rId8"/>
-    <p:sldId id="263" r:id="rId9"/>
-    <p:sldId id="264" r:id="rId10"/>
-    <p:sldId id="265" r:id="rId11"/>
-    <p:sldId id="266" r:id="rId12"/>
-    <p:sldId id="267" r:id="rId13"/>
+    <p:sldId id="265" r:id="rId9"/>
+    <p:sldId id="267" r:id="rId10"/>
+    <p:sldId id="269" r:id="rId11"/>
+    <p:sldId id="270" r:id="rId12"/>
   </p:sldIdLst>
   <p:sldSz cx="12192000" cy="6858000"/>
   <p:notesSz cx="6858000" cy="9144000"/>
@@ -215,7 +214,7 @@
           </a:lstStyle>
           <a:p>
             <a:fld id="{F5D70EA8-0689-0749-B86B-E63FB7311C7C}" type="datetimeFigureOut">
-              <a:t>5/11/24</a:t>
+              <a:t>5/14/24</a:t>
             </a:fld>
             <a:endParaRPr lang="en-US"/>
           </a:p>
@@ -723,7 +722,7 @@
           <a:p>
             <a:fld id="{655A5808-3B61-48CC-92EF-85AC2E0DFA56}" type="datetime2">
               <a:rPr lang="en-US" smtClean="0"/>
-              <a:t>Saturday, May 11, 2024</a:t>
+              <a:t>Tuesday, May 14, 2024</a:t>
             </a:fld>
             <a:endParaRPr lang="en-US"/>
           </a:p>
@@ -921,7 +920,7 @@
           <a:p>
             <a:fld id="{735E98AF-4574-4509-BF7A-519ACD5BF826}" type="datetime2">
               <a:rPr lang="en-US" smtClean="0"/>
-              <a:t>Saturday, May 11, 2024</a:t>
+              <a:t>Tuesday, May 14, 2024</a:t>
             </a:fld>
             <a:endParaRPr lang="en-US"/>
           </a:p>
@@ -1131,7 +1130,7 @@
           <a:p>
             <a:fld id="{93DD97D4-9636-490F-85D0-E926C2B6F3B1}" type="datetime2">
               <a:rPr lang="en-US" smtClean="0"/>
-              <a:t>Saturday, May 11, 2024</a:t>
+              <a:t>Tuesday, May 14, 2024</a:t>
             </a:fld>
             <a:endParaRPr lang="en-US"/>
           </a:p>
@@ -1330,7 +1329,7 @@
           <a:p>
             <a:fld id="{2F3AF3C6-0FD4-4939-991C-00DDE5C56815}" type="datetime2">
               <a:rPr lang="en-US" smtClean="0"/>
-              <a:t>Saturday, May 11, 2024</a:t>
+              <a:t>Tuesday, May 14, 2024</a:t>
             </a:fld>
             <a:endParaRPr lang="en-US"/>
           </a:p>
@@ -1611,7 +1610,7 @@
           <a:p>
             <a:fld id="{86807482-8128-47C6-A8DD-6452B0291CFF}" type="datetime2">
               <a:rPr lang="en-US" smtClean="0"/>
-              <a:t>Saturday, May 11, 2024</a:t>
+              <a:t>Tuesday, May 14, 2024</a:t>
             </a:fld>
             <a:endParaRPr lang="en-US"/>
           </a:p>
@@ -1879,7 +1878,7 @@
           <a:p>
             <a:fld id="{37903F25-275E-41DE-BE3B-EBF0DB49F9B1}" type="datetime2">
               <a:rPr lang="en-US" smtClean="0"/>
-              <a:t>Saturday, May 11, 2024</a:t>
+              <a:t>Tuesday, May 14, 2024</a:t>
             </a:fld>
             <a:endParaRPr lang="en-US"/>
           </a:p>
@@ -2260,7 +2259,7 @@
           <a:p>
             <a:fld id="{EE475572-4A44-4171-84AA-64D42C8050A6}" type="datetime2">
               <a:rPr lang="en-US" smtClean="0"/>
-              <a:t>Saturday, May 11, 2024</a:t>
+              <a:t>Tuesday, May 14, 2024</a:t>
             </a:fld>
             <a:endParaRPr lang="en-US"/>
           </a:p>
@@ -2430,7 +2429,7 @@
           <a:p>
             <a:fld id="{C4C1612E-528E-4FD5-9E9E-E15F1108F171}" type="datetime2">
               <a:rPr lang="en-US" smtClean="0"/>
-              <a:t>Saturday, May 11, 2024</a:t>
+              <a:t>Tuesday, May 14, 2024</a:t>
             </a:fld>
             <a:endParaRPr lang="en-US"/>
           </a:p>
@@ -2543,7 +2542,7 @@
           <a:p>
             <a:fld id="{D4F6D862-A06D-436F-A92E-EBAAD50B6E50}" type="datetime2">
               <a:rPr lang="en-US" smtClean="0"/>
-              <a:t>Saturday, May 11, 2024</a:t>
+              <a:t>Tuesday, May 14, 2024</a:t>
             </a:fld>
             <a:endParaRPr lang="en-US"/>
           </a:p>
@@ -2860,7 +2859,7 @@
           <a:p>
             <a:fld id="{B73E0B7D-2260-4809-8F0A-9E5F3E24F169}" type="datetime2">
               <a:rPr lang="en-US" smtClean="0"/>
-              <a:t>Saturday, May 11, 2024</a:t>
+              <a:t>Tuesday, May 14, 2024</a:t>
             </a:fld>
             <a:endParaRPr lang="en-US"/>
           </a:p>
@@ -3152,7 +3151,7 @@
           <a:p>
             <a:fld id="{3C8E4735-C637-46A3-94EB-AB3AC4188D2F}" type="datetime2">
               <a:rPr lang="en-US" smtClean="0"/>
-              <a:t>Saturday, May 11, 2024</a:t>
+              <a:t>Tuesday, May 14, 2024</a:t>
             </a:fld>
             <a:endParaRPr lang="en-US"/>
           </a:p>
@@ -3520,7 +3519,7 @@
             <a:fld id="{AE0C963C-C1DB-4AFD-9DDC-0691666BF49B}" type="datetime2">
               <a:rPr lang="en-US" smtClean="0"/>
               <a:pPr/>
-              <a:t>Saturday, May 11, 2024</a:t>
+              <a:t>Tuesday, May 14, 2024</a:t>
             </a:fld>
             <a:endParaRPr lang="en-US" cap="all" dirty="0"/>
           </a:p>
@@ -4726,7 +4725,7 @@
 </file>
 
 <file path=ppt/slides/slide10.xml><?xml version="1.0" encoding="utf-8"?>
-<p:sld xmlns:a="http://schemas.openxmlformats.org/drawingml/2006/main" xmlns:r="http://schemas.openxmlformats.org/officeDocument/2006/relationships" xmlns:p="http://schemas.openxmlformats.org/presentationml/2006/main" show="0">
+<p:sld xmlns:a="http://schemas.openxmlformats.org/drawingml/2006/main" xmlns:r="http://schemas.openxmlformats.org/officeDocument/2006/relationships" xmlns:p="http://schemas.openxmlformats.org/presentationml/2006/main">
   <p:cSld>
     <p:spTree>
       <p:nvGrpSpPr>
@@ -4766,451 +4765,9 @@
           <a:lstStyle/>
           <a:p>
             <a:r>
-              <a:rPr lang="en-US"/>
-              <a:t>3. Query</a:t>
-            </a:r>
-          </a:p>
-        </p:txBody>
-      </p:sp>
-      <p:sp>
-        <p:nvSpPr>
-          <p:cNvPr id="4" name="Content Placeholder 3">
-            <a:extLst>
-              <a:ext uri="{FF2B5EF4-FFF2-40B4-BE49-F238E27FC236}">
-                <a16:creationId xmlns:a16="http://schemas.microsoft.com/office/drawing/2014/main" id="{EF5A82F3-73AF-E1B0-38F1-28CECF1C8FA1}"/>
-              </a:ext>
-            </a:extLst>
-          </p:cNvPr>
-          <p:cNvSpPr>
-            <a:spLocks noGrp="1"/>
-          </p:cNvSpPr>
-          <p:nvPr>
-            <p:ph idx="1"/>
-          </p:nvPr>
-        </p:nvSpPr>
-        <p:spPr/>
-        <p:txBody>
-          <a:bodyPr>
-            <a:normAutofit/>
-          </a:bodyPr>
-          <a:lstStyle/>
-          <a:p>
-            <a:r>
-              <a:rPr lang="en-US"/>
-              <a:t>Female %</a:t>
-            </a:r>
-          </a:p>
-          <a:p>
-            <a:pPr marL="457200" lvl="1" indent="0">
-              <a:buNone/>
-            </a:pPr>
-            <a:r>
-              <a:rPr lang="en-GB" b="0" i="0">
-                <a:effectLst/>
-                <a:latin typeface="Courier New" panose="02070309020205020404" pitchFamily="49" charset="0"/>
-              </a:rPr>
-              <a:t>SELECT</a:t>
-            </a:r>
-            <a:r>
-              <a:rPr lang="en-GB" b="0" i="0">
-                <a:solidFill>
-                  <a:srgbClr val="000000"/>
-                </a:solidFill>
-                <a:effectLst/>
-                <a:latin typeface="Courier New" panose="02070309020205020404" pitchFamily="49" charset="0"/>
-              </a:rPr>
-              <a:t> </a:t>
-            </a:r>
-            <a:r>
-              <a:rPr lang="en-GB" b="1" i="0">
-                <a:effectLst/>
-                <a:latin typeface="Courier New" panose="02070309020205020404" pitchFamily="49" charset="0"/>
-              </a:rPr>
-              <a:t>COUNT</a:t>
-            </a:r>
-            <a:r>
-              <a:rPr lang="en-GB" b="0" i="0">
-                <a:effectLst/>
-                <a:latin typeface="Courier New" panose="02070309020205020404" pitchFamily="49" charset="0"/>
-              </a:rPr>
-              <a:t>(e.employee_id)</a:t>
-            </a:r>
-            <a:r>
-              <a:rPr lang="en-GB" b="0" i="0">
-                <a:solidFill>
-                  <a:srgbClr val="000000"/>
-                </a:solidFill>
-                <a:effectLst/>
-                <a:latin typeface="Courier New" panose="02070309020205020404" pitchFamily="49" charset="0"/>
-              </a:rPr>
-              <a:t> </a:t>
-            </a:r>
-            <a:r>
-              <a:rPr lang="en-GB" b="0" i="0">
-                <a:effectLst/>
-                <a:latin typeface="Courier New" panose="02070309020205020404" pitchFamily="49" charset="0"/>
-              </a:rPr>
-              <a:t>AS</a:t>
-            </a:r>
-            <a:r>
-              <a:rPr lang="en-GB" b="0" i="0">
-                <a:solidFill>
-                  <a:srgbClr val="000000"/>
-                </a:solidFill>
-                <a:effectLst/>
-                <a:latin typeface="Courier New" panose="02070309020205020404" pitchFamily="49" charset="0"/>
-              </a:rPr>
-              <a:t> </a:t>
-            </a:r>
-            <a:r>
-              <a:rPr lang="en-GB" b="0" i="0">
-                <a:effectLst/>
-                <a:latin typeface="Courier New" panose="02070309020205020404" pitchFamily="49" charset="0"/>
-              </a:rPr>
-              <a:t>total_employees_Female</a:t>
-            </a:r>
-            <a:br>
-              <a:rPr lang="en-GB"/>
-            </a:br>
-            <a:r>
-              <a:rPr lang="en-GB" b="0" i="0">
-                <a:effectLst/>
-                <a:latin typeface="Courier New" panose="02070309020205020404" pitchFamily="49" charset="0"/>
-              </a:rPr>
-              <a:t>FROM</a:t>
-            </a:r>
-            <a:r>
-              <a:rPr lang="en-GB" b="0" i="0">
-                <a:solidFill>
-                  <a:srgbClr val="000000"/>
-                </a:solidFill>
-                <a:effectLst/>
-                <a:latin typeface="Courier New" panose="02070309020205020404" pitchFamily="49" charset="0"/>
-              </a:rPr>
-              <a:t>   </a:t>
-            </a:r>
-            <a:r>
-              <a:rPr lang="en-GB" b="0" i="0">
-                <a:effectLst/>
-                <a:latin typeface="Courier New" panose="02070309020205020404" pitchFamily="49" charset="0"/>
-              </a:rPr>
-              <a:t>employee</a:t>
-            </a:r>
-            <a:r>
-              <a:rPr lang="en-GB" b="0" i="0">
-                <a:solidFill>
-                  <a:srgbClr val="000000"/>
-                </a:solidFill>
-                <a:effectLst/>
-                <a:latin typeface="Courier New" panose="02070309020205020404" pitchFamily="49" charset="0"/>
-              </a:rPr>
-              <a:t> </a:t>
-            </a:r>
-            <a:r>
-              <a:rPr lang="en-GB" b="0" i="0">
-                <a:effectLst/>
-                <a:latin typeface="Courier New" panose="02070309020205020404" pitchFamily="49" charset="0"/>
-              </a:rPr>
-              <a:t>e</a:t>
-            </a:r>
-            <a:br>
-              <a:rPr lang="en-GB"/>
-            </a:br>
-            <a:r>
-              <a:rPr lang="en-GB" b="0" i="0">
-                <a:solidFill>
-                  <a:srgbClr val="000000"/>
-                </a:solidFill>
-                <a:effectLst/>
-                <a:latin typeface="Courier New" panose="02070309020205020404" pitchFamily="49" charset="0"/>
-              </a:rPr>
-              <a:t>       </a:t>
-            </a:r>
-            <a:r>
-              <a:rPr lang="en-GB" b="0" i="0">
-                <a:effectLst/>
-                <a:latin typeface="Courier New" panose="02070309020205020404" pitchFamily="49" charset="0"/>
-              </a:rPr>
-              <a:t>LEFT</a:t>
-            </a:r>
-            <a:r>
-              <a:rPr lang="en-GB" b="0" i="0">
-                <a:solidFill>
-                  <a:srgbClr val="000000"/>
-                </a:solidFill>
-                <a:effectLst/>
-                <a:latin typeface="Courier New" panose="02070309020205020404" pitchFamily="49" charset="0"/>
-              </a:rPr>
-              <a:t> </a:t>
-            </a:r>
-            <a:r>
-              <a:rPr lang="en-GB" b="0" i="0">
-                <a:effectLst/>
-                <a:latin typeface="Courier New" panose="02070309020205020404" pitchFamily="49" charset="0"/>
-              </a:rPr>
-              <a:t>JOIN</a:t>
-            </a:r>
-            <a:r>
-              <a:rPr lang="en-GB" b="0" i="0">
-                <a:solidFill>
-                  <a:srgbClr val="000000"/>
-                </a:solidFill>
-                <a:effectLst/>
-                <a:latin typeface="Courier New" panose="02070309020205020404" pitchFamily="49" charset="0"/>
-              </a:rPr>
-              <a:t> </a:t>
-            </a:r>
-            <a:r>
-              <a:rPr lang="en-GB" b="0" i="0">
-                <a:effectLst/>
-                <a:latin typeface="Courier New" panose="02070309020205020404" pitchFamily="49" charset="0"/>
-              </a:rPr>
-              <a:t>contract</a:t>
-            </a:r>
-            <a:r>
-              <a:rPr lang="en-GB" b="0" i="0">
-                <a:solidFill>
-                  <a:srgbClr val="000000"/>
-                </a:solidFill>
-                <a:effectLst/>
-                <a:latin typeface="Courier New" panose="02070309020205020404" pitchFamily="49" charset="0"/>
-              </a:rPr>
-              <a:t> </a:t>
-            </a:r>
-            <a:r>
-              <a:rPr lang="en-GB" b="0" i="0">
-                <a:effectLst/>
-                <a:latin typeface="Courier New" panose="02070309020205020404" pitchFamily="49" charset="0"/>
-              </a:rPr>
-              <a:t>c</a:t>
-            </a:r>
-            <a:br>
-              <a:rPr lang="en-GB"/>
-            </a:br>
-            <a:r>
-              <a:rPr lang="en-GB" b="0" i="0">
-                <a:solidFill>
-                  <a:srgbClr val="000000"/>
-                </a:solidFill>
-                <a:effectLst/>
-                <a:latin typeface="Courier New" panose="02070309020205020404" pitchFamily="49" charset="0"/>
-              </a:rPr>
-              <a:t>              </a:t>
-            </a:r>
-            <a:r>
-              <a:rPr lang="en-GB" b="0" i="0">
-                <a:effectLst/>
-                <a:latin typeface="Courier New" panose="02070309020205020404" pitchFamily="49" charset="0"/>
-              </a:rPr>
-              <a:t>ON</a:t>
-            </a:r>
-            <a:r>
-              <a:rPr lang="en-GB" b="0" i="0">
-                <a:solidFill>
-                  <a:srgbClr val="000000"/>
-                </a:solidFill>
-                <a:effectLst/>
-                <a:latin typeface="Courier New" panose="02070309020205020404" pitchFamily="49" charset="0"/>
-              </a:rPr>
-              <a:t> </a:t>
-            </a:r>
-            <a:r>
-              <a:rPr lang="en-GB" b="0" i="0">
-                <a:effectLst/>
-                <a:latin typeface="Courier New" panose="02070309020205020404" pitchFamily="49" charset="0"/>
-              </a:rPr>
-              <a:t>e.employee_id</a:t>
-            </a:r>
-            <a:r>
-              <a:rPr lang="en-GB" b="0" i="0">
-                <a:solidFill>
-                  <a:srgbClr val="000000"/>
-                </a:solidFill>
-                <a:effectLst/>
-                <a:latin typeface="Courier New" panose="02070309020205020404" pitchFamily="49" charset="0"/>
-              </a:rPr>
-              <a:t> </a:t>
-            </a:r>
-            <a:r>
-              <a:rPr lang="en-GB" b="0" i="0">
-                <a:effectLst/>
-                <a:latin typeface="Courier New" panose="02070309020205020404" pitchFamily="49" charset="0"/>
-              </a:rPr>
-              <a:t>=</a:t>
-            </a:r>
-            <a:r>
-              <a:rPr lang="en-GB" b="0" i="0">
-                <a:solidFill>
-                  <a:srgbClr val="000000"/>
-                </a:solidFill>
-                <a:effectLst/>
-                <a:latin typeface="Courier New" panose="02070309020205020404" pitchFamily="49" charset="0"/>
-              </a:rPr>
-              <a:t> </a:t>
-            </a:r>
-            <a:r>
-              <a:rPr lang="en-GB" b="0" i="0">
-                <a:effectLst/>
-                <a:latin typeface="Courier New" panose="02070309020205020404" pitchFamily="49" charset="0"/>
-              </a:rPr>
-              <a:t>c.employee_id</a:t>
-            </a:r>
-            <a:br>
-              <a:rPr lang="en-GB"/>
-            </a:br>
-            <a:r>
-              <a:rPr lang="en-GB" b="0" i="0">
-                <a:effectLst/>
-                <a:latin typeface="Courier New" panose="02070309020205020404" pitchFamily="49" charset="0"/>
-              </a:rPr>
-              <a:t>WHERE</a:t>
-            </a:r>
-            <a:r>
-              <a:rPr lang="en-GB" b="0" i="0">
-                <a:solidFill>
-                  <a:srgbClr val="000000"/>
-                </a:solidFill>
-                <a:effectLst/>
-                <a:latin typeface="Courier New" panose="02070309020205020404" pitchFamily="49" charset="0"/>
-              </a:rPr>
-              <a:t>   &lt;Date_Filter&gt; </a:t>
-            </a:r>
-            <a:r>
-              <a:rPr lang="en-GB" b="0" i="0">
-                <a:effectLst/>
-                <a:latin typeface="Courier New" panose="02070309020205020404" pitchFamily="49" charset="0"/>
-              </a:rPr>
-              <a:t>BETWEEN</a:t>
-            </a:r>
-            <a:r>
-              <a:rPr lang="en-GB" b="0" i="0">
-                <a:solidFill>
-                  <a:srgbClr val="000000"/>
-                </a:solidFill>
-                <a:effectLst/>
-                <a:latin typeface="Courier New" panose="02070309020205020404" pitchFamily="49" charset="0"/>
-              </a:rPr>
-              <a:t> </a:t>
-            </a:r>
-            <a:r>
-              <a:rPr lang="en-GB" b="0" i="0">
-                <a:effectLst/>
-                <a:latin typeface="Courier New" panose="02070309020205020404" pitchFamily="49" charset="0"/>
-              </a:rPr>
-              <a:t>c.start_date</a:t>
-            </a:r>
-            <a:r>
-              <a:rPr lang="en-GB" b="0" i="0">
-                <a:solidFill>
-                  <a:srgbClr val="000000"/>
-                </a:solidFill>
-                <a:effectLst/>
-                <a:latin typeface="Courier New" panose="02070309020205020404" pitchFamily="49" charset="0"/>
-              </a:rPr>
-              <a:t> </a:t>
-            </a:r>
-            <a:r>
-              <a:rPr lang="en-GB" b="0" i="0">
-                <a:effectLst/>
-                <a:latin typeface="Courier New" panose="02070309020205020404" pitchFamily="49" charset="0"/>
-              </a:rPr>
-              <a:t>AND</a:t>
-            </a:r>
-            <a:r>
-              <a:rPr lang="en-GB" b="0" i="0">
-                <a:solidFill>
-                  <a:srgbClr val="000000"/>
-                </a:solidFill>
-                <a:effectLst/>
-                <a:latin typeface="Courier New" panose="02070309020205020404" pitchFamily="49" charset="0"/>
-              </a:rPr>
-              <a:t> </a:t>
-            </a:r>
-            <a:r>
-              <a:rPr lang="en-GB" b="1" i="0">
-                <a:effectLst/>
-                <a:latin typeface="Courier New" panose="02070309020205020404" pitchFamily="49" charset="0"/>
-              </a:rPr>
-              <a:t>IF</a:t>
-            </a:r>
-            <a:r>
-              <a:rPr lang="en-GB" b="0" i="0">
-                <a:effectLst/>
-                <a:latin typeface="Courier New" panose="02070309020205020404" pitchFamily="49" charset="0"/>
-              </a:rPr>
-              <a:t>(c.end_date</a:t>
-            </a:r>
-            <a:r>
-              <a:rPr lang="en-GB" b="0" i="0">
-                <a:solidFill>
-                  <a:srgbClr val="000000"/>
-                </a:solidFill>
-                <a:effectLst/>
-                <a:latin typeface="Courier New" panose="02070309020205020404" pitchFamily="49" charset="0"/>
-              </a:rPr>
-              <a:t> </a:t>
-            </a:r>
-            <a:r>
-              <a:rPr lang="en-GB" b="0" i="0">
-                <a:effectLst/>
-                <a:latin typeface="Courier New" panose="02070309020205020404" pitchFamily="49" charset="0"/>
-              </a:rPr>
-              <a:t>!=</a:t>
-            </a:r>
-            <a:r>
-              <a:rPr lang="en-GB" b="0" i="0">
-                <a:solidFill>
-                  <a:srgbClr val="000000"/>
-                </a:solidFill>
-                <a:effectLst/>
-                <a:latin typeface="Courier New" panose="02070309020205020404" pitchFamily="49" charset="0"/>
-              </a:rPr>
-              <a:t> </a:t>
-            </a:r>
-            <a:r>
-              <a:rPr lang="en-GB" b="0" i="0">
-                <a:effectLst/>
-                <a:latin typeface="Courier New" panose="02070309020205020404" pitchFamily="49" charset="0"/>
-              </a:rPr>
-              <a:t>NULL,c.end_date,</a:t>
-            </a:r>
-            <a:r>
-              <a:rPr lang="en-GB" b="1" i="0">
-                <a:effectLst/>
-                <a:latin typeface="Courier New" panose="02070309020205020404" pitchFamily="49" charset="0"/>
-              </a:rPr>
-              <a:t>Curdate</a:t>
-            </a:r>
-            <a:r>
-              <a:rPr lang="en-GB" b="0" i="0">
-                <a:effectLst/>
-                <a:latin typeface="Courier New" panose="02070309020205020404" pitchFamily="49" charset="0"/>
-              </a:rPr>
-              <a:t>())</a:t>
-            </a:r>
-            <a:r>
-              <a:rPr lang="en-GB"/>
-              <a:t> </a:t>
-            </a:r>
-            <a:r>
-              <a:rPr lang="en-GB" b="1">
-                <a:latin typeface="Courier New" panose="02070309020205020404" pitchFamily="49" charset="0"/>
-              </a:rPr>
-              <a:t>AND</a:t>
-            </a:r>
-            <a:r>
-              <a:rPr lang="en-GB"/>
-              <a:t> </a:t>
-            </a:r>
-            <a:r>
-              <a:rPr lang="en-GB">
-                <a:latin typeface="Courier New" panose="02070309020205020404" pitchFamily="49" charset="0"/>
-              </a:rPr>
-              <a:t>e.Gender = 'Female'</a:t>
-            </a:r>
-            <a:endParaRPr lang="en-US">
-              <a:latin typeface="Courier New" panose="02070309020205020404" pitchFamily="49" charset="0"/>
-            </a:endParaRPr>
+              <a:rPr lang="en-US" cap="none"/>
+              <a:t>Leave</a:t>
+            </a:r>
           </a:p>
         </p:txBody>
       </p:sp>
@@ -5236,7 +4793,7 @@
               </a:ext>
             </a:extLst>
           </a:blip>
-          <a:srcRect l="1689" t="29932" r="2540" b="55966"/>
+          <a:srcRect l="1868" t="63194" r="2362" b="22704"/>
           <a:stretch/>
         </p:blipFill>
         <p:spPr bwMode="auto">
@@ -5259,10 +4816,41 @@
           </a:extLst>
         </p:spPr>
       </p:pic>
+      <p:pic>
+        <p:nvPicPr>
+          <p:cNvPr id="6" name="Content Placeholder 5">
+            <a:extLst>
+              <a:ext uri="{FF2B5EF4-FFF2-40B4-BE49-F238E27FC236}">
+                <a16:creationId xmlns:a16="http://schemas.microsoft.com/office/drawing/2014/main" id="{79CF6790-2179-C3DD-AC53-1A3FE51A7EEB}"/>
+              </a:ext>
+            </a:extLst>
+          </p:cNvPr>
+          <p:cNvPicPr>
+            <a:picLocks noGrp="1" noChangeAspect="1"/>
+          </p:cNvPicPr>
+          <p:nvPr>
+            <p:ph idx="1"/>
+          </p:nvPr>
+        </p:nvPicPr>
+        <p:blipFill rotWithShape="1">
+          <a:blip r:embed="rId3"/>
+          <a:srcRect b="5165"/>
+          <a:stretch/>
+        </p:blipFill>
+        <p:spPr>
+          <a:xfrm>
+            <a:off x="2761842" y="2145753"/>
+            <a:ext cx="6868659" cy="4162282"/>
+          </a:xfrm>
+          <a:prstGeom prst="rect">
+            <a:avLst/>
+          </a:prstGeom>
+        </p:spPr>
+      </p:pic>
     </p:spTree>
     <p:extLst>
       <p:ext uri="{BB962C8B-B14F-4D97-AF65-F5344CB8AC3E}">
-        <p14:creationId xmlns:p14="http://schemas.microsoft.com/office/powerpoint/2010/main" val="2467322710"/>
+        <p14:creationId xmlns:p14="http://schemas.microsoft.com/office/powerpoint/2010/main" val="4242163869"/>
       </p:ext>
     </p:extLst>
   </p:cSld>
@@ -5273,7 +4861,7 @@
 </file>
 
 <file path=ppt/slides/slide11.xml><?xml version="1.0" encoding="utf-8"?>
-<p:sld xmlns:a="http://schemas.openxmlformats.org/drawingml/2006/main" xmlns:r="http://schemas.openxmlformats.org/officeDocument/2006/relationships" xmlns:p="http://schemas.openxmlformats.org/presentationml/2006/main" show="0">
+<p:sld xmlns:a="http://schemas.openxmlformats.org/drawingml/2006/main" xmlns:r="http://schemas.openxmlformats.org/officeDocument/2006/relationships" xmlns:p="http://schemas.openxmlformats.org/presentationml/2006/main">
   <p:cSld>
     <p:spTree>
       <p:nvGrpSpPr>
@@ -5313,444 +4901,10 @@
           <a:lstStyle/>
           <a:p>
             <a:r>
-              <a:rPr lang="en-US"/>
-              <a:t>3. Query</a:t>
-            </a:r>
-          </a:p>
-        </p:txBody>
-      </p:sp>
-      <p:sp>
-        <p:nvSpPr>
-          <p:cNvPr id="4" name="Content Placeholder 3">
-            <a:extLst>
-              <a:ext uri="{FF2B5EF4-FFF2-40B4-BE49-F238E27FC236}">
-                <a16:creationId xmlns:a16="http://schemas.microsoft.com/office/drawing/2014/main" id="{EF5A82F3-73AF-E1B0-38F1-28CECF1C8FA1}"/>
-              </a:ext>
-            </a:extLst>
-          </p:cNvPr>
-          <p:cNvSpPr>
-            <a:spLocks noGrp="1"/>
-          </p:cNvSpPr>
-          <p:nvPr>
-            <p:ph idx="1"/>
-          </p:nvPr>
-        </p:nvSpPr>
-        <p:spPr/>
-        <p:txBody>
-          <a:bodyPr>
-            <a:normAutofit/>
-          </a:bodyPr>
-          <a:lstStyle/>
-          <a:p>
-            <a:r>
-              <a:rPr lang="en-US"/>
-              <a:t>Headcount by Gender</a:t>
-            </a:r>
-          </a:p>
-          <a:p>
-            <a:pPr marL="457200" lvl="1" indent="0">
-              <a:buNone/>
-            </a:pPr>
-            <a:r>
-              <a:rPr lang="en-GB" b="0" i="0">
-                <a:effectLst/>
-                <a:latin typeface="Courier New" panose="02070309020205020404" pitchFamily="49" charset="0"/>
-              </a:rPr>
-              <a:t>SELECT</a:t>
-            </a:r>
-            <a:r>
-              <a:rPr lang="en-GB" b="0" i="0">
-                <a:solidFill>
-                  <a:srgbClr val="000000"/>
-                </a:solidFill>
-                <a:effectLst/>
-                <a:latin typeface="Courier New" panose="02070309020205020404" pitchFamily="49" charset="0"/>
-              </a:rPr>
-              <a:t> e.Gender, </a:t>
-            </a:r>
-            <a:r>
-              <a:rPr lang="en-GB" b="1" i="0">
-                <a:effectLst/>
-                <a:latin typeface="Courier New" panose="02070309020205020404" pitchFamily="49" charset="0"/>
-              </a:rPr>
-              <a:t>COUNT</a:t>
-            </a:r>
-            <a:r>
-              <a:rPr lang="en-GB" b="0" i="0">
-                <a:effectLst/>
-                <a:latin typeface="Courier New" panose="02070309020205020404" pitchFamily="49" charset="0"/>
-              </a:rPr>
-              <a:t>(e.employee_id)</a:t>
-            </a:r>
-            <a:r>
-              <a:rPr lang="en-GB" b="0" i="0">
-                <a:solidFill>
-                  <a:srgbClr val="000000"/>
-                </a:solidFill>
-                <a:effectLst/>
-                <a:latin typeface="Courier New" panose="02070309020205020404" pitchFamily="49" charset="0"/>
-              </a:rPr>
-              <a:t> </a:t>
-            </a:r>
-            <a:r>
-              <a:rPr lang="en-GB" b="0" i="0">
-                <a:effectLst/>
-                <a:latin typeface="Courier New" panose="02070309020205020404" pitchFamily="49" charset="0"/>
-              </a:rPr>
-              <a:t>AS</a:t>
-            </a:r>
-            <a:r>
-              <a:rPr lang="en-GB" b="0" i="0">
-                <a:solidFill>
-                  <a:srgbClr val="000000"/>
-                </a:solidFill>
-                <a:effectLst/>
-                <a:latin typeface="Courier New" panose="02070309020205020404" pitchFamily="49" charset="0"/>
-              </a:rPr>
-              <a:t> </a:t>
-            </a:r>
-            <a:r>
-              <a:rPr lang="en-GB" b="0" i="0">
-                <a:effectLst/>
-                <a:latin typeface="Courier New" panose="02070309020205020404" pitchFamily="49" charset="0"/>
-              </a:rPr>
-              <a:t>total_employees_Female</a:t>
-            </a:r>
-            <a:br>
-              <a:rPr lang="en-GB"/>
-            </a:br>
-            <a:r>
-              <a:rPr lang="en-GB" b="0" i="0">
-                <a:effectLst/>
-                <a:latin typeface="Courier New" panose="02070309020205020404" pitchFamily="49" charset="0"/>
-              </a:rPr>
-              <a:t>FROM</a:t>
-            </a:r>
-            <a:r>
-              <a:rPr lang="en-GB" b="0" i="0">
-                <a:solidFill>
-                  <a:srgbClr val="000000"/>
-                </a:solidFill>
-                <a:effectLst/>
-                <a:latin typeface="Courier New" panose="02070309020205020404" pitchFamily="49" charset="0"/>
-              </a:rPr>
-              <a:t>   </a:t>
-            </a:r>
-            <a:r>
-              <a:rPr lang="en-GB" b="0" i="0">
-                <a:effectLst/>
-                <a:latin typeface="Courier New" panose="02070309020205020404" pitchFamily="49" charset="0"/>
-              </a:rPr>
-              <a:t>employee</a:t>
-            </a:r>
-            <a:r>
-              <a:rPr lang="en-GB" b="0" i="0">
-                <a:solidFill>
-                  <a:srgbClr val="000000"/>
-                </a:solidFill>
-                <a:effectLst/>
-                <a:latin typeface="Courier New" panose="02070309020205020404" pitchFamily="49" charset="0"/>
-              </a:rPr>
-              <a:t> </a:t>
-            </a:r>
-            <a:r>
-              <a:rPr lang="en-GB" b="0" i="0">
-                <a:effectLst/>
-                <a:latin typeface="Courier New" panose="02070309020205020404" pitchFamily="49" charset="0"/>
-              </a:rPr>
-              <a:t>e</a:t>
-            </a:r>
-            <a:br>
-              <a:rPr lang="en-GB"/>
-            </a:br>
-            <a:r>
-              <a:rPr lang="en-GB" b="0" i="0">
-                <a:solidFill>
-                  <a:srgbClr val="000000"/>
-                </a:solidFill>
-                <a:effectLst/>
-                <a:latin typeface="Courier New" panose="02070309020205020404" pitchFamily="49" charset="0"/>
-              </a:rPr>
-              <a:t>       </a:t>
-            </a:r>
-            <a:r>
-              <a:rPr lang="en-GB" b="0" i="0">
-                <a:effectLst/>
-                <a:latin typeface="Courier New" panose="02070309020205020404" pitchFamily="49" charset="0"/>
-              </a:rPr>
-              <a:t>LEFT</a:t>
-            </a:r>
-            <a:r>
-              <a:rPr lang="en-GB" b="0" i="0">
-                <a:solidFill>
-                  <a:srgbClr val="000000"/>
-                </a:solidFill>
-                <a:effectLst/>
-                <a:latin typeface="Courier New" panose="02070309020205020404" pitchFamily="49" charset="0"/>
-              </a:rPr>
-              <a:t> </a:t>
-            </a:r>
-            <a:r>
-              <a:rPr lang="en-GB" b="0" i="0">
-                <a:effectLst/>
-                <a:latin typeface="Courier New" panose="02070309020205020404" pitchFamily="49" charset="0"/>
-              </a:rPr>
-              <a:t>JOIN</a:t>
-            </a:r>
-            <a:r>
-              <a:rPr lang="en-GB" b="0" i="0">
-                <a:solidFill>
-                  <a:srgbClr val="000000"/>
-                </a:solidFill>
-                <a:effectLst/>
-                <a:latin typeface="Courier New" panose="02070309020205020404" pitchFamily="49" charset="0"/>
-              </a:rPr>
-              <a:t> </a:t>
-            </a:r>
-            <a:r>
-              <a:rPr lang="en-GB" b="0" i="0">
-                <a:effectLst/>
-                <a:latin typeface="Courier New" panose="02070309020205020404" pitchFamily="49" charset="0"/>
-              </a:rPr>
-              <a:t>contract</a:t>
-            </a:r>
-            <a:r>
-              <a:rPr lang="en-GB" b="0" i="0">
-                <a:solidFill>
-                  <a:srgbClr val="000000"/>
-                </a:solidFill>
-                <a:effectLst/>
-                <a:latin typeface="Courier New" panose="02070309020205020404" pitchFamily="49" charset="0"/>
-              </a:rPr>
-              <a:t> </a:t>
-            </a:r>
-            <a:r>
-              <a:rPr lang="en-GB" b="0" i="0">
-                <a:effectLst/>
-                <a:latin typeface="Courier New" panose="02070309020205020404" pitchFamily="49" charset="0"/>
-              </a:rPr>
-              <a:t>c</a:t>
-            </a:r>
-            <a:br>
-              <a:rPr lang="en-GB"/>
-            </a:br>
-            <a:r>
-              <a:rPr lang="en-GB" b="0" i="0">
-                <a:solidFill>
-                  <a:srgbClr val="000000"/>
-                </a:solidFill>
-                <a:effectLst/>
-                <a:latin typeface="Courier New" panose="02070309020205020404" pitchFamily="49" charset="0"/>
-              </a:rPr>
-              <a:t>              </a:t>
-            </a:r>
-            <a:r>
-              <a:rPr lang="en-GB" b="0" i="0">
-                <a:effectLst/>
-                <a:latin typeface="Courier New" panose="02070309020205020404" pitchFamily="49" charset="0"/>
-              </a:rPr>
-              <a:t>ON</a:t>
-            </a:r>
-            <a:r>
-              <a:rPr lang="en-GB" b="0" i="0">
-                <a:solidFill>
-                  <a:srgbClr val="000000"/>
-                </a:solidFill>
-                <a:effectLst/>
-                <a:latin typeface="Courier New" panose="02070309020205020404" pitchFamily="49" charset="0"/>
-              </a:rPr>
-              <a:t> </a:t>
-            </a:r>
-            <a:r>
-              <a:rPr lang="en-GB" b="0" i="0">
-                <a:effectLst/>
-                <a:latin typeface="Courier New" panose="02070309020205020404" pitchFamily="49" charset="0"/>
-              </a:rPr>
-              <a:t>e.employee_id</a:t>
-            </a:r>
-            <a:r>
-              <a:rPr lang="en-GB" b="0" i="0">
-                <a:solidFill>
-                  <a:srgbClr val="000000"/>
-                </a:solidFill>
-                <a:effectLst/>
-                <a:latin typeface="Courier New" panose="02070309020205020404" pitchFamily="49" charset="0"/>
-              </a:rPr>
-              <a:t> </a:t>
-            </a:r>
-            <a:r>
-              <a:rPr lang="en-GB" b="0" i="0">
-                <a:effectLst/>
-                <a:latin typeface="Courier New" panose="02070309020205020404" pitchFamily="49" charset="0"/>
-              </a:rPr>
-              <a:t>=</a:t>
-            </a:r>
-            <a:r>
-              <a:rPr lang="en-GB" b="0" i="0">
-                <a:solidFill>
-                  <a:srgbClr val="000000"/>
-                </a:solidFill>
-                <a:effectLst/>
-                <a:latin typeface="Courier New" panose="02070309020205020404" pitchFamily="49" charset="0"/>
-              </a:rPr>
-              <a:t> </a:t>
-            </a:r>
-            <a:r>
-              <a:rPr lang="en-GB" b="0" i="0">
-                <a:effectLst/>
-                <a:latin typeface="Courier New" panose="02070309020205020404" pitchFamily="49" charset="0"/>
-              </a:rPr>
-              <a:t>c.employee_id</a:t>
-            </a:r>
-            <a:br>
-              <a:rPr lang="en-GB"/>
-            </a:br>
-            <a:r>
-              <a:rPr lang="en-GB" b="0" i="0">
-                <a:effectLst/>
-                <a:latin typeface="Courier New" panose="02070309020205020404" pitchFamily="49" charset="0"/>
-              </a:rPr>
-              <a:t>WHERE</a:t>
-            </a:r>
-            <a:r>
-              <a:rPr lang="en-GB" b="0" i="0">
-                <a:solidFill>
-                  <a:srgbClr val="000000"/>
-                </a:solidFill>
-                <a:effectLst/>
-                <a:latin typeface="Courier New" panose="02070309020205020404" pitchFamily="49" charset="0"/>
-              </a:rPr>
-              <a:t>   &lt;Date_Filter&gt; </a:t>
-            </a:r>
-            <a:r>
-              <a:rPr lang="en-GB" b="0" i="0">
-                <a:effectLst/>
-                <a:latin typeface="Courier New" panose="02070309020205020404" pitchFamily="49" charset="0"/>
-              </a:rPr>
-              <a:t>BETWEEN</a:t>
-            </a:r>
-            <a:r>
-              <a:rPr lang="en-GB" b="0" i="0">
-                <a:solidFill>
-                  <a:srgbClr val="000000"/>
-                </a:solidFill>
-                <a:effectLst/>
-                <a:latin typeface="Courier New" panose="02070309020205020404" pitchFamily="49" charset="0"/>
-              </a:rPr>
-              <a:t> </a:t>
-            </a:r>
-            <a:r>
-              <a:rPr lang="en-GB" b="0" i="0">
-                <a:effectLst/>
-                <a:latin typeface="Courier New" panose="02070309020205020404" pitchFamily="49" charset="0"/>
-              </a:rPr>
-              <a:t>c.start_date</a:t>
-            </a:r>
-            <a:r>
-              <a:rPr lang="en-GB" b="0" i="0">
-                <a:solidFill>
-                  <a:srgbClr val="000000"/>
-                </a:solidFill>
-                <a:effectLst/>
-                <a:latin typeface="Courier New" panose="02070309020205020404" pitchFamily="49" charset="0"/>
-              </a:rPr>
-              <a:t> </a:t>
-            </a:r>
-            <a:r>
-              <a:rPr lang="en-GB" b="0" i="0">
-                <a:effectLst/>
-                <a:latin typeface="Courier New" panose="02070309020205020404" pitchFamily="49" charset="0"/>
-              </a:rPr>
-              <a:t>AND</a:t>
-            </a:r>
-            <a:r>
-              <a:rPr lang="en-GB" b="0" i="0">
-                <a:solidFill>
-                  <a:srgbClr val="000000"/>
-                </a:solidFill>
-                <a:effectLst/>
-                <a:latin typeface="Courier New" panose="02070309020205020404" pitchFamily="49" charset="0"/>
-              </a:rPr>
-              <a:t> </a:t>
-            </a:r>
-            <a:r>
-              <a:rPr lang="en-GB" b="1" i="0">
-                <a:effectLst/>
-                <a:latin typeface="Courier New" panose="02070309020205020404" pitchFamily="49" charset="0"/>
-              </a:rPr>
-              <a:t>IF</a:t>
-            </a:r>
-            <a:r>
-              <a:rPr lang="en-GB" b="0" i="0">
-                <a:effectLst/>
-                <a:latin typeface="Courier New" panose="02070309020205020404" pitchFamily="49" charset="0"/>
-              </a:rPr>
-              <a:t>(c.end_date</a:t>
-            </a:r>
-            <a:r>
-              <a:rPr lang="en-GB" b="0" i="0">
-                <a:solidFill>
-                  <a:srgbClr val="000000"/>
-                </a:solidFill>
-                <a:effectLst/>
-                <a:latin typeface="Courier New" panose="02070309020205020404" pitchFamily="49" charset="0"/>
-              </a:rPr>
-              <a:t> </a:t>
-            </a:r>
-            <a:r>
-              <a:rPr lang="en-GB" b="0" i="0">
-                <a:effectLst/>
-                <a:latin typeface="Courier New" panose="02070309020205020404" pitchFamily="49" charset="0"/>
-              </a:rPr>
-              <a:t>!=</a:t>
-            </a:r>
-            <a:r>
-              <a:rPr lang="en-GB" b="0" i="0">
-                <a:solidFill>
-                  <a:srgbClr val="000000"/>
-                </a:solidFill>
-                <a:effectLst/>
-                <a:latin typeface="Courier New" panose="02070309020205020404" pitchFamily="49" charset="0"/>
-              </a:rPr>
-              <a:t> </a:t>
-            </a:r>
-            <a:r>
-              <a:rPr lang="en-GB" b="0" i="0">
-                <a:effectLst/>
-                <a:latin typeface="Courier New" panose="02070309020205020404" pitchFamily="49" charset="0"/>
-              </a:rPr>
-              <a:t>NULL,c.end_date,</a:t>
-            </a:r>
-            <a:r>
-              <a:rPr lang="en-GB" b="1" i="0">
-                <a:effectLst/>
-                <a:latin typeface="Courier New" panose="02070309020205020404" pitchFamily="49" charset="0"/>
-              </a:rPr>
-              <a:t>Curdate</a:t>
-            </a:r>
-            <a:r>
-              <a:rPr lang="en-GB" b="0" i="0">
-                <a:effectLst/>
-                <a:latin typeface="Courier New" panose="02070309020205020404" pitchFamily="49" charset="0"/>
-              </a:rPr>
-              <a:t>())</a:t>
-            </a:r>
-            <a:br>
-              <a:rPr lang="en-GB" b="0" i="0">
-                <a:effectLst/>
-                <a:latin typeface="Courier New" panose="02070309020205020404" pitchFamily="49" charset="0"/>
-              </a:rPr>
-            </a:br>
-            <a:r>
-              <a:rPr lang="en-GB" b="0" i="0">
-                <a:effectLst/>
-                <a:latin typeface="Courier New" panose="02070309020205020404" pitchFamily="49" charset="0"/>
-              </a:rPr>
-              <a:t>GROUP BY e.Gender</a:t>
-            </a:r>
-            <a:endParaRPr lang="en-US">
-              <a:latin typeface="Courier New" panose="02070309020205020404" pitchFamily="49" charset="0"/>
-            </a:endParaRPr>
+              <a:rPr lang="en-US" cap="none"/>
+              <a:t>Termination</a:t>
+            </a:r>
+            <a:endParaRPr lang="en-US"/>
           </a:p>
         </p:txBody>
       </p:sp>
@@ -5776,12 +4930,12 @@
               </a:ext>
             </a:extLst>
           </a:blip>
-          <a:srcRect l="1689" t="29932" r="2540" b="55966"/>
+          <a:srcRect l="2115" t="79618" r="2115" b="6280"/>
           <a:stretch/>
         </p:blipFill>
         <p:spPr bwMode="auto">
           <a:xfrm>
-            <a:off x="2646402" y="1445642"/>
+            <a:off x="2646402" y="1432390"/>
             <a:ext cx="7099541" cy="584326"/>
           </a:xfrm>
           <a:prstGeom prst="rect">
@@ -5799,2007 +4953,42 @@
           </a:extLst>
         </p:spPr>
       </p:pic>
-    </p:spTree>
-    <p:extLst>
-      <p:ext uri="{BB962C8B-B14F-4D97-AF65-F5344CB8AC3E}">
-        <p14:creationId xmlns:p14="http://schemas.microsoft.com/office/powerpoint/2010/main" val="526290074"/>
-      </p:ext>
-    </p:extLst>
-  </p:cSld>
-  <p:clrMapOvr>
-    <a:masterClrMapping/>
-  </p:clrMapOvr>
-</p:sld>
-</file>
-
-<file path=ppt/slides/slide12.xml><?xml version="1.0" encoding="utf-8"?>
-<p:sld xmlns:a="http://schemas.openxmlformats.org/drawingml/2006/main" xmlns:r="http://schemas.openxmlformats.org/officeDocument/2006/relationships" xmlns:p="http://schemas.openxmlformats.org/presentationml/2006/main" show="0">
-  <p:cSld>
-    <p:spTree>
-      <p:nvGrpSpPr>
-        <p:cNvPr id="1" name=""/>
-        <p:cNvGrpSpPr/>
-        <p:nvPr/>
-      </p:nvGrpSpPr>
-      <p:grpSpPr>
-        <a:xfrm>
-          <a:off x="0" y="0"/>
-          <a:ext cx="0" cy="0"/>
-          <a:chOff x="0" y="0"/>
-          <a:chExt cx="0" cy="0"/>
-        </a:xfrm>
-      </p:grpSpPr>
-      <p:sp>
-        <p:nvSpPr>
-          <p:cNvPr id="2" name="Title 1">
-            <a:extLst>
-              <a:ext uri="{FF2B5EF4-FFF2-40B4-BE49-F238E27FC236}">
-                <a16:creationId xmlns:a16="http://schemas.microsoft.com/office/drawing/2014/main" id="{DB4C97C5-E2B7-6790-9BE2-87DF395206EB}"/>
-              </a:ext>
-            </a:extLst>
-          </p:cNvPr>
-          <p:cNvSpPr>
-            <a:spLocks noGrp="1"/>
-          </p:cNvSpPr>
-          <p:nvPr>
-            <p:ph type="title"/>
-          </p:nvPr>
-        </p:nvSpPr>
-        <p:spPr/>
-        <p:txBody>
-          <a:bodyPr anchor="t">
-            <a:normAutofit/>
-          </a:bodyPr>
-          <a:lstStyle/>
-          <a:p>
-            <a:r>
-              <a:rPr lang="en-US"/>
-              <a:t>3. Query</a:t>
-            </a:r>
-          </a:p>
-        </p:txBody>
-      </p:sp>
-      <p:sp>
-        <p:nvSpPr>
-          <p:cNvPr id="4" name="Content Placeholder 3">
-            <a:extLst>
-              <a:ext uri="{FF2B5EF4-FFF2-40B4-BE49-F238E27FC236}">
-                <a16:creationId xmlns:a16="http://schemas.microsoft.com/office/drawing/2014/main" id="{EF5A82F3-73AF-E1B0-38F1-28CECF1C8FA1}"/>
-              </a:ext>
-            </a:extLst>
-          </p:cNvPr>
-          <p:cNvSpPr>
-            <a:spLocks noGrp="1"/>
-          </p:cNvSpPr>
-          <p:nvPr>
-            <p:ph idx="1"/>
-          </p:nvPr>
-        </p:nvSpPr>
-        <p:spPr/>
-        <p:txBody>
-          <a:bodyPr>
-            <a:normAutofit fontScale="40000" lnSpcReduction="20000"/>
-          </a:bodyPr>
-          <a:lstStyle/>
-          <a:p>
-            <a:r>
-              <a:rPr lang="en-US"/>
-              <a:t>Headcount by Age Range</a:t>
-            </a:r>
-          </a:p>
-          <a:p>
-            <a:pPr marL="457200" lvl="1" indent="0">
-              <a:buNone/>
-            </a:pPr>
-            <a:r>
-              <a:rPr lang="en-GB" b="0" i="0">
-                <a:effectLst/>
-                <a:latin typeface="Courier New" panose="02070309020205020404" pitchFamily="49" charset="0"/>
-              </a:rPr>
-              <a:t>SELECT</a:t>
-            </a:r>
-            <a:r>
-              <a:rPr lang="en-GB" b="0" i="0">
-                <a:solidFill>
-                  <a:srgbClr val="000000"/>
-                </a:solidFill>
-                <a:effectLst/>
-                <a:latin typeface="Courier New" panose="02070309020205020404" pitchFamily="49" charset="0"/>
-              </a:rPr>
-              <a:t> </a:t>
-            </a:r>
-            <a:r>
-              <a:rPr lang="en-GB" b="1" i="0">
-                <a:effectLst/>
-                <a:latin typeface="Courier New" panose="02070309020205020404" pitchFamily="49" charset="0"/>
-              </a:rPr>
-              <a:t>SUM</a:t>
-            </a:r>
-            <a:r>
-              <a:rPr lang="en-GB" b="0" i="0">
-                <a:effectLst/>
-                <a:latin typeface="Courier New" panose="02070309020205020404" pitchFamily="49" charset="0"/>
-              </a:rPr>
-              <a:t>(CASE</a:t>
-            </a:r>
-            <a:br>
-              <a:rPr lang="en-GB"/>
-            </a:br>
-            <a:r>
-              <a:rPr lang="en-GB" b="0" i="0">
-                <a:solidFill>
-                  <a:srgbClr val="000000"/>
-                </a:solidFill>
-                <a:effectLst/>
-                <a:latin typeface="Courier New" panose="02070309020205020404" pitchFamily="49" charset="0"/>
-              </a:rPr>
-              <a:t>               </a:t>
-            </a:r>
-            <a:r>
-              <a:rPr lang="en-GB" b="0" i="0">
-                <a:effectLst/>
-                <a:latin typeface="Courier New" panose="02070309020205020404" pitchFamily="49" charset="0"/>
-              </a:rPr>
-              <a:t>WHEN</a:t>
-            </a:r>
-            <a:r>
-              <a:rPr lang="en-GB" b="0" i="0">
-                <a:solidFill>
-                  <a:srgbClr val="000000"/>
-                </a:solidFill>
-                <a:effectLst/>
-                <a:latin typeface="Courier New" panose="02070309020205020404" pitchFamily="49" charset="0"/>
-              </a:rPr>
-              <a:t> </a:t>
-            </a:r>
-            <a:r>
-              <a:rPr lang="en-GB" b="1" i="0">
-                <a:effectLst/>
-                <a:latin typeface="Courier New" panose="02070309020205020404" pitchFamily="49" charset="0"/>
-              </a:rPr>
-              <a:t>TIMESTAMPDIFF</a:t>
-            </a:r>
-            <a:r>
-              <a:rPr lang="en-GB" b="0" i="0">
-                <a:effectLst/>
-                <a:latin typeface="Courier New" panose="02070309020205020404" pitchFamily="49" charset="0"/>
-              </a:rPr>
-              <a:t>(YEAR,</a:t>
-            </a:r>
-            <a:r>
-              <a:rPr lang="en-GB" b="0" i="0">
-                <a:solidFill>
-                  <a:srgbClr val="000000"/>
-                </a:solidFill>
-                <a:effectLst/>
-                <a:latin typeface="Courier New" panose="02070309020205020404" pitchFamily="49" charset="0"/>
-              </a:rPr>
-              <a:t> </a:t>
-            </a:r>
-            <a:r>
-              <a:rPr lang="en-GB" b="0" i="0">
-                <a:effectLst/>
-                <a:latin typeface="Courier New" panose="02070309020205020404" pitchFamily="49" charset="0"/>
-              </a:rPr>
-              <a:t>Age_Range,</a:t>
-            </a:r>
-            <a:r>
-              <a:rPr lang="en-GB" b="0" i="0">
-                <a:solidFill>
-                  <a:srgbClr val="000000"/>
-                </a:solidFill>
-                <a:effectLst/>
-                <a:latin typeface="Courier New" panose="02070309020205020404" pitchFamily="49" charset="0"/>
-              </a:rPr>
-              <a:t> </a:t>
-            </a:r>
-            <a:r>
-              <a:rPr lang="en-GB" b="1" i="0">
-                <a:effectLst/>
-                <a:latin typeface="Courier New" panose="02070309020205020404" pitchFamily="49" charset="0"/>
-              </a:rPr>
-              <a:t>CURDATE</a:t>
-            </a:r>
-            <a:r>
-              <a:rPr lang="en-GB" b="0" i="0">
-                <a:effectLst/>
-                <a:latin typeface="Courier New" panose="02070309020205020404" pitchFamily="49" charset="0"/>
-              </a:rPr>
-              <a:t>())</a:t>
-            </a:r>
-            <a:r>
-              <a:rPr lang="en-GB" b="0" i="0">
-                <a:solidFill>
-                  <a:srgbClr val="000000"/>
-                </a:solidFill>
-                <a:effectLst/>
-                <a:latin typeface="Courier New" panose="02070309020205020404" pitchFamily="49" charset="0"/>
-              </a:rPr>
-              <a:t> </a:t>
-            </a:r>
-            <a:r>
-              <a:rPr lang="en-GB" b="0" i="0">
-                <a:effectLst/>
-                <a:latin typeface="Courier New" panose="02070309020205020404" pitchFamily="49" charset="0"/>
-              </a:rPr>
-              <a:t>&lt;</a:t>
-            </a:r>
-            <a:r>
-              <a:rPr lang="en-GB" b="0" i="0">
-                <a:solidFill>
-                  <a:srgbClr val="000000"/>
-                </a:solidFill>
-                <a:effectLst/>
-                <a:latin typeface="Courier New" panose="02070309020205020404" pitchFamily="49" charset="0"/>
-              </a:rPr>
-              <a:t> 20 </a:t>
-            </a:r>
-            <a:r>
-              <a:rPr lang="en-GB" b="0" i="0">
-                <a:effectLst/>
-                <a:latin typeface="Courier New" panose="02070309020205020404" pitchFamily="49" charset="0"/>
-              </a:rPr>
-              <a:t>THEN</a:t>
-            </a:r>
-            <a:r>
-              <a:rPr lang="en-GB" b="0" i="0">
-                <a:solidFill>
-                  <a:srgbClr val="000000"/>
-                </a:solidFill>
-                <a:effectLst/>
-                <a:latin typeface="Courier New" panose="02070309020205020404" pitchFamily="49" charset="0"/>
-              </a:rPr>
-              <a:t> 1</a:t>
-            </a:r>
-            <a:br>
-              <a:rPr lang="en-GB"/>
-            </a:br>
-            <a:r>
-              <a:rPr lang="en-GB" b="0" i="0">
-                <a:solidFill>
-                  <a:srgbClr val="000000"/>
-                </a:solidFill>
-                <a:effectLst/>
-                <a:latin typeface="Courier New" panose="02070309020205020404" pitchFamily="49" charset="0"/>
-              </a:rPr>
-              <a:t>               </a:t>
-            </a:r>
-            <a:r>
-              <a:rPr lang="en-GB" b="0" i="0">
-                <a:effectLst/>
-                <a:latin typeface="Courier New" panose="02070309020205020404" pitchFamily="49" charset="0"/>
-              </a:rPr>
-              <a:t>ELSE</a:t>
-            </a:r>
-            <a:r>
-              <a:rPr lang="en-GB" b="0" i="0">
-                <a:solidFill>
-                  <a:srgbClr val="000000"/>
-                </a:solidFill>
-                <a:effectLst/>
-                <a:latin typeface="Courier New" panose="02070309020205020404" pitchFamily="49" charset="0"/>
-              </a:rPr>
-              <a:t> 0</a:t>
-            </a:r>
-            <a:br>
-              <a:rPr lang="en-GB"/>
-            </a:br>
-            <a:r>
-              <a:rPr lang="en-GB" b="0" i="0">
-                <a:solidFill>
-                  <a:srgbClr val="000000"/>
-                </a:solidFill>
-                <a:effectLst/>
-                <a:latin typeface="Courier New" panose="02070309020205020404" pitchFamily="49" charset="0"/>
-              </a:rPr>
-              <a:t>           </a:t>
-            </a:r>
-            <a:r>
-              <a:rPr lang="en-GB" b="0" i="0">
-                <a:effectLst/>
-                <a:latin typeface="Courier New" panose="02070309020205020404" pitchFamily="49" charset="0"/>
-              </a:rPr>
-              <a:t>END)</a:t>
-            </a:r>
-            <a:r>
-              <a:rPr lang="en-GB" b="0" i="0">
-                <a:solidFill>
-                  <a:srgbClr val="000000"/>
-                </a:solidFill>
-                <a:effectLst/>
-                <a:latin typeface="Courier New" panose="02070309020205020404" pitchFamily="49" charset="0"/>
-              </a:rPr>
-              <a:t> </a:t>
-            </a:r>
-            <a:r>
-              <a:rPr lang="en-GB" b="0" i="0">
-                <a:effectLst/>
-                <a:latin typeface="Courier New" panose="02070309020205020404" pitchFamily="49" charset="0"/>
-              </a:rPr>
-              <a:t>AS</a:t>
-            </a:r>
-            <a:r>
-              <a:rPr lang="en-GB" b="0" i="0">
-                <a:solidFill>
-                  <a:srgbClr val="000000"/>
-                </a:solidFill>
-                <a:effectLst/>
-                <a:latin typeface="Courier New" panose="02070309020205020404" pitchFamily="49" charset="0"/>
-              </a:rPr>
-              <a:t> </a:t>
-            </a:r>
-            <a:r>
-              <a:rPr lang="en-GB" b="0" i="0">
-                <a:effectLst/>
-                <a:latin typeface="Courier New" panose="02070309020205020404" pitchFamily="49" charset="0"/>
-              </a:rPr>
-              <a:t>total_employees_20,</a:t>
-            </a:r>
-            <a:br>
-              <a:rPr lang="en-GB"/>
-            </a:br>
-            <a:r>
-              <a:rPr lang="en-GB" b="0" i="0">
-                <a:solidFill>
-                  <a:srgbClr val="000000"/>
-                </a:solidFill>
-                <a:effectLst/>
-                <a:latin typeface="Courier New" panose="02070309020205020404" pitchFamily="49" charset="0"/>
-              </a:rPr>
-              <a:t>       </a:t>
-            </a:r>
-            <a:r>
-              <a:rPr lang="en-GB" b="1" i="0">
-                <a:effectLst/>
-                <a:latin typeface="Courier New" panose="02070309020205020404" pitchFamily="49" charset="0"/>
-              </a:rPr>
-              <a:t>SUM</a:t>
-            </a:r>
-            <a:r>
-              <a:rPr lang="en-GB" b="0" i="0">
-                <a:effectLst/>
-                <a:latin typeface="Courier New" panose="02070309020205020404" pitchFamily="49" charset="0"/>
-              </a:rPr>
-              <a:t>(CASE</a:t>
-            </a:r>
-            <a:br>
-              <a:rPr lang="en-GB"/>
-            </a:br>
-            <a:r>
-              <a:rPr lang="en-GB" b="0" i="0">
-                <a:solidFill>
-                  <a:srgbClr val="000000"/>
-                </a:solidFill>
-                <a:effectLst/>
-                <a:latin typeface="Courier New" panose="02070309020205020404" pitchFamily="49" charset="0"/>
-              </a:rPr>
-              <a:t>               </a:t>
-            </a:r>
-            <a:r>
-              <a:rPr lang="en-GB" b="0" i="0">
-                <a:effectLst/>
-                <a:latin typeface="Courier New" panose="02070309020205020404" pitchFamily="49" charset="0"/>
-              </a:rPr>
-              <a:t>WHEN</a:t>
-            </a:r>
-            <a:r>
-              <a:rPr lang="en-GB" b="0" i="0">
-                <a:solidFill>
-                  <a:srgbClr val="000000"/>
-                </a:solidFill>
-                <a:effectLst/>
-                <a:latin typeface="Courier New" panose="02070309020205020404" pitchFamily="49" charset="0"/>
-              </a:rPr>
-              <a:t> </a:t>
-            </a:r>
-            <a:r>
-              <a:rPr lang="en-GB" b="1" i="0">
-                <a:effectLst/>
-                <a:latin typeface="Courier New" panose="02070309020205020404" pitchFamily="49" charset="0"/>
-              </a:rPr>
-              <a:t>TIMESTAMPDIFF</a:t>
-            </a:r>
-            <a:r>
-              <a:rPr lang="en-GB" b="0" i="0">
-                <a:effectLst/>
-                <a:latin typeface="Courier New" panose="02070309020205020404" pitchFamily="49" charset="0"/>
-              </a:rPr>
-              <a:t>(YEAR,</a:t>
-            </a:r>
-            <a:r>
-              <a:rPr lang="en-GB" b="0" i="0">
-                <a:solidFill>
-                  <a:srgbClr val="000000"/>
-                </a:solidFill>
-                <a:effectLst/>
-                <a:latin typeface="Courier New" panose="02070309020205020404" pitchFamily="49" charset="0"/>
-              </a:rPr>
-              <a:t> </a:t>
-            </a:r>
-            <a:r>
-              <a:rPr lang="en-GB" b="0" i="0">
-                <a:effectLst/>
-                <a:latin typeface="Courier New" panose="02070309020205020404" pitchFamily="49" charset="0"/>
-              </a:rPr>
-              <a:t>Age_Range,</a:t>
-            </a:r>
-            <a:r>
-              <a:rPr lang="en-GB" b="0" i="0">
-                <a:solidFill>
-                  <a:srgbClr val="000000"/>
-                </a:solidFill>
-                <a:effectLst/>
-                <a:latin typeface="Courier New" panose="02070309020205020404" pitchFamily="49" charset="0"/>
-              </a:rPr>
-              <a:t> </a:t>
-            </a:r>
-            <a:r>
-              <a:rPr lang="en-GB" b="1" i="0">
-                <a:effectLst/>
-                <a:latin typeface="Courier New" panose="02070309020205020404" pitchFamily="49" charset="0"/>
-              </a:rPr>
-              <a:t>CURDATE</a:t>
-            </a:r>
-            <a:r>
-              <a:rPr lang="en-GB" b="0" i="0">
-                <a:effectLst/>
-                <a:latin typeface="Courier New" panose="02070309020205020404" pitchFamily="49" charset="0"/>
-              </a:rPr>
-              <a:t>())</a:t>
-            </a:r>
-            <a:r>
-              <a:rPr lang="en-GB" b="0" i="0">
-                <a:solidFill>
-                  <a:srgbClr val="000000"/>
-                </a:solidFill>
-                <a:effectLst/>
-                <a:latin typeface="Courier New" panose="02070309020205020404" pitchFamily="49" charset="0"/>
-              </a:rPr>
-              <a:t> </a:t>
-            </a:r>
-            <a:r>
-              <a:rPr lang="en-GB" b="0" i="0">
-                <a:effectLst/>
-                <a:latin typeface="Courier New" panose="02070309020205020404" pitchFamily="49" charset="0"/>
-              </a:rPr>
-              <a:t>BETWEEN</a:t>
-            </a:r>
-            <a:r>
-              <a:rPr lang="en-GB" b="0" i="0">
-                <a:solidFill>
-                  <a:srgbClr val="000000"/>
-                </a:solidFill>
-                <a:effectLst/>
-                <a:latin typeface="Courier New" panose="02070309020205020404" pitchFamily="49" charset="0"/>
-              </a:rPr>
-              <a:t> 20 </a:t>
-            </a:r>
-            <a:r>
-              <a:rPr lang="en-GB" b="0" i="0">
-                <a:effectLst/>
-                <a:latin typeface="Courier New" panose="02070309020205020404" pitchFamily="49" charset="0"/>
-              </a:rPr>
-              <a:t>AND</a:t>
-            </a:r>
-            <a:r>
-              <a:rPr lang="en-GB" b="0" i="0">
-                <a:solidFill>
-                  <a:srgbClr val="000000"/>
-                </a:solidFill>
-                <a:effectLst/>
-                <a:latin typeface="Courier New" panose="02070309020205020404" pitchFamily="49" charset="0"/>
-              </a:rPr>
-              <a:t> 29 </a:t>
-            </a:r>
-            <a:r>
-              <a:rPr lang="en-GB" b="0" i="0">
-                <a:effectLst/>
-                <a:latin typeface="Courier New" panose="02070309020205020404" pitchFamily="49" charset="0"/>
-              </a:rPr>
-              <a:t>THEN</a:t>
-            </a:r>
-            <a:r>
-              <a:rPr lang="en-GB" b="0" i="0">
-                <a:solidFill>
-                  <a:srgbClr val="000000"/>
-                </a:solidFill>
-                <a:effectLst/>
-                <a:latin typeface="Courier New" panose="02070309020205020404" pitchFamily="49" charset="0"/>
-              </a:rPr>
-              <a:t> 1</a:t>
-            </a:r>
-            <a:br>
-              <a:rPr lang="en-GB"/>
-            </a:br>
-            <a:r>
-              <a:rPr lang="en-GB" b="0" i="0">
-                <a:solidFill>
-                  <a:srgbClr val="000000"/>
-                </a:solidFill>
-                <a:effectLst/>
-                <a:latin typeface="Courier New" panose="02070309020205020404" pitchFamily="49" charset="0"/>
-              </a:rPr>
-              <a:t>               </a:t>
-            </a:r>
-            <a:r>
-              <a:rPr lang="en-GB" b="0" i="0">
-                <a:effectLst/>
-                <a:latin typeface="Courier New" panose="02070309020205020404" pitchFamily="49" charset="0"/>
-              </a:rPr>
-              <a:t>ELSE</a:t>
-            </a:r>
-            <a:r>
-              <a:rPr lang="en-GB" b="0" i="0">
-                <a:solidFill>
-                  <a:srgbClr val="000000"/>
-                </a:solidFill>
-                <a:effectLst/>
-                <a:latin typeface="Courier New" panose="02070309020205020404" pitchFamily="49" charset="0"/>
-              </a:rPr>
-              <a:t> 0</a:t>
-            </a:r>
-            <a:br>
-              <a:rPr lang="en-GB"/>
-            </a:br>
-            <a:r>
-              <a:rPr lang="en-GB" b="0" i="0">
-                <a:solidFill>
-                  <a:srgbClr val="000000"/>
-                </a:solidFill>
-                <a:effectLst/>
-                <a:latin typeface="Courier New" panose="02070309020205020404" pitchFamily="49" charset="0"/>
-              </a:rPr>
-              <a:t>           </a:t>
-            </a:r>
-            <a:r>
-              <a:rPr lang="en-GB" b="0" i="0">
-                <a:effectLst/>
-                <a:latin typeface="Courier New" panose="02070309020205020404" pitchFamily="49" charset="0"/>
-              </a:rPr>
-              <a:t>END)</a:t>
-            </a:r>
-            <a:r>
-              <a:rPr lang="en-GB" b="0" i="0">
-                <a:solidFill>
-                  <a:srgbClr val="000000"/>
-                </a:solidFill>
-                <a:effectLst/>
-                <a:latin typeface="Courier New" panose="02070309020205020404" pitchFamily="49" charset="0"/>
-              </a:rPr>
-              <a:t> </a:t>
-            </a:r>
-            <a:r>
-              <a:rPr lang="en-GB" b="0" i="0">
-                <a:effectLst/>
-                <a:latin typeface="Courier New" panose="02070309020205020404" pitchFamily="49" charset="0"/>
-              </a:rPr>
-              <a:t>AS</a:t>
-            </a:r>
-            <a:r>
-              <a:rPr lang="en-GB" b="0" i="0">
-                <a:solidFill>
-                  <a:srgbClr val="000000"/>
-                </a:solidFill>
-                <a:effectLst/>
-                <a:latin typeface="Courier New" panose="02070309020205020404" pitchFamily="49" charset="0"/>
-              </a:rPr>
-              <a:t> </a:t>
-            </a:r>
-            <a:r>
-              <a:rPr lang="en-GB" b="0" i="0">
-                <a:effectLst/>
-                <a:latin typeface="Courier New" panose="02070309020205020404" pitchFamily="49" charset="0"/>
-              </a:rPr>
-              <a:t>total_employees_20_30,</a:t>
-            </a:r>
-            <a:br>
-              <a:rPr lang="en-GB"/>
-            </a:br>
-            <a:r>
-              <a:rPr lang="en-GB" b="0" i="0">
-                <a:solidFill>
-                  <a:srgbClr val="000000"/>
-                </a:solidFill>
-                <a:effectLst/>
-                <a:latin typeface="Courier New" panose="02070309020205020404" pitchFamily="49" charset="0"/>
-              </a:rPr>
-              <a:t>       </a:t>
-            </a:r>
-            <a:r>
-              <a:rPr lang="en-GB" b="1" i="0">
-                <a:effectLst/>
-                <a:latin typeface="Courier New" panose="02070309020205020404" pitchFamily="49" charset="0"/>
-              </a:rPr>
-              <a:t>SUM</a:t>
-            </a:r>
-            <a:r>
-              <a:rPr lang="en-GB" b="0" i="0">
-                <a:effectLst/>
-                <a:latin typeface="Courier New" panose="02070309020205020404" pitchFamily="49" charset="0"/>
-              </a:rPr>
-              <a:t>(CASE</a:t>
-            </a:r>
-            <a:br>
-              <a:rPr lang="en-GB"/>
-            </a:br>
-            <a:r>
-              <a:rPr lang="en-GB" b="0" i="0">
-                <a:solidFill>
-                  <a:srgbClr val="000000"/>
-                </a:solidFill>
-                <a:effectLst/>
-                <a:latin typeface="Courier New" panose="02070309020205020404" pitchFamily="49" charset="0"/>
-              </a:rPr>
-              <a:t>               </a:t>
-            </a:r>
-            <a:r>
-              <a:rPr lang="en-GB" b="0" i="0">
-                <a:effectLst/>
-                <a:latin typeface="Courier New" panose="02070309020205020404" pitchFamily="49" charset="0"/>
-              </a:rPr>
-              <a:t>WHEN</a:t>
-            </a:r>
-            <a:r>
-              <a:rPr lang="en-GB" b="0" i="0">
-                <a:solidFill>
-                  <a:srgbClr val="000000"/>
-                </a:solidFill>
-                <a:effectLst/>
-                <a:latin typeface="Courier New" panose="02070309020205020404" pitchFamily="49" charset="0"/>
-              </a:rPr>
-              <a:t> </a:t>
-            </a:r>
-            <a:r>
-              <a:rPr lang="en-GB" b="1" i="0">
-                <a:effectLst/>
-                <a:latin typeface="Courier New" panose="02070309020205020404" pitchFamily="49" charset="0"/>
-              </a:rPr>
-              <a:t>TIMESTAMPDIFF</a:t>
-            </a:r>
-            <a:r>
-              <a:rPr lang="en-GB" b="0" i="0">
-                <a:effectLst/>
-                <a:latin typeface="Courier New" panose="02070309020205020404" pitchFamily="49" charset="0"/>
-              </a:rPr>
-              <a:t>(YEAR,</a:t>
-            </a:r>
-            <a:r>
-              <a:rPr lang="en-GB" b="0" i="0">
-                <a:solidFill>
-                  <a:srgbClr val="000000"/>
-                </a:solidFill>
-                <a:effectLst/>
-                <a:latin typeface="Courier New" panose="02070309020205020404" pitchFamily="49" charset="0"/>
-              </a:rPr>
-              <a:t> </a:t>
-            </a:r>
-            <a:r>
-              <a:rPr lang="en-GB" b="0" i="0">
-                <a:effectLst/>
-                <a:latin typeface="Courier New" panose="02070309020205020404" pitchFamily="49" charset="0"/>
-              </a:rPr>
-              <a:t>Age_Range,</a:t>
-            </a:r>
-            <a:r>
-              <a:rPr lang="en-GB" b="0" i="0">
-                <a:solidFill>
-                  <a:srgbClr val="000000"/>
-                </a:solidFill>
-                <a:effectLst/>
-                <a:latin typeface="Courier New" panose="02070309020205020404" pitchFamily="49" charset="0"/>
-              </a:rPr>
-              <a:t> </a:t>
-            </a:r>
-            <a:r>
-              <a:rPr lang="en-GB" b="1" i="0">
-                <a:effectLst/>
-                <a:latin typeface="Courier New" panose="02070309020205020404" pitchFamily="49" charset="0"/>
-              </a:rPr>
-              <a:t>CURDATE</a:t>
-            </a:r>
-            <a:r>
-              <a:rPr lang="en-GB" b="0" i="0">
-                <a:effectLst/>
-                <a:latin typeface="Courier New" panose="02070309020205020404" pitchFamily="49" charset="0"/>
-              </a:rPr>
-              <a:t>())</a:t>
-            </a:r>
-            <a:r>
-              <a:rPr lang="en-GB" b="0" i="0">
-                <a:solidFill>
-                  <a:srgbClr val="000000"/>
-                </a:solidFill>
-                <a:effectLst/>
-                <a:latin typeface="Courier New" panose="02070309020205020404" pitchFamily="49" charset="0"/>
-              </a:rPr>
-              <a:t> </a:t>
-            </a:r>
-            <a:r>
-              <a:rPr lang="en-GB" b="0" i="0">
-                <a:effectLst/>
-                <a:latin typeface="Courier New" panose="02070309020205020404" pitchFamily="49" charset="0"/>
-              </a:rPr>
-              <a:t>BETWEEN</a:t>
-            </a:r>
-            <a:r>
-              <a:rPr lang="en-GB" b="0" i="0">
-                <a:solidFill>
-                  <a:srgbClr val="000000"/>
-                </a:solidFill>
-                <a:effectLst/>
-                <a:latin typeface="Courier New" panose="02070309020205020404" pitchFamily="49" charset="0"/>
-              </a:rPr>
-              <a:t> 30 </a:t>
-            </a:r>
-            <a:r>
-              <a:rPr lang="en-GB" b="0" i="0">
-                <a:effectLst/>
-                <a:latin typeface="Courier New" panose="02070309020205020404" pitchFamily="49" charset="0"/>
-              </a:rPr>
-              <a:t>AND</a:t>
-            </a:r>
-            <a:r>
-              <a:rPr lang="en-GB" b="0" i="0">
-                <a:solidFill>
-                  <a:srgbClr val="000000"/>
-                </a:solidFill>
-                <a:effectLst/>
-                <a:latin typeface="Courier New" panose="02070309020205020404" pitchFamily="49" charset="0"/>
-              </a:rPr>
-              <a:t> 39 </a:t>
-            </a:r>
-            <a:r>
-              <a:rPr lang="en-GB" b="0" i="0">
-                <a:effectLst/>
-                <a:latin typeface="Courier New" panose="02070309020205020404" pitchFamily="49" charset="0"/>
-              </a:rPr>
-              <a:t>THEN</a:t>
-            </a:r>
-            <a:r>
-              <a:rPr lang="en-GB" b="0" i="0">
-                <a:solidFill>
-                  <a:srgbClr val="000000"/>
-                </a:solidFill>
-                <a:effectLst/>
-                <a:latin typeface="Courier New" panose="02070309020205020404" pitchFamily="49" charset="0"/>
-              </a:rPr>
-              <a:t> 1</a:t>
-            </a:r>
-            <a:br>
-              <a:rPr lang="en-GB"/>
-            </a:br>
-            <a:r>
-              <a:rPr lang="en-GB" b="0" i="0">
-                <a:solidFill>
-                  <a:srgbClr val="000000"/>
-                </a:solidFill>
-                <a:effectLst/>
-                <a:latin typeface="Courier New" panose="02070309020205020404" pitchFamily="49" charset="0"/>
-              </a:rPr>
-              <a:t>               </a:t>
-            </a:r>
-            <a:r>
-              <a:rPr lang="en-GB" b="0" i="0">
-                <a:effectLst/>
-                <a:latin typeface="Courier New" panose="02070309020205020404" pitchFamily="49" charset="0"/>
-              </a:rPr>
-              <a:t>ELSE</a:t>
-            </a:r>
-            <a:r>
-              <a:rPr lang="en-GB" b="0" i="0">
-                <a:solidFill>
-                  <a:srgbClr val="000000"/>
-                </a:solidFill>
-                <a:effectLst/>
-                <a:latin typeface="Courier New" panose="02070309020205020404" pitchFamily="49" charset="0"/>
-              </a:rPr>
-              <a:t> 0</a:t>
-            </a:r>
-            <a:br>
-              <a:rPr lang="en-GB"/>
-            </a:br>
-            <a:r>
-              <a:rPr lang="en-GB" b="0" i="0">
-                <a:solidFill>
-                  <a:srgbClr val="000000"/>
-                </a:solidFill>
-                <a:effectLst/>
-                <a:latin typeface="Courier New" panose="02070309020205020404" pitchFamily="49" charset="0"/>
-              </a:rPr>
-              <a:t>           </a:t>
-            </a:r>
-            <a:r>
-              <a:rPr lang="en-GB" b="0" i="0">
-                <a:effectLst/>
-                <a:latin typeface="Courier New" panose="02070309020205020404" pitchFamily="49" charset="0"/>
-              </a:rPr>
-              <a:t>END)</a:t>
-            </a:r>
-            <a:r>
-              <a:rPr lang="en-GB" b="0" i="0">
-                <a:solidFill>
-                  <a:srgbClr val="000000"/>
-                </a:solidFill>
-                <a:effectLst/>
-                <a:latin typeface="Courier New" panose="02070309020205020404" pitchFamily="49" charset="0"/>
-              </a:rPr>
-              <a:t> </a:t>
-            </a:r>
-            <a:r>
-              <a:rPr lang="en-GB" b="0" i="0">
-                <a:effectLst/>
-                <a:latin typeface="Courier New" panose="02070309020205020404" pitchFamily="49" charset="0"/>
-              </a:rPr>
-              <a:t>AS</a:t>
-            </a:r>
-            <a:r>
-              <a:rPr lang="en-GB" b="0" i="0">
-                <a:solidFill>
-                  <a:srgbClr val="000000"/>
-                </a:solidFill>
-                <a:effectLst/>
-                <a:latin typeface="Courier New" panose="02070309020205020404" pitchFamily="49" charset="0"/>
-              </a:rPr>
-              <a:t> </a:t>
-            </a:r>
-            <a:r>
-              <a:rPr lang="en-GB" b="0" i="0">
-                <a:effectLst/>
-                <a:latin typeface="Courier New" panose="02070309020205020404" pitchFamily="49" charset="0"/>
-              </a:rPr>
-              <a:t>total_employees_30_40,</a:t>
-            </a:r>
-            <a:br>
-              <a:rPr lang="en-GB"/>
-            </a:br>
-            <a:r>
-              <a:rPr lang="en-GB" b="0" i="0">
-                <a:solidFill>
-                  <a:srgbClr val="000000"/>
-                </a:solidFill>
-                <a:effectLst/>
-                <a:latin typeface="Courier New" panose="02070309020205020404" pitchFamily="49" charset="0"/>
-              </a:rPr>
-              <a:t>       </a:t>
-            </a:r>
-            <a:r>
-              <a:rPr lang="en-GB" b="1" i="0">
-                <a:effectLst/>
-                <a:latin typeface="Courier New" panose="02070309020205020404" pitchFamily="49" charset="0"/>
-              </a:rPr>
-              <a:t>SUM</a:t>
-            </a:r>
-            <a:r>
-              <a:rPr lang="en-GB" b="0" i="0">
-                <a:effectLst/>
-                <a:latin typeface="Courier New" panose="02070309020205020404" pitchFamily="49" charset="0"/>
-              </a:rPr>
-              <a:t>(CASE</a:t>
-            </a:r>
-            <a:br>
-              <a:rPr lang="en-GB"/>
-            </a:br>
-            <a:r>
-              <a:rPr lang="en-GB" b="0" i="0">
-                <a:solidFill>
-                  <a:srgbClr val="000000"/>
-                </a:solidFill>
-                <a:effectLst/>
-                <a:latin typeface="Courier New" panose="02070309020205020404" pitchFamily="49" charset="0"/>
-              </a:rPr>
-              <a:t>               </a:t>
-            </a:r>
-            <a:r>
-              <a:rPr lang="en-GB" b="0" i="0">
-                <a:effectLst/>
-                <a:latin typeface="Courier New" panose="02070309020205020404" pitchFamily="49" charset="0"/>
-              </a:rPr>
-              <a:t>WHEN</a:t>
-            </a:r>
-            <a:r>
-              <a:rPr lang="en-GB" b="0" i="0">
-                <a:solidFill>
-                  <a:srgbClr val="000000"/>
-                </a:solidFill>
-                <a:effectLst/>
-                <a:latin typeface="Courier New" panose="02070309020205020404" pitchFamily="49" charset="0"/>
-              </a:rPr>
-              <a:t> </a:t>
-            </a:r>
-            <a:r>
-              <a:rPr lang="en-GB" b="1" i="0">
-                <a:effectLst/>
-                <a:latin typeface="Courier New" panose="02070309020205020404" pitchFamily="49" charset="0"/>
-              </a:rPr>
-              <a:t>TIMESTAMPDIFF</a:t>
-            </a:r>
-            <a:r>
-              <a:rPr lang="en-GB" b="0" i="0">
-                <a:effectLst/>
-                <a:latin typeface="Courier New" panose="02070309020205020404" pitchFamily="49" charset="0"/>
-              </a:rPr>
-              <a:t>(YEAR,</a:t>
-            </a:r>
-            <a:r>
-              <a:rPr lang="en-GB" b="0" i="0">
-                <a:solidFill>
-                  <a:srgbClr val="000000"/>
-                </a:solidFill>
-                <a:effectLst/>
-                <a:latin typeface="Courier New" panose="02070309020205020404" pitchFamily="49" charset="0"/>
-              </a:rPr>
-              <a:t> </a:t>
-            </a:r>
-            <a:r>
-              <a:rPr lang="en-GB" b="0" i="0">
-                <a:effectLst/>
-                <a:latin typeface="Courier New" panose="02070309020205020404" pitchFamily="49" charset="0"/>
-              </a:rPr>
-              <a:t>Age_Range,</a:t>
-            </a:r>
-            <a:r>
-              <a:rPr lang="en-GB" b="0" i="0">
-                <a:solidFill>
-                  <a:srgbClr val="000000"/>
-                </a:solidFill>
-                <a:effectLst/>
-                <a:latin typeface="Courier New" panose="02070309020205020404" pitchFamily="49" charset="0"/>
-              </a:rPr>
-              <a:t> </a:t>
-            </a:r>
-            <a:r>
-              <a:rPr lang="en-GB" b="1" i="0">
-                <a:effectLst/>
-                <a:latin typeface="Courier New" panose="02070309020205020404" pitchFamily="49" charset="0"/>
-              </a:rPr>
-              <a:t>CURDATE</a:t>
-            </a:r>
-            <a:r>
-              <a:rPr lang="en-GB" b="0" i="0">
-                <a:effectLst/>
-                <a:latin typeface="Courier New" panose="02070309020205020404" pitchFamily="49" charset="0"/>
-              </a:rPr>
-              <a:t>())</a:t>
-            </a:r>
-            <a:r>
-              <a:rPr lang="en-GB" b="0" i="0">
-                <a:solidFill>
-                  <a:srgbClr val="000000"/>
-                </a:solidFill>
-                <a:effectLst/>
-                <a:latin typeface="Courier New" panose="02070309020205020404" pitchFamily="49" charset="0"/>
-              </a:rPr>
-              <a:t> </a:t>
-            </a:r>
-            <a:r>
-              <a:rPr lang="en-GB" b="0" i="0">
-                <a:effectLst/>
-                <a:latin typeface="Courier New" panose="02070309020205020404" pitchFamily="49" charset="0"/>
-              </a:rPr>
-              <a:t>BETWEEN</a:t>
-            </a:r>
-            <a:r>
-              <a:rPr lang="en-GB" b="0" i="0">
-                <a:solidFill>
-                  <a:srgbClr val="000000"/>
-                </a:solidFill>
-                <a:effectLst/>
-                <a:latin typeface="Courier New" panose="02070309020205020404" pitchFamily="49" charset="0"/>
-              </a:rPr>
-              <a:t> 40 </a:t>
-            </a:r>
-            <a:r>
-              <a:rPr lang="en-GB" b="0" i="0">
-                <a:effectLst/>
-                <a:latin typeface="Courier New" panose="02070309020205020404" pitchFamily="49" charset="0"/>
-              </a:rPr>
-              <a:t>AND</a:t>
-            </a:r>
-            <a:r>
-              <a:rPr lang="en-GB" b="0" i="0">
-                <a:solidFill>
-                  <a:srgbClr val="000000"/>
-                </a:solidFill>
-                <a:effectLst/>
-                <a:latin typeface="Courier New" panose="02070309020205020404" pitchFamily="49" charset="0"/>
-              </a:rPr>
-              <a:t> 49 </a:t>
-            </a:r>
-            <a:r>
-              <a:rPr lang="en-GB" b="0" i="0">
-                <a:effectLst/>
-                <a:latin typeface="Courier New" panose="02070309020205020404" pitchFamily="49" charset="0"/>
-              </a:rPr>
-              <a:t>THEN</a:t>
-            </a:r>
-            <a:r>
-              <a:rPr lang="en-GB" b="0" i="0">
-                <a:solidFill>
-                  <a:srgbClr val="000000"/>
-                </a:solidFill>
-                <a:effectLst/>
-                <a:latin typeface="Courier New" panose="02070309020205020404" pitchFamily="49" charset="0"/>
-              </a:rPr>
-              <a:t> 1</a:t>
-            </a:r>
-            <a:br>
-              <a:rPr lang="en-GB"/>
-            </a:br>
-            <a:r>
-              <a:rPr lang="en-GB" b="0" i="0">
-                <a:solidFill>
-                  <a:srgbClr val="000000"/>
-                </a:solidFill>
-                <a:effectLst/>
-                <a:latin typeface="Courier New" panose="02070309020205020404" pitchFamily="49" charset="0"/>
-              </a:rPr>
-              <a:t>               </a:t>
-            </a:r>
-            <a:r>
-              <a:rPr lang="en-GB" b="0" i="0">
-                <a:effectLst/>
-                <a:latin typeface="Courier New" panose="02070309020205020404" pitchFamily="49" charset="0"/>
-              </a:rPr>
-              <a:t>ELSE</a:t>
-            </a:r>
-            <a:r>
-              <a:rPr lang="en-GB" b="0" i="0">
-                <a:solidFill>
-                  <a:srgbClr val="000000"/>
-                </a:solidFill>
-                <a:effectLst/>
-                <a:latin typeface="Courier New" panose="02070309020205020404" pitchFamily="49" charset="0"/>
-              </a:rPr>
-              <a:t> 0</a:t>
-            </a:r>
-            <a:br>
-              <a:rPr lang="en-GB"/>
-            </a:br>
-            <a:r>
-              <a:rPr lang="en-GB" b="0" i="0">
-                <a:solidFill>
-                  <a:srgbClr val="000000"/>
-                </a:solidFill>
-                <a:effectLst/>
-                <a:latin typeface="Courier New" panose="02070309020205020404" pitchFamily="49" charset="0"/>
-              </a:rPr>
-              <a:t>           </a:t>
-            </a:r>
-            <a:r>
-              <a:rPr lang="en-GB" b="0" i="0">
-                <a:effectLst/>
-                <a:latin typeface="Courier New" panose="02070309020205020404" pitchFamily="49" charset="0"/>
-              </a:rPr>
-              <a:t>END)</a:t>
-            </a:r>
-            <a:r>
-              <a:rPr lang="en-GB" b="0" i="0">
-                <a:solidFill>
-                  <a:srgbClr val="000000"/>
-                </a:solidFill>
-                <a:effectLst/>
-                <a:latin typeface="Courier New" panose="02070309020205020404" pitchFamily="49" charset="0"/>
-              </a:rPr>
-              <a:t> </a:t>
-            </a:r>
-            <a:r>
-              <a:rPr lang="en-GB" b="0" i="0">
-                <a:effectLst/>
-                <a:latin typeface="Courier New" panose="02070309020205020404" pitchFamily="49" charset="0"/>
-              </a:rPr>
-              <a:t>AS</a:t>
-            </a:r>
-            <a:r>
-              <a:rPr lang="en-GB" b="0" i="0">
-                <a:solidFill>
-                  <a:srgbClr val="000000"/>
-                </a:solidFill>
-                <a:effectLst/>
-                <a:latin typeface="Courier New" panose="02070309020205020404" pitchFamily="49" charset="0"/>
-              </a:rPr>
-              <a:t> </a:t>
-            </a:r>
-            <a:r>
-              <a:rPr lang="en-GB" b="0" i="0">
-                <a:effectLst/>
-                <a:latin typeface="Courier New" panose="02070309020205020404" pitchFamily="49" charset="0"/>
-              </a:rPr>
-              <a:t>total_employees_40_50,</a:t>
-            </a:r>
-            <a:br>
-              <a:rPr lang="en-GB"/>
-            </a:br>
-            <a:r>
-              <a:rPr lang="en-GB" b="0" i="0">
-                <a:solidFill>
-                  <a:srgbClr val="000000"/>
-                </a:solidFill>
-                <a:effectLst/>
-                <a:latin typeface="Courier New" panose="02070309020205020404" pitchFamily="49" charset="0"/>
-              </a:rPr>
-              <a:t>       </a:t>
-            </a:r>
-            <a:r>
-              <a:rPr lang="en-GB" b="1" i="0">
-                <a:effectLst/>
-                <a:latin typeface="Courier New" panose="02070309020205020404" pitchFamily="49" charset="0"/>
-              </a:rPr>
-              <a:t>SUM</a:t>
-            </a:r>
-            <a:r>
-              <a:rPr lang="en-GB" b="0" i="0">
-                <a:effectLst/>
-                <a:latin typeface="Courier New" panose="02070309020205020404" pitchFamily="49" charset="0"/>
-              </a:rPr>
-              <a:t>(CASE</a:t>
-            </a:r>
-            <a:br>
-              <a:rPr lang="en-GB"/>
-            </a:br>
-            <a:r>
-              <a:rPr lang="en-GB" b="0" i="0">
-                <a:solidFill>
-                  <a:srgbClr val="000000"/>
-                </a:solidFill>
-                <a:effectLst/>
-                <a:latin typeface="Courier New" panose="02070309020205020404" pitchFamily="49" charset="0"/>
-              </a:rPr>
-              <a:t>               </a:t>
-            </a:r>
-            <a:r>
-              <a:rPr lang="en-GB" b="0" i="0">
-                <a:effectLst/>
-                <a:latin typeface="Courier New" panose="02070309020205020404" pitchFamily="49" charset="0"/>
-              </a:rPr>
-              <a:t>WHEN</a:t>
-            </a:r>
-            <a:r>
-              <a:rPr lang="en-GB" b="0" i="0">
-                <a:solidFill>
-                  <a:srgbClr val="000000"/>
-                </a:solidFill>
-                <a:effectLst/>
-                <a:latin typeface="Courier New" panose="02070309020205020404" pitchFamily="49" charset="0"/>
-              </a:rPr>
-              <a:t> </a:t>
-            </a:r>
-            <a:r>
-              <a:rPr lang="en-GB" b="1" i="0">
-                <a:effectLst/>
-                <a:latin typeface="Courier New" panose="02070309020205020404" pitchFamily="49" charset="0"/>
-              </a:rPr>
-              <a:t>TIMESTAMPDIFF</a:t>
-            </a:r>
-            <a:r>
-              <a:rPr lang="en-GB" b="0" i="0">
-                <a:effectLst/>
-                <a:latin typeface="Courier New" panose="02070309020205020404" pitchFamily="49" charset="0"/>
-              </a:rPr>
-              <a:t>(YEAR,</a:t>
-            </a:r>
-            <a:r>
-              <a:rPr lang="en-GB" b="0" i="0">
-                <a:solidFill>
-                  <a:srgbClr val="000000"/>
-                </a:solidFill>
-                <a:effectLst/>
-                <a:latin typeface="Courier New" panose="02070309020205020404" pitchFamily="49" charset="0"/>
-              </a:rPr>
-              <a:t> </a:t>
-            </a:r>
-            <a:r>
-              <a:rPr lang="en-GB" b="0" i="0">
-                <a:effectLst/>
-                <a:latin typeface="Courier New" panose="02070309020205020404" pitchFamily="49" charset="0"/>
-              </a:rPr>
-              <a:t>Age_Range,</a:t>
-            </a:r>
-            <a:r>
-              <a:rPr lang="en-GB" b="0" i="0">
-                <a:solidFill>
-                  <a:srgbClr val="000000"/>
-                </a:solidFill>
-                <a:effectLst/>
-                <a:latin typeface="Courier New" panose="02070309020205020404" pitchFamily="49" charset="0"/>
-              </a:rPr>
-              <a:t> </a:t>
-            </a:r>
-            <a:r>
-              <a:rPr lang="en-GB" b="1" i="0">
-                <a:effectLst/>
-                <a:latin typeface="Courier New" panose="02070309020205020404" pitchFamily="49" charset="0"/>
-              </a:rPr>
-              <a:t>CURDATE</a:t>
-            </a:r>
-            <a:r>
-              <a:rPr lang="en-GB" b="0" i="0">
-                <a:effectLst/>
-                <a:latin typeface="Courier New" panose="02070309020205020404" pitchFamily="49" charset="0"/>
-              </a:rPr>
-              <a:t>())</a:t>
-            </a:r>
-            <a:r>
-              <a:rPr lang="en-GB" b="0" i="0">
-                <a:solidFill>
-                  <a:srgbClr val="000000"/>
-                </a:solidFill>
-                <a:effectLst/>
-                <a:latin typeface="Courier New" panose="02070309020205020404" pitchFamily="49" charset="0"/>
-              </a:rPr>
-              <a:t> </a:t>
-            </a:r>
-            <a:r>
-              <a:rPr lang="en-GB" b="0" i="0">
-                <a:effectLst/>
-                <a:latin typeface="Courier New" panose="02070309020205020404" pitchFamily="49" charset="0"/>
-              </a:rPr>
-              <a:t>BETWEEN</a:t>
-            </a:r>
-            <a:r>
-              <a:rPr lang="en-GB" b="0" i="0">
-                <a:solidFill>
-                  <a:srgbClr val="000000"/>
-                </a:solidFill>
-                <a:effectLst/>
-                <a:latin typeface="Courier New" panose="02070309020205020404" pitchFamily="49" charset="0"/>
-              </a:rPr>
-              <a:t> 50 </a:t>
-            </a:r>
-            <a:r>
-              <a:rPr lang="en-GB" b="0" i="0">
-                <a:effectLst/>
-                <a:latin typeface="Courier New" panose="02070309020205020404" pitchFamily="49" charset="0"/>
-              </a:rPr>
-              <a:t>AND</a:t>
-            </a:r>
-            <a:r>
-              <a:rPr lang="en-GB" b="0" i="0">
-                <a:solidFill>
-                  <a:srgbClr val="000000"/>
-                </a:solidFill>
-                <a:effectLst/>
-                <a:latin typeface="Courier New" panose="02070309020205020404" pitchFamily="49" charset="0"/>
-              </a:rPr>
-              <a:t> 59 </a:t>
-            </a:r>
-            <a:r>
-              <a:rPr lang="en-GB" b="0" i="0">
-                <a:effectLst/>
-                <a:latin typeface="Courier New" panose="02070309020205020404" pitchFamily="49" charset="0"/>
-              </a:rPr>
-              <a:t>THEN</a:t>
-            </a:r>
-            <a:r>
-              <a:rPr lang="en-GB" b="0" i="0">
-                <a:solidFill>
-                  <a:srgbClr val="000000"/>
-                </a:solidFill>
-                <a:effectLst/>
-                <a:latin typeface="Courier New" panose="02070309020205020404" pitchFamily="49" charset="0"/>
-              </a:rPr>
-              <a:t> 1</a:t>
-            </a:r>
-            <a:br>
-              <a:rPr lang="en-GB"/>
-            </a:br>
-            <a:r>
-              <a:rPr lang="en-GB" b="0" i="0">
-                <a:solidFill>
-                  <a:srgbClr val="000000"/>
-                </a:solidFill>
-                <a:effectLst/>
-                <a:latin typeface="Courier New" panose="02070309020205020404" pitchFamily="49" charset="0"/>
-              </a:rPr>
-              <a:t>               </a:t>
-            </a:r>
-            <a:r>
-              <a:rPr lang="en-GB" b="0" i="0">
-                <a:effectLst/>
-                <a:latin typeface="Courier New" panose="02070309020205020404" pitchFamily="49" charset="0"/>
-              </a:rPr>
-              <a:t>ELSE</a:t>
-            </a:r>
-            <a:r>
-              <a:rPr lang="en-GB" b="0" i="0">
-                <a:solidFill>
-                  <a:srgbClr val="000000"/>
-                </a:solidFill>
-                <a:effectLst/>
-                <a:latin typeface="Courier New" panose="02070309020205020404" pitchFamily="49" charset="0"/>
-              </a:rPr>
-              <a:t> 0</a:t>
-            </a:r>
-            <a:br>
-              <a:rPr lang="en-GB"/>
-            </a:br>
-            <a:r>
-              <a:rPr lang="en-GB" b="0" i="0">
-                <a:solidFill>
-                  <a:srgbClr val="000000"/>
-                </a:solidFill>
-                <a:effectLst/>
-                <a:latin typeface="Courier New" panose="02070309020205020404" pitchFamily="49" charset="0"/>
-              </a:rPr>
-              <a:t>           </a:t>
-            </a:r>
-            <a:r>
-              <a:rPr lang="en-GB" b="0" i="0">
-                <a:effectLst/>
-                <a:latin typeface="Courier New" panose="02070309020205020404" pitchFamily="49" charset="0"/>
-              </a:rPr>
-              <a:t>END)</a:t>
-            </a:r>
-            <a:r>
-              <a:rPr lang="en-GB" b="0" i="0">
-                <a:solidFill>
-                  <a:srgbClr val="000000"/>
-                </a:solidFill>
-                <a:effectLst/>
-                <a:latin typeface="Courier New" panose="02070309020205020404" pitchFamily="49" charset="0"/>
-              </a:rPr>
-              <a:t> </a:t>
-            </a:r>
-            <a:r>
-              <a:rPr lang="en-GB" b="0" i="0">
-                <a:effectLst/>
-                <a:latin typeface="Courier New" panose="02070309020205020404" pitchFamily="49" charset="0"/>
-              </a:rPr>
-              <a:t>AS</a:t>
-            </a:r>
-            <a:r>
-              <a:rPr lang="en-GB" b="0" i="0">
-                <a:solidFill>
-                  <a:srgbClr val="000000"/>
-                </a:solidFill>
-                <a:effectLst/>
-                <a:latin typeface="Courier New" panose="02070309020205020404" pitchFamily="49" charset="0"/>
-              </a:rPr>
-              <a:t> </a:t>
-            </a:r>
-            <a:r>
-              <a:rPr lang="en-GB" b="0" i="0">
-                <a:effectLst/>
-                <a:latin typeface="Courier New" panose="02070309020205020404" pitchFamily="49" charset="0"/>
-              </a:rPr>
-              <a:t>total_employees_50_6,</a:t>
-            </a:r>
-            <a:br>
-              <a:rPr lang="en-GB"/>
-            </a:br>
-            <a:r>
-              <a:rPr lang="en-GB" b="0" i="0">
-                <a:solidFill>
-                  <a:srgbClr val="000000"/>
-                </a:solidFill>
-                <a:effectLst/>
-                <a:latin typeface="Courier New" panose="02070309020205020404" pitchFamily="49" charset="0"/>
-              </a:rPr>
-              <a:t>       </a:t>
-            </a:r>
-            <a:r>
-              <a:rPr lang="en-GB" b="1" i="0">
-                <a:effectLst/>
-                <a:latin typeface="Courier New" panose="02070309020205020404" pitchFamily="49" charset="0"/>
-              </a:rPr>
-              <a:t>SUM</a:t>
-            </a:r>
-            <a:r>
-              <a:rPr lang="en-GB" b="0" i="0">
-                <a:effectLst/>
-                <a:latin typeface="Courier New" panose="02070309020205020404" pitchFamily="49" charset="0"/>
-              </a:rPr>
-              <a:t>(CASE</a:t>
-            </a:r>
-            <a:br>
-              <a:rPr lang="en-GB"/>
-            </a:br>
-            <a:r>
-              <a:rPr lang="en-GB" b="0" i="0">
-                <a:solidFill>
-                  <a:srgbClr val="000000"/>
-                </a:solidFill>
-                <a:effectLst/>
-                <a:latin typeface="Courier New" panose="02070309020205020404" pitchFamily="49" charset="0"/>
-              </a:rPr>
-              <a:t>               </a:t>
-            </a:r>
-            <a:r>
-              <a:rPr lang="en-GB" b="0" i="0">
-                <a:effectLst/>
-                <a:latin typeface="Courier New" panose="02070309020205020404" pitchFamily="49" charset="0"/>
-              </a:rPr>
-              <a:t>WHEN</a:t>
-            </a:r>
-            <a:r>
-              <a:rPr lang="en-GB" b="0" i="0">
-                <a:solidFill>
-                  <a:srgbClr val="000000"/>
-                </a:solidFill>
-                <a:effectLst/>
-                <a:latin typeface="Courier New" panose="02070309020205020404" pitchFamily="49" charset="0"/>
-              </a:rPr>
-              <a:t> </a:t>
-            </a:r>
-            <a:r>
-              <a:rPr lang="en-GB" b="1" i="0">
-                <a:effectLst/>
-                <a:latin typeface="Courier New" panose="02070309020205020404" pitchFamily="49" charset="0"/>
-              </a:rPr>
-              <a:t>TIMESTAMPDIFF</a:t>
-            </a:r>
-            <a:r>
-              <a:rPr lang="en-GB" b="0" i="0">
-                <a:effectLst/>
-                <a:latin typeface="Courier New" panose="02070309020205020404" pitchFamily="49" charset="0"/>
-              </a:rPr>
-              <a:t>(YEAR,</a:t>
-            </a:r>
-            <a:r>
-              <a:rPr lang="en-GB" b="0" i="0">
-                <a:solidFill>
-                  <a:srgbClr val="000000"/>
-                </a:solidFill>
-                <a:effectLst/>
-                <a:latin typeface="Courier New" panose="02070309020205020404" pitchFamily="49" charset="0"/>
-              </a:rPr>
-              <a:t> </a:t>
-            </a:r>
-            <a:r>
-              <a:rPr lang="en-GB" b="0" i="0">
-                <a:effectLst/>
-                <a:latin typeface="Courier New" panose="02070309020205020404" pitchFamily="49" charset="0"/>
-              </a:rPr>
-              <a:t>Age_Range,</a:t>
-            </a:r>
-            <a:r>
-              <a:rPr lang="en-GB" b="0" i="0">
-                <a:solidFill>
-                  <a:srgbClr val="000000"/>
-                </a:solidFill>
-                <a:effectLst/>
-                <a:latin typeface="Courier New" panose="02070309020205020404" pitchFamily="49" charset="0"/>
-              </a:rPr>
-              <a:t> </a:t>
-            </a:r>
-            <a:r>
-              <a:rPr lang="en-GB" b="1" i="0">
-                <a:effectLst/>
-                <a:latin typeface="Courier New" panose="02070309020205020404" pitchFamily="49" charset="0"/>
-              </a:rPr>
-              <a:t>CURDATE</a:t>
-            </a:r>
-            <a:r>
-              <a:rPr lang="en-GB" b="0" i="0">
-                <a:effectLst/>
-                <a:latin typeface="Courier New" panose="02070309020205020404" pitchFamily="49" charset="0"/>
-              </a:rPr>
-              <a:t>())</a:t>
-            </a:r>
-            <a:r>
-              <a:rPr lang="en-GB" b="0" i="0">
-                <a:solidFill>
-                  <a:srgbClr val="000000"/>
-                </a:solidFill>
-                <a:effectLst/>
-                <a:latin typeface="Courier New" panose="02070309020205020404" pitchFamily="49" charset="0"/>
-              </a:rPr>
-              <a:t> </a:t>
-            </a:r>
-            <a:r>
-              <a:rPr lang="en-GB" b="0" i="0">
-                <a:effectLst/>
-                <a:latin typeface="Courier New" panose="02070309020205020404" pitchFamily="49" charset="0"/>
-              </a:rPr>
-              <a:t>&gt;</a:t>
-            </a:r>
-            <a:r>
-              <a:rPr lang="en-GB" b="0" i="0">
-                <a:solidFill>
-                  <a:srgbClr val="000000"/>
-                </a:solidFill>
-                <a:effectLst/>
-                <a:latin typeface="Courier New" panose="02070309020205020404" pitchFamily="49" charset="0"/>
-              </a:rPr>
-              <a:t> 60 </a:t>
-            </a:r>
-            <a:r>
-              <a:rPr lang="en-GB" b="0" i="0">
-                <a:effectLst/>
-                <a:latin typeface="Courier New" panose="02070309020205020404" pitchFamily="49" charset="0"/>
-              </a:rPr>
-              <a:t>THEN</a:t>
-            </a:r>
-            <a:r>
-              <a:rPr lang="en-GB" b="0" i="0">
-                <a:solidFill>
-                  <a:srgbClr val="000000"/>
-                </a:solidFill>
-                <a:effectLst/>
-                <a:latin typeface="Courier New" panose="02070309020205020404" pitchFamily="49" charset="0"/>
-              </a:rPr>
-              <a:t> 1</a:t>
-            </a:r>
-            <a:br>
-              <a:rPr lang="en-GB"/>
-            </a:br>
-            <a:r>
-              <a:rPr lang="en-GB" b="0" i="0">
-                <a:solidFill>
-                  <a:srgbClr val="000000"/>
-                </a:solidFill>
-                <a:effectLst/>
-                <a:latin typeface="Courier New" panose="02070309020205020404" pitchFamily="49" charset="0"/>
-              </a:rPr>
-              <a:t>               </a:t>
-            </a:r>
-            <a:r>
-              <a:rPr lang="en-GB" b="0" i="0">
-                <a:effectLst/>
-                <a:latin typeface="Courier New" panose="02070309020205020404" pitchFamily="49" charset="0"/>
-              </a:rPr>
-              <a:t>ELSE</a:t>
-            </a:r>
-            <a:r>
-              <a:rPr lang="en-GB" b="0" i="0">
-                <a:solidFill>
-                  <a:srgbClr val="000000"/>
-                </a:solidFill>
-                <a:effectLst/>
-                <a:latin typeface="Courier New" panose="02070309020205020404" pitchFamily="49" charset="0"/>
-              </a:rPr>
-              <a:t> 0</a:t>
-            </a:r>
-            <a:br>
-              <a:rPr lang="en-GB"/>
-            </a:br>
-            <a:r>
-              <a:rPr lang="en-GB" b="0" i="0">
-                <a:solidFill>
-                  <a:srgbClr val="000000"/>
-                </a:solidFill>
-                <a:effectLst/>
-                <a:latin typeface="Courier New" panose="02070309020205020404" pitchFamily="49" charset="0"/>
-              </a:rPr>
-              <a:t>           </a:t>
-            </a:r>
-            <a:r>
-              <a:rPr lang="en-GB" b="0" i="0">
-                <a:effectLst/>
-                <a:latin typeface="Courier New" panose="02070309020205020404" pitchFamily="49" charset="0"/>
-              </a:rPr>
-              <a:t>END)</a:t>
-            </a:r>
-            <a:r>
-              <a:rPr lang="en-GB" b="0" i="0">
-                <a:solidFill>
-                  <a:srgbClr val="000000"/>
-                </a:solidFill>
-                <a:effectLst/>
-                <a:latin typeface="Courier New" panose="02070309020205020404" pitchFamily="49" charset="0"/>
-              </a:rPr>
-              <a:t> </a:t>
-            </a:r>
-            <a:r>
-              <a:rPr lang="en-GB" b="0" i="0">
-                <a:effectLst/>
-                <a:latin typeface="Courier New" panose="02070309020205020404" pitchFamily="49" charset="0"/>
-              </a:rPr>
-              <a:t>AS</a:t>
-            </a:r>
-            <a:r>
-              <a:rPr lang="en-GB" b="0" i="0">
-                <a:solidFill>
-                  <a:srgbClr val="000000"/>
-                </a:solidFill>
-                <a:effectLst/>
-                <a:latin typeface="Courier New" panose="02070309020205020404" pitchFamily="49" charset="0"/>
-              </a:rPr>
-              <a:t> </a:t>
-            </a:r>
-            <a:r>
-              <a:rPr lang="en-GB" b="0" i="0">
-                <a:effectLst/>
-                <a:latin typeface="Courier New" panose="02070309020205020404" pitchFamily="49" charset="0"/>
-              </a:rPr>
-              <a:t>total_employees_50_60</a:t>
-            </a:r>
-            <a:br>
-              <a:rPr lang="en-GB"/>
-            </a:br>
-            <a:r>
-              <a:rPr lang="en-GB" b="0" i="0">
-                <a:effectLst/>
-                <a:latin typeface="Courier New" panose="02070309020205020404" pitchFamily="49" charset="0"/>
-              </a:rPr>
-              <a:t>FROM</a:t>
-            </a:r>
-            <a:r>
-              <a:rPr lang="en-GB" b="0" i="0">
-                <a:solidFill>
-                  <a:srgbClr val="000000"/>
-                </a:solidFill>
-                <a:effectLst/>
-                <a:latin typeface="Courier New" panose="02070309020205020404" pitchFamily="49" charset="0"/>
-              </a:rPr>
-              <a:t> </a:t>
-            </a:r>
-            <a:r>
-              <a:rPr lang="en-GB" b="0" i="0">
-                <a:effectLst/>
-                <a:latin typeface="Courier New" panose="02070309020205020404" pitchFamily="49" charset="0"/>
-              </a:rPr>
-              <a:t>Employee</a:t>
-            </a:r>
-            <a:r>
-              <a:rPr lang="en-GB" b="0" i="0">
-                <a:solidFill>
-                  <a:srgbClr val="000000"/>
-                </a:solidFill>
-                <a:effectLst/>
-                <a:latin typeface="Courier New" panose="02070309020205020404" pitchFamily="49" charset="0"/>
-              </a:rPr>
-              <a:t> </a:t>
-            </a:r>
-            <a:r>
-              <a:rPr lang="en-GB" b="0" i="0">
-                <a:effectLst/>
-                <a:latin typeface="Courier New" panose="02070309020205020404" pitchFamily="49" charset="0"/>
-              </a:rPr>
-              <a:t>e</a:t>
-            </a:r>
-            <a:br>
-              <a:rPr lang="en-GB"/>
-            </a:br>
-            <a:r>
-              <a:rPr lang="en-GB" b="0" i="0">
-                <a:effectLst/>
-                <a:latin typeface="Courier New" panose="02070309020205020404" pitchFamily="49" charset="0"/>
-              </a:rPr>
-              <a:t>LEFT</a:t>
-            </a:r>
-            <a:r>
-              <a:rPr lang="en-GB" b="0" i="0">
-                <a:solidFill>
-                  <a:srgbClr val="000000"/>
-                </a:solidFill>
-                <a:effectLst/>
-                <a:latin typeface="Courier New" panose="02070309020205020404" pitchFamily="49" charset="0"/>
-              </a:rPr>
-              <a:t> </a:t>
-            </a:r>
-            <a:r>
-              <a:rPr lang="en-GB" b="0" i="0">
-                <a:effectLst/>
-                <a:latin typeface="Courier New" panose="02070309020205020404" pitchFamily="49" charset="0"/>
-              </a:rPr>
-              <a:t>JOIN</a:t>
-            </a:r>
-            <a:r>
-              <a:rPr lang="en-GB" b="0" i="0">
-                <a:solidFill>
-                  <a:srgbClr val="000000"/>
-                </a:solidFill>
-                <a:effectLst/>
-                <a:latin typeface="Courier New" panose="02070309020205020404" pitchFamily="49" charset="0"/>
-              </a:rPr>
-              <a:t> </a:t>
-            </a:r>
-            <a:r>
-              <a:rPr lang="en-GB" b="0" i="0">
-                <a:effectLst/>
-                <a:latin typeface="Courier New" panose="02070309020205020404" pitchFamily="49" charset="0"/>
-              </a:rPr>
-              <a:t>Contract</a:t>
-            </a:r>
-            <a:r>
-              <a:rPr lang="en-GB" b="0" i="0">
-                <a:solidFill>
-                  <a:srgbClr val="000000"/>
-                </a:solidFill>
-                <a:effectLst/>
-                <a:latin typeface="Courier New" panose="02070309020205020404" pitchFamily="49" charset="0"/>
-              </a:rPr>
-              <a:t> </a:t>
-            </a:r>
-            <a:r>
-              <a:rPr lang="en-GB" b="0" i="0">
-                <a:effectLst/>
-                <a:latin typeface="Courier New" panose="02070309020205020404" pitchFamily="49" charset="0"/>
-              </a:rPr>
-              <a:t>c</a:t>
-            </a:r>
-            <a:r>
-              <a:rPr lang="en-GB" b="0" i="0">
-                <a:solidFill>
-                  <a:srgbClr val="000000"/>
-                </a:solidFill>
-                <a:effectLst/>
-                <a:latin typeface="Courier New" panose="02070309020205020404" pitchFamily="49" charset="0"/>
-              </a:rPr>
-              <a:t> </a:t>
-            </a:r>
-            <a:r>
-              <a:rPr lang="en-GB" b="0" i="0">
-                <a:effectLst/>
-                <a:latin typeface="Courier New" panose="02070309020205020404" pitchFamily="49" charset="0"/>
-              </a:rPr>
-              <a:t>ON</a:t>
-            </a:r>
-            <a:r>
-              <a:rPr lang="en-GB" b="0" i="0">
-                <a:solidFill>
-                  <a:srgbClr val="000000"/>
-                </a:solidFill>
-                <a:effectLst/>
-                <a:latin typeface="Courier New" panose="02070309020205020404" pitchFamily="49" charset="0"/>
-              </a:rPr>
-              <a:t> </a:t>
-            </a:r>
-            <a:r>
-              <a:rPr lang="en-GB" b="0" i="0">
-                <a:effectLst/>
-                <a:latin typeface="Courier New" panose="02070309020205020404" pitchFamily="49" charset="0"/>
-              </a:rPr>
-              <a:t>e.Employee_ID</a:t>
-            </a:r>
-            <a:r>
-              <a:rPr lang="en-GB" b="0" i="0">
-                <a:solidFill>
-                  <a:srgbClr val="000000"/>
-                </a:solidFill>
-                <a:effectLst/>
-                <a:latin typeface="Courier New" panose="02070309020205020404" pitchFamily="49" charset="0"/>
-              </a:rPr>
-              <a:t> </a:t>
-            </a:r>
-            <a:r>
-              <a:rPr lang="en-GB" b="0" i="0">
-                <a:effectLst/>
-                <a:latin typeface="Courier New" panose="02070309020205020404" pitchFamily="49" charset="0"/>
-              </a:rPr>
-              <a:t>=</a:t>
-            </a:r>
-            <a:r>
-              <a:rPr lang="en-GB" b="0" i="0">
-                <a:solidFill>
-                  <a:srgbClr val="000000"/>
-                </a:solidFill>
-                <a:effectLst/>
-                <a:latin typeface="Courier New" panose="02070309020205020404" pitchFamily="49" charset="0"/>
-              </a:rPr>
-              <a:t> </a:t>
-            </a:r>
-            <a:r>
-              <a:rPr lang="en-GB" b="0" i="0">
-                <a:effectLst/>
-                <a:latin typeface="Courier New" panose="02070309020205020404" pitchFamily="49" charset="0"/>
-              </a:rPr>
-              <a:t>c.Employee_ID</a:t>
-            </a:r>
-            <a:br>
-              <a:rPr lang="en-GB"/>
-            </a:br>
-            <a:r>
-              <a:rPr lang="en-GB" b="0" i="0">
-                <a:effectLst/>
-                <a:latin typeface="Courier New" panose="02070309020205020404" pitchFamily="49" charset="0"/>
-              </a:rPr>
-              <a:t>WHERE</a:t>
-            </a:r>
-            <a:r>
-              <a:rPr lang="en-GB" b="0" i="0">
-                <a:solidFill>
-                  <a:srgbClr val="000000"/>
-                </a:solidFill>
-                <a:effectLst/>
-                <a:latin typeface="Courier New" panose="02070309020205020404" pitchFamily="49" charset="0"/>
-              </a:rPr>
-              <a:t> </a:t>
-            </a:r>
-            <a:r>
-              <a:rPr lang="en-GB" b="1">
-                <a:solidFill>
-                  <a:srgbClr val="000000"/>
-                </a:solidFill>
-                <a:latin typeface="Courier New" panose="02070309020205020404" pitchFamily="49" charset="0"/>
-              </a:rPr>
-              <a:t>&lt;date_filter&gt; </a:t>
-            </a:r>
-            <a:r>
-              <a:rPr lang="en-GB" b="0" i="0">
-                <a:effectLst/>
-                <a:latin typeface="Courier New" panose="02070309020205020404" pitchFamily="49" charset="0"/>
-              </a:rPr>
-              <a:t>BETWEEN</a:t>
-            </a:r>
-            <a:r>
-              <a:rPr lang="en-GB" b="0" i="0">
-                <a:solidFill>
-                  <a:srgbClr val="000000"/>
-                </a:solidFill>
-                <a:effectLst/>
-                <a:latin typeface="Courier New" panose="02070309020205020404" pitchFamily="49" charset="0"/>
-              </a:rPr>
-              <a:t> </a:t>
-            </a:r>
-            <a:r>
-              <a:rPr lang="en-GB" b="0" i="0">
-                <a:effectLst/>
-                <a:latin typeface="Courier New" panose="02070309020205020404" pitchFamily="49" charset="0"/>
-              </a:rPr>
-              <a:t>c.Start_Date</a:t>
-            </a:r>
-            <a:r>
-              <a:rPr lang="en-GB" b="0" i="0">
-                <a:solidFill>
-                  <a:srgbClr val="000000"/>
-                </a:solidFill>
-                <a:effectLst/>
-                <a:latin typeface="Courier New" panose="02070309020205020404" pitchFamily="49" charset="0"/>
-              </a:rPr>
-              <a:t> </a:t>
-            </a:r>
-            <a:r>
-              <a:rPr lang="en-GB" b="0" i="0">
-                <a:effectLst/>
-                <a:latin typeface="Courier New" panose="02070309020205020404" pitchFamily="49" charset="0"/>
-              </a:rPr>
-              <a:t>AND</a:t>
-            </a:r>
-            <a:r>
-              <a:rPr lang="en-GB" b="0" i="0">
-                <a:solidFill>
-                  <a:srgbClr val="000000"/>
-                </a:solidFill>
-                <a:effectLst/>
-                <a:latin typeface="Courier New" panose="02070309020205020404" pitchFamily="49" charset="0"/>
-              </a:rPr>
-              <a:t> </a:t>
-            </a:r>
-            <a:r>
-              <a:rPr lang="en-GB" b="1" i="0">
-                <a:effectLst/>
-                <a:latin typeface="Courier New" panose="02070309020205020404" pitchFamily="49" charset="0"/>
-              </a:rPr>
-              <a:t>IF</a:t>
-            </a:r>
-            <a:r>
-              <a:rPr lang="en-GB" b="0" i="0">
-                <a:effectLst/>
-                <a:latin typeface="Courier New" panose="02070309020205020404" pitchFamily="49" charset="0"/>
-              </a:rPr>
-              <a:t>(c.End_Date</a:t>
-            </a:r>
-            <a:r>
-              <a:rPr lang="en-GB" b="0" i="0">
-                <a:solidFill>
-                  <a:srgbClr val="000000"/>
-                </a:solidFill>
-                <a:effectLst/>
-                <a:latin typeface="Courier New" panose="02070309020205020404" pitchFamily="49" charset="0"/>
-              </a:rPr>
-              <a:t> </a:t>
-            </a:r>
-            <a:r>
-              <a:rPr lang="en-GB" b="0" i="0">
-                <a:effectLst/>
-                <a:latin typeface="Courier New" panose="02070309020205020404" pitchFamily="49" charset="0"/>
-              </a:rPr>
-              <a:t>!=</a:t>
-            </a:r>
-            <a:r>
-              <a:rPr lang="en-GB" b="0" i="0">
-                <a:solidFill>
-                  <a:srgbClr val="000000"/>
-                </a:solidFill>
-                <a:effectLst/>
-                <a:latin typeface="Courier New" panose="02070309020205020404" pitchFamily="49" charset="0"/>
-              </a:rPr>
-              <a:t> </a:t>
-            </a:r>
-            <a:r>
-              <a:rPr lang="en-GB" b="0" i="0">
-                <a:effectLst/>
-                <a:latin typeface="Courier New" panose="02070309020205020404" pitchFamily="49" charset="0"/>
-              </a:rPr>
-              <a:t>NULL,</a:t>
-            </a:r>
-            <a:r>
-              <a:rPr lang="en-GB" b="0" i="0">
-                <a:solidFill>
-                  <a:srgbClr val="000000"/>
-                </a:solidFill>
-                <a:effectLst/>
-                <a:latin typeface="Courier New" panose="02070309020205020404" pitchFamily="49" charset="0"/>
-              </a:rPr>
-              <a:t> </a:t>
-            </a:r>
-            <a:r>
-              <a:rPr lang="en-GB" b="0" i="0">
-                <a:effectLst/>
-                <a:latin typeface="Courier New" panose="02070309020205020404" pitchFamily="49" charset="0"/>
-              </a:rPr>
-              <a:t>c.End_Date,</a:t>
-            </a:r>
-            <a:r>
-              <a:rPr lang="en-GB" b="0" i="0">
-                <a:solidFill>
-                  <a:srgbClr val="000000"/>
-                </a:solidFill>
-                <a:effectLst/>
-                <a:latin typeface="Courier New" panose="02070309020205020404" pitchFamily="49" charset="0"/>
-              </a:rPr>
-              <a:t> </a:t>
-            </a:r>
-            <a:r>
-              <a:rPr lang="en-GB" b="1" i="0">
-                <a:effectLst/>
-                <a:latin typeface="Courier New" panose="02070309020205020404" pitchFamily="49" charset="0"/>
-              </a:rPr>
-              <a:t>CURDATE</a:t>
-            </a:r>
-            <a:r>
-              <a:rPr lang="en-GB" b="0" i="0">
-                <a:effectLst/>
-                <a:latin typeface="Courier New" panose="02070309020205020404" pitchFamily="49" charset="0"/>
-              </a:rPr>
-              <a:t>())</a:t>
-            </a:r>
-            <a:endParaRPr lang="en-US">
-              <a:latin typeface="Courier New" panose="02070309020205020404" pitchFamily="49" charset="0"/>
-            </a:endParaRPr>
-          </a:p>
-        </p:txBody>
-      </p:sp>
       <p:pic>
         <p:nvPicPr>
-          <p:cNvPr id="5" name="Picture 2" descr="HR Analytics - Summary">
-            <a:extLst>
-              <a:ext uri="{FF2B5EF4-FFF2-40B4-BE49-F238E27FC236}">
-                <a16:creationId xmlns:a16="http://schemas.microsoft.com/office/drawing/2014/main" id="{1AC3E1B8-A6B4-963D-09EA-37EEC6993A49}"/>
+          <p:cNvPr id="7" name="Content Placeholder 6">
+            <a:extLst>
+              <a:ext uri="{FF2B5EF4-FFF2-40B4-BE49-F238E27FC236}">
+                <a16:creationId xmlns:a16="http://schemas.microsoft.com/office/drawing/2014/main" id="{D1745360-A1B6-6552-E822-3BE27824B4CD}"/>
               </a:ext>
             </a:extLst>
           </p:cNvPr>
           <p:cNvPicPr>
-            <a:picLocks noChangeAspect="1" noChangeArrowheads="1"/>
+            <a:picLocks noGrp="1" noChangeAspect="1"/>
           </p:cNvPicPr>
-          <p:nvPr/>
+          <p:nvPr>
+            <p:ph idx="1"/>
+          </p:nvPr>
         </p:nvPicPr>
-        <p:blipFill rotWithShape="1">
-          <a:blip r:embed="rId2">
-            <a:extLst>
-              <a:ext uri="{28A0092B-C50C-407E-A947-70E740481C1C}">
-                <a14:useLocalDpi xmlns:a14="http://schemas.microsoft.com/office/drawing/2010/main" val="0"/>
-              </a:ext>
-            </a:extLst>
-          </a:blip>
-          <a:srcRect l="1689" t="29932" r="2540" b="55966"/>
-          <a:stretch/>
+        <p:blipFill>
+          <a:blip r:embed="rId3"/>
+          <a:stretch>
+            <a:fillRect/>
+          </a:stretch>
         </p:blipFill>
-        <p:spPr bwMode="auto">
+        <p:spPr>
           <a:xfrm>
-            <a:off x="2646402" y="1445642"/>
-            <a:ext cx="7099541" cy="584326"/>
+            <a:off x="2539924" y="2166046"/>
+            <a:ext cx="7112152" cy="4150778"/>
           </a:xfrm>
           <a:prstGeom prst="rect">
             <a:avLst/>
           </a:prstGeom>
-          <a:noFill/>
-          <a:extLst>
-            <a:ext uri="{909E8E84-426E-40DD-AFC4-6F175D3DCCD1}">
-              <a14:hiddenFill xmlns:a14="http://schemas.microsoft.com/office/drawing/2010/main">
-                <a:solidFill>
-                  <a:srgbClr val="FFFFFF"/>
-                </a:solidFill>
-              </a14:hiddenFill>
-            </a:ext>
-          </a:extLst>
         </p:spPr>
       </p:pic>
     </p:spTree>
     <p:extLst>
       <p:ext uri="{BB962C8B-B14F-4D97-AF65-F5344CB8AC3E}">
-        <p14:creationId xmlns:p14="http://schemas.microsoft.com/office/powerpoint/2010/main" val="1811837949"/>
+        <p14:creationId xmlns:p14="http://schemas.microsoft.com/office/powerpoint/2010/main" val="3908655718"/>
       </p:ext>
     </p:extLst>
   </p:cSld>
@@ -9515,10 +6704,10 @@
       </p:sp>
       <p:pic>
         <p:nvPicPr>
-          <p:cNvPr id="6" name="Content Placeholder 5">
-            <a:extLst>
-              <a:ext uri="{FF2B5EF4-FFF2-40B4-BE49-F238E27FC236}">
-                <a16:creationId xmlns:a16="http://schemas.microsoft.com/office/drawing/2014/main" id="{09FE093E-A307-A760-8645-61A0EC51498B}"/>
+          <p:cNvPr id="11" name="Content Placeholder 10">
+            <a:extLst>
+              <a:ext uri="{FF2B5EF4-FFF2-40B4-BE49-F238E27FC236}">
+                <a16:creationId xmlns:a16="http://schemas.microsoft.com/office/drawing/2014/main" id="{1E2DEF0D-99E0-E135-A2FC-6C4241F98432}"/>
               </a:ext>
             </a:extLst>
           </p:cNvPr>
@@ -9543,8 +6732,8 @@
         </p:blipFill>
         <p:spPr>
           <a:xfrm>
-            <a:off x="3957605" y="2112963"/>
-            <a:ext cx="5068953" cy="3959225"/>
+            <a:off x="3392558" y="1402016"/>
+            <a:ext cx="5605668" cy="4866031"/>
           </a:xfrm>
         </p:spPr>
       </p:pic>
@@ -9562,7 +6751,7 @@
 </file>
 
 <file path=ppt/slides/slide7.xml><?xml version="1.0" encoding="utf-8"?>
-<p:sld xmlns:a="http://schemas.openxmlformats.org/drawingml/2006/main" xmlns:r="http://schemas.openxmlformats.org/officeDocument/2006/relationships" xmlns:p="http://schemas.openxmlformats.org/presentationml/2006/main" show="0">
+<p:sld xmlns:a="http://schemas.openxmlformats.org/drawingml/2006/main" xmlns:r="http://schemas.openxmlformats.org/officeDocument/2006/relationships" xmlns:p="http://schemas.openxmlformats.org/presentationml/2006/main">
   <p:cSld>
     <p:spTree>
       <p:nvGrpSpPr>
@@ -9602,966 +6791,10 @@
           <a:lstStyle/>
           <a:p>
             <a:r>
-              <a:rPr lang="en-US"/>
-              <a:t>3. Query</a:t>
-            </a:r>
-          </a:p>
-        </p:txBody>
-      </p:sp>
-      <p:sp>
-        <p:nvSpPr>
-          <p:cNvPr id="4" name="Content Placeholder 3">
-            <a:extLst>
-              <a:ext uri="{FF2B5EF4-FFF2-40B4-BE49-F238E27FC236}">
-                <a16:creationId xmlns:a16="http://schemas.microsoft.com/office/drawing/2014/main" id="{EF5A82F3-73AF-E1B0-38F1-28CECF1C8FA1}"/>
-              </a:ext>
-            </a:extLst>
-          </p:cNvPr>
-          <p:cNvSpPr>
-            <a:spLocks noGrp="1"/>
-          </p:cNvSpPr>
-          <p:nvPr>
-            <p:ph idx="1"/>
-          </p:nvPr>
-        </p:nvSpPr>
-        <p:spPr/>
-        <p:txBody>
-          <a:bodyPr>
-            <a:normAutofit fontScale="70000" lnSpcReduction="20000"/>
-          </a:bodyPr>
-          <a:lstStyle/>
-          <a:p>
-            <a:r>
-              <a:rPr lang="en-US"/>
-              <a:t>Headcount</a:t>
-            </a:r>
-          </a:p>
-          <a:p>
-            <a:pPr marL="457200" lvl="1" indent="0">
-              <a:buNone/>
-            </a:pPr>
-            <a:r>
-              <a:rPr lang="en-GB" b="0" i="0">
-                <a:effectLst/>
-                <a:latin typeface="Courier New" panose="02070309020205020404" pitchFamily="49" charset="0"/>
-              </a:rPr>
-              <a:t>SELECT</a:t>
-            </a:r>
-            <a:r>
-              <a:rPr lang="en-GB" b="0" i="0">
-                <a:solidFill>
-                  <a:srgbClr val="000000"/>
-                </a:solidFill>
-                <a:effectLst/>
-                <a:latin typeface="Courier New" panose="02070309020205020404" pitchFamily="49" charset="0"/>
-              </a:rPr>
-              <a:t> </a:t>
-            </a:r>
-            <a:r>
-              <a:rPr lang="en-GB" b="1" i="0">
-                <a:effectLst/>
-                <a:latin typeface="Courier New" panose="02070309020205020404" pitchFamily="49" charset="0"/>
-              </a:rPr>
-              <a:t>Count</a:t>
-            </a:r>
-            <a:r>
-              <a:rPr lang="en-GB" b="0" i="0">
-                <a:effectLst/>
-                <a:latin typeface="Courier New" panose="02070309020205020404" pitchFamily="49" charset="0"/>
-              </a:rPr>
-              <a:t>(e.employee_id)</a:t>
-            </a:r>
-            <a:r>
-              <a:rPr lang="en-GB" b="0" i="0">
-                <a:solidFill>
-                  <a:srgbClr val="000000"/>
-                </a:solidFill>
-                <a:effectLst/>
-                <a:latin typeface="Courier New" panose="02070309020205020404" pitchFamily="49" charset="0"/>
-              </a:rPr>
-              <a:t> </a:t>
-            </a:r>
-            <a:r>
-              <a:rPr lang="en-GB" b="0" i="0">
-                <a:effectLst/>
-                <a:latin typeface="Courier New" panose="02070309020205020404" pitchFamily="49" charset="0"/>
-              </a:rPr>
-              <a:t>AS</a:t>
-            </a:r>
-            <a:r>
-              <a:rPr lang="en-GB" b="0" i="0">
-                <a:solidFill>
-                  <a:srgbClr val="000000"/>
-                </a:solidFill>
-                <a:effectLst/>
-                <a:latin typeface="Courier New" panose="02070309020205020404" pitchFamily="49" charset="0"/>
-              </a:rPr>
-              <a:t> </a:t>
-            </a:r>
-            <a:r>
-              <a:rPr lang="en-GB" b="0" i="0">
-                <a:effectLst/>
-                <a:latin typeface="Courier New" panose="02070309020205020404" pitchFamily="49" charset="0"/>
-              </a:rPr>
-              <a:t>total_employees</a:t>
-            </a:r>
-            <a:br>
-              <a:rPr lang="en-GB"/>
-            </a:br>
-            <a:r>
-              <a:rPr lang="en-GB" b="0" i="0">
-                <a:effectLst/>
-                <a:latin typeface="Courier New" panose="02070309020205020404" pitchFamily="49" charset="0"/>
-              </a:rPr>
-              <a:t>FROM</a:t>
-            </a:r>
-            <a:r>
-              <a:rPr lang="en-GB" b="0" i="0">
-                <a:solidFill>
-                  <a:srgbClr val="000000"/>
-                </a:solidFill>
-                <a:effectLst/>
-                <a:latin typeface="Courier New" panose="02070309020205020404" pitchFamily="49" charset="0"/>
-              </a:rPr>
-              <a:t>   </a:t>
-            </a:r>
-            <a:r>
-              <a:rPr lang="en-GB" b="0" i="0">
-                <a:effectLst/>
-                <a:latin typeface="Courier New" panose="02070309020205020404" pitchFamily="49" charset="0"/>
-              </a:rPr>
-              <a:t>employee</a:t>
-            </a:r>
-            <a:r>
-              <a:rPr lang="en-GB" b="0" i="0">
-                <a:solidFill>
-                  <a:srgbClr val="000000"/>
-                </a:solidFill>
-                <a:effectLst/>
-                <a:latin typeface="Courier New" panose="02070309020205020404" pitchFamily="49" charset="0"/>
-              </a:rPr>
-              <a:t> </a:t>
-            </a:r>
-            <a:r>
-              <a:rPr lang="en-GB" b="0" i="0">
-                <a:effectLst/>
-                <a:latin typeface="Courier New" panose="02070309020205020404" pitchFamily="49" charset="0"/>
-              </a:rPr>
-              <a:t>e</a:t>
-            </a:r>
-            <a:br>
-              <a:rPr lang="en-GB"/>
-            </a:br>
-            <a:r>
-              <a:rPr lang="en-GB" b="0" i="0">
-                <a:solidFill>
-                  <a:srgbClr val="000000"/>
-                </a:solidFill>
-                <a:effectLst/>
-                <a:latin typeface="Courier New" panose="02070309020205020404" pitchFamily="49" charset="0"/>
-              </a:rPr>
-              <a:t>       </a:t>
-            </a:r>
-            <a:r>
-              <a:rPr lang="en-GB" b="0" i="0">
-                <a:effectLst/>
-                <a:latin typeface="Courier New" panose="02070309020205020404" pitchFamily="49" charset="0"/>
-              </a:rPr>
-              <a:t>left</a:t>
-            </a:r>
-            <a:r>
-              <a:rPr lang="en-GB" b="0" i="0">
-                <a:solidFill>
-                  <a:srgbClr val="000000"/>
-                </a:solidFill>
-                <a:effectLst/>
-                <a:latin typeface="Courier New" panose="02070309020205020404" pitchFamily="49" charset="0"/>
-              </a:rPr>
-              <a:t> </a:t>
-            </a:r>
-            <a:r>
-              <a:rPr lang="en-GB" b="0" i="0">
-                <a:effectLst/>
-                <a:latin typeface="Courier New" panose="02070309020205020404" pitchFamily="49" charset="0"/>
-              </a:rPr>
-              <a:t>join</a:t>
-            </a:r>
-            <a:r>
-              <a:rPr lang="en-GB" b="0" i="0">
-                <a:solidFill>
-                  <a:srgbClr val="000000"/>
-                </a:solidFill>
-                <a:effectLst/>
-                <a:latin typeface="Courier New" panose="02070309020205020404" pitchFamily="49" charset="0"/>
-              </a:rPr>
-              <a:t> </a:t>
-            </a:r>
-            <a:r>
-              <a:rPr lang="en-GB" b="0" i="0">
-                <a:effectLst/>
-                <a:latin typeface="Courier New" panose="02070309020205020404" pitchFamily="49" charset="0"/>
-              </a:rPr>
-              <a:t>contract</a:t>
-            </a:r>
-            <a:r>
-              <a:rPr lang="en-GB" b="0" i="0">
-                <a:solidFill>
-                  <a:srgbClr val="000000"/>
-                </a:solidFill>
-                <a:effectLst/>
-                <a:latin typeface="Courier New" panose="02070309020205020404" pitchFamily="49" charset="0"/>
-              </a:rPr>
-              <a:t> </a:t>
-            </a:r>
-            <a:r>
-              <a:rPr lang="en-GB" b="0" i="0">
-                <a:effectLst/>
-                <a:latin typeface="Courier New" panose="02070309020205020404" pitchFamily="49" charset="0"/>
-              </a:rPr>
-              <a:t>c</a:t>
-            </a:r>
-            <a:br>
-              <a:rPr lang="en-GB"/>
-            </a:br>
-            <a:r>
-              <a:rPr lang="en-GB" b="0" i="0">
-                <a:solidFill>
-                  <a:srgbClr val="000000"/>
-                </a:solidFill>
-                <a:effectLst/>
-                <a:latin typeface="Courier New" panose="02070309020205020404" pitchFamily="49" charset="0"/>
-              </a:rPr>
-              <a:t>              </a:t>
-            </a:r>
-            <a:r>
-              <a:rPr lang="en-GB" b="0" i="0">
-                <a:effectLst/>
-                <a:latin typeface="Courier New" panose="02070309020205020404" pitchFamily="49" charset="0"/>
-              </a:rPr>
-              <a:t>ON</a:t>
-            </a:r>
-            <a:r>
-              <a:rPr lang="en-GB" b="0" i="0">
-                <a:solidFill>
-                  <a:srgbClr val="000000"/>
-                </a:solidFill>
-                <a:effectLst/>
-                <a:latin typeface="Courier New" panose="02070309020205020404" pitchFamily="49" charset="0"/>
-              </a:rPr>
-              <a:t> </a:t>
-            </a:r>
-            <a:r>
-              <a:rPr lang="en-GB" b="0" i="0">
-                <a:effectLst/>
-                <a:latin typeface="Courier New" panose="02070309020205020404" pitchFamily="49" charset="0"/>
-              </a:rPr>
-              <a:t>e.employee_id</a:t>
-            </a:r>
-            <a:r>
-              <a:rPr lang="en-GB" b="0" i="0">
-                <a:solidFill>
-                  <a:srgbClr val="000000"/>
-                </a:solidFill>
-                <a:effectLst/>
-                <a:latin typeface="Courier New" panose="02070309020205020404" pitchFamily="49" charset="0"/>
-              </a:rPr>
-              <a:t> </a:t>
-            </a:r>
-            <a:r>
-              <a:rPr lang="en-GB" b="0" i="0">
-                <a:effectLst/>
-                <a:latin typeface="Courier New" panose="02070309020205020404" pitchFamily="49" charset="0"/>
-              </a:rPr>
-              <a:t>=</a:t>
-            </a:r>
-            <a:r>
-              <a:rPr lang="en-GB" b="0" i="0">
-                <a:solidFill>
-                  <a:srgbClr val="000000"/>
-                </a:solidFill>
-                <a:effectLst/>
-                <a:latin typeface="Courier New" panose="02070309020205020404" pitchFamily="49" charset="0"/>
-              </a:rPr>
-              <a:t> </a:t>
-            </a:r>
-            <a:r>
-              <a:rPr lang="en-GB" b="0" i="0">
-                <a:effectLst/>
-                <a:latin typeface="Courier New" panose="02070309020205020404" pitchFamily="49" charset="0"/>
-              </a:rPr>
-              <a:t>c.employee_id</a:t>
-            </a:r>
-            <a:br>
-              <a:rPr lang="en-GB"/>
-            </a:br>
-            <a:r>
-              <a:rPr lang="en-GB" b="0" i="0">
-                <a:effectLst/>
-                <a:latin typeface="Courier New" panose="02070309020205020404" pitchFamily="49" charset="0"/>
-              </a:rPr>
-              <a:t>WHERE</a:t>
-            </a:r>
-            <a:r>
-              <a:rPr lang="en-GB" b="0" i="0">
-                <a:solidFill>
-                  <a:srgbClr val="000000"/>
-                </a:solidFill>
-                <a:effectLst/>
-                <a:latin typeface="Courier New" panose="02070309020205020404" pitchFamily="49" charset="0"/>
-              </a:rPr>
-              <a:t>  &lt;Date_Filter&gt; </a:t>
-            </a:r>
-            <a:r>
-              <a:rPr lang="en-GB" b="0" i="0">
-                <a:effectLst/>
-                <a:latin typeface="Courier New" panose="02070309020205020404" pitchFamily="49" charset="0"/>
-              </a:rPr>
-              <a:t>BETWEEN</a:t>
-            </a:r>
-            <a:r>
-              <a:rPr lang="en-GB" b="0" i="0">
-                <a:solidFill>
-                  <a:srgbClr val="000000"/>
-                </a:solidFill>
-                <a:effectLst/>
-                <a:latin typeface="Courier New" panose="02070309020205020404" pitchFamily="49" charset="0"/>
-              </a:rPr>
-              <a:t> </a:t>
-            </a:r>
-            <a:r>
-              <a:rPr lang="en-GB" b="0" i="0">
-                <a:effectLst/>
-                <a:latin typeface="Courier New" panose="02070309020205020404" pitchFamily="49" charset="0"/>
-              </a:rPr>
-              <a:t>c.start_date</a:t>
-            </a:r>
-            <a:r>
-              <a:rPr lang="en-GB" b="0" i="0">
-                <a:solidFill>
-                  <a:srgbClr val="000000"/>
-                </a:solidFill>
-                <a:effectLst/>
-                <a:latin typeface="Courier New" panose="02070309020205020404" pitchFamily="49" charset="0"/>
-              </a:rPr>
-              <a:t> </a:t>
-            </a:r>
-            <a:r>
-              <a:rPr lang="en-GB" b="0" i="0">
-                <a:effectLst/>
-                <a:latin typeface="Courier New" panose="02070309020205020404" pitchFamily="49" charset="0"/>
-              </a:rPr>
-              <a:t>AND</a:t>
-            </a:r>
-            <a:br>
-              <a:rPr lang="en-GB"/>
-            </a:br>
-            <a:r>
-              <a:rPr lang="en-GB" b="0" i="0">
-                <a:solidFill>
-                  <a:srgbClr val="000000"/>
-                </a:solidFill>
-                <a:effectLst/>
-                <a:latin typeface="Courier New" panose="02070309020205020404" pitchFamily="49" charset="0"/>
-              </a:rPr>
-              <a:t>                         </a:t>
-            </a:r>
-            <a:r>
-              <a:rPr lang="en-GB" b="1" i="0">
-                <a:effectLst/>
-                <a:latin typeface="Courier New" panose="02070309020205020404" pitchFamily="49" charset="0"/>
-              </a:rPr>
-              <a:t>IF</a:t>
-            </a:r>
-            <a:r>
-              <a:rPr lang="en-GB" b="0" i="0">
-                <a:effectLst/>
-                <a:latin typeface="Courier New" panose="02070309020205020404" pitchFamily="49" charset="0"/>
-              </a:rPr>
-              <a:t>(c.end_date</a:t>
-            </a:r>
-            <a:r>
-              <a:rPr lang="en-GB" b="0" i="0">
-                <a:solidFill>
-                  <a:srgbClr val="000000"/>
-                </a:solidFill>
-                <a:effectLst/>
-                <a:latin typeface="Courier New" panose="02070309020205020404" pitchFamily="49" charset="0"/>
-              </a:rPr>
-              <a:t> </a:t>
-            </a:r>
-            <a:r>
-              <a:rPr lang="en-GB" b="0" i="0">
-                <a:effectLst/>
-                <a:latin typeface="Courier New" panose="02070309020205020404" pitchFamily="49" charset="0"/>
-              </a:rPr>
-              <a:t>!=</a:t>
-            </a:r>
-            <a:r>
-              <a:rPr lang="en-GB" b="0" i="0">
-                <a:solidFill>
-                  <a:srgbClr val="000000"/>
-                </a:solidFill>
-                <a:effectLst/>
-                <a:latin typeface="Courier New" panose="02070309020205020404" pitchFamily="49" charset="0"/>
-              </a:rPr>
-              <a:t> </a:t>
-            </a:r>
-            <a:r>
-              <a:rPr lang="en-GB" b="0" i="0">
-                <a:effectLst/>
-                <a:latin typeface="Courier New" panose="02070309020205020404" pitchFamily="49" charset="0"/>
-              </a:rPr>
-              <a:t>null,</a:t>
-            </a:r>
-            <a:r>
-              <a:rPr lang="en-GB" b="0" i="0">
-                <a:solidFill>
-                  <a:srgbClr val="000000"/>
-                </a:solidFill>
-                <a:effectLst/>
-                <a:latin typeface="Courier New" panose="02070309020205020404" pitchFamily="49" charset="0"/>
-              </a:rPr>
-              <a:t> </a:t>
-            </a:r>
-            <a:r>
-              <a:rPr lang="en-GB" b="0" i="0">
-                <a:effectLst/>
-                <a:latin typeface="Courier New" panose="02070309020205020404" pitchFamily="49" charset="0"/>
-              </a:rPr>
-              <a:t>c.end_date,</a:t>
-            </a:r>
-            <a:r>
-              <a:rPr lang="en-GB" b="0" i="0">
-                <a:solidFill>
-                  <a:srgbClr val="000000"/>
-                </a:solidFill>
-                <a:effectLst/>
-                <a:latin typeface="Courier New" panose="02070309020205020404" pitchFamily="49" charset="0"/>
-              </a:rPr>
-              <a:t> </a:t>
-            </a:r>
-            <a:r>
-              <a:rPr lang="en-GB" b="1" i="0">
-                <a:effectLst/>
-                <a:latin typeface="Courier New" panose="02070309020205020404" pitchFamily="49" charset="0"/>
-              </a:rPr>
-              <a:t>Curdate</a:t>
-            </a:r>
-            <a:r>
-              <a:rPr lang="en-GB" b="0" i="0">
-                <a:effectLst/>
-                <a:latin typeface="Courier New" panose="02070309020205020404" pitchFamily="49" charset="0"/>
-              </a:rPr>
-              <a:t>())</a:t>
-            </a:r>
-            <a:r>
-              <a:rPr lang="en-GB" b="0" i="0">
-                <a:solidFill>
-                  <a:srgbClr val="000000"/>
-                </a:solidFill>
-                <a:effectLst/>
-                <a:latin typeface="Courier New" panose="02070309020205020404" pitchFamily="49" charset="0"/>
-              </a:rPr>
-              <a:t> </a:t>
-            </a:r>
-          </a:p>
-          <a:p>
-            <a:r>
-              <a:rPr lang="en-US"/>
-              <a:t>Headcount by Contract Type</a:t>
-            </a:r>
-          </a:p>
-          <a:p>
-            <a:pPr marL="457200" lvl="1" indent="0">
-              <a:buNone/>
-            </a:pPr>
-            <a:r>
-              <a:rPr lang="en-GB" b="0" i="0">
-                <a:effectLst/>
-                <a:latin typeface="Courier New" panose="02070309020205020404" pitchFamily="49" charset="0"/>
-              </a:rPr>
-              <a:t>SELECT</a:t>
-            </a:r>
-            <a:r>
-              <a:rPr lang="en-GB" b="0" i="0">
-                <a:solidFill>
-                  <a:srgbClr val="000000"/>
-                </a:solidFill>
-                <a:effectLst/>
-                <a:latin typeface="Courier New" panose="02070309020205020404" pitchFamily="49" charset="0"/>
-              </a:rPr>
-              <a:t> </a:t>
-            </a:r>
-            <a:r>
-              <a:rPr lang="en-GB" b="0" i="0">
-                <a:effectLst/>
-                <a:latin typeface="Courier New" panose="02070309020205020404" pitchFamily="49" charset="0"/>
-              </a:rPr>
-              <a:t>c.contract_type,</a:t>
-            </a:r>
-            <a:br>
-              <a:rPr lang="en-GB"/>
-            </a:br>
-            <a:r>
-              <a:rPr lang="en-GB" b="0" i="0">
-                <a:solidFill>
-                  <a:srgbClr val="000000"/>
-                </a:solidFill>
-                <a:effectLst/>
-                <a:latin typeface="Courier New" panose="02070309020205020404" pitchFamily="49" charset="0"/>
-              </a:rPr>
-              <a:t>       </a:t>
-            </a:r>
-            <a:r>
-              <a:rPr lang="en-GB" b="1" i="0">
-                <a:effectLst/>
-                <a:latin typeface="Courier New" panose="02070309020205020404" pitchFamily="49" charset="0"/>
-              </a:rPr>
-              <a:t>COUNT</a:t>
-            </a:r>
-            <a:r>
-              <a:rPr lang="en-GB" b="0" i="0">
-                <a:effectLst/>
-                <a:latin typeface="Courier New" panose="02070309020205020404" pitchFamily="49" charset="0"/>
-              </a:rPr>
-              <a:t>(e.employee_id)</a:t>
-            </a:r>
-            <a:r>
-              <a:rPr lang="en-GB" b="0" i="0">
-                <a:solidFill>
-                  <a:srgbClr val="000000"/>
-                </a:solidFill>
-                <a:effectLst/>
-                <a:latin typeface="Courier New" panose="02070309020205020404" pitchFamily="49" charset="0"/>
-              </a:rPr>
-              <a:t> </a:t>
-            </a:r>
-            <a:r>
-              <a:rPr lang="en-GB" b="0" i="0">
-                <a:effectLst/>
-                <a:latin typeface="Courier New" panose="02070309020205020404" pitchFamily="49" charset="0"/>
-              </a:rPr>
-              <a:t>AS</a:t>
-            </a:r>
-            <a:r>
-              <a:rPr lang="en-GB" b="0" i="0">
-                <a:solidFill>
-                  <a:srgbClr val="000000"/>
-                </a:solidFill>
-                <a:effectLst/>
-                <a:latin typeface="Courier New" panose="02070309020205020404" pitchFamily="49" charset="0"/>
-              </a:rPr>
-              <a:t> </a:t>
-            </a:r>
-            <a:r>
-              <a:rPr lang="en-GB" b="0" i="0">
-                <a:effectLst/>
-                <a:latin typeface="Courier New" panose="02070309020205020404" pitchFamily="49" charset="0"/>
-              </a:rPr>
-              <a:t>total_employees</a:t>
-            </a:r>
-            <a:br>
-              <a:rPr lang="en-GB"/>
-            </a:br>
-            <a:r>
-              <a:rPr lang="en-GB" b="0" i="0">
-                <a:effectLst/>
-                <a:latin typeface="Courier New" panose="02070309020205020404" pitchFamily="49" charset="0"/>
-              </a:rPr>
-              <a:t>FROM</a:t>
-            </a:r>
-            <a:r>
-              <a:rPr lang="en-GB" b="0" i="0">
-                <a:solidFill>
-                  <a:srgbClr val="000000"/>
-                </a:solidFill>
-                <a:effectLst/>
-                <a:latin typeface="Courier New" panose="02070309020205020404" pitchFamily="49" charset="0"/>
-              </a:rPr>
-              <a:t>   </a:t>
-            </a:r>
-            <a:r>
-              <a:rPr lang="en-GB" b="0" i="0">
-                <a:effectLst/>
-                <a:latin typeface="Courier New" panose="02070309020205020404" pitchFamily="49" charset="0"/>
-              </a:rPr>
-              <a:t>employee</a:t>
-            </a:r>
-            <a:r>
-              <a:rPr lang="en-GB" b="0" i="0">
-                <a:solidFill>
-                  <a:srgbClr val="000000"/>
-                </a:solidFill>
-                <a:effectLst/>
-                <a:latin typeface="Courier New" panose="02070309020205020404" pitchFamily="49" charset="0"/>
-              </a:rPr>
-              <a:t> </a:t>
-            </a:r>
-            <a:r>
-              <a:rPr lang="en-GB" b="0" i="0">
-                <a:effectLst/>
-                <a:latin typeface="Courier New" panose="02070309020205020404" pitchFamily="49" charset="0"/>
-              </a:rPr>
-              <a:t>e</a:t>
-            </a:r>
-            <a:br>
-              <a:rPr lang="en-GB"/>
-            </a:br>
-            <a:r>
-              <a:rPr lang="en-GB" b="0" i="0">
-                <a:solidFill>
-                  <a:srgbClr val="000000"/>
-                </a:solidFill>
-                <a:effectLst/>
-                <a:latin typeface="Courier New" panose="02070309020205020404" pitchFamily="49" charset="0"/>
-              </a:rPr>
-              <a:t>       </a:t>
-            </a:r>
-            <a:r>
-              <a:rPr lang="en-GB" b="0" i="0">
-                <a:effectLst/>
-                <a:latin typeface="Courier New" panose="02070309020205020404" pitchFamily="49" charset="0"/>
-              </a:rPr>
-              <a:t>LEFT</a:t>
-            </a:r>
-            <a:r>
-              <a:rPr lang="en-GB" b="0" i="0">
-                <a:solidFill>
-                  <a:srgbClr val="000000"/>
-                </a:solidFill>
-                <a:effectLst/>
-                <a:latin typeface="Courier New" panose="02070309020205020404" pitchFamily="49" charset="0"/>
-              </a:rPr>
-              <a:t> </a:t>
-            </a:r>
-            <a:r>
-              <a:rPr lang="en-GB" b="0" i="0">
-                <a:effectLst/>
-                <a:latin typeface="Courier New" panose="02070309020205020404" pitchFamily="49" charset="0"/>
-              </a:rPr>
-              <a:t>JOIN</a:t>
-            </a:r>
-            <a:r>
-              <a:rPr lang="en-GB" b="0" i="0">
-                <a:solidFill>
-                  <a:srgbClr val="000000"/>
-                </a:solidFill>
-                <a:effectLst/>
-                <a:latin typeface="Courier New" panose="02070309020205020404" pitchFamily="49" charset="0"/>
-              </a:rPr>
-              <a:t> </a:t>
-            </a:r>
-            <a:r>
-              <a:rPr lang="en-GB" b="0" i="0">
-                <a:effectLst/>
-                <a:latin typeface="Courier New" panose="02070309020205020404" pitchFamily="49" charset="0"/>
-              </a:rPr>
-              <a:t>contract</a:t>
-            </a:r>
-            <a:r>
-              <a:rPr lang="en-GB" b="0" i="0">
-                <a:solidFill>
-                  <a:srgbClr val="000000"/>
-                </a:solidFill>
-                <a:effectLst/>
-                <a:latin typeface="Courier New" panose="02070309020205020404" pitchFamily="49" charset="0"/>
-              </a:rPr>
-              <a:t> </a:t>
-            </a:r>
-            <a:r>
-              <a:rPr lang="en-GB" b="0" i="0">
-                <a:effectLst/>
-                <a:latin typeface="Courier New" panose="02070309020205020404" pitchFamily="49" charset="0"/>
-              </a:rPr>
-              <a:t>c</a:t>
-            </a:r>
-            <a:br>
-              <a:rPr lang="en-GB"/>
-            </a:br>
-            <a:r>
-              <a:rPr lang="en-GB" b="0" i="0">
-                <a:solidFill>
-                  <a:srgbClr val="000000"/>
-                </a:solidFill>
-                <a:effectLst/>
-                <a:latin typeface="Courier New" panose="02070309020205020404" pitchFamily="49" charset="0"/>
-              </a:rPr>
-              <a:t>              </a:t>
-            </a:r>
-            <a:r>
-              <a:rPr lang="en-GB" b="0" i="0">
-                <a:effectLst/>
-                <a:latin typeface="Courier New" panose="02070309020205020404" pitchFamily="49" charset="0"/>
-              </a:rPr>
-              <a:t>ON</a:t>
-            </a:r>
-            <a:r>
-              <a:rPr lang="en-GB" b="0" i="0">
-                <a:solidFill>
-                  <a:srgbClr val="000000"/>
-                </a:solidFill>
-                <a:effectLst/>
-                <a:latin typeface="Courier New" panose="02070309020205020404" pitchFamily="49" charset="0"/>
-              </a:rPr>
-              <a:t> </a:t>
-            </a:r>
-            <a:r>
-              <a:rPr lang="en-GB" b="0" i="0">
-                <a:effectLst/>
-                <a:latin typeface="Courier New" panose="02070309020205020404" pitchFamily="49" charset="0"/>
-              </a:rPr>
-              <a:t>e.employee_id</a:t>
-            </a:r>
-            <a:r>
-              <a:rPr lang="en-GB" b="0" i="0">
-                <a:solidFill>
-                  <a:srgbClr val="000000"/>
-                </a:solidFill>
-                <a:effectLst/>
-                <a:latin typeface="Courier New" panose="02070309020205020404" pitchFamily="49" charset="0"/>
-              </a:rPr>
-              <a:t> </a:t>
-            </a:r>
-            <a:r>
-              <a:rPr lang="en-GB" b="0" i="0">
-                <a:effectLst/>
-                <a:latin typeface="Courier New" panose="02070309020205020404" pitchFamily="49" charset="0"/>
-              </a:rPr>
-              <a:t>=</a:t>
-            </a:r>
-            <a:r>
-              <a:rPr lang="en-GB" b="0" i="0">
-                <a:solidFill>
-                  <a:srgbClr val="000000"/>
-                </a:solidFill>
-                <a:effectLst/>
-                <a:latin typeface="Courier New" panose="02070309020205020404" pitchFamily="49" charset="0"/>
-              </a:rPr>
-              <a:t> </a:t>
-            </a:r>
-            <a:r>
-              <a:rPr lang="en-GB" b="0" i="0">
-                <a:effectLst/>
-                <a:latin typeface="Courier New" panose="02070309020205020404" pitchFamily="49" charset="0"/>
-              </a:rPr>
-              <a:t>c.employee_id</a:t>
-            </a:r>
-            <a:br>
-              <a:rPr lang="en-GB"/>
-            </a:br>
-            <a:r>
-              <a:rPr lang="en-GB" b="0" i="0">
-                <a:effectLst/>
-                <a:latin typeface="Courier New" panose="02070309020205020404" pitchFamily="49" charset="0"/>
-              </a:rPr>
-              <a:t>WHERE</a:t>
-            </a:r>
-            <a:r>
-              <a:rPr lang="en-GB" b="0" i="0">
-                <a:solidFill>
-                  <a:srgbClr val="000000"/>
-                </a:solidFill>
-                <a:effectLst/>
-                <a:latin typeface="Courier New" panose="02070309020205020404" pitchFamily="49" charset="0"/>
-              </a:rPr>
-              <a:t>   &lt;Date_Filter&gt; </a:t>
-            </a:r>
-            <a:r>
-              <a:rPr lang="en-GB" b="0" i="0">
-                <a:effectLst/>
-                <a:latin typeface="Courier New" panose="02070309020205020404" pitchFamily="49" charset="0"/>
-              </a:rPr>
-              <a:t>BETWEEN</a:t>
-            </a:r>
-            <a:r>
-              <a:rPr lang="en-GB" b="0" i="0">
-                <a:solidFill>
-                  <a:srgbClr val="000000"/>
-                </a:solidFill>
-                <a:effectLst/>
-                <a:latin typeface="Courier New" panose="02070309020205020404" pitchFamily="49" charset="0"/>
-              </a:rPr>
-              <a:t> </a:t>
-            </a:r>
-            <a:r>
-              <a:rPr lang="en-GB" b="0" i="0">
-                <a:effectLst/>
-                <a:latin typeface="Courier New" panose="02070309020205020404" pitchFamily="49" charset="0"/>
-              </a:rPr>
-              <a:t>c.start_date</a:t>
-            </a:r>
-            <a:r>
-              <a:rPr lang="en-GB" b="0" i="0">
-                <a:solidFill>
-                  <a:srgbClr val="000000"/>
-                </a:solidFill>
-                <a:effectLst/>
-                <a:latin typeface="Courier New" panose="02070309020205020404" pitchFamily="49" charset="0"/>
-              </a:rPr>
-              <a:t> </a:t>
-            </a:r>
-            <a:r>
-              <a:rPr lang="en-GB" b="0" i="0">
-                <a:effectLst/>
-                <a:latin typeface="Courier New" panose="02070309020205020404" pitchFamily="49" charset="0"/>
-              </a:rPr>
-              <a:t>AND</a:t>
-            </a:r>
-            <a:r>
-              <a:rPr lang="en-GB" b="0" i="0">
-                <a:solidFill>
-                  <a:srgbClr val="000000"/>
-                </a:solidFill>
-                <a:effectLst/>
-                <a:latin typeface="Courier New" panose="02070309020205020404" pitchFamily="49" charset="0"/>
-              </a:rPr>
-              <a:t> </a:t>
-            </a:r>
-            <a:r>
-              <a:rPr lang="en-GB" b="1" i="0">
-                <a:effectLst/>
-                <a:latin typeface="Courier New" panose="02070309020205020404" pitchFamily="49" charset="0"/>
-              </a:rPr>
-              <a:t>IF</a:t>
-            </a:r>
-            <a:r>
-              <a:rPr lang="en-GB" b="0" i="0">
-                <a:effectLst/>
-                <a:latin typeface="Courier New" panose="02070309020205020404" pitchFamily="49" charset="0"/>
-              </a:rPr>
-              <a:t>(c.end_date</a:t>
-            </a:r>
-            <a:r>
-              <a:rPr lang="en-GB" b="0" i="0">
-                <a:solidFill>
-                  <a:srgbClr val="000000"/>
-                </a:solidFill>
-                <a:effectLst/>
-                <a:latin typeface="Courier New" panose="02070309020205020404" pitchFamily="49" charset="0"/>
-              </a:rPr>
-              <a:t> </a:t>
-            </a:r>
-            <a:r>
-              <a:rPr lang="en-GB" b="0" i="0">
-                <a:effectLst/>
-                <a:latin typeface="Courier New" panose="02070309020205020404" pitchFamily="49" charset="0"/>
-              </a:rPr>
-              <a:t>!=</a:t>
-            </a:r>
-            <a:r>
-              <a:rPr lang="en-GB" b="0" i="0">
-                <a:solidFill>
-                  <a:srgbClr val="000000"/>
-                </a:solidFill>
-                <a:effectLst/>
-                <a:latin typeface="Courier New" panose="02070309020205020404" pitchFamily="49" charset="0"/>
-              </a:rPr>
-              <a:t> </a:t>
-            </a:r>
-            <a:r>
-              <a:rPr lang="en-GB" b="0" i="0">
-                <a:effectLst/>
-                <a:latin typeface="Courier New" panose="02070309020205020404" pitchFamily="49" charset="0"/>
-              </a:rPr>
-              <a:t>NULL,</a:t>
-            </a:r>
-            <a:br>
-              <a:rPr lang="en-GB"/>
-            </a:br>
-            <a:r>
-              <a:rPr lang="en-GB" b="0" i="0">
-                <a:solidFill>
-                  <a:srgbClr val="000000"/>
-                </a:solidFill>
-                <a:effectLst/>
-                <a:latin typeface="Courier New" panose="02070309020205020404" pitchFamily="49" charset="0"/>
-              </a:rPr>
-              <a:t>                                                   </a:t>
-            </a:r>
-            <a:r>
-              <a:rPr lang="en-GB" b="0" i="0">
-                <a:effectLst/>
-                <a:latin typeface="Courier New" panose="02070309020205020404" pitchFamily="49" charset="0"/>
-              </a:rPr>
-              <a:t>c.end_date,</a:t>
-            </a:r>
-            <a:br>
-              <a:rPr lang="en-GB"/>
-            </a:br>
-            <a:r>
-              <a:rPr lang="en-GB" b="0" i="0">
-                <a:solidFill>
-                  <a:srgbClr val="000000"/>
-                </a:solidFill>
-                <a:effectLst/>
-                <a:latin typeface="Courier New" panose="02070309020205020404" pitchFamily="49" charset="0"/>
-              </a:rPr>
-              <a:t>                                                   </a:t>
-            </a:r>
-            <a:r>
-              <a:rPr lang="en-GB" b="1" i="0">
-                <a:effectLst/>
-                <a:latin typeface="Courier New" panose="02070309020205020404" pitchFamily="49" charset="0"/>
-              </a:rPr>
-              <a:t>Curdate</a:t>
-            </a:r>
-            <a:r>
-              <a:rPr lang="en-GB" b="0" i="0">
-                <a:effectLst/>
-                <a:latin typeface="Courier New" panose="02070309020205020404" pitchFamily="49" charset="0"/>
-              </a:rPr>
-              <a:t>())</a:t>
-            </a:r>
-            <a:br>
-              <a:rPr lang="en-GB"/>
-            </a:br>
-            <a:r>
-              <a:rPr lang="en-GB" b="0" i="0">
-                <a:effectLst/>
-                <a:latin typeface="Courier New" panose="02070309020205020404" pitchFamily="49" charset="0"/>
-              </a:rPr>
-              <a:t>GROUP</a:t>
-            </a:r>
-            <a:r>
-              <a:rPr lang="en-GB" b="0" i="0">
-                <a:solidFill>
-                  <a:srgbClr val="000000"/>
-                </a:solidFill>
-                <a:effectLst/>
-                <a:latin typeface="Courier New" panose="02070309020205020404" pitchFamily="49" charset="0"/>
-              </a:rPr>
-              <a:t>  </a:t>
-            </a:r>
-            <a:r>
-              <a:rPr lang="en-GB" b="0" i="0">
-                <a:effectLst/>
-                <a:latin typeface="Courier New" panose="02070309020205020404" pitchFamily="49" charset="0"/>
-              </a:rPr>
-              <a:t>BY</a:t>
-            </a:r>
-            <a:r>
-              <a:rPr lang="en-GB" b="0" i="0">
-                <a:solidFill>
-                  <a:srgbClr val="000000"/>
-                </a:solidFill>
-                <a:effectLst/>
-                <a:latin typeface="Courier New" panose="02070309020205020404" pitchFamily="49" charset="0"/>
-              </a:rPr>
-              <a:t> </a:t>
-            </a:r>
-            <a:r>
-              <a:rPr lang="en-GB" b="0" i="0">
-                <a:effectLst/>
-                <a:latin typeface="Courier New" panose="02070309020205020404" pitchFamily="49" charset="0"/>
-              </a:rPr>
-              <a:t>c.contract_type;</a:t>
-            </a:r>
-            <a:endParaRPr lang="en-GB" b="1">
-              <a:solidFill>
-                <a:srgbClr val="008000"/>
-              </a:solidFill>
-              <a:effectLst/>
-            </a:endParaRPr>
+              <a:rPr lang="en-US" cap="none"/>
+              <a:t>Headcound</a:t>
+            </a:r>
+            <a:endParaRPr lang="en-US"/>
           </a:p>
         </p:txBody>
       </p:sp>
@@ -10610,6 +6843,61 @@
           </a:extLst>
         </p:spPr>
       </p:pic>
+      <p:sp>
+        <p:nvSpPr>
+          <p:cNvPr id="6" name="Content Placeholder 5">
+            <a:extLst>
+              <a:ext uri="{FF2B5EF4-FFF2-40B4-BE49-F238E27FC236}">
+                <a16:creationId xmlns:a16="http://schemas.microsoft.com/office/drawing/2014/main" id="{97A534DF-FBB4-2074-B614-659740BFC008}"/>
+              </a:ext>
+            </a:extLst>
+          </p:cNvPr>
+          <p:cNvSpPr>
+            <a:spLocks noGrp="1"/>
+          </p:cNvSpPr>
+          <p:nvPr>
+            <p:ph idx="1"/>
+          </p:nvPr>
+        </p:nvSpPr>
+        <p:spPr/>
+        <p:txBody>
+          <a:bodyPr/>
+          <a:lstStyle/>
+          <a:p>
+            <a:endParaRPr lang="en-US"/>
+          </a:p>
+        </p:txBody>
+      </p:sp>
+      <p:pic>
+        <p:nvPicPr>
+          <p:cNvPr id="7" name="Picture 6">
+            <a:extLst>
+              <a:ext uri="{FF2B5EF4-FFF2-40B4-BE49-F238E27FC236}">
+                <a16:creationId xmlns:a16="http://schemas.microsoft.com/office/drawing/2014/main" id="{7F156607-56DB-2CD5-1170-4C4437D74A62}"/>
+              </a:ext>
+            </a:extLst>
+          </p:cNvPr>
+          <p:cNvPicPr>
+            <a:picLocks noChangeAspect="1"/>
+          </p:cNvPicPr>
+          <p:nvPr/>
+        </p:nvPicPr>
+        <p:blipFill>
+          <a:blip r:embed="rId3"/>
+          <a:stretch>
+            <a:fillRect/>
+          </a:stretch>
+        </p:blipFill>
+        <p:spPr>
+          <a:xfrm>
+            <a:off x="3521844" y="2224311"/>
+            <a:ext cx="4597400" cy="3467100"/>
+          </a:xfrm>
+          <a:prstGeom prst="rect">
+            <a:avLst/>
+          </a:prstGeom>
+        </p:spPr>
+      </p:pic>
     </p:spTree>
     <p:extLst>
       <p:ext uri="{BB962C8B-B14F-4D97-AF65-F5344CB8AC3E}">
@@ -10624,7 +6912,7 @@
 </file>
 
 <file path=ppt/slides/slide8.xml><?xml version="1.0" encoding="utf-8"?>
-<p:sld xmlns:a="http://schemas.openxmlformats.org/drawingml/2006/main" xmlns:r="http://schemas.openxmlformats.org/officeDocument/2006/relationships" xmlns:p="http://schemas.openxmlformats.org/presentationml/2006/main" show="0">
+<p:sld xmlns:a="http://schemas.openxmlformats.org/drawingml/2006/main" xmlns:r="http://schemas.openxmlformats.org/officeDocument/2006/relationships" xmlns:p="http://schemas.openxmlformats.org/presentationml/2006/main">
   <p:cSld>
     <p:spTree>
       <p:nvGrpSpPr>
@@ -10664,552 +6952,9 @@
           <a:lstStyle/>
           <a:p>
             <a:r>
-              <a:rPr lang="en-US"/>
-              <a:t>3. Query</a:t>
-            </a:r>
-          </a:p>
-        </p:txBody>
-      </p:sp>
-      <p:sp>
-        <p:nvSpPr>
-          <p:cNvPr id="4" name="Content Placeholder 3">
-            <a:extLst>
-              <a:ext uri="{FF2B5EF4-FFF2-40B4-BE49-F238E27FC236}">
-                <a16:creationId xmlns:a16="http://schemas.microsoft.com/office/drawing/2014/main" id="{EF5A82F3-73AF-E1B0-38F1-28CECF1C8FA1}"/>
-              </a:ext>
-            </a:extLst>
-          </p:cNvPr>
-          <p:cNvSpPr>
-            <a:spLocks noGrp="1"/>
-          </p:cNvSpPr>
-          <p:nvPr>
-            <p:ph idx="1"/>
-          </p:nvPr>
-        </p:nvSpPr>
-        <p:spPr/>
-        <p:txBody>
-          <a:bodyPr>
-            <a:normAutofit lnSpcReduction="10000"/>
-          </a:bodyPr>
-          <a:lstStyle/>
-          <a:p>
-            <a:r>
-              <a:rPr lang="en-US"/>
-              <a:t>Headcout by Seniority</a:t>
-            </a:r>
-          </a:p>
-          <a:p>
-            <a:r>
-              <a:rPr lang="en-GB" b="0" i="0">
-                <a:effectLst/>
-                <a:latin typeface="Courier New" panose="02070309020205020404" pitchFamily="49" charset="0"/>
-              </a:rPr>
-              <a:t>SELECT</a:t>
-            </a:r>
-            <a:r>
-              <a:rPr lang="en-GB" b="0" i="0">
-                <a:solidFill>
-                  <a:srgbClr val="000000"/>
-                </a:solidFill>
-                <a:effectLst/>
-                <a:latin typeface="Courier New" panose="02070309020205020404" pitchFamily="49" charset="0"/>
-              </a:rPr>
-              <a:t> </a:t>
-            </a:r>
-            <a:r>
-              <a:rPr lang="en-GB">
-                <a:solidFill>
-                  <a:srgbClr val="000000"/>
-                </a:solidFill>
-                <a:latin typeface="Courier New" panose="02070309020205020404" pitchFamily="49" charset="0"/>
-              </a:rPr>
-              <a:t>e</a:t>
-            </a:r>
-            <a:r>
-              <a:rPr lang="en-GB" b="0" i="0">
-                <a:effectLst/>
-                <a:latin typeface="Courier New" panose="02070309020205020404" pitchFamily="49" charset="0"/>
-              </a:rPr>
-              <a:t>.Seniority,</a:t>
-            </a:r>
-            <a:br>
-              <a:rPr lang="en-GB"/>
-            </a:br>
-            <a:r>
-              <a:rPr lang="en-GB" b="0" i="0">
-                <a:solidFill>
-                  <a:srgbClr val="000000"/>
-                </a:solidFill>
-                <a:effectLst/>
-                <a:latin typeface="Courier New" panose="02070309020205020404" pitchFamily="49" charset="0"/>
-              </a:rPr>
-              <a:t>       </a:t>
-            </a:r>
-            <a:r>
-              <a:rPr lang="en-GB" b="1" i="0">
-                <a:effectLst/>
-                <a:latin typeface="Courier New" panose="02070309020205020404" pitchFamily="49" charset="0"/>
-              </a:rPr>
-              <a:t>COUNT</a:t>
-            </a:r>
-            <a:r>
-              <a:rPr lang="en-GB" b="0" i="0">
-                <a:effectLst/>
-                <a:latin typeface="Courier New" panose="02070309020205020404" pitchFamily="49" charset="0"/>
-              </a:rPr>
-              <a:t>(e.employee_id)</a:t>
-            </a:r>
-            <a:r>
-              <a:rPr lang="en-GB" b="0" i="0">
-                <a:solidFill>
-                  <a:srgbClr val="000000"/>
-                </a:solidFill>
-                <a:effectLst/>
-                <a:latin typeface="Courier New" panose="02070309020205020404" pitchFamily="49" charset="0"/>
-              </a:rPr>
-              <a:t> </a:t>
-            </a:r>
-            <a:r>
-              <a:rPr lang="en-GB" b="0" i="0">
-                <a:effectLst/>
-                <a:latin typeface="Courier New" panose="02070309020205020404" pitchFamily="49" charset="0"/>
-              </a:rPr>
-              <a:t>AS</a:t>
-            </a:r>
-            <a:r>
-              <a:rPr lang="en-GB" b="0" i="0">
-                <a:solidFill>
-                  <a:srgbClr val="000000"/>
-                </a:solidFill>
-                <a:effectLst/>
-                <a:latin typeface="Courier New" panose="02070309020205020404" pitchFamily="49" charset="0"/>
-              </a:rPr>
-              <a:t> </a:t>
-            </a:r>
-            <a:r>
-              <a:rPr lang="en-GB" b="0" i="0">
-                <a:effectLst/>
-                <a:latin typeface="Courier New" panose="02070309020205020404" pitchFamily="49" charset="0"/>
-              </a:rPr>
-              <a:t>total_employees</a:t>
-            </a:r>
-            <a:br>
-              <a:rPr lang="en-GB"/>
-            </a:br>
-            <a:r>
-              <a:rPr lang="en-GB" b="0" i="0">
-                <a:effectLst/>
-                <a:latin typeface="Courier New" panose="02070309020205020404" pitchFamily="49" charset="0"/>
-              </a:rPr>
-              <a:t>FROM</a:t>
-            </a:r>
-            <a:r>
-              <a:rPr lang="en-GB" b="0" i="0">
-                <a:solidFill>
-                  <a:srgbClr val="000000"/>
-                </a:solidFill>
-                <a:effectLst/>
-                <a:latin typeface="Courier New" panose="02070309020205020404" pitchFamily="49" charset="0"/>
-              </a:rPr>
-              <a:t>   </a:t>
-            </a:r>
-            <a:r>
-              <a:rPr lang="en-GB" b="0" i="0">
-                <a:effectLst/>
-                <a:latin typeface="Courier New" panose="02070309020205020404" pitchFamily="49" charset="0"/>
-              </a:rPr>
-              <a:t>employee</a:t>
-            </a:r>
-            <a:r>
-              <a:rPr lang="en-GB" b="0" i="0">
-                <a:solidFill>
-                  <a:srgbClr val="000000"/>
-                </a:solidFill>
-                <a:effectLst/>
-                <a:latin typeface="Courier New" panose="02070309020205020404" pitchFamily="49" charset="0"/>
-              </a:rPr>
-              <a:t> </a:t>
-            </a:r>
-            <a:r>
-              <a:rPr lang="en-GB" b="0" i="0">
-                <a:effectLst/>
-                <a:latin typeface="Courier New" panose="02070309020205020404" pitchFamily="49" charset="0"/>
-              </a:rPr>
-              <a:t>e</a:t>
-            </a:r>
-            <a:br>
-              <a:rPr lang="en-GB"/>
-            </a:br>
-            <a:r>
-              <a:rPr lang="en-GB" b="0" i="0">
-                <a:solidFill>
-                  <a:srgbClr val="000000"/>
-                </a:solidFill>
-                <a:effectLst/>
-                <a:latin typeface="Courier New" panose="02070309020205020404" pitchFamily="49" charset="0"/>
-              </a:rPr>
-              <a:t>       </a:t>
-            </a:r>
-            <a:r>
-              <a:rPr lang="en-GB" b="0" i="0">
-                <a:effectLst/>
-                <a:latin typeface="Courier New" panose="02070309020205020404" pitchFamily="49" charset="0"/>
-              </a:rPr>
-              <a:t>LEFT</a:t>
-            </a:r>
-            <a:r>
-              <a:rPr lang="en-GB" b="0" i="0">
-                <a:solidFill>
-                  <a:srgbClr val="000000"/>
-                </a:solidFill>
-                <a:effectLst/>
-                <a:latin typeface="Courier New" panose="02070309020205020404" pitchFamily="49" charset="0"/>
-              </a:rPr>
-              <a:t> </a:t>
-            </a:r>
-            <a:r>
-              <a:rPr lang="en-GB" b="0" i="0">
-                <a:effectLst/>
-                <a:latin typeface="Courier New" panose="02070309020205020404" pitchFamily="49" charset="0"/>
-              </a:rPr>
-              <a:t>JOIN</a:t>
-            </a:r>
-            <a:r>
-              <a:rPr lang="en-GB" b="0" i="0">
-                <a:solidFill>
-                  <a:srgbClr val="000000"/>
-                </a:solidFill>
-                <a:effectLst/>
-                <a:latin typeface="Courier New" panose="02070309020205020404" pitchFamily="49" charset="0"/>
-              </a:rPr>
-              <a:t> </a:t>
-            </a:r>
-            <a:r>
-              <a:rPr lang="en-GB" b="0" i="0">
-                <a:effectLst/>
-                <a:latin typeface="Courier New" panose="02070309020205020404" pitchFamily="49" charset="0"/>
-              </a:rPr>
-              <a:t>contract</a:t>
-            </a:r>
-            <a:r>
-              <a:rPr lang="en-GB" b="0" i="0">
-                <a:solidFill>
-                  <a:srgbClr val="000000"/>
-                </a:solidFill>
-                <a:effectLst/>
-                <a:latin typeface="Courier New" panose="02070309020205020404" pitchFamily="49" charset="0"/>
-              </a:rPr>
-              <a:t> </a:t>
-            </a:r>
-            <a:r>
-              <a:rPr lang="en-GB" b="0" i="0">
-                <a:effectLst/>
-                <a:latin typeface="Courier New" panose="02070309020205020404" pitchFamily="49" charset="0"/>
-              </a:rPr>
-              <a:t>c</a:t>
-            </a:r>
-            <a:br>
-              <a:rPr lang="en-GB"/>
-            </a:br>
-            <a:r>
-              <a:rPr lang="en-GB" b="0" i="0">
-                <a:solidFill>
-                  <a:srgbClr val="000000"/>
-                </a:solidFill>
-                <a:effectLst/>
-                <a:latin typeface="Courier New" panose="02070309020205020404" pitchFamily="49" charset="0"/>
-              </a:rPr>
-              <a:t>              </a:t>
-            </a:r>
-            <a:r>
-              <a:rPr lang="en-GB" b="0" i="0">
-                <a:effectLst/>
-                <a:latin typeface="Courier New" panose="02070309020205020404" pitchFamily="49" charset="0"/>
-              </a:rPr>
-              <a:t>ON</a:t>
-            </a:r>
-            <a:r>
-              <a:rPr lang="en-GB" b="0" i="0">
-                <a:solidFill>
-                  <a:srgbClr val="000000"/>
-                </a:solidFill>
-                <a:effectLst/>
-                <a:latin typeface="Courier New" panose="02070309020205020404" pitchFamily="49" charset="0"/>
-              </a:rPr>
-              <a:t> </a:t>
-            </a:r>
-            <a:r>
-              <a:rPr lang="en-GB" b="0" i="0">
-                <a:effectLst/>
-                <a:latin typeface="Courier New" panose="02070309020205020404" pitchFamily="49" charset="0"/>
-              </a:rPr>
-              <a:t>e.employee_id</a:t>
-            </a:r>
-            <a:r>
-              <a:rPr lang="en-GB" b="0" i="0">
-                <a:solidFill>
-                  <a:srgbClr val="000000"/>
-                </a:solidFill>
-                <a:effectLst/>
-                <a:latin typeface="Courier New" panose="02070309020205020404" pitchFamily="49" charset="0"/>
-              </a:rPr>
-              <a:t> </a:t>
-            </a:r>
-            <a:r>
-              <a:rPr lang="en-GB" b="0" i="0">
-                <a:effectLst/>
-                <a:latin typeface="Courier New" panose="02070309020205020404" pitchFamily="49" charset="0"/>
-              </a:rPr>
-              <a:t>=</a:t>
-            </a:r>
-            <a:r>
-              <a:rPr lang="en-GB" b="0" i="0">
-                <a:solidFill>
-                  <a:srgbClr val="000000"/>
-                </a:solidFill>
-                <a:effectLst/>
-                <a:latin typeface="Courier New" panose="02070309020205020404" pitchFamily="49" charset="0"/>
-              </a:rPr>
-              <a:t> </a:t>
-            </a:r>
-            <a:r>
-              <a:rPr lang="en-GB" b="0" i="0">
-                <a:effectLst/>
-                <a:latin typeface="Courier New" panose="02070309020205020404" pitchFamily="49" charset="0"/>
-              </a:rPr>
-              <a:t>c.employee_id</a:t>
-            </a:r>
-            <a:br>
-              <a:rPr lang="en-GB"/>
-            </a:br>
-            <a:r>
-              <a:rPr lang="en-GB" b="0" i="0">
-                <a:effectLst/>
-                <a:latin typeface="Courier New" panose="02070309020205020404" pitchFamily="49" charset="0"/>
-              </a:rPr>
-              <a:t>WHERE</a:t>
-            </a:r>
-            <a:r>
-              <a:rPr lang="en-GB" b="0" i="0">
-                <a:solidFill>
-                  <a:srgbClr val="000000"/>
-                </a:solidFill>
-                <a:effectLst/>
-                <a:latin typeface="Courier New" panose="02070309020205020404" pitchFamily="49" charset="0"/>
-              </a:rPr>
-              <a:t>   &lt;Date_Filter&gt; </a:t>
-            </a:r>
-            <a:r>
-              <a:rPr lang="en-GB" b="0" i="0">
-                <a:effectLst/>
-                <a:latin typeface="Courier New" panose="02070309020205020404" pitchFamily="49" charset="0"/>
-              </a:rPr>
-              <a:t>BETWEEN</a:t>
-            </a:r>
-            <a:r>
-              <a:rPr lang="en-GB" b="0" i="0">
-                <a:solidFill>
-                  <a:srgbClr val="000000"/>
-                </a:solidFill>
-                <a:effectLst/>
-                <a:latin typeface="Courier New" panose="02070309020205020404" pitchFamily="49" charset="0"/>
-              </a:rPr>
-              <a:t> </a:t>
-            </a:r>
-            <a:r>
-              <a:rPr lang="en-GB" b="0" i="0">
-                <a:effectLst/>
-                <a:latin typeface="Courier New" panose="02070309020205020404" pitchFamily="49" charset="0"/>
-              </a:rPr>
-              <a:t>c.start_date</a:t>
-            </a:r>
-            <a:r>
-              <a:rPr lang="en-GB" b="0" i="0">
-                <a:solidFill>
-                  <a:srgbClr val="000000"/>
-                </a:solidFill>
-                <a:effectLst/>
-                <a:latin typeface="Courier New" panose="02070309020205020404" pitchFamily="49" charset="0"/>
-              </a:rPr>
-              <a:t> </a:t>
-            </a:r>
-            <a:r>
-              <a:rPr lang="en-GB" b="0" i="0">
-                <a:effectLst/>
-                <a:latin typeface="Courier New" panose="02070309020205020404" pitchFamily="49" charset="0"/>
-              </a:rPr>
-              <a:t>AND</a:t>
-            </a:r>
-            <a:r>
-              <a:rPr lang="en-GB" b="0" i="0">
-                <a:solidFill>
-                  <a:srgbClr val="000000"/>
-                </a:solidFill>
-                <a:effectLst/>
-                <a:latin typeface="Courier New" panose="02070309020205020404" pitchFamily="49" charset="0"/>
-              </a:rPr>
-              <a:t> </a:t>
-            </a:r>
-            <a:r>
-              <a:rPr lang="en-GB" b="1" i="0">
-                <a:effectLst/>
-                <a:latin typeface="Courier New" panose="02070309020205020404" pitchFamily="49" charset="0"/>
-              </a:rPr>
-              <a:t>IF</a:t>
-            </a:r>
-            <a:r>
-              <a:rPr lang="en-GB" b="0" i="0">
-                <a:effectLst/>
-                <a:latin typeface="Courier New" panose="02070309020205020404" pitchFamily="49" charset="0"/>
-              </a:rPr>
-              <a:t>(c.end_date</a:t>
-            </a:r>
-            <a:r>
-              <a:rPr lang="en-GB" b="0" i="0">
-                <a:solidFill>
-                  <a:srgbClr val="000000"/>
-                </a:solidFill>
-                <a:effectLst/>
-                <a:latin typeface="Courier New" panose="02070309020205020404" pitchFamily="49" charset="0"/>
-              </a:rPr>
-              <a:t> </a:t>
-            </a:r>
-            <a:r>
-              <a:rPr lang="en-GB" b="0" i="0">
-                <a:effectLst/>
-                <a:latin typeface="Courier New" panose="02070309020205020404" pitchFamily="49" charset="0"/>
-              </a:rPr>
-              <a:t>!=</a:t>
-            </a:r>
-            <a:r>
-              <a:rPr lang="en-GB" b="0" i="0">
-                <a:solidFill>
-                  <a:srgbClr val="000000"/>
-                </a:solidFill>
-                <a:effectLst/>
-                <a:latin typeface="Courier New" panose="02070309020205020404" pitchFamily="49" charset="0"/>
-              </a:rPr>
-              <a:t> </a:t>
-            </a:r>
-            <a:r>
-              <a:rPr lang="en-GB" b="0" i="0">
-                <a:effectLst/>
-                <a:latin typeface="Courier New" panose="02070309020205020404" pitchFamily="49" charset="0"/>
-              </a:rPr>
-              <a:t>NULL,</a:t>
-            </a:r>
-            <a:br>
-              <a:rPr lang="en-GB"/>
-            </a:br>
-            <a:r>
-              <a:rPr lang="en-GB" b="0" i="0">
-                <a:solidFill>
-                  <a:srgbClr val="000000"/>
-                </a:solidFill>
-                <a:effectLst/>
-                <a:latin typeface="Courier New" panose="02070309020205020404" pitchFamily="49" charset="0"/>
-              </a:rPr>
-              <a:t>                                                   </a:t>
-            </a:r>
-            <a:r>
-              <a:rPr lang="en-GB" b="0" i="0">
-                <a:effectLst/>
-                <a:latin typeface="Courier New" panose="02070309020205020404" pitchFamily="49" charset="0"/>
-              </a:rPr>
-              <a:t>c.end_date,</a:t>
-            </a:r>
-            <a:br>
-              <a:rPr lang="en-GB"/>
-            </a:br>
-            <a:r>
-              <a:rPr lang="en-GB" b="0" i="0">
-                <a:solidFill>
-                  <a:srgbClr val="000000"/>
-                </a:solidFill>
-                <a:effectLst/>
-                <a:latin typeface="Courier New" panose="02070309020205020404" pitchFamily="49" charset="0"/>
-              </a:rPr>
-              <a:t>                                                   </a:t>
-            </a:r>
-            <a:r>
-              <a:rPr lang="en-GB" b="1" i="0">
-                <a:effectLst/>
-                <a:latin typeface="Courier New" panose="02070309020205020404" pitchFamily="49" charset="0"/>
-              </a:rPr>
-              <a:t>Curdate</a:t>
-            </a:r>
-            <a:r>
-              <a:rPr lang="en-GB" b="0" i="0">
-                <a:effectLst/>
-                <a:latin typeface="Courier New" panose="02070309020205020404" pitchFamily="49" charset="0"/>
-              </a:rPr>
-              <a:t>())</a:t>
-            </a:r>
-            <a:br>
-              <a:rPr lang="en-GB"/>
-            </a:br>
-            <a:r>
-              <a:rPr lang="en-GB" b="0" i="0">
-                <a:effectLst/>
-                <a:latin typeface="Courier New" panose="02070309020205020404" pitchFamily="49" charset="0"/>
-              </a:rPr>
-              <a:t>GROUP</a:t>
-            </a:r>
-            <a:r>
-              <a:rPr lang="en-GB" b="0" i="0">
-                <a:solidFill>
-                  <a:srgbClr val="000000"/>
-                </a:solidFill>
-                <a:effectLst/>
-                <a:latin typeface="Courier New" panose="02070309020205020404" pitchFamily="49" charset="0"/>
-              </a:rPr>
-              <a:t>  </a:t>
-            </a:r>
-            <a:r>
-              <a:rPr lang="en-GB" b="0" i="0">
-                <a:effectLst/>
-                <a:latin typeface="Courier New" panose="02070309020205020404" pitchFamily="49" charset="0"/>
-              </a:rPr>
-              <a:t>BY</a:t>
-            </a:r>
-            <a:r>
-              <a:rPr lang="en-GB" b="0" i="0">
-                <a:solidFill>
-                  <a:srgbClr val="000000"/>
-                </a:solidFill>
-                <a:effectLst/>
-                <a:latin typeface="Courier New" panose="02070309020205020404" pitchFamily="49" charset="0"/>
-              </a:rPr>
-              <a:t> </a:t>
-            </a:r>
-            <a:r>
-              <a:rPr lang="en-GB">
-                <a:solidFill>
-                  <a:srgbClr val="000000"/>
-                </a:solidFill>
-                <a:latin typeface="Courier New" panose="02070309020205020404" pitchFamily="49" charset="0"/>
-              </a:rPr>
-              <a:t>e</a:t>
-            </a:r>
-            <a:r>
-              <a:rPr lang="en-GB" b="0" i="0">
-                <a:effectLst/>
-                <a:latin typeface="Courier New" panose="02070309020205020404" pitchFamily="49" charset="0"/>
-              </a:rPr>
-              <a:t>.Seniority;</a:t>
-            </a:r>
-            <a:endParaRPr lang="en-GB" b="1">
-              <a:solidFill>
-                <a:srgbClr val="008000"/>
-              </a:solidFill>
-              <a:effectLst/>
-            </a:endParaRPr>
-          </a:p>
-          <a:p>
-            <a:pPr marL="0" indent="0">
-              <a:buNone/>
-            </a:pPr>
-            <a:endParaRPr lang="en-US"/>
+              <a:rPr lang="en-US" cap="none"/>
+              <a:t>Diversity</a:t>
+            </a:r>
           </a:p>
         </p:txBody>
       </p:sp>
@@ -11235,7 +6980,7 @@
               </a:ext>
             </a:extLst>
           </a:blip>
-          <a:srcRect l="1172" t="13728" r="3057" b="72170"/>
+          <a:srcRect l="1689" t="29932" r="2540" b="55966"/>
           <a:stretch/>
         </p:blipFill>
         <p:spPr bwMode="auto">
@@ -11258,10 +7003,41 @@
           </a:extLst>
         </p:spPr>
       </p:pic>
+      <p:pic>
+        <p:nvPicPr>
+          <p:cNvPr id="7" name="Content Placeholder 6">
+            <a:extLst>
+              <a:ext uri="{FF2B5EF4-FFF2-40B4-BE49-F238E27FC236}">
+                <a16:creationId xmlns:a16="http://schemas.microsoft.com/office/drawing/2014/main" id="{73D6B26C-7D0D-A68F-AE7C-D620FC558BE3}"/>
+              </a:ext>
+            </a:extLst>
+          </p:cNvPr>
+          <p:cNvPicPr>
+            <a:picLocks noGrp="1" noChangeAspect="1"/>
+          </p:cNvPicPr>
+          <p:nvPr>
+            <p:ph idx="1"/>
+          </p:nvPr>
+        </p:nvPicPr>
+        <p:blipFill rotWithShape="1">
+          <a:blip r:embed="rId3"/>
+          <a:srcRect l="7473" t="16247" r="9617" b="12691"/>
+          <a:stretch/>
+        </p:blipFill>
+        <p:spPr>
+          <a:xfrm>
+            <a:off x="2814070" y="2229506"/>
+            <a:ext cx="6563859" cy="4045208"/>
+          </a:xfrm>
+          <a:prstGeom prst="rect">
+            <a:avLst/>
+          </a:prstGeom>
+        </p:spPr>
+      </p:pic>
     </p:spTree>
     <p:extLst>
       <p:ext uri="{BB962C8B-B14F-4D97-AF65-F5344CB8AC3E}">
-        <p14:creationId xmlns:p14="http://schemas.microsoft.com/office/powerpoint/2010/main" val="49287103"/>
+        <p14:creationId xmlns:p14="http://schemas.microsoft.com/office/powerpoint/2010/main" val="2467322710"/>
       </p:ext>
     </p:extLst>
   </p:cSld>
@@ -11272,7 +7048,7 @@
 </file>
 
 <file path=ppt/slides/slide9.xml><?xml version="1.0" encoding="utf-8"?>
-<p:sld xmlns:a="http://schemas.openxmlformats.org/drawingml/2006/main" xmlns:r="http://schemas.openxmlformats.org/officeDocument/2006/relationships" xmlns:p="http://schemas.openxmlformats.org/presentationml/2006/main" show="0">
+<p:sld xmlns:a="http://schemas.openxmlformats.org/drawingml/2006/main" xmlns:r="http://schemas.openxmlformats.org/officeDocument/2006/relationships" xmlns:p="http://schemas.openxmlformats.org/presentationml/2006/main">
   <p:cSld>
     <p:spTree>
       <p:nvGrpSpPr>
@@ -11312,459 +7088,9 @@
           <a:lstStyle/>
           <a:p>
             <a:r>
-              <a:rPr lang="en-US"/>
-              <a:t>3. Query</a:t>
-            </a:r>
-          </a:p>
-        </p:txBody>
-      </p:sp>
-      <p:sp>
-        <p:nvSpPr>
-          <p:cNvPr id="4" name="Content Placeholder 3">
-            <a:extLst>
-              <a:ext uri="{FF2B5EF4-FFF2-40B4-BE49-F238E27FC236}">
-                <a16:creationId xmlns:a16="http://schemas.microsoft.com/office/drawing/2014/main" id="{EF5A82F3-73AF-E1B0-38F1-28CECF1C8FA1}"/>
-              </a:ext>
-            </a:extLst>
-          </p:cNvPr>
-          <p:cNvSpPr>
-            <a:spLocks noGrp="1"/>
-          </p:cNvSpPr>
-          <p:nvPr>
-            <p:ph idx="1"/>
-          </p:nvPr>
-        </p:nvSpPr>
-        <p:spPr/>
-        <p:txBody>
-          <a:bodyPr>
-            <a:normAutofit/>
-          </a:bodyPr>
-          <a:lstStyle/>
-          <a:p>
-            <a:r>
-              <a:rPr lang="en-US"/>
-              <a:t>Average Tenure</a:t>
-            </a:r>
-          </a:p>
-          <a:p>
-            <a:r>
-              <a:rPr lang="en-GB" b="0" i="0">
-                <a:effectLst/>
-                <a:latin typeface="Courier New" panose="02070309020205020404" pitchFamily="49" charset="0"/>
-              </a:rPr>
-              <a:t>SELECT</a:t>
-            </a:r>
-            <a:r>
-              <a:rPr lang="en-GB" b="0" i="0">
-                <a:solidFill>
-                  <a:srgbClr val="000000"/>
-                </a:solidFill>
-                <a:effectLst/>
-                <a:latin typeface="Courier New" panose="02070309020205020404" pitchFamily="49" charset="0"/>
-              </a:rPr>
-              <a:t> </a:t>
-            </a:r>
-            <a:r>
-              <a:rPr lang="en-GB" b="1" i="0">
-                <a:effectLst/>
-                <a:latin typeface="Courier New" panose="02070309020205020404" pitchFamily="49" charset="0"/>
-              </a:rPr>
-              <a:t>AVG</a:t>
-            </a:r>
-            <a:r>
-              <a:rPr lang="en-GB" b="0" i="0">
-                <a:effectLst/>
-                <a:latin typeface="Courier New" panose="02070309020205020404" pitchFamily="49" charset="0"/>
-              </a:rPr>
-              <a:t>(e.employee_id)</a:t>
-            </a:r>
-            <a:r>
-              <a:rPr lang="en-GB" b="0" i="0">
-                <a:solidFill>
-                  <a:srgbClr val="000000"/>
-                </a:solidFill>
-                <a:effectLst/>
-                <a:latin typeface="Courier New" panose="02070309020205020404" pitchFamily="49" charset="0"/>
-              </a:rPr>
-              <a:t> </a:t>
-            </a:r>
-            <a:r>
-              <a:rPr lang="en-GB" b="0" i="0">
-                <a:effectLst/>
-                <a:latin typeface="Courier New" panose="02070309020205020404" pitchFamily="49" charset="0"/>
-              </a:rPr>
-              <a:t>AS</a:t>
-            </a:r>
-            <a:r>
-              <a:rPr lang="en-GB" b="0" i="0">
-                <a:solidFill>
-                  <a:srgbClr val="000000"/>
-                </a:solidFill>
-                <a:effectLst/>
-                <a:latin typeface="Courier New" panose="02070309020205020404" pitchFamily="49" charset="0"/>
-              </a:rPr>
-              <a:t> </a:t>
-            </a:r>
-            <a:r>
-              <a:rPr lang="en-GB" b="0" i="0">
-                <a:effectLst/>
-                <a:latin typeface="Courier New" panose="02070309020205020404" pitchFamily="49" charset="0"/>
-              </a:rPr>
-              <a:t>total_employees</a:t>
-            </a:r>
-            <a:br>
-              <a:rPr lang="en-GB"/>
-            </a:br>
-            <a:r>
-              <a:rPr lang="en-GB" b="0" i="0">
-                <a:effectLst/>
-                <a:latin typeface="Courier New" panose="02070309020205020404" pitchFamily="49" charset="0"/>
-              </a:rPr>
-              <a:t>FROM</a:t>
-            </a:r>
-            <a:r>
-              <a:rPr lang="en-GB" b="0" i="0">
-                <a:solidFill>
-                  <a:srgbClr val="000000"/>
-                </a:solidFill>
-                <a:effectLst/>
-                <a:latin typeface="Courier New" panose="02070309020205020404" pitchFamily="49" charset="0"/>
-              </a:rPr>
-              <a:t>   </a:t>
-            </a:r>
-            <a:r>
-              <a:rPr lang="en-GB" b="0" i="0">
-                <a:effectLst/>
-                <a:latin typeface="Courier New" panose="02070309020205020404" pitchFamily="49" charset="0"/>
-              </a:rPr>
-              <a:t>employee</a:t>
-            </a:r>
-            <a:r>
-              <a:rPr lang="en-GB" b="0" i="0">
-                <a:solidFill>
-                  <a:srgbClr val="000000"/>
-                </a:solidFill>
-                <a:effectLst/>
-                <a:latin typeface="Courier New" panose="02070309020205020404" pitchFamily="49" charset="0"/>
-              </a:rPr>
-              <a:t> </a:t>
-            </a:r>
-            <a:r>
-              <a:rPr lang="en-GB" b="0" i="0">
-                <a:effectLst/>
-                <a:latin typeface="Courier New" panose="02070309020205020404" pitchFamily="49" charset="0"/>
-              </a:rPr>
-              <a:t>e</a:t>
-            </a:r>
-            <a:br>
-              <a:rPr lang="en-GB"/>
-            </a:br>
-            <a:r>
-              <a:rPr lang="en-GB" b="0" i="0">
-                <a:solidFill>
-                  <a:srgbClr val="000000"/>
-                </a:solidFill>
-                <a:effectLst/>
-                <a:latin typeface="Courier New" panose="02070309020205020404" pitchFamily="49" charset="0"/>
-              </a:rPr>
-              <a:t>       </a:t>
-            </a:r>
-            <a:r>
-              <a:rPr lang="en-GB" b="0" i="0">
-                <a:effectLst/>
-                <a:latin typeface="Courier New" panose="02070309020205020404" pitchFamily="49" charset="0"/>
-              </a:rPr>
-              <a:t>LEFT</a:t>
-            </a:r>
-            <a:r>
-              <a:rPr lang="en-GB" b="0" i="0">
-                <a:solidFill>
-                  <a:srgbClr val="000000"/>
-                </a:solidFill>
-                <a:effectLst/>
-                <a:latin typeface="Courier New" panose="02070309020205020404" pitchFamily="49" charset="0"/>
-              </a:rPr>
-              <a:t> </a:t>
-            </a:r>
-            <a:r>
-              <a:rPr lang="en-GB" b="0" i="0">
-                <a:effectLst/>
-                <a:latin typeface="Courier New" panose="02070309020205020404" pitchFamily="49" charset="0"/>
-              </a:rPr>
-              <a:t>JOIN</a:t>
-            </a:r>
-            <a:r>
-              <a:rPr lang="en-GB" b="0" i="0">
-                <a:solidFill>
-                  <a:srgbClr val="000000"/>
-                </a:solidFill>
-                <a:effectLst/>
-                <a:latin typeface="Courier New" panose="02070309020205020404" pitchFamily="49" charset="0"/>
-              </a:rPr>
-              <a:t> </a:t>
-            </a:r>
-            <a:r>
-              <a:rPr lang="en-GB" b="0" i="0">
-                <a:effectLst/>
-                <a:latin typeface="Courier New" panose="02070309020205020404" pitchFamily="49" charset="0"/>
-              </a:rPr>
-              <a:t>contract</a:t>
-            </a:r>
-            <a:r>
-              <a:rPr lang="en-GB" b="0" i="0">
-                <a:solidFill>
-                  <a:srgbClr val="000000"/>
-                </a:solidFill>
-                <a:effectLst/>
-                <a:latin typeface="Courier New" panose="02070309020205020404" pitchFamily="49" charset="0"/>
-              </a:rPr>
-              <a:t> </a:t>
-            </a:r>
-            <a:r>
-              <a:rPr lang="en-GB" b="0" i="0">
-                <a:effectLst/>
-                <a:latin typeface="Courier New" panose="02070309020205020404" pitchFamily="49" charset="0"/>
-              </a:rPr>
-              <a:t>c</a:t>
-            </a:r>
-            <a:br>
-              <a:rPr lang="en-GB"/>
-            </a:br>
-            <a:r>
-              <a:rPr lang="en-GB" b="0" i="0">
-                <a:solidFill>
-                  <a:srgbClr val="000000"/>
-                </a:solidFill>
-                <a:effectLst/>
-                <a:latin typeface="Courier New" panose="02070309020205020404" pitchFamily="49" charset="0"/>
-              </a:rPr>
-              <a:t>              </a:t>
-            </a:r>
-            <a:r>
-              <a:rPr lang="en-GB" b="0" i="0">
-                <a:effectLst/>
-                <a:latin typeface="Courier New" panose="02070309020205020404" pitchFamily="49" charset="0"/>
-              </a:rPr>
-              <a:t>ON</a:t>
-            </a:r>
-            <a:r>
-              <a:rPr lang="en-GB" b="0" i="0">
-                <a:solidFill>
-                  <a:srgbClr val="000000"/>
-                </a:solidFill>
-                <a:effectLst/>
-                <a:latin typeface="Courier New" panose="02070309020205020404" pitchFamily="49" charset="0"/>
-              </a:rPr>
-              <a:t> </a:t>
-            </a:r>
-            <a:r>
-              <a:rPr lang="en-GB" b="0" i="0">
-                <a:effectLst/>
-                <a:latin typeface="Courier New" panose="02070309020205020404" pitchFamily="49" charset="0"/>
-              </a:rPr>
-              <a:t>e.employee_id</a:t>
-            </a:r>
-            <a:r>
-              <a:rPr lang="en-GB" b="0" i="0">
-                <a:solidFill>
-                  <a:srgbClr val="000000"/>
-                </a:solidFill>
-                <a:effectLst/>
-                <a:latin typeface="Courier New" panose="02070309020205020404" pitchFamily="49" charset="0"/>
-              </a:rPr>
-              <a:t> </a:t>
-            </a:r>
-            <a:r>
-              <a:rPr lang="en-GB" b="0" i="0">
-                <a:effectLst/>
-                <a:latin typeface="Courier New" panose="02070309020205020404" pitchFamily="49" charset="0"/>
-              </a:rPr>
-              <a:t>=</a:t>
-            </a:r>
-            <a:r>
-              <a:rPr lang="en-GB" b="0" i="0">
-                <a:solidFill>
-                  <a:srgbClr val="000000"/>
-                </a:solidFill>
-                <a:effectLst/>
-                <a:latin typeface="Courier New" panose="02070309020205020404" pitchFamily="49" charset="0"/>
-              </a:rPr>
-              <a:t> </a:t>
-            </a:r>
-            <a:r>
-              <a:rPr lang="en-GB" b="0" i="0">
-                <a:effectLst/>
-                <a:latin typeface="Courier New" panose="02070309020205020404" pitchFamily="49" charset="0"/>
-              </a:rPr>
-              <a:t>c.employee_id</a:t>
-            </a:r>
-            <a:br>
-              <a:rPr lang="en-GB"/>
-            </a:br>
-            <a:r>
-              <a:rPr lang="en-GB" b="0" i="0">
-                <a:effectLst/>
-                <a:latin typeface="Courier New" panose="02070309020205020404" pitchFamily="49" charset="0"/>
-              </a:rPr>
-              <a:t>WHERE</a:t>
-            </a:r>
-            <a:r>
-              <a:rPr lang="en-GB" b="0" i="0">
-                <a:solidFill>
-                  <a:srgbClr val="000000"/>
-                </a:solidFill>
-                <a:effectLst/>
-                <a:latin typeface="Courier New" panose="02070309020205020404" pitchFamily="49" charset="0"/>
-              </a:rPr>
-              <a:t>   &lt;Date_Filter&gt; </a:t>
-            </a:r>
-            <a:r>
-              <a:rPr lang="en-GB" b="0" i="0">
-                <a:effectLst/>
-                <a:latin typeface="Courier New" panose="02070309020205020404" pitchFamily="49" charset="0"/>
-              </a:rPr>
-              <a:t>BETWEEN</a:t>
-            </a:r>
-            <a:r>
-              <a:rPr lang="en-GB" b="0" i="0">
-                <a:solidFill>
-                  <a:srgbClr val="000000"/>
-                </a:solidFill>
-                <a:effectLst/>
-                <a:latin typeface="Courier New" panose="02070309020205020404" pitchFamily="49" charset="0"/>
-              </a:rPr>
-              <a:t> </a:t>
-            </a:r>
-            <a:r>
-              <a:rPr lang="en-GB" b="0" i="0">
-                <a:effectLst/>
-                <a:latin typeface="Courier New" panose="02070309020205020404" pitchFamily="49" charset="0"/>
-              </a:rPr>
-              <a:t>c.start_date</a:t>
-            </a:r>
-            <a:r>
-              <a:rPr lang="en-GB" b="0" i="0">
-                <a:solidFill>
-                  <a:srgbClr val="000000"/>
-                </a:solidFill>
-                <a:effectLst/>
-                <a:latin typeface="Courier New" panose="02070309020205020404" pitchFamily="49" charset="0"/>
-              </a:rPr>
-              <a:t> </a:t>
-            </a:r>
-            <a:r>
-              <a:rPr lang="en-GB" b="0" i="0">
-                <a:effectLst/>
-                <a:latin typeface="Courier New" panose="02070309020205020404" pitchFamily="49" charset="0"/>
-              </a:rPr>
-              <a:t>AND</a:t>
-            </a:r>
-            <a:r>
-              <a:rPr lang="en-GB" b="0" i="0">
-                <a:solidFill>
-                  <a:srgbClr val="000000"/>
-                </a:solidFill>
-                <a:effectLst/>
-                <a:latin typeface="Courier New" panose="02070309020205020404" pitchFamily="49" charset="0"/>
-              </a:rPr>
-              <a:t> </a:t>
-            </a:r>
-            <a:r>
-              <a:rPr lang="en-GB" b="1" i="0">
-                <a:effectLst/>
-                <a:latin typeface="Courier New" panose="02070309020205020404" pitchFamily="49" charset="0"/>
-              </a:rPr>
-              <a:t>IF</a:t>
-            </a:r>
-            <a:r>
-              <a:rPr lang="en-GB" b="0" i="0">
-                <a:effectLst/>
-                <a:latin typeface="Courier New" panose="02070309020205020404" pitchFamily="49" charset="0"/>
-              </a:rPr>
-              <a:t>(c.end_date</a:t>
-            </a:r>
-            <a:r>
-              <a:rPr lang="en-GB" b="0" i="0">
-                <a:solidFill>
-                  <a:srgbClr val="000000"/>
-                </a:solidFill>
-                <a:effectLst/>
-                <a:latin typeface="Courier New" panose="02070309020205020404" pitchFamily="49" charset="0"/>
-              </a:rPr>
-              <a:t> </a:t>
-            </a:r>
-            <a:r>
-              <a:rPr lang="en-GB" b="0" i="0">
-                <a:effectLst/>
-                <a:latin typeface="Courier New" panose="02070309020205020404" pitchFamily="49" charset="0"/>
-              </a:rPr>
-              <a:t>!=</a:t>
-            </a:r>
-            <a:r>
-              <a:rPr lang="en-GB" b="0" i="0">
-                <a:solidFill>
-                  <a:srgbClr val="000000"/>
-                </a:solidFill>
-                <a:effectLst/>
-                <a:latin typeface="Courier New" panose="02070309020205020404" pitchFamily="49" charset="0"/>
-              </a:rPr>
-              <a:t> </a:t>
-            </a:r>
-            <a:r>
-              <a:rPr lang="en-GB" b="0" i="0">
-                <a:effectLst/>
-                <a:latin typeface="Courier New" panose="02070309020205020404" pitchFamily="49" charset="0"/>
-              </a:rPr>
-              <a:t>NULL,</a:t>
-            </a:r>
-            <a:br>
-              <a:rPr lang="en-GB"/>
-            </a:br>
-            <a:r>
-              <a:rPr lang="en-GB" b="0" i="0">
-                <a:solidFill>
-                  <a:srgbClr val="000000"/>
-                </a:solidFill>
-                <a:effectLst/>
-                <a:latin typeface="Courier New" panose="02070309020205020404" pitchFamily="49" charset="0"/>
-              </a:rPr>
-              <a:t>                                                   </a:t>
-            </a:r>
-            <a:r>
-              <a:rPr lang="en-GB" b="0" i="0">
-                <a:effectLst/>
-                <a:latin typeface="Courier New" panose="02070309020205020404" pitchFamily="49" charset="0"/>
-              </a:rPr>
-              <a:t>c.end_date,</a:t>
-            </a:r>
-            <a:br>
-              <a:rPr lang="en-GB"/>
-            </a:br>
-            <a:r>
-              <a:rPr lang="en-GB" b="0" i="0">
-                <a:solidFill>
-                  <a:srgbClr val="000000"/>
-                </a:solidFill>
-                <a:effectLst/>
-                <a:latin typeface="Courier New" panose="02070309020205020404" pitchFamily="49" charset="0"/>
-              </a:rPr>
-              <a:t>                                                   </a:t>
-            </a:r>
-            <a:r>
-              <a:rPr lang="en-GB" b="1" i="0">
-                <a:effectLst/>
-                <a:latin typeface="Courier New" panose="02070309020205020404" pitchFamily="49" charset="0"/>
-              </a:rPr>
-              <a:t>Curdate</a:t>
-            </a:r>
-            <a:r>
-              <a:rPr lang="en-GB" b="0" i="0">
-                <a:effectLst/>
-                <a:latin typeface="Courier New" panose="02070309020205020404" pitchFamily="49" charset="0"/>
-              </a:rPr>
-              <a:t>())</a:t>
-            </a:r>
-            <a:endParaRPr lang="en-US"/>
+              <a:rPr lang="en-US" cap="none"/>
+              <a:t>Hiring</a:t>
+            </a:r>
           </a:p>
         </p:txBody>
       </p:sp>
@@ -11790,7 +7116,7 @@
               </a:ext>
             </a:extLst>
           </a:blip>
-          <a:srcRect l="1172" t="13728" r="3057" b="72170"/>
+          <a:srcRect l="2047" t="46563" r="2183" b="39335"/>
           <a:stretch/>
         </p:blipFill>
         <p:spPr bwMode="auto">
@@ -11813,10 +7139,41 @@
           </a:extLst>
         </p:spPr>
       </p:pic>
+      <p:pic>
+        <p:nvPicPr>
+          <p:cNvPr id="7" name="Content Placeholder 6">
+            <a:extLst>
+              <a:ext uri="{FF2B5EF4-FFF2-40B4-BE49-F238E27FC236}">
+                <a16:creationId xmlns:a16="http://schemas.microsoft.com/office/drawing/2014/main" id="{6C968D25-FB31-4890-5E86-490BF9A2C299}"/>
+              </a:ext>
+            </a:extLst>
+          </p:cNvPr>
+          <p:cNvPicPr>
+            <a:picLocks noGrp="1" noChangeAspect="1"/>
+          </p:cNvPicPr>
+          <p:nvPr>
+            <p:ph idx="1"/>
+          </p:nvPr>
+        </p:nvPicPr>
+        <p:blipFill rotWithShape="1">
+          <a:blip r:embed="rId3"/>
+          <a:srcRect t="4406" b="3981"/>
+          <a:stretch/>
+        </p:blipFill>
+        <p:spPr>
+          <a:xfrm>
+            <a:off x="3372678" y="2029968"/>
+            <a:ext cx="5446644" cy="4228997"/>
+          </a:xfrm>
+          <a:prstGeom prst="rect">
+            <a:avLst/>
+          </a:prstGeom>
+        </p:spPr>
+      </p:pic>
     </p:spTree>
     <p:extLst>
       <p:ext uri="{BB962C8B-B14F-4D97-AF65-F5344CB8AC3E}">
-        <p14:creationId xmlns:p14="http://schemas.microsoft.com/office/powerpoint/2010/main" val="200268799"/>
+        <p14:creationId xmlns:p14="http://schemas.microsoft.com/office/powerpoint/2010/main" val="1811837949"/>
       </p:ext>
     </p:extLst>
   </p:cSld>
